--- a/src/Input_Specification/GOM_description.pptx
+++ b/src/Input_Specification/GOM_description.pptx
@@ -5,10 +5,10 @@
     <p:sldMasterId id="2147483648" r:id="rId1"/>
   </p:sldMasterIdLst>
   <p:notesMasterIdLst>
-    <p:notesMasterId r:id="rId44"/>
+    <p:notesMasterId r:id="rId45"/>
   </p:notesMasterIdLst>
   <p:handoutMasterIdLst>
-    <p:handoutMasterId r:id="rId45"/>
+    <p:handoutMasterId r:id="rId46"/>
   </p:handoutMasterIdLst>
   <p:sldIdLst>
     <p:sldId id="259" r:id="rId2"/>
@@ -36,23 +36,24 @@
     <p:sldId id="604" r:id="rId24"/>
     <p:sldId id="590" r:id="rId25"/>
     <p:sldId id="601" r:id="rId26"/>
-    <p:sldId id="591" r:id="rId27"/>
-    <p:sldId id="599" r:id="rId28"/>
-    <p:sldId id="600" r:id="rId29"/>
-    <p:sldId id="592" r:id="rId30"/>
-    <p:sldId id="595" r:id="rId31"/>
-    <p:sldId id="593" r:id="rId32"/>
-    <p:sldId id="594" r:id="rId33"/>
-    <p:sldId id="619" r:id="rId34"/>
-    <p:sldId id="611" r:id="rId35"/>
-    <p:sldId id="613" r:id="rId36"/>
-    <p:sldId id="621" r:id="rId37"/>
-    <p:sldId id="622" r:id="rId38"/>
-    <p:sldId id="626" r:id="rId39"/>
-    <p:sldId id="625" r:id="rId40"/>
-    <p:sldId id="615" r:id="rId41"/>
-    <p:sldId id="620" r:id="rId42"/>
-    <p:sldId id="587" r:id="rId43"/>
+    <p:sldId id="637" r:id="rId27"/>
+    <p:sldId id="591" r:id="rId28"/>
+    <p:sldId id="599" r:id="rId29"/>
+    <p:sldId id="600" r:id="rId30"/>
+    <p:sldId id="592" r:id="rId31"/>
+    <p:sldId id="595" r:id="rId32"/>
+    <p:sldId id="593" r:id="rId33"/>
+    <p:sldId id="594" r:id="rId34"/>
+    <p:sldId id="619" r:id="rId35"/>
+    <p:sldId id="611" r:id="rId36"/>
+    <p:sldId id="613" r:id="rId37"/>
+    <p:sldId id="621" r:id="rId38"/>
+    <p:sldId id="622" r:id="rId39"/>
+    <p:sldId id="626" r:id="rId40"/>
+    <p:sldId id="625" r:id="rId41"/>
+    <p:sldId id="615" r:id="rId42"/>
+    <p:sldId id="620" r:id="rId43"/>
+    <p:sldId id="587" r:id="rId44"/>
   </p:sldIdLst>
   <p:sldSz cx="9144000" cy="6858000" type="screen4x3"/>
   <p:notesSz cx="6794500" cy="9906000"/>
@@ -380,7 +381,7 @@
             <a:fld id="{FF34BC86-26B2-4E97-84BC-86D2BECDFB93}" type="datetime4">
               <a:rPr lang="nl-NL"/>
               <a:pPr/>
-              <a:t>15 april 2022</a:t>
+              <a:t>25 juni 2024</a:t>
             </a:fld>
             <a:endParaRPr lang="nl-NL"/>
           </a:p>
@@ -698,7 +699,7 @@
             <a:fld id="{D87936C7-6A70-449E-955C-4D17B497A807}" type="datetime4">
               <a:rPr lang="nl-NL"/>
               <a:pPr/>
-              <a:t>15 april 2022</a:t>
+              <a:t>25 juni 2024</a:t>
             </a:fld>
             <a:endParaRPr lang="nl-NL"/>
           </a:p>
@@ -1185,7 +1186,7 @@
             <a:fld id="{D87936C7-6A70-449E-955C-4D17B497A807}" type="datetime4">
               <a:rPr lang="nl-NL" smtClean="0"/>
               <a:pPr/>
-              <a:t>15 april 2022</a:t>
+              <a:t>25 juni 2024</a:t>
             </a:fld>
             <a:endParaRPr lang="nl-NL"/>
           </a:p>
@@ -1294,7 +1295,7 @@
             <a:fld id="{D87936C7-6A70-449E-955C-4D17B497A807}" type="datetime4">
               <a:rPr lang="nl-NL" smtClean="0"/>
               <a:pPr/>
-              <a:t>15 april 2022</a:t>
+              <a:t>25 juni 2024</a:t>
             </a:fld>
             <a:endParaRPr lang="nl-NL"/>
           </a:p>
@@ -1403,7 +1404,7 @@
             <a:fld id="{D87936C7-6A70-449E-955C-4D17B497A807}" type="datetime4">
               <a:rPr lang="nl-NL" smtClean="0"/>
               <a:pPr/>
-              <a:t>15 april 2022</a:t>
+              <a:t>25 juni 2024</a:t>
             </a:fld>
             <a:endParaRPr lang="nl-NL"/>
           </a:p>
@@ -1512,7 +1513,7 @@
             <a:fld id="{D87936C7-6A70-449E-955C-4D17B497A807}" type="datetime4">
               <a:rPr lang="nl-NL" smtClean="0"/>
               <a:pPr/>
-              <a:t>15 april 2022</a:t>
+              <a:t>25 juni 2024</a:t>
             </a:fld>
             <a:endParaRPr lang="nl-NL"/>
           </a:p>
@@ -1621,7 +1622,7 @@
             <a:fld id="{D87936C7-6A70-449E-955C-4D17B497A807}" type="datetime4">
               <a:rPr lang="nl-NL" smtClean="0"/>
               <a:pPr/>
-              <a:t>15 april 2022</a:t>
+              <a:t>25 juni 2024</a:t>
             </a:fld>
             <a:endParaRPr lang="nl-NL"/>
           </a:p>
@@ -4668,14 +4669,7 @@
                 <a:latin typeface="Calibri" panose="020F0502020204030204" pitchFamily="34" charset="0"/>
                 <a:cs typeface="Calibri" panose="020F0502020204030204" pitchFamily="34" charset="0"/>
               </a:rPr>
-              <a:t>0	0 </a:t>
-            </a:r>
-            <a:r>
-              <a:rPr lang="es-ES" dirty="0">
-                <a:latin typeface="Calibri" panose="020F0502020204030204" pitchFamily="34" charset="0"/>
-                <a:cs typeface="Calibri" panose="020F0502020204030204" pitchFamily="34" charset="0"/>
-              </a:rPr>
-              <a:t>	</a:t>
+              <a:t>0	0 	</a:t>
             </a:r>
             <a:endParaRPr lang="es-ES" dirty="0" smtClean="0">
               <a:latin typeface="Calibri" panose="020F0502020204030204" pitchFamily="34" charset="0"/>
@@ -6453,11 +6447,7 @@
             <a:pPr algn="ctr"/>
             <a:r>
               <a:rPr lang="en-US" dirty="0" smtClean="0"/>
-              <a:t>Loading conditions on </a:t>
-            </a:r>
-            <a:r>
-              <a:rPr lang="en-US" dirty="0" smtClean="0"/>
-              <a:t>solid: SYSTEM A</a:t>
+              <a:t>Loading conditions on solid: SYSTEM A</a:t>
             </a:r>
             <a:endParaRPr lang="es-ES" dirty="0"/>
           </a:p>
@@ -7550,11 +7540,7 @@
             <a:pPr algn="ctr"/>
             <a:r>
               <a:rPr lang="en-US" dirty="0" smtClean="0"/>
-              <a:t>Loading conditions on </a:t>
-            </a:r>
-            <a:r>
-              <a:rPr lang="en-US" dirty="0" smtClean="0"/>
-              <a:t>solid: SYSTEM B</a:t>
+              <a:t>Loading conditions on solid: SYSTEM B</a:t>
             </a:r>
             <a:endParaRPr lang="es-ES" dirty="0"/>
           </a:p>
@@ -7595,10 +7581,6 @@
               </a:rPr>
               <a:t>START_LOAD_ON_NODES_SOLID_B</a:t>
             </a:r>
-            <a:endParaRPr lang="es-ES" dirty="0" smtClean="0">
-              <a:latin typeface="Calibri" panose="020F0502020204030204" pitchFamily="34" charset="0"/>
-              <a:cs typeface="Calibri" panose="020F0502020204030204" pitchFamily="34" charset="0"/>
-            </a:endParaRPr>
           </a:p>
           <a:p>
             <a:r>
@@ -8108,19 +8090,8 @@
                 <a:latin typeface="Calibri" panose="020F0502020204030204" pitchFamily="34" charset="0"/>
                 <a:cs typeface="Calibri" panose="020F0502020204030204" pitchFamily="34" charset="0"/>
               </a:rPr>
-              <a:t>$$</a:t>
-            </a:r>
-            <a:r>
-              <a:rPr lang="es-ES" dirty="0" smtClean="0">
-                <a:latin typeface="Calibri" panose="020F0502020204030204" pitchFamily="34" charset="0"/>
-                <a:cs typeface="Calibri" panose="020F0502020204030204" pitchFamily="34" charset="0"/>
-              </a:rPr>
-              <a:t>START_LOAD_ON_MATERIAL_POINTS_SOLID_B</a:t>
-            </a:r>
-            <a:endParaRPr lang="es-ES" dirty="0" smtClean="0">
-              <a:latin typeface="Calibri" panose="020F0502020204030204" pitchFamily="34" charset="0"/>
-              <a:cs typeface="Calibri" panose="020F0502020204030204" pitchFamily="34" charset="0"/>
-            </a:endParaRPr>
+              <a:t>$$START_LOAD_ON_MATERIAL_POINTS_SOLID_B</a:t>
+            </a:r>
           </a:p>
           <a:p>
             <a:r>
@@ -9808,10 +9779,6 @@
               </a:rPr>
               <a:t>START_LOAD_ON_NODES_LIQUID_B</a:t>
             </a:r>
-            <a:endParaRPr lang="es-ES" dirty="0" smtClean="0">
-              <a:latin typeface="Calibri" panose="020F0502020204030204" pitchFamily="34" charset="0"/>
-              <a:cs typeface="Calibri" panose="020F0502020204030204" pitchFamily="34" charset="0"/>
-            </a:endParaRPr>
           </a:p>
           <a:p>
             <a:r>
@@ -10321,19 +10288,8 @@
                 <a:latin typeface="Calibri" panose="020F0502020204030204" pitchFamily="34" charset="0"/>
                 <a:cs typeface="Calibri" panose="020F0502020204030204" pitchFamily="34" charset="0"/>
               </a:rPr>
-              <a:t>$$</a:t>
-            </a:r>
-            <a:r>
-              <a:rPr lang="es-ES" dirty="0" smtClean="0">
-                <a:latin typeface="Calibri" panose="020F0502020204030204" pitchFamily="34" charset="0"/>
-                <a:cs typeface="Calibri" panose="020F0502020204030204" pitchFamily="34" charset="0"/>
-              </a:rPr>
-              <a:t>START_LOAD_ON_MATERIAL_POINTS_LIQUID_B</a:t>
-            </a:r>
-            <a:endParaRPr lang="es-ES" dirty="0" smtClean="0">
-              <a:latin typeface="Calibri" panose="020F0502020204030204" pitchFamily="34" charset="0"/>
-              <a:cs typeface="Calibri" panose="020F0502020204030204" pitchFamily="34" charset="0"/>
-            </a:endParaRPr>
+              <a:t>$$START_LOAD_ON_MATERIAL_POINTS_LIQUID_B</a:t>
+            </a:r>
           </a:p>
           <a:p>
             <a:r>
@@ -12021,10 +11977,6 @@
               </a:rPr>
               <a:t>START_LOAD_ON_NODES_GAS_B</a:t>
             </a:r>
-            <a:endParaRPr lang="es-ES" dirty="0" smtClean="0">
-              <a:latin typeface="Calibri" panose="020F0502020204030204" pitchFamily="34" charset="0"/>
-              <a:cs typeface="Calibri" panose="020F0502020204030204" pitchFamily="34" charset="0"/>
-            </a:endParaRPr>
           </a:p>
           <a:p>
             <a:r>
@@ -12534,19 +12486,8 @@
                 <a:latin typeface="Calibri" panose="020F0502020204030204" pitchFamily="34" charset="0"/>
                 <a:cs typeface="Calibri" panose="020F0502020204030204" pitchFamily="34" charset="0"/>
               </a:rPr>
-              <a:t>$$</a:t>
-            </a:r>
-            <a:r>
-              <a:rPr lang="es-ES" dirty="0" smtClean="0">
-                <a:latin typeface="Calibri" panose="020F0502020204030204" pitchFamily="34" charset="0"/>
-                <a:cs typeface="Calibri" panose="020F0502020204030204" pitchFamily="34" charset="0"/>
-              </a:rPr>
-              <a:t>START_LOAD_ON_MATERIAL_POINTS_GAS_B</a:t>
-            </a:r>
-            <a:endParaRPr lang="es-ES" dirty="0" smtClean="0">
-              <a:latin typeface="Calibri" panose="020F0502020204030204" pitchFamily="34" charset="0"/>
-              <a:cs typeface="Calibri" panose="020F0502020204030204" pitchFamily="34" charset="0"/>
-            </a:endParaRPr>
+              <a:t>$$START_LOAD_ON_MATERIAL_POINTS_GAS_B</a:t>
+            </a:r>
           </a:p>
           <a:p>
             <a:r>
@@ -16275,7 +16216,11 @@
             <a:pPr algn="ctr"/>
             <a:r>
               <a:rPr lang="en-US" dirty="0" smtClean="0"/>
-              <a:t>Solid absorbing boundary</a:t>
+              <a:t>Constructio</a:t>
+            </a:r>
+            <a:r>
+              <a:rPr lang="en-US" dirty="0" smtClean="0"/>
+              <a:t>n</a:t>
             </a:r>
             <a:endParaRPr lang="es-ES" dirty="0"/>
           </a:p>
@@ -16283,39 +16228,69 @@
       </p:sp>
       <p:sp>
         <p:nvSpPr>
-          <p:cNvPr id="4" name="Rectangle 3"/>
+          <p:cNvPr id="5" name="Rectangle 4"/>
           <p:cNvSpPr/>
           <p:nvPr/>
         </p:nvSpPr>
         <p:spPr>
           <a:xfrm>
-            <a:off x="129208" y="851386"/>
-            <a:ext cx="9074426" cy="4708981"/>
+            <a:off x="132522" y="852247"/>
+            <a:ext cx="6096000" cy="2462213"/>
           </a:xfrm>
           <a:prstGeom prst="rect">
             <a:avLst/>
           </a:prstGeom>
         </p:spPr>
         <p:txBody>
-          <a:bodyPr wrap="square">
+          <a:bodyPr>
             <a:spAutoFit/>
           </a:bodyPr>
           <a:lstStyle/>
           <a:p>
             <a:r>
+              <a:rPr lang="es-ES" dirty="0" smtClean="0">
+                <a:latin typeface="Calibri" panose="020F0502020204030204" pitchFamily="34" charset="0"/>
+                <a:cs typeface="Calibri" panose="020F0502020204030204" pitchFamily="34" charset="0"/>
+              </a:rPr>
+              <a:t>$$</a:t>
+            </a:r>
+            <a:r>
               <a:rPr lang="es-ES" dirty="0">
                 <a:latin typeface="Calibri" panose="020F0502020204030204" pitchFamily="34" charset="0"/>
                 <a:cs typeface="Calibri" panose="020F0502020204030204" pitchFamily="34" charset="0"/>
               </a:rPr>
-              <a:t>$$</a:t>
-            </a:r>
-            <a:r>
-              <a:rPr lang="es-ES" dirty="0" smtClean="0">
-                <a:latin typeface="Calibri" panose="020F0502020204030204" pitchFamily="34" charset="0"/>
-                <a:cs typeface="Calibri" panose="020F0502020204030204" pitchFamily="34" charset="0"/>
-              </a:rPr>
-              <a:t>ABSORBING_BOUNDARY_SURFACE_SOLID</a:t>
-            </a:r>
+              <a:t>START_CONSTRUCTION_SOLID</a:t>
+            </a:r>
+            <a:endParaRPr lang="es-ES" dirty="0" smtClean="0">
+              <a:latin typeface="Calibri" panose="020F0502020204030204" pitchFamily="34" charset="0"/>
+              <a:cs typeface="Calibri" panose="020F0502020204030204" pitchFamily="34" charset="0"/>
+            </a:endParaRPr>
+          </a:p>
+          <a:p>
+            <a:r>
+              <a:rPr lang="es-ES" i="1" dirty="0">
+                <a:solidFill>
+                  <a:srgbClr val="4197C9"/>
+                </a:solidFill>
+                <a:latin typeface="Calibri" panose="020F0502020204030204" pitchFamily="34" charset="0"/>
+                <a:cs typeface="Calibri" panose="020F0502020204030204" pitchFamily="34" charset="0"/>
+              </a:rPr>
+              <a:t>3D </a:t>
+            </a:r>
+            <a:r>
+              <a:rPr lang="es-ES" i="1" dirty="0" err="1" smtClean="0">
+                <a:solidFill>
+                  <a:srgbClr val="4197C9"/>
+                </a:solidFill>
+                <a:latin typeface="Calibri" panose="020F0502020204030204" pitchFamily="34" charset="0"/>
+                <a:cs typeface="Calibri" panose="020F0502020204030204" pitchFamily="34" charset="0"/>
+              </a:rPr>
+              <a:t>models</a:t>
+            </a:r>
+            <a:endParaRPr lang="es-ES" dirty="0" smtClean="0">
+              <a:latin typeface="Calibri" panose="020F0502020204030204" pitchFamily="34" charset="0"/>
+              <a:cs typeface="Calibri" panose="020F0502020204030204" pitchFamily="34" charset="0"/>
+            </a:endParaRPr>
           </a:p>
           <a:p>
             <a:r>
@@ -16323,21 +16298,70 @@
                 <a:latin typeface="Calibri" panose="020F0502020204030204" pitchFamily="34" charset="0"/>
                 <a:cs typeface="Calibri" panose="020F0502020204030204" pitchFamily="34" charset="0"/>
               </a:rPr>
-              <a:t>Number</a:t>
-            </a:r>
-            <a:r>
-              <a:rPr lang="es-ES" sz="1400" i="1" dirty="0" smtClean="0">
-                <a:latin typeface="Calibri" panose="020F0502020204030204" pitchFamily="34" charset="0"/>
-                <a:cs typeface="Calibri" panose="020F0502020204030204" pitchFamily="34" charset="0"/>
-              </a:rPr>
-              <a:t> of </a:t>
+              <a:t>Excavated</a:t>
+            </a:r>
+            <a:r>
+              <a:rPr lang="es-ES" sz="1400" i="1" dirty="0" smtClean="0">
+                <a:latin typeface="Calibri" panose="020F0502020204030204" pitchFamily="34" charset="0"/>
+                <a:cs typeface="Calibri" panose="020F0502020204030204" pitchFamily="34" charset="0"/>
+              </a:rPr>
+              <a:t> </a:t>
             </a:r>
             <a:r>
               <a:rPr lang="es-ES" sz="1400" i="1" dirty="0" err="1" smtClean="0">
                 <a:latin typeface="Calibri" panose="020F0502020204030204" pitchFamily="34" charset="0"/>
                 <a:cs typeface="Calibri" panose="020F0502020204030204" pitchFamily="34" charset="0"/>
               </a:rPr>
-              <a:t>surfaces</a:t>
+              <a:t>volume</a:t>
+            </a:r>
+            <a:r>
+              <a:rPr lang="es-ES" sz="1400" i="1" dirty="0" smtClean="0">
+                <a:latin typeface="Calibri" panose="020F0502020204030204" pitchFamily="34" charset="0"/>
+                <a:cs typeface="Calibri" panose="020F0502020204030204" pitchFamily="34" charset="0"/>
+              </a:rPr>
+              <a:t> ID	</a:t>
+            </a:r>
+            <a:r>
+              <a:rPr lang="es-ES" sz="1400" i="1" dirty="0">
+                <a:latin typeface="Calibri" panose="020F0502020204030204" pitchFamily="34" charset="0"/>
+                <a:cs typeface="Calibri" panose="020F0502020204030204" pitchFamily="34" charset="0"/>
+              </a:rPr>
+              <a:t> </a:t>
+            </a:r>
+            <a:r>
+              <a:rPr lang="es-ES" sz="1400" i="1" dirty="0" err="1">
+                <a:latin typeface="Calibri" panose="020F0502020204030204" pitchFamily="34" charset="0"/>
+                <a:cs typeface="Calibri" panose="020F0502020204030204" pitchFamily="34" charset="0"/>
+              </a:rPr>
+              <a:t>Excavated</a:t>
+            </a:r>
+            <a:r>
+              <a:rPr lang="es-ES" sz="1400" i="1" dirty="0">
+                <a:latin typeface="Calibri" panose="020F0502020204030204" pitchFamily="34" charset="0"/>
+                <a:cs typeface="Calibri" panose="020F0502020204030204" pitchFamily="34" charset="0"/>
+              </a:rPr>
+              <a:t> </a:t>
+            </a:r>
+            <a:r>
+              <a:rPr lang="es-ES" sz="1400" i="1" dirty="0" err="1">
+                <a:latin typeface="Calibri" panose="020F0502020204030204" pitchFamily="34" charset="0"/>
+                <a:cs typeface="Calibri" panose="020F0502020204030204" pitchFamily="34" charset="0"/>
+              </a:rPr>
+              <a:t>e</a:t>
+            </a:r>
+            <a:r>
+              <a:rPr lang="es-ES" sz="1400" i="1" dirty="0" err="1" smtClean="0">
+                <a:latin typeface="Calibri" panose="020F0502020204030204" pitchFamily="34" charset="0"/>
+                <a:cs typeface="Calibri" panose="020F0502020204030204" pitchFamily="34" charset="0"/>
+              </a:rPr>
+              <a:t>lements</a:t>
+            </a:r>
+            <a:r>
+              <a:rPr lang="es-ES" sz="1400" i="1" dirty="0" smtClean="0">
+                <a:latin typeface="Calibri" panose="020F0502020204030204" pitchFamily="34" charset="0"/>
+                <a:cs typeface="Calibri" panose="020F0502020204030204" pitchFamily="34" charset="0"/>
+              </a:rPr>
+              <a:t> ID	</a:t>
             </a:r>
             <a:endParaRPr lang="es-ES" sz="1400" i="1" dirty="0">
               <a:latin typeface="Calibri" panose="020F0502020204030204" pitchFamily="34" charset="0"/>
@@ -16350,121 +16374,7 @@
                 <a:latin typeface="Calibri" panose="020F0502020204030204" pitchFamily="34" charset="0"/>
                 <a:cs typeface="Calibri" panose="020F0502020204030204" pitchFamily="34" charset="0"/>
               </a:rPr>
-              <a:t>0</a:t>
-            </a:r>
-          </a:p>
-          <a:p>
-            <a:r>
-              <a:rPr lang="es-ES" sz="1400" i="1" dirty="0" smtClean="0">
-                <a:latin typeface="Calibri" panose="020F0502020204030204" pitchFamily="34" charset="0"/>
-                <a:cs typeface="Calibri" panose="020F0502020204030204" pitchFamily="34" charset="0"/>
-              </a:rPr>
-              <a:t>Surface ID	x-</a:t>
-            </a:r>
-            <a:r>
-              <a:rPr lang="es-ES" sz="1400" i="1" dirty="0" err="1" smtClean="0">
-                <a:latin typeface="Calibri" panose="020F0502020204030204" pitchFamily="34" charset="0"/>
-                <a:cs typeface="Calibri" panose="020F0502020204030204" pitchFamily="34" charset="0"/>
-              </a:rPr>
-              <a:t>direction</a:t>
-            </a:r>
-            <a:r>
-              <a:rPr lang="es-ES" sz="1400" i="1" dirty="0" smtClean="0">
-                <a:latin typeface="Calibri" panose="020F0502020204030204" pitchFamily="34" charset="0"/>
-                <a:cs typeface="Calibri" panose="020F0502020204030204" pitchFamily="34" charset="0"/>
-              </a:rPr>
-              <a:t>	</a:t>
-            </a:r>
-            <a:r>
-              <a:rPr lang="es-ES" sz="1400" i="1" dirty="0" err="1" smtClean="0">
-                <a:latin typeface="Calibri" panose="020F0502020204030204" pitchFamily="34" charset="0"/>
-                <a:cs typeface="Calibri" panose="020F0502020204030204" pitchFamily="34" charset="0"/>
-              </a:rPr>
-              <a:t>alpha</a:t>
-            </a:r>
-            <a:r>
-              <a:rPr lang="es-ES" sz="1400" i="1" dirty="0" smtClean="0">
-                <a:latin typeface="Calibri" panose="020F0502020204030204" pitchFamily="34" charset="0"/>
-                <a:cs typeface="Calibri" panose="020F0502020204030204" pitchFamily="34" charset="0"/>
-              </a:rPr>
-              <a:t>    delta	y-</a:t>
-            </a:r>
-            <a:r>
-              <a:rPr lang="es-ES" sz="1400" i="1" dirty="0" err="1" smtClean="0">
-                <a:latin typeface="Calibri" panose="020F0502020204030204" pitchFamily="34" charset="0"/>
-                <a:cs typeface="Calibri" panose="020F0502020204030204" pitchFamily="34" charset="0"/>
-              </a:rPr>
-              <a:t>direction</a:t>
-            </a:r>
-            <a:r>
-              <a:rPr lang="es-ES" sz="1400" i="1" dirty="0" smtClean="0">
-                <a:latin typeface="Calibri" panose="020F0502020204030204" pitchFamily="34" charset="0"/>
-                <a:cs typeface="Calibri" panose="020F0502020204030204" pitchFamily="34" charset="0"/>
-              </a:rPr>
-              <a:t>	</a:t>
-            </a:r>
-            <a:r>
-              <a:rPr lang="es-ES" sz="1400" i="1" dirty="0" err="1" smtClean="0">
-                <a:latin typeface="Calibri" panose="020F0502020204030204" pitchFamily="34" charset="0"/>
-                <a:cs typeface="Calibri" panose="020F0502020204030204" pitchFamily="34" charset="0"/>
-              </a:rPr>
-              <a:t>alpha</a:t>
-            </a:r>
-            <a:r>
-              <a:rPr lang="es-ES" sz="1400" i="1" dirty="0" smtClean="0">
-                <a:latin typeface="Calibri" panose="020F0502020204030204" pitchFamily="34" charset="0"/>
-                <a:cs typeface="Calibri" panose="020F0502020204030204" pitchFamily="34" charset="0"/>
-              </a:rPr>
-              <a:t>   delta		z-</a:t>
-            </a:r>
-            <a:r>
-              <a:rPr lang="es-ES" sz="1400" i="1" dirty="0" err="1" smtClean="0">
-                <a:latin typeface="Calibri" panose="020F0502020204030204" pitchFamily="34" charset="0"/>
-                <a:cs typeface="Calibri" panose="020F0502020204030204" pitchFamily="34" charset="0"/>
-              </a:rPr>
-              <a:t>direction</a:t>
-            </a:r>
-            <a:r>
-              <a:rPr lang="es-ES" sz="1400" i="1" dirty="0" smtClean="0">
-                <a:latin typeface="Calibri" panose="020F0502020204030204" pitchFamily="34" charset="0"/>
-                <a:cs typeface="Calibri" panose="020F0502020204030204" pitchFamily="34" charset="0"/>
-              </a:rPr>
-              <a:t> (3D </a:t>
-            </a:r>
-            <a:r>
-              <a:rPr lang="es-ES" sz="1400" i="1" dirty="0" err="1" smtClean="0">
-                <a:latin typeface="Calibri" panose="020F0502020204030204" pitchFamily="34" charset="0"/>
-                <a:cs typeface="Calibri" panose="020F0502020204030204" pitchFamily="34" charset="0"/>
-              </a:rPr>
-              <a:t>only</a:t>
-            </a:r>
-            <a:r>
-              <a:rPr lang="es-ES" sz="1400" i="1" dirty="0" smtClean="0">
-                <a:latin typeface="Calibri" panose="020F0502020204030204" pitchFamily="34" charset="0"/>
-                <a:cs typeface="Calibri" panose="020F0502020204030204" pitchFamily="34" charset="0"/>
-              </a:rPr>
-              <a:t>)   </a:t>
-            </a:r>
-            <a:r>
-              <a:rPr lang="es-ES" sz="1400" i="1" dirty="0" err="1" smtClean="0">
-                <a:latin typeface="Calibri" panose="020F0502020204030204" pitchFamily="34" charset="0"/>
-                <a:cs typeface="Calibri" panose="020F0502020204030204" pitchFamily="34" charset="0"/>
-              </a:rPr>
-              <a:t>alpha</a:t>
-            </a:r>
-            <a:r>
-              <a:rPr lang="es-ES" sz="1400" i="1" dirty="0">
-                <a:latin typeface="Calibri" panose="020F0502020204030204" pitchFamily="34" charset="0"/>
-                <a:cs typeface="Calibri" panose="020F0502020204030204" pitchFamily="34" charset="0"/>
-              </a:rPr>
-              <a:t> </a:t>
-            </a:r>
-            <a:r>
-              <a:rPr lang="es-ES" sz="1400" i="1" dirty="0" smtClean="0">
-                <a:latin typeface="Calibri" panose="020F0502020204030204" pitchFamily="34" charset="0"/>
-                <a:cs typeface="Calibri" panose="020F0502020204030204" pitchFamily="34" charset="0"/>
-              </a:rPr>
-              <a:t> delta</a:t>
+              <a:t>0			0</a:t>
             </a:r>
           </a:p>
           <a:p>
@@ -16473,490 +16383,135 @@
                 <a:latin typeface="Calibri" panose="020F0502020204030204" pitchFamily="34" charset="0"/>
                 <a:cs typeface="Calibri" panose="020F0502020204030204" pitchFamily="34" charset="0"/>
               </a:rPr>
-              <a:t>0	</a:t>
-            </a:r>
-            <a:r>
-              <a:rPr lang="es-ES" dirty="0">
-                <a:latin typeface="Calibri" panose="020F0502020204030204" pitchFamily="34" charset="0"/>
-                <a:cs typeface="Calibri" panose="020F0502020204030204" pitchFamily="34" charset="0"/>
-              </a:rPr>
-              <a:t> 0/1 </a:t>
-            </a:r>
-            <a:r>
-              <a:rPr lang="es-ES" dirty="0" smtClean="0">
-                <a:latin typeface="Calibri" panose="020F0502020204030204" pitchFamily="34" charset="0"/>
-                <a:cs typeface="Calibri" panose="020F0502020204030204" pitchFamily="34" charset="0"/>
-              </a:rPr>
-              <a:t>	0         0		0/1 	0         0		0/1 	             0	     0</a:t>
-            </a:r>
-          </a:p>
-          <a:p>
-            <a:r>
-              <a:rPr lang="es-ES" dirty="0" smtClean="0">
-                <a:latin typeface="Calibri" panose="020F0502020204030204" pitchFamily="34" charset="0"/>
-                <a:cs typeface="Calibri" panose="020F0502020204030204" pitchFamily="34" charset="0"/>
-              </a:rPr>
               <a:t>…</a:t>
             </a:r>
           </a:p>
           <a:p>
             <a:r>
-              <a:rPr lang="es-ES" dirty="0" smtClean="0">
-                <a:latin typeface="Calibri" panose="020F0502020204030204" pitchFamily="34" charset="0"/>
-                <a:cs typeface="Calibri" panose="020F0502020204030204" pitchFamily="34" charset="0"/>
-              </a:rPr>
-              <a:t>$$</a:t>
-            </a:r>
-            <a:r>
-              <a:rPr lang="es-ES" dirty="0">
-                <a:latin typeface="Calibri" panose="020F0502020204030204" pitchFamily="34" charset="0"/>
-                <a:cs typeface="Calibri" panose="020F0502020204030204" pitchFamily="34" charset="0"/>
-              </a:rPr>
-              <a:t>ABSORBING_BOUNDARY_LINE_SOLID</a:t>
-            </a:r>
-          </a:p>
-          <a:p>
-            <a:r>
-              <a:rPr lang="es-ES" sz="1400" i="1" dirty="0" err="1">
-                <a:latin typeface="Calibri" panose="020F0502020204030204" pitchFamily="34" charset="0"/>
-                <a:cs typeface="Calibri" panose="020F0502020204030204" pitchFamily="34" charset="0"/>
-              </a:rPr>
-              <a:t>Number</a:t>
-            </a:r>
-            <a:r>
-              <a:rPr lang="es-ES" sz="1400" i="1" dirty="0">
-                <a:latin typeface="Calibri" panose="020F0502020204030204" pitchFamily="34" charset="0"/>
-                <a:cs typeface="Calibri" panose="020F0502020204030204" pitchFamily="34" charset="0"/>
-              </a:rPr>
-              <a:t> of </a:t>
-            </a:r>
-            <a:r>
-              <a:rPr lang="es-ES" sz="1400" i="1" dirty="0" err="1" smtClean="0">
-                <a:latin typeface="Calibri" panose="020F0502020204030204" pitchFamily="34" charset="0"/>
-                <a:cs typeface="Calibri" panose="020F0502020204030204" pitchFamily="34" charset="0"/>
-              </a:rPr>
-              <a:t>lines</a:t>
-            </a:r>
-            <a:endParaRPr lang="es-ES" sz="1400" i="1" dirty="0">
+              <a:rPr lang="es-ES" i="1" dirty="0">
+                <a:solidFill>
+                  <a:srgbClr val="4197C9"/>
+                </a:solidFill>
+                <a:latin typeface="Calibri" panose="020F0502020204030204" pitchFamily="34" charset="0"/>
+                <a:cs typeface="Calibri" panose="020F0502020204030204" pitchFamily="34" charset="0"/>
+              </a:rPr>
+              <a:t>2D </a:t>
+            </a:r>
+            <a:r>
+              <a:rPr lang="es-ES" i="1" dirty="0" err="1" smtClean="0">
+                <a:solidFill>
+                  <a:srgbClr val="4197C9"/>
+                </a:solidFill>
+                <a:latin typeface="Calibri" panose="020F0502020204030204" pitchFamily="34" charset="0"/>
+                <a:cs typeface="Calibri" panose="020F0502020204030204" pitchFamily="34" charset="0"/>
+              </a:rPr>
+              <a:t>models</a:t>
+            </a:r>
+            <a:endParaRPr lang="es-ES" dirty="0" smtClean="0">
               <a:latin typeface="Calibri" panose="020F0502020204030204" pitchFamily="34" charset="0"/>
               <a:cs typeface="Calibri" panose="020F0502020204030204" pitchFamily="34" charset="0"/>
             </a:endParaRPr>
           </a:p>
           <a:p>
             <a:r>
-              <a:rPr lang="es-ES" dirty="0">
-                <a:latin typeface="Calibri" panose="020F0502020204030204" pitchFamily="34" charset="0"/>
-                <a:cs typeface="Calibri" panose="020F0502020204030204" pitchFamily="34" charset="0"/>
-              </a:rPr>
-              <a:t>0</a:t>
-            </a:r>
-          </a:p>
-          <a:p>
-            <a:r>
-              <a:rPr lang="es-ES" sz="1400" i="1" dirty="0" smtClean="0">
-                <a:latin typeface="Calibri" panose="020F0502020204030204" pitchFamily="34" charset="0"/>
-                <a:cs typeface="Calibri" panose="020F0502020204030204" pitchFamily="34" charset="0"/>
-              </a:rPr>
-              <a:t>Line </a:t>
-            </a:r>
-            <a:r>
-              <a:rPr lang="es-ES" sz="1400" i="1" dirty="0">
-                <a:latin typeface="Calibri" panose="020F0502020204030204" pitchFamily="34" charset="0"/>
-                <a:cs typeface="Calibri" panose="020F0502020204030204" pitchFamily="34" charset="0"/>
-              </a:rPr>
-              <a:t>ID	x-</a:t>
-            </a:r>
-            <a:r>
-              <a:rPr lang="es-ES" sz="1400" i="1" dirty="0" err="1">
-                <a:latin typeface="Calibri" panose="020F0502020204030204" pitchFamily="34" charset="0"/>
-                <a:cs typeface="Calibri" panose="020F0502020204030204" pitchFamily="34" charset="0"/>
-              </a:rPr>
-              <a:t>direction</a:t>
-            </a:r>
-            <a:r>
-              <a:rPr lang="es-ES" sz="1400" i="1" dirty="0">
-                <a:latin typeface="Calibri" panose="020F0502020204030204" pitchFamily="34" charset="0"/>
-                <a:cs typeface="Calibri" panose="020F0502020204030204" pitchFamily="34" charset="0"/>
-              </a:rPr>
-              <a:t>	</a:t>
-            </a:r>
-            <a:r>
-              <a:rPr lang="es-ES" sz="1400" i="1" dirty="0" err="1">
-                <a:latin typeface="Calibri" panose="020F0502020204030204" pitchFamily="34" charset="0"/>
-                <a:cs typeface="Calibri" panose="020F0502020204030204" pitchFamily="34" charset="0"/>
-              </a:rPr>
-              <a:t>alpha</a:t>
-            </a:r>
-            <a:r>
-              <a:rPr lang="es-ES" sz="1400" i="1" dirty="0">
-                <a:latin typeface="Calibri" panose="020F0502020204030204" pitchFamily="34" charset="0"/>
-                <a:cs typeface="Calibri" panose="020F0502020204030204" pitchFamily="34" charset="0"/>
-              </a:rPr>
-              <a:t>    delta	y-</a:t>
-            </a:r>
-            <a:r>
-              <a:rPr lang="es-ES" sz="1400" i="1" dirty="0" err="1">
-                <a:latin typeface="Calibri" panose="020F0502020204030204" pitchFamily="34" charset="0"/>
-                <a:cs typeface="Calibri" panose="020F0502020204030204" pitchFamily="34" charset="0"/>
-              </a:rPr>
-              <a:t>direction</a:t>
-            </a:r>
-            <a:r>
-              <a:rPr lang="es-ES" sz="1400" i="1" dirty="0">
-                <a:latin typeface="Calibri" panose="020F0502020204030204" pitchFamily="34" charset="0"/>
-                <a:cs typeface="Calibri" panose="020F0502020204030204" pitchFamily="34" charset="0"/>
-              </a:rPr>
-              <a:t>	</a:t>
-            </a:r>
-            <a:r>
-              <a:rPr lang="es-ES" sz="1400" i="1" dirty="0" err="1">
-                <a:latin typeface="Calibri" panose="020F0502020204030204" pitchFamily="34" charset="0"/>
-                <a:cs typeface="Calibri" panose="020F0502020204030204" pitchFamily="34" charset="0"/>
-              </a:rPr>
-              <a:t>alpha</a:t>
-            </a:r>
-            <a:r>
-              <a:rPr lang="es-ES" sz="1400" i="1" dirty="0">
-                <a:latin typeface="Calibri" panose="020F0502020204030204" pitchFamily="34" charset="0"/>
-                <a:cs typeface="Calibri" panose="020F0502020204030204" pitchFamily="34" charset="0"/>
-              </a:rPr>
-              <a:t>   delta		z-</a:t>
-            </a:r>
-            <a:r>
-              <a:rPr lang="es-ES" sz="1400" i="1" dirty="0" err="1">
-                <a:latin typeface="Calibri" panose="020F0502020204030204" pitchFamily="34" charset="0"/>
-                <a:cs typeface="Calibri" panose="020F0502020204030204" pitchFamily="34" charset="0"/>
-              </a:rPr>
-              <a:t>direction</a:t>
-            </a:r>
-            <a:r>
-              <a:rPr lang="es-ES" sz="1400" i="1" dirty="0">
-                <a:latin typeface="Calibri" panose="020F0502020204030204" pitchFamily="34" charset="0"/>
-                <a:cs typeface="Calibri" panose="020F0502020204030204" pitchFamily="34" charset="0"/>
-              </a:rPr>
-              <a:t> </a:t>
-            </a:r>
-            <a:r>
-              <a:rPr lang="es-ES" sz="1400" i="1" dirty="0" smtClean="0">
-                <a:latin typeface="Calibri" panose="020F0502020204030204" pitchFamily="34" charset="0"/>
-                <a:cs typeface="Calibri" panose="020F0502020204030204" pitchFamily="34" charset="0"/>
-              </a:rPr>
-              <a:t>(</a:t>
-            </a:r>
-            <a:r>
-              <a:rPr lang="es-ES" sz="1400" i="1" dirty="0">
-                <a:latin typeface="Calibri" panose="020F0502020204030204" pitchFamily="34" charset="0"/>
-                <a:cs typeface="Calibri" panose="020F0502020204030204" pitchFamily="34" charset="0"/>
-              </a:rPr>
-              <a:t>3D </a:t>
-            </a:r>
-            <a:r>
-              <a:rPr lang="es-ES" sz="1400" i="1" dirty="0" err="1">
-                <a:latin typeface="Calibri" panose="020F0502020204030204" pitchFamily="34" charset="0"/>
-                <a:cs typeface="Calibri" panose="020F0502020204030204" pitchFamily="34" charset="0"/>
-              </a:rPr>
-              <a:t>only</a:t>
-            </a:r>
-            <a:r>
-              <a:rPr lang="es-ES" sz="1400" i="1" dirty="0" smtClean="0">
-                <a:latin typeface="Calibri" panose="020F0502020204030204" pitchFamily="34" charset="0"/>
-                <a:cs typeface="Calibri" panose="020F0502020204030204" pitchFamily="34" charset="0"/>
-              </a:rPr>
-              <a:t>)   </a:t>
-            </a:r>
-            <a:r>
-              <a:rPr lang="es-ES" sz="1400" i="1" dirty="0" err="1">
-                <a:latin typeface="Calibri" panose="020F0502020204030204" pitchFamily="34" charset="0"/>
-                <a:cs typeface="Calibri" panose="020F0502020204030204" pitchFamily="34" charset="0"/>
-              </a:rPr>
-              <a:t>alpha</a:t>
-            </a:r>
-            <a:r>
-              <a:rPr lang="es-ES" sz="1400" i="1" dirty="0">
-                <a:latin typeface="Calibri" panose="020F0502020204030204" pitchFamily="34" charset="0"/>
-                <a:cs typeface="Calibri" panose="020F0502020204030204" pitchFamily="34" charset="0"/>
-              </a:rPr>
-              <a:t>  delta</a:t>
-            </a:r>
-          </a:p>
-          <a:p>
-            <a:r>
-              <a:rPr lang="es-ES" dirty="0">
-                <a:latin typeface="Calibri" panose="020F0502020204030204" pitchFamily="34" charset="0"/>
-                <a:cs typeface="Calibri" panose="020F0502020204030204" pitchFamily="34" charset="0"/>
-              </a:rPr>
-              <a:t>0	 0/1 	0         0		</a:t>
-            </a:r>
+              <a:rPr lang="es-ES" sz="1400" i="1" dirty="0" err="1">
+                <a:latin typeface="Calibri" panose="020F0502020204030204" pitchFamily="34" charset="0"/>
+                <a:cs typeface="Calibri" panose="020F0502020204030204" pitchFamily="34" charset="0"/>
+              </a:rPr>
+              <a:t>Excavated</a:t>
+            </a:r>
+            <a:r>
+              <a:rPr lang="es-ES" sz="1400" i="1" dirty="0">
+                <a:latin typeface="Calibri" panose="020F0502020204030204" pitchFamily="34" charset="0"/>
+                <a:cs typeface="Calibri" panose="020F0502020204030204" pitchFamily="34" charset="0"/>
+              </a:rPr>
+              <a:t> </a:t>
+            </a:r>
+            <a:r>
+              <a:rPr lang="es-ES" sz="1400" i="1" dirty="0" err="1" smtClean="0">
+                <a:latin typeface="Calibri" panose="020F0502020204030204" pitchFamily="34" charset="0"/>
+                <a:cs typeface="Calibri" panose="020F0502020204030204" pitchFamily="34" charset="0"/>
+              </a:rPr>
+              <a:t>surface</a:t>
+            </a:r>
+            <a:r>
+              <a:rPr lang="es-ES" sz="1400" i="1" dirty="0" smtClean="0">
+                <a:latin typeface="Calibri" panose="020F0502020204030204" pitchFamily="34" charset="0"/>
+                <a:cs typeface="Calibri" panose="020F0502020204030204" pitchFamily="34" charset="0"/>
+              </a:rPr>
+              <a:t> ID	</a:t>
+            </a:r>
+            <a:r>
+              <a:rPr lang="es-ES" sz="1400" i="1" dirty="0">
+                <a:latin typeface="Calibri" panose="020F0502020204030204" pitchFamily="34" charset="0"/>
+                <a:cs typeface="Calibri" panose="020F0502020204030204" pitchFamily="34" charset="0"/>
+              </a:rPr>
+              <a:t> </a:t>
+            </a:r>
+            <a:r>
+              <a:rPr lang="es-ES" sz="1400" i="1" dirty="0" err="1">
+                <a:latin typeface="Calibri" panose="020F0502020204030204" pitchFamily="34" charset="0"/>
+                <a:cs typeface="Calibri" panose="020F0502020204030204" pitchFamily="34" charset="0"/>
+              </a:rPr>
+              <a:t>Excavated</a:t>
+            </a:r>
+            <a:r>
+              <a:rPr lang="es-ES" sz="1400" i="1" dirty="0">
+                <a:latin typeface="Calibri" panose="020F0502020204030204" pitchFamily="34" charset="0"/>
+                <a:cs typeface="Calibri" panose="020F0502020204030204" pitchFamily="34" charset="0"/>
+              </a:rPr>
+              <a:t> </a:t>
+            </a:r>
+            <a:r>
+              <a:rPr lang="es-ES" sz="1400" i="1" dirty="0" err="1" smtClean="0">
+                <a:latin typeface="Calibri" panose="020F0502020204030204" pitchFamily="34" charset="0"/>
+                <a:cs typeface="Calibri" panose="020F0502020204030204" pitchFamily="34" charset="0"/>
+              </a:rPr>
+              <a:t>elements</a:t>
+            </a:r>
+            <a:r>
+              <a:rPr lang="es-ES" sz="1400" i="1" dirty="0" smtClean="0">
+                <a:latin typeface="Calibri" panose="020F0502020204030204" pitchFamily="34" charset="0"/>
+                <a:cs typeface="Calibri" panose="020F0502020204030204" pitchFamily="34" charset="0"/>
+              </a:rPr>
+              <a:t> </a:t>
+            </a:r>
+            <a:r>
+              <a:rPr lang="es-ES" sz="1400" i="1" dirty="0">
+                <a:latin typeface="Calibri" panose="020F0502020204030204" pitchFamily="34" charset="0"/>
+                <a:cs typeface="Calibri" panose="020F0502020204030204" pitchFamily="34" charset="0"/>
+              </a:rPr>
+              <a:t>ID</a:t>
+            </a:r>
+          </a:p>
+          <a:p>
             <a:r>
               <a:rPr lang="es-ES" dirty="0" smtClean="0">
                 <a:latin typeface="Calibri" panose="020F0502020204030204" pitchFamily="34" charset="0"/>
                 <a:cs typeface="Calibri" panose="020F0502020204030204" pitchFamily="34" charset="0"/>
               </a:rPr>
-              <a:t>0/1 </a:t>
-            </a:r>
-            <a:r>
-              <a:rPr lang="es-ES" dirty="0">
-                <a:latin typeface="Calibri" panose="020F0502020204030204" pitchFamily="34" charset="0"/>
-                <a:cs typeface="Calibri" panose="020F0502020204030204" pitchFamily="34" charset="0"/>
-              </a:rPr>
-              <a:t>	0         0		</a:t>
-            </a:r>
+              <a:t>0			0	</a:t>
+            </a:r>
+          </a:p>
+          <a:p>
             <a:r>
               <a:rPr lang="es-ES" dirty="0" smtClean="0">
                 <a:latin typeface="Calibri" panose="020F0502020204030204" pitchFamily="34" charset="0"/>
                 <a:cs typeface="Calibri" panose="020F0502020204030204" pitchFamily="34" charset="0"/>
               </a:rPr>
-              <a:t>0/1 </a:t>
-            </a:r>
-            <a:r>
-              <a:rPr lang="es-ES" dirty="0">
-                <a:latin typeface="Calibri" panose="020F0502020204030204" pitchFamily="34" charset="0"/>
-                <a:cs typeface="Calibri" panose="020F0502020204030204" pitchFamily="34" charset="0"/>
-              </a:rPr>
-              <a:t>	             0	     0</a:t>
-            </a:r>
-          </a:p>
-          <a:p>
-            <a:r>
-              <a:rPr lang="es-ES" dirty="0">
-                <a:latin typeface="Calibri" panose="020F0502020204030204" pitchFamily="34" charset="0"/>
-                <a:cs typeface="Calibri" panose="020F0502020204030204" pitchFamily="34" charset="0"/>
-              </a:rPr>
               <a:t>…</a:t>
             </a:r>
-          </a:p>
-          <a:p>
-            <a:r>
-              <a:rPr lang="es-ES" dirty="0" smtClean="0">
-                <a:latin typeface="Calibri" panose="020F0502020204030204" pitchFamily="34" charset="0"/>
-                <a:cs typeface="Calibri" panose="020F0502020204030204" pitchFamily="34" charset="0"/>
-              </a:rPr>
-              <a:t>$$</a:t>
-            </a:r>
-            <a:r>
-              <a:rPr lang="es-ES" dirty="0">
-                <a:latin typeface="Calibri" panose="020F0502020204030204" pitchFamily="34" charset="0"/>
-                <a:cs typeface="Calibri" panose="020F0502020204030204" pitchFamily="34" charset="0"/>
-              </a:rPr>
-              <a:t>ABSORBING_BOUNDARY_POINT_SOLID</a:t>
-            </a:r>
-          </a:p>
-          <a:p>
-            <a:r>
-              <a:rPr lang="es-ES" sz="1400" i="1" dirty="0" err="1">
-                <a:latin typeface="Calibri" panose="020F0502020204030204" pitchFamily="34" charset="0"/>
-                <a:cs typeface="Calibri" panose="020F0502020204030204" pitchFamily="34" charset="0"/>
-              </a:rPr>
-              <a:t>Number</a:t>
-            </a:r>
-            <a:r>
-              <a:rPr lang="es-ES" sz="1400" i="1" dirty="0">
-                <a:latin typeface="Calibri" panose="020F0502020204030204" pitchFamily="34" charset="0"/>
-                <a:cs typeface="Calibri" panose="020F0502020204030204" pitchFamily="34" charset="0"/>
-              </a:rPr>
-              <a:t> of </a:t>
-            </a:r>
-            <a:r>
-              <a:rPr lang="es-ES" sz="1400" i="1" dirty="0" err="1" smtClean="0">
-                <a:latin typeface="Calibri" panose="020F0502020204030204" pitchFamily="34" charset="0"/>
-                <a:cs typeface="Calibri" panose="020F0502020204030204" pitchFamily="34" charset="0"/>
-              </a:rPr>
-              <a:t>points</a:t>
-            </a:r>
-            <a:endParaRPr lang="es-ES" sz="1400" i="1" dirty="0">
+            <a:endParaRPr lang="es-ES" dirty="0">
               <a:latin typeface="Calibri" panose="020F0502020204030204" pitchFamily="34" charset="0"/>
               <a:cs typeface="Calibri" panose="020F0502020204030204" pitchFamily="34" charset="0"/>
             </a:endParaRPr>
-          </a:p>
-          <a:p>
-            <a:r>
-              <a:rPr lang="es-ES" dirty="0">
-                <a:latin typeface="Calibri" panose="020F0502020204030204" pitchFamily="34" charset="0"/>
-                <a:cs typeface="Calibri" panose="020F0502020204030204" pitchFamily="34" charset="0"/>
-              </a:rPr>
-              <a:t>0</a:t>
-            </a:r>
-          </a:p>
-          <a:p>
-            <a:r>
-              <a:rPr lang="es-ES" sz="1400" i="1" dirty="0" smtClean="0">
-                <a:latin typeface="Calibri" panose="020F0502020204030204" pitchFamily="34" charset="0"/>
-                <a:cs typeface="Calibri" panose="020F0502020204030204" pitchFamily="34" charset="0"/>
-              </a:rPr>
-              <a:t>Point </a:t>
-            </a:r>
-            <a:r>
-              <a:rPr lang="es-ES" sz="1400" i="1" dirty="0">
-                <a:latin typeface="Calibri" panose="020F0502020204030204" pitchFamily="34" charset="0"/>
-                <a:cs typeface="Calibri" panose="020F0502020204030204" pitchFamily="34" charset="0"/>
-              </a:rPr>
-              <a:t>ID	x-</a:t>
-            </a:r>
-            <a:r>
-              <a:rPr lang="es-ES" sz="1400" i="1" dirty="0" err="1">
-                <a:latin typeface="Calibri" panose="020F0502020204030204" pitchFamily="34" charset="0"/>
-                <a:cs typeface="Calibri" panose="020F0502020204030204" pitchFamily="34" charset="0"/>
-              </a:rPr>
-              <a:t>direction</a:t>
-            </a:r>
-            <a:r>
-              <a:rPr lang="es-ES" sz="1400" i="1" dirty="0">
-                <a:latin typeface="Calibri" panose="020F0502020204030204" pitchFamily="34" charset="0"/>
-                <a:cs typeface="Calibri" panose="020F0502020204030204" pitchFamily="34" charset="0"/>
-              </a:rPr>
-              <a:t>	</a:t>
-            </a:r>
-            <a:r>
-              <a:rPr lang="es-ES" sz="1400" i="1" dirty="0" err="1">
-                <a:latin typeface="Calibri" panose="020F0502020204030204" pitchFamily="34" charset="0"/>
-                <a:cs typeface="Calibri" panose="020F0502020204030204" pitchFamily="34" charset="0"/>
-              </a:rPr>
-              <a:t>alpha</a:t>
-            </a:r>
-            <a:r>
-              <a:rPr lang="es-ES" sz="1400" i="1" dirty="0">
-                <a:latin typeface="Calibri" panose="020F0502020204030204" pitchFamily="34" charset="0"/>
-                <a:cs typeface="Calibri" panose="020F0502020204030204" pitchFamily="34" charset="0"/>
-              </a:rPr>
-              <a:t>    delta	y-</a:t>
-            </a:r>
-            <a:r>
-              <a:rPr lang="es-ES" sz="1400" i="1" dirty="0" err="1">
-                <a:latin typeface="Calibri" panose="020F0502020204030204" pitchFamily="34" charset="0"/>
-                <a:cs typeface="Calibri" panose="020F0502020204030204" pitchFamily="34" charset="0"/>
-              </a:rPr>
-              <a:t>direction</a:t>
-            </a:r>
-            <a:r>
-              <a:rPr lang="es-ES" sz="1400" i="1" dirty="0">
-                <a:latin typeface="Calibri" panose="020F0502020204030204" pitchFamily="34" charset="0"/>
-                <a:cs typeface="Calibri" panose="020F0502020204030204" pitchFamily="34" charset="0"/>
-              </a:rPr>
-              <a:t>	</a:t>
-            </a:r>
-            <a:r>
-              <a:rPr lang="es-ES" sz="1400" i="1" dirty="0" err="1">
-                <a:latin typeface="Calibri" panose="020F0502020204030204" pitchFamily="34" charset="0"/>
-                <a:cs typeface="Calibri" panose="020F0502020204030204" pitchFamily="34" charset="0"/>
-              </a:rPr>
-              <a:t>alpha</a:t>
-            </a:r>
-            <a:r>
-              <a:rPr lang="es-ES" sz="1400" i="1" dirty="0">
-                <a:latin typeface="Calibri" panose="020F0502020204030204" pitchFamily="34" charset="0"/>
-                <a:cs typeface="Calibri" panose="020F0502020204030204" pitchFamily="34" charset="0"/>
-              </a:rPr>
-              <a:t>   delta		z-</a:t>
-            </a:r>
-            <a:r>
-              <a:rPr lang="es-ES" sz="1400" i="1" dirty="0" err="1">
-                <a:latin typeface="Calibri" panose="020F0502020204030204" pitchFamily="34" charset="0"/>
-                <a:cs typeface="Calibri" panose="020F0502020204030204" pitchFamily="34" charset="0"/>
-              </a:rPr>
-              <a:t>direction</a:t>
-            </a:r>
-            <a:r>
-              <a:rPr lang="es-ES" sz="1400" i="1" dirty="0">
-                <a:latin typeface="Calibri" panose="020F0502020204030204" pitchFamily="34" charset="0"/>
-                <a:cs typeface="Calibri" panose="020F0502020204030204" pitchFamily="34" charset="0"/>
-              </a:rPr>
-              <a:t> </a:t>
-            </a:r>
-            <a:r>
-              <a:rPr lang="es-ES" sz="1400" i="1" dirty="0" smtClean="0">
-                <a:latin typeface="Calibri" panose="020F0502020204030204" pitchFamily="34" charset="0"/>
-                <a:cs typeface="Calibri" panose="020F0502020204030204" pitchFamily="34" charset="0"/>
-              </a:rPr>
-              <a:t>(</a:t>
-            </a:r>
-            <a:r>
-              <a:rPr lang="es-ES" sz="1400" i="1" dirty="0">
-                <a:latin typeface="Calibri" panose="020F0502020204030204" pitchFamily="34" charset="0"/>
-                <a:cs typeface="Calibri" panose="020F0502020204030204" pitchFamily="34" charset="0"/>
-              </a:rPr>
-              <a:t>3D </a:t>
-            </a:r>
-            <a:r>
-              <a:rPr lang="es-ES" sz="1400" i="1" dirty="0" err="1">
-                <a:latin typeface="Calibri" panose="020F0502020204030204" pitchFamily="34" charset="0"/>
-                <a:cs typeface="Calibri" panose="020F0502020204030204" pitchFamily="34" charset="0"/>
-              </a:rPr>
-              <a:t>only</a:t>
-            </a:r>
-            <a:r>
-              <a:rPr lang="es-ES" sz="1400" i="1" dirty="0" smtClean="0">
-                <a:latin typeface="Calibri" panose="020F0502020204030204" pitchFamily="34" charset="0"/>
-                <a:cs typeface="Calibri" panose="020F0502020204030204" pitchFamily="34" charset="0"/>
-              </a:rPr>
-              <a:t>)   </a:t>
-            </a:r>
-            <a:r>
-              <a:rPr lang="es-ES" sz="1400" i="1" dirty="0" err="1">
-                <a:latin typeface="Calibri" panose="020F0502020204030204" pitchFamily="34" charset="0"/>
-                <a:cs typeface="Calibri" panose="020F0502020204030204" pitchFamily="34" charset="0"/>
-              </a:rPr>
-              <a:t>alpha</a:t>
-            </a:r>
-            <a:r>
-              <a:rPr lang="es-ES" sz="1400" i="1" dirty="0">
-                <a:latin typeface="Calibri" panose="020F0502020204030204" pitchFamily="34" charset="0"/>
-                <a:cs typeface="Calibri" panose="020F0502020204030204" pitchFamily="34" charset="0"/>
-              </a:rPr>
-              <a:t>  delta</a:t>
-            </a:r>
-          </a:p>
-          <a:p>
-            <a:r>
-              <a:rPr lang="es-ES" dirty="0">
-                <a:latin typeface="Calibri" panose="020F0502020204030204" pitchFamily="34" charset="0"/>
-                <a:cs typeface="Calibri" panose="020F0502020204030204" pitchFamily="34" charset="0"/>
-              </a:rPr>
-              <a:t>0	 0/1 	0         0		</a:t>
-            </a:r>
-            <a:r>
-              <a:rPr lang="es-ES" dirty="0" smtClean="0">
-                <a:latin typeface="Calibri" panose="020F0502020204030204" pitchFamily="34" charset="0"/>
-                <a:cs typeface="Calibri" panose="020F0502020204030204" pitchFamily="34" charset="0"/>
-              </a:rPr>
-              <a:t>0/1 </a:t>
-            </a:r>
-            <a:r>
-              <a:rPr lang="es-ES" dirty="0">
-                <a:latin typeface="Calibri" panose="020F0502020204030204" pitchFamily="34" charset="0"/>
-                <a:cs typeface="Calibri" panose="020F0502020204030204" pitchFamily="34" charset="0"/>
-              </a:rPr>
-              <a:t>	0         0		</a:t>
-            </a:r>
-            <a:r>
-              <a:rPr lang="es-ES" dirty="0" smtClean="0">
-                <a:latin typeface="Calibri" panose="020F0502020204030204" pitchFamily="34" charset="0"/>
-                <a:cs typeface="Calibri" panose="020F0502020204030204" pitchFamily="34" charset="0"/>
-              </a:rPr>
-              <a:t>0/1 </a:t>
-            </a:r>
-            <a:r>
-              <a:rPr lang="es-ES" dirty="0">
-                <a:latin typeface="Calibri" panose="020F0502020204030204" pitchFamily="34" charset="0"/>
-                <a:cs typeface="Calibri" panose="020F0502020204030204" pitchFamily="34" charset="0"/>
-              </a:rPr>
-              <a:t>	             0	     0</a:t>
-            </a:r>
-          </a:p>
-          <a:p>
-            <a:r>
-              <a:rPr lang="es-ES" dirty="0">
-                <a:latin typeface="Calibri" panose="020F0502020204030204" pitchFamily="34" charset="0"/>
-                <a:cs typeface="Calibri" panose="020F0502020204030204" pitchFamily="34" charset="0"/>
-              </a:rPr>
-              <a:t>…</a:t>
-            </a:r>
           </a:p>
         </p:txBody>
       </p:sp>
     </p:spTree>
     <p:extLst>
       <p:ext uri="{BB962C8B-B14F-4D97-AF65-F5344CB8AC3E}">
-        <p14:creationId xmlns:p14="http://schemas.microsoft.com/office/powerpoint/2010/main" val="2607913075"/>
+        <p14:creationId xmlns:p14="http://schemas.microsoft.com/office/powerpoint/2010/main" val="2782473650"/>
       </p:ext>
     </p:extLst>
   </p:cSld>
@@ -17008,7 +16563,7 @@
             <a:pPr algn="ctr"/>
             <a:r>
               <a:rPr lang="en-US" dirty="0" smtClean="0"/>
-              <a:t>Liquid absorbing boundary</a:t>
+              <a:t>Solid absorbing boundary</a:t>
             </a:r>
             <a:endParaRPr lang="es-ES" dirty="0"/>
           </a:p>
@@ -17022,7 +16577,7 @@
         </p:nvSpPr>
         <p:spPr>
           <a:xfrm>
-            <a:off x="129209" y="851386"/>
+            <a:off x="129208" y="851386"/>
             <a:ext cx="9074426" cy="4708981"/>
           </a:xfrm>
           <a:prstGeom prst="rect">
@@ -17047,7 +16602,7 @@
                 <a:latin typeface="Calibri" panose="020F0502020204030204" pitchFamily="34" charset="0"/>
                 <a:cs typeface="Calibri" panose="020F0502020204030204" pitchFamily="34" charset="0"/>
               </a:rPr>
-              <a:t>ABSORBING_BOUNDARY_SURFACE_LIQUID</a:t>
+              <a:t>ABSORBING_BOUNDARY_SURFACE_SOLID</a:t>
             </a:r>
           </a:p>
           <a:p>
@@ -17162,17 +16717,10 @@
                 <a:latin typeface="Calibri" panose="020F0502020204030204" pitchFamily="34" charset="0"/>
                 <a:cs typeface="Calibri" panose="020F0502020204030204" pitchFamily="34" charset="0"/>
               </a:rPr>
-              <a:t> (</a:t>
-            </a:r>
-            <a:r>
-              <a:rPr lang="es-ES" sz="1400" i="1" dirty="0">
-                <a:latin typeface="Calibri" panose="020F0502020204030204" pitchFamily="34" charset="0"/>
-                <a:cs typeface="Calibri" panose="020F0502020204030204" pitchFamily="34" charset="0"/>
-              </a:rPr>
-              <a:t>3D </a:t>
-            </a:r>
-            <a:r>
-              <a:rPr lang="es-ES" sz="1400" i="1" dirty="0" err="1">
+              <a:t> (3D </a:t>
+            </a:r>
+            <a:r>
+              <a:rPr lang="es-ES" sz="1400" i="1" dirty="0" err="1" smtClean="0">
                 <a:latin typeface="Calibri" panose="020F0502020204030204" pitchFamily="34" charset="0"/>
                 <a:cs typeface="Calibri" panose="020F0502020204030204" pitchFamily="34" charset="0"/>
               </a:rPr>
@@ -17245,12 +16793,15 @@
                 <a:latin typeface="Calibri" panose="020F0502020204030204" pitchFamily="34" charset="0"/>
                 <a:cs typeface="Calibri" panose="020F0502020204030204" pitchFamily="34" charset="0"/>
               </a:rPr>
-              <a:t>$$ABSORBING_BOUNDARY_LINE_LIQUID</a:t>
-            </a:r>
-            <a:endParaRPr lang="es-ES" dirty="0">
-              <a:latin typeface="Calibri" panose="020F0502020204030204" pitchFamily="34" charset="0"/>
-              <a:cs typeface="Calibri" panose="020F0502020204030204" pitchFamily="34" charset="0"/>
-            </a:endParaRPr>
+              <a:t>$$</a:t>
+            </a:r>
+            <a:r>
+              <a:rPr lang="es-ES" dirty="0">
+                <a:latin typeface="Calibri" panose="020F0502020204030204" pitchFamily="34" charset="0"/>
+                <a:cs typeface="Calibri" panose="020F0502020204030204" pitchFamily="34" charset="0"/>
+              </a:rPr>
+              <a:t>ABSORBING_BOUNDARY_LINE_SOLID</a:t>
+            </a:r>
           </a:p>
           <a:p>
             <a:r>
@@ -17468,12 +17019,15 @@
                 <a:latin typeface="Calibri" panose="020F0502020204030204" pitchFamily="34" charset="0"/>
                 <a:cs typeface="Calibri" panose="020F0502020204030204" pitchFamily="34" charset="0"/>
               </a:rPr>
-              <a:t>$$ABSORBING_BOUNDARY_POINT_LIQUID</a:t>
-            </a:r>
-            <a:endParaRPr lang="es-ES" dirty="0">
-              <a:latin typeface="Calibri" panose="020F0502020204030204" pitchFamily="34" charset="0"/>
-              <a:cs typeface="Calibri" panose="020F0502020204030204" pitchFamily="34" charset="0"/>
-            </a:endParaRPr>
+              <a:t>$$</a:t>
+            </a:r>
+            <a:r>
+              <a:rPr lang="es-ES" dirty="0">
+                <a:latin typeface="Calibri" panose="020F0502020204030204" pitchFamily="34" charset="0"/>
+                <a:cs typeface="Calibri" panose="020F0502020204030204" pitchFamily="34" charset="0"/>
+              </a:rPr>
+              <a:t>ABSORBING_BOUNDARY_POINT_SOLID</a:t>
+            </a:r>
           </a:p>
           <a:p>
             <a:r>
@@ -17690,7 +17244,7 @@
     </p:spTree>
     <p:extLst>
       <p:ext uri="{BB962C8B-B14F-4D97-AF65-F5344CB8AC3E}">
-        <p14:creationId xmlns:p14="http://schemas.microsoft.com/office/powerpoint/2010/main" val="3392187028"/>
+        <p14:creationId xmlns:p14="http://schemas.microsoft.com/office/powerpoint/2010/main" val="2607913075"/>
       </p:ext>
     </p:extLst>
   </p:cSld>
@@ -17742,7 +17296,7 @@
             <a:pPr algn="ctr"/>
             <a:r>
               <a:rPr lang="en-US" dirty="0" smtClean="0"/>
-              <a:t>Gas absorbing boundary</a:t>
+              <a:t>Liquid absorbing boundary</a:t>
             </a:r>
             <a:endParaRPr lang="es-ES" dirty="0"/>
           </a:p>
@@ -17781,7 +17335,7 @@
                 <a:latin typeface="Calibri" panose="020F0502020204030204" pitchFamily="34" charset="0"/>
                 <a:cs typeface="Calibri" panose="020F0502020204030204" pitchFamily="34" charset="0"/>
               </a:rPr>
-              <a:t>ABSORBING_BOUNDARY_SURFACE_GAS</a:t>
+              <a:t>ABSORBING_BOUNDARY_SURFACE_LIQUID</a:t>
             </a:r>
           </a:p>
           <a:p>
@@ -17979,7 +17533,7 @@
                 <a:latin typeface="Calibri" panose="020F0502020204030204" pitchFamily="34" charset="0"/>
                 <a:cs typeface="Calibri" panose="020F0502020204030204" pitchFamily="34" charset="0"/>
               </a:rPr>
-              <a:t>$$ABSORBING_BOUNDARY_LINE_GAS</a:t>
+              <a:t>$$ABSORBING_BOUNDARY_LINE_LIQUID</a:t>
             </a:r>
             <a:endParaRPr lang="es-ES" dirty="0">
               <a:latin typeface="Calibri" panose="020F0502020204030204" pitchFamily="34" charset="0"/>
@@ -18156,67 +17710,53 @@
                 <a:latin typeface="Calibri" panose="020F0502020204030204" pitchFamily="34" charset="0"/>
                 <a:cs typeface="Calibri" panose="020F0502020204030204" pitchFamily="34" charset="0"/>
               </a:rPr>
-              <a:t>0	 0/1 	0         </a:t>
+              <a:t>0	 0/1 	0         0		</a:t>
             </a:r>
             <a:r>
               <a:rPr lang="es-ES" dirty="0" smtClean="0">
                 <a:latin typeface="Calibri" panose="020F0502020204030204" pitchFamily="34" charset="0"/>
                 <a:cs typeface="Calibri" panose="020F0502020204030204" pitchFamily="34" charset="0"/>
               </a:rPr>
-              <a:t>0</a:t>
+              <a:t>0/1 </a:t>
             </a:r>
             <a:r>
               <a:rPr lang="es-ES" dirty="0">
                 <a:latin typeface="Calibri" panose="020F0502020204030204" pitchFamily="34" charset="0"/>
                 <a:cs typeface="Calibri" panose="020F0502020204030204" pitchFamily="34" charset="0"/>
               </a:rPr>
-              <a:t>	</a:t>
+              <a:t>	0         0		</a:t>
             </a:r>
             <a:r>
               <a:rPr lang="es-ES" dirty="0" smtClean="0">
                 <a:latin typeface="Calibri" panose="020F0502020204030204" pitchFamily="34" charset="0"/>
                 <a:cs typeface="Calibri" panose="020F0502020204030204" pitchFamily="34" charset="0"/>
               </a:rPr>
-              <a:t>	0/1</a:t>
+              <a:t>0/1 </a:t>
             </a:r>
             <a:r>
               <a:rPr lang="es-ES" dirty="0">
                 <a:latin typeface="Calibri" panose="020F0502020204030204" pitchFamily="34" charset="0"/>
                 <a:cs typeface="Calibri" panose="020F0502020204030204" pitchFamily="34" charset="0"/>
               </a:rPr>
-              <a:t>	0         0		</a:t>
-            </a:r>
+              <a:t>	             0	     0</a:t>
+            </a:r>
+          </a:p>
+          <a:p>
+            <a:r>
+              <a:rPr lang="es-ES" dirty="0">
+                <a:latin typeface="Calibri" panose="020F0502020204030204" pitchFamily="34" charset="0"/>
+                <a:cs typeface="Calibri" panose="020F0502020204030204" pitchFamily="34" charset="0"/>
+              </a:rPr>
+              <a:t>…</a:t>
+            </a:r>
+          </a:p>
+          <a:p>
             <a:r>
               <a:rPr lang="es-ES" dirty="0" smtClean="0">
                 <a:latin typeface="Calibri" panose="020F0502020204030204" pitchFamily="34" charset="0"/>
                 <a:cs typeface="Calibri" panose="020F0502020204030204" pitchFamily="34" charset="0"/>
               </a:rPr>
-              <a:t>0/1 </a:t>
-            </a:r>
-            <a:r>
-              <a:rPr lang="es-ES" dirty="0">
-                <a:latin typeface="Calibri" panose="020F0502020204030204" pitchFamily="34" charset="0"/>
-                <a:cs typeface="Calibri" panose="020F0502020204030204" pitchFamily="34" charset="0"/>
-              </a:rPr>
-              <a:t>	             0	     0</a:t>
-            </a:r>
-          </a:p>
-          <a:p>
-            <a:r>
-              <a:rPr lang="es-ES" dirty="0">
-                <a:latin typeface="Calibri" panose="020F0502020204030204" pitchFamily="34" charset="0"/>
-                <a:cs typeface="Calibri" panose="020F0502020204030204" pitchFamily="34" charset="0"/>
-              </a:rPr>
-              <a:t>…</a:t>
-            </a:r>
-          </a:p>
-          <a:p>
-            <a:r>
-              <a:rPr lang="es-ES" dirty="0" smtClean="0">
-                <a:latin typeface="Calibri" panose="020F0502020204030204" pitchFamily="34" charset="0"/>
-                <a:cs typeface="Calibri" panose="020F0502020204030204" pitchFamily="34" charset="0"/>
-              </a:rPr>
-              <a:t>$$ABSORBING_BOUNDARY_POINT_GAS</a:t>
+              <a:t>$$ABSORBING_BOUNDARY_POINT_LIQUID</a:t>
             </a:r>
             <a:endParaRPr lang="es-ES" dirty="0">
               <a:latin typeface="Calibri" panose="020F0502020204030204" pitchFamily="34" charset="0"/>
@@ -18438,7 +17978,7 @@
     </p:spTree>
     <p:extLst>
       <p:ext uri="{BB962C8B-B14F-4D97-AF65-F5344CB8AC3E}">
-        <p14:creationId xmlns:p14="http://schemas.microsoft.com/office/powerpoint/2010/main" val="911135038"/>
+        <p14:creationId xmlns:p14="http://schemas.microsoft.com/office/powerpoint/2010/main" val="3392187028"/>
       </p:ext>
     </p:extLst>
   </p:cSld>
@@ -18490,7 +18030,7 @@
             <a:pPr algn="ctr"/>
             <a:r>
               <a:rPr lang="en-US" dirty="0" smtClean="0"/>
-              <a:t>Moving mesh</a:t>
+              <a:t>Gas absorbing boundary</a:t>
             </a:r>
             <a:endParaRPr lang="es-ES" dirty="0"/>
           </a:p>
@@ -18498,21 +18038,21 @@
       </p:sp>
       <p:sp>
         <p:nvSpPr>
-          <p:cNvPr id="5" name="Rectangle 4"/>
+          <p:cNvPr id="4" name="Rectangle 3"/>
           <p:cNvSpPr/>
           <p:nvPr/>
         </p:nvSpPr>
         <p:spPr>
           <a:xfrm>
-            <a:off x="129208" y="844901"/>
-            <a:ext cx="6096000" cy="3231654"/>
+            <a:off x="129209" y="851386"/>
+            <a:ext cx="9074426" cy="4708981"/>
           </a:xfrm>
           <a:prstGeom prst="rect">
             <a:avLst/>
           </a:prstGeom>
         </p:spPr>
         <p:txBody>
-          <a:bodyPr>
+          <a:bodyPr wrap="square">
             <a:spAutoFit/>
           </a:bodyPr>
           <a:lstStyle/>
@@ -18522,7 +18062,14 @@
                 <a:latin typeface="Calibri" panose="020F0502020204030204" pitchFamily="34" charset="0"/>
                 <a:cs typeface="Calibri" panose="020F0502020204030204" pitchFamily="34" charset="0"/>
               </a:rPr>
-              <a:t>$$EXTENDING_MESH_CORNER_NODES</a:t>
+              <a:t>$$</a:t>
+            </a:r>
+            <a:r>
+              <a:rPr lang="es-ES" dirty="0" smtClean="0">
+                <a:latin typeface="Calibri" panose="020F0502020204030204" pitchFamily="34" charset="0"/>
+                <a:cs typeface="Calibri" panose="020F0502020204030204" pitchFamily="34" charset="0"/>
+              </a:rPr>
+              <a:t>ABSORBING_BOUNDARY_SURFACE_GAS</a:t>
             </a:r>
           </a:p>
           <a:p>
@@ -18531,56 +18078,155 @@
                 <a:latin typeface="Calibri" panose="020F0502020204030204" pitchFamily="34" charset="0"/>
                 <a:cs typeface="Calibri" panose="020F0502020204030204" pitchFamily="34" charset="0"/>
               </a:rPr>
-              <a:t>Extending</a:t>
-            </a:r>
-            <a:r>
-              <a:rPr lang="es-ES" sz="1400" i="1" dirty="0" smtClean="0">
-                <a:latin typeface="Calibri" panose="020F0502020204030204" pitchFamily="34" charset="0"/>
-                <a:cs typeface="Calibri" panose="020F0502020204030204" pitchFamily="34" charset="0"/>
-              </a:rPr>
-              <a:t> </a:t>
+              <a:t>Number</a:t>
+            </a:r>
+            <a:r>
+              <a:rPr lang="es-ES" sz="1400" i="1" dirty="0" smtClean="0">
+                <a:latin typeface="Calibri" panose="020F0502020204030204" pitchFamily="34" charset="0"/>
+                <a:cs typeface="Calibri" panose="020F0502020204030204" pitchFamily="34" charset="0"/>
+              </a:rPr>
+              <a:t> of </a:t>
             </a:r>
             <a:r>
               <a:rPr lang="es-ES" sz="1400" i="1" dirty="0" err="1" smtClean="0">
                 <a:latin typeface="Calibri" panose="020F0502020204030204" pitchFamily="34" charset="0"/>
                 <a:cs typeface="Calibri" panose="020F0502020204030204" pitchFamily="34" charset="0"/>
               </a:rPr>
-              <a:t>mesh</a:t>
-            </a:r>
-            <a:r>
-              <a:rPr lang="es-ES" sz="1400" i="1" dirty="0" smtClean="0">
-                <a:latin typeface="Calibri" panose="020F0502020204030204" pitchFamily="34" charset="0"/>
-                <a:cs typeface="Calibri" panose="020F0502020204030204" pitchFamily="34" charset="0"/>
-              </a:rPr>
-              <a:t> </a:t>
+              <a:t>surfaces</a:t>
+            </a:r>
+            <a:endParaRPr lang="es-ES" sz="1400" i="1" dirty="0">
+              <a:latin typeface="Calibri" panose="020F0502020204030204" pitchFamily="34" charset="0"/>
+              <a:cs typeface="Calibri" panose="020F0502020204030204" pitchFamily="34" charset="0"/>
+            </a:endParaRPr>
+          </a:p>
+          <a:p>
+            <a:r>
+              <a:rPr lang="es-ES" dirty="0" smtClean="0">
+                <a:latin typeface="Calibri" panose="020F0502020204030204" pitchFamily="34" charset="0"/>
+                <a:cs typeface="Calibri" panose="020F0502020204030204" pitchFamily="34" charset="0"/>
+              </a:rPr>
+              <a:t>0</a:t>
+            </a:r>
+          </a:p>
+          <a:p>
+            <a:r>
+              <a:rPr lang="es-ES" sz="1400" i="1" dirty="0" smtClean="0">
+                <a:latin typeface="Calibri" panose="020F0502020204030204" pitchFamily="34" charset="0"/>
+                <a:cs typeface="Calibri" panose="020F0502020204030204" pitchFamily="34" charset="0"/>
+              </a:rPr>
+              <a:t>Surface ID	x-</a:t>
             </a:r>
             <a:r>
               <a:rPr lang="es-ES" sz="1400" i="1" dirty="0" err="1" smtClean="0">
                 <a:latin typeface="Calibri" panose="020F0502020204030204" pitchFamily="34" charset="0"/>
                 <a:cs typeface="Calibri" panose="020F0502020204030204" pitchFamily="34" charset="0"/>
               </a:rPr>
-              <a:t>corner</a:t>
-            </a:r>
-            <a:r>
-              <a:rPr lang="es-ES" sz="1400" i="1" dirty="0" smtClean="0">
-                <a:latin typeface="Calibri" panose="020F0502020204030204" pitchFamily="34" charset="0"/>
-                <a:cs typeface="Calibri" panose="020F0502020204030204" pitchFamily="34" charset="0"/>
-              </a:rPr>
-              <a:t> </a:t>
+              <a:t>direction</a:t>
+            </a:r>
+            <a:r>
+              <a:rPr lang="es-ES" sz="1400" i="1" dirty="0" smtClean="0">
+                <a:latin typeface="Calibri" panose="020F0502020204030204" pitchFamily="34" charset="0"/>
+                <a:cs typeface="Calibri" panose="020F0502020204030204" pitchFamily="34" charset="0"/>
+              </a:rPr>
+              <a:t>	</a:t>
             </a:r>
             <a:r>
               <a:rPr lang="es-ES" sz="1400" i="1" dirty="0" err="1" smtClean="0">
                 <a:latin typeface="Calibri" panose="020F0502020204030204" pitchFamily="34" charset="0"/>
                 <a:cs typeface="Calibri" panose="020F0502020204030204" pitchFamily="34" charset="0"/>
               </a:rPr>
-              <a:t>nodes</a:t>
-            </a:r>
-            <a:r>
-              <a:rPr lang="es-ES" sz="1400" i="1" dirty="0" smtClean="0">
-                <a:latin typeface="Calibri" panose="020F0502020204030204" pitchFamily="34" charset="0"/>
-                <a:cs typeface="Calibri" panose="020F0502020204030204" pitchFamily="34" charset="0"/>
-              </a:rPr>
-              <a:t> ID</a:t>
+              <a:t>alpha</a:t>
+            </a:r>
+            <a:r>
+              <a:rPr lang="es-ES" sz="1400" i="1" dirty="0" smtClean="0">
+                <a:latin typeface="Calibri" panose="020F0502020204030204" pitchFamily="34" charset="0"/>
+                <a:cs typeface="Calibri" panose="020F0502020204030204" pitchFamily="34" charset="0"/>
+              </a:rPr>
+              <a:t>    delta	y-</a:t>
+            </a:r>
+            <a:r>
+              <a:rPr lang="es-ES" sz="1400" i="1" dirty="0" err="1" smtClean="0">
+                <a:latin typeface="Calibri" panose="020F0502020204030204" pitchFamily="34" charset="0"/>
+                <a:cs typeface="Calibri" panose="020F0502020204030204" pitchFamily="34" charset="0"/>
+              </a:rPr>
+              <a:t>direction</a:t>
+            </a:r>
+            <a:r>
+              <a:rPr lang="es-ES" sz="1400" i="1" dirty="0" smtClean="0">
+                <a:latin typeface="Calibri" panose="020F0502020204030204" pitchFamily="34" charset="0"/>
+                <a:cs typeface="Calibri" panose="020F0502020204030204" pitchFamily="34" charset="0"/>
+              </a:rPr>
+              <a:t>	</a:t>
+            </a:r>
+            <a:r>
+              <a:rPr lang="es-ES" sz="1400" i="1" dirty="0" err="1" smtClean="0">
+                <a:latin typeface="Calibri" panose="020F0502020204030204" pitchFamily="34" charset="0"/>
+                <a:cs typeface="Calibri" panose="020F0502020204030204" pitchFamily="34" charset="0"/>
+              </a:rPr>
+              <a:t>alpha</a:t>
+            </a:r>
+            <a:r>
+              <a:rPr lang="es-ES" sz="1400" i="1" dirty="0" smtClean="0">
+                <a:latin typeface="Calibri" panose="020F0502020204030204" pitchFamily="34" charset="0"/>
+                <a:cs typeface="Calibri" panose="020F0502020204030204" pitchFamily="34" charset="0"/>
+              </a:rPr>
+              <a:t>   delta		z-</a:t>
+            </a:r>
+            <a:r>
+              <a:rPr lang="es-ES" sz="1400" i="1" dirty="0" err="1" smtClean="0">
+                <a:latin typeface="Calibri" panose="020F0502020204030204" pitchFamily="34" charset="0"/>
+                <a:cs typeface="Calibri" panose="020F0502020204030204" pitchFamily="34" charset="0"/>
+              </a:rPr>
+              <a:t>direction</a:t>
+            </a:r>
+            <a:r>
+              <a:rPr lang="es-ES" sz="1400" i="1" dirty="0" smtClean="0">
+                <a:latin typeface="Calibri" panose="020F0502020204030204" pitchFamily="34" charset="0"/>
+                <a:cs typeface="Calibri" panose="020F0502020204030204" pitchFamily="34" charset="0"/>
+              </a:rPr>
+              <a:t> (</a:t>
+            </a:r>
+            <a:r>
+              <a:rPr lang="es-ES" sz="1400" i="1" dirty="0">
+                <a:latin typeface="Calibri" panose="020F0502020204030204" pitchFamily="34" charset="0"/>
+                <a:cs typeface="Calibri" panose="020F0502020204030204" pitchFamily="34" charset="0"/>
+              </a:rPr>
+              <a:t>3D </a:t>
+            </a:r>
+            <a:r>
+              <a:rPr lang="es-ES" sz="1400" i="1" dirty="0" err="1">
+                <a:latin typeface="Calibri" panose="020F0502020204030204" pitchFamily="34" charset="0"/>
+                <a:cs typeface="Calibri" panose="020F0502020204030204" pitchFamily="34" charset="0"/>
+              </a:rPr>
+              <a:t>only</a:t>
+            </a:r>
+            <a:r>
+              <a:rPr lang="es-ES" sz="1400" i="1" dirty="0" smtClean="0">
+                <a:latin typeface="Calibri" panose="020F0502020204030204" pitchFamily="34" charset="0"/>
+                <a:cs typeface="Calibri" panose="020F0502020204030204" pitchFamily="34" charset="0"/>
+              </a:rPr>
+              <a:t>)   </a:t>
+            </a:r>
+            <a:r>
+              <a:rPr lang="es-ES" sz="1400" i="1" dirty="0" err="1" smtClean="0">
+                <a:latin typeface="Calibri" panose="020F0502020204030204" pitchFamily="34" charset="0"/>
+                <a:cs typeface="Calibri" panose="020F0502020204030204" pitchFamily="34" charset="0"/>
+              </a:rPr>
+              <a:t>alpha</a:t>
+            </a:r>
+            <a:r>
+              <a:rPr lang="es-ES" sz="1400" i="1" dirty="0">
+                <a:latin typeface="Calibri" panose="020F0502020204030204" pitchFamily="34" charset="0"/>
+                <a:cs typeface="Calibri" panose="020F0502020204030204" pitchFamily="34" charset="0"/>
+              </a:rPr>
+              <a:t> </a:t>
+            </a:r>
+            <a:r>
+              <a:rPr lang="es-ES" sz="1400" i="1" dirty="0" smtClean="0">
+                <a:latin typeface="Calibri" panose="020F0502020204030204" pitchFamily="34" charset="0"/>
+                <a:cs typeface="Calibri" panose="020F0502020204030204" pitchFamily="34" charset="0"/>
+              </a:rPr>
+              <a:t> delta</a:t>
             </a:r>
           </a:p>
           <a:p>
@@ -18589,16 +18235,39 @@
                 <a:latin typeface="Calibri" panose="020F0502020204030204" pitchFamily="34" charset="0"/>
                 <a:cs typeface="Calibri" panose="020F0502020204030204" pitchFamily="34" charset="0"/>
               </a:rPr>
-              <a:t>0</a:t>
-            </a:r>
-          </a:p>
-          <a:p>
+              <a:t>0	</a:t>
+            </a:r>
+            <a:r>
+              <a:rPr lang="es-ES" dirty="0">
+                <a:latin typeface="Calibri" panose="020F0502020204030204" pitchFamily="34" charset="0"/>
+                <a:cs typeface="Calibri" panose="020F0502020204030204" pitchFamily="34" charset="0"/>
+              </a:rPr>
+              <a:t> 0/1 </a:t>
+            </a:r>
             <a:r>
               <a:rPr lang="es-ES" dirty="0" smtClean="0">
                 <a:latin typeface="Calibri" panose="020F0502020204030204" pitchFamily="34" charset="0"/>
                 <a:cs typeface="Calibri" panose="020F0502020204030204" pitchFamily="34" charset="0"/>
               </a:rPr>
+              <a:t>	0         0		0/1 	0         0		0/1 	             0	     0</a:t>
+            </a:r>
+          </a:p>
+          <a:p>
+            <a:r>
+              <a:rPr lang="es-ES" dirty="0" smtClean="0">
+                <a:latin typeface="Calibri" panose="020F0502020204030204" pitchFamily="34" charset="0"/>
+                <a:cs typeface="Calibri" panose="020F0502020204030204" pitchFamily="34" charset="0"/>
+              </a:rPr>
               <a:t>…</a:t>
+            </a:r>
+          </a:p>
+          <a:p>
+            <a:r>
+              <a:rPr lang="es-ES" dirty="0" smtClean="0">
+                <a:latin typeface="Calibri" panose="020F0502020204030204" pitchFamily="34" charset="0"/>
+                <a:cs typeface="Calibri" panose="020F0502020204030204" pitchFamily="34" charset="0"/>
+              </a:rPr>
+              <a:t>$$ABSORBING_BOUNDARY_LINE_GAS</a:t>
             </a:r>
             <a:endParaRPr lang="es-ES" dirty="0">
               <a:latin typeface="Calibri" panose="020F0502020204030204" pitchFamily="34" charset="0"/>
@@ -18607,76 +18276,25 @@
           </a:p>
           <a:p>
             <a:r>
-              <a:rPr lang="es-ES" dirty="0" smtClean="0">
-                <a:latin typeface="Calibri" panose="020F0502020204030204" pitchFamily="34" charset="0"/>
-                <a:cs typeface="Calibri" panose="020F0502020204030204" pitchFamily="34" charset="0"/>
-              </a:rPr>
-              <a:t>$$COMPRESSING_MESH_CORNER_NODES</a:t>
-            </a:r>
-          </a:p>
-          <a:p>
+              <a:rPr lang="es-ES" sz="1400" i="1" dirty="0" err="1">
+                <a:latin typeface="Calibri" panose="020F0502020204030204" pitchFamily="34" charset="0"/>
+                <a:cs typeface="Calibri" panose="020F0502020204030204" pitchFamily="34" charset="0"/>
+              </a:rPr>
+              <a:t>Number</a:t>
+            </a:r>
+            <a:r>
+              <a:rPr lang="es-ES" sz="1400" i="1" dirty="0">
+                <a:latin typeface="Calibri" panose="020F0502020204030204" pitchFamily="34" charset="0"/>
+                <a:cs typeface="Calibri" panose="020F0502020204030204" pitchFamily="34" charset="0"/>
+              </a:rPr>
+              <a:t> of </a:t>
+            </a:r>
             <a:r>
               <a:rPr lang="es-ES" sz="1400" i="1" dirty="0" err="1" smtClean="0">
                 <a:latin typeface="Calibri" panose="020F0502020204030204" pitchFamily="34" charset="0"/>
                 <a:cs typeface="Calibri" panose="020F0502020204030204" pitchFamily="34" charset="0"/>
               </a:rPr>
-              <a:t>Compressing</a:t>
-            </a:r>
-            <a:r>
-              <a:rPr lang="es-ES" sz="1400" i="1" dirty="0" smtClean="0">
-                <a:latin typeface="Calibri" panose="020F0502020204030204" pitchFamily="34" charset="0"/>
-                <a:cs typeface="Calibri" panose="020F0502020204030204" pitchFamily="34" charset="0"/>
-              </a:rPr>
-              <a:t> </a:t>
-            </a:r>
-            <a:r>
-              <a:rPr lang="es-ES" sz="1400" i="1" dirty="0" err="1">
-                <a:latin typeface="Calibri" panose="020F0502020204030204" pitchFamily="34" charset="0"/>
-                <a:cs typeface="Calibri" panose="020F0502020204030204" pitchFamily="34" charset="0"/>
-              </a:rPr>
-              <a:t>mesh</a:t>
-            </a:r>
-            <a:r>
-              <a:rPr lang="es-ES" sz="1400" i="1" dirty="0">
-                <a:latin typeface="Calibri" panose="020F0502020204030204" pitchFamily="34" charset="0"/>
-                <a:cs typeface="Calibri" panose="020F0502020204030204" pitchFamily="34" charset="0"/>
-              </a:rPr>
-              <a:t> </a:t>
-            </a:r>
-            <a:r>
-              <a:rPr lang="es-ES" sz="1400" i="1" dirty="0" err="1">
-                <a:latin typeface="Calibri" panose="020F0502020204030204" pitchFamily="34" charset="0"/>
-                <a:cs typeface="Calibri" panose="020F0502020204030204" pitchFamily="34" charset="0"/>
-              </a:rPr>
-              <a:t>corner</a:t>
-            </a:r>
-            <a:r>
-              <a:rPr lang="es-ES" sz="1400" i="1" dirty="0">
-                <a:latin typeface="Calibri" panose="020F0502020204030204" pitchFamily="34" charset="0"/>
-                <a:cs typeface="Calibri" panose="020F0502020204030204" pitchFamily="34" charset="0"/>
-              </a:rPr>
-              <a:t> </a:t>
-            </a:r>
-            <a:r>
-              <a:rPr lang="es-ES" sz="1400" i="1" dirty="0" err="1">
-                <a:latin typeface="Calibri" panose="020F0502020204030204" pitchFamily="34" charset="0"/>
-                <a:cs typeface="Calibri" panose="020F0502020204030204" pitchFamily="34" charset="0"/>
-              </a:rPr>
-              <a:t>nodes</a:t>
-            </a:r>
-            <a:r>
-              <a:rPr lang="es-ES" sz="1400" i="1" dirty="0">
-                <a:latin typeface="Calibri" panose="020F0502020204030204" pitchFamily="34" charset="0"/>
-                <a:cs typeface="Calibri" panose="020F0502020204030204" pitchFamily="34" charset="0"/>
-              </a:rPr>
-              <a:t> </a:t>
-            </a:r>
-            <a:r>
-              <a:rPr lang="es-ES" sz="1400" i="1" dirty="0" smtClean="0">
-                <a:latin typeface="Calibri" panose="020F0502020204030204" pitchFamily="34" charset="0"/>
-                <a:cs typeface="Calibri" panose="020F0502020204030204" pitchFamily="34" charset="0"/>
-              </a:rPr>
-              <a:t>ID</a:t>
+              <a:t>lines</a:t>
             </a:r>
             <a:endParaRPr lang="es-ES" sz="1400" i="1" dirty="0">
               <a:latin typeface="Calibri" panose="020F0502020204030204" pitchFamily="34" charset="0"/>
@@ -18685,20 +18303,208 @@
           </a:p>
           <a:p>
             <a:r>
+              <a:rPr lang="es-ES" dirty="0">
+                <a:latin typeface="Calibri" panose="020F0502020204030204" pitchFamily="34" charset="0"/>
+                <a:cs typeface="Calibri" panose="020F0502020204030204" pitchFamily="34" charset="0"/>
+              </a:rPr>
+              <a:t>0</a:t>
+            </a:r>
+          </a:p>
+          <a:p>
+            <a:r>
+              <a:rPr lang="es-ES" sz="1400" i="1" dirty="0" smtClean="0">
+                <a:latin typeface="Calibri" panose="020F0502020204030204" pitchFamily="34" charset="0"/>
+                <a:cs typeface="Calibri" panose="020F0502020204030204" pitchFamily="34" charset="0"/>
+              </a:rPr>
+              <a:t>Line </a:t>
+            </a:r>
+            <a:r>
+              <a:rPr lang="es-ES" sz="1400" i="1" dirty="0">
+                <a:latin typeface="Calibri" panose="020F0502020204030204" pitchFamily="34" charset="0"/>
+                <a:cs typeface="Calibri" panose="020F0502020204030204" pitchFamily="34" charset="0"/>
+              </a:rPr>
+              <a:t>ID	x-</a:t>
+            </a:r>
+            <a:r>
+              <a:rPr lang="es-ES" sz="1400" i="1" dirty="0" err="1">
+                <a:latin typeface="Calibri" panose="020F0502020204030204" pitchFamily="34" charset="0"/>
+                <a:cs typeface="Calibri" panose="020F0502020204030204" pitchFamily="34" charset="0"/>
+              </a:rPr>
+              <a:t>direction</a:t>
+            </a:r>
+            <a:r>
+              <a:rPr lang="es-ES" sz="1400" i="1" dirty="0">
+                <a:latin typeface="Calibri" panose="020F0502020204030204" pitchFamily="34" charset="0"/>
+                <a:cs typeface="Calibri" panose="020F0502020204030204" pitchFamily="34" charset="0"/>
+              </a:rPr>
+              <a:t>	</a:t>
+            </a:r>
+            <a:r>
+              <a:rPr lang="es-ES" sz="1400" i="1" dirty="0" err="1">
+                <a:latin typeface="Calibri" panose="020F0502020204030204" pitchFamily="34" charset="0"/>
+                <a:cs typeface="Calibri" panose="020F0502020204030204" pitchFamily="34" charset="0"/>
+              </a:rPr>
+              <a:t>alpha</a:t>
+            </a:r>
+            <a:r>
+              <a:rPr lang="es-ES" sz="1400" i="1" dirty="0">
+                <a:latin typeface="Calibri" panose="020F0502020204030204" pitchFamily="34" charset="0"/>
+                <a:cs typeface="Calibri" panose="020F0502020204030204" pitchFamily="34" charset="0"/>
+              </a:rPr>
+              <a:t>    delta	y-</a:t>
+            </a:r>
+            <a:r>
+              <a:rPr lang="es-ES" sz="1400" i="1" dirty="0" err="1">
+                <a:latin typeface="Calibri" panose="020F0502020204030204" pitchFamily="34" charset="0"/>
+                <a:cs typeface="Calibri" panose="020F0502020204030204" pitchFamily="34" charset="0"/>
+              </a:rPr>
+              <a:t>direction</a:t>
+            </a:r>
+            <a:r>
+              <a:rPr lang="es-ES" sz="1400" i="1" dirty="0">
+                <a:latin typeface="Calibri" panose="020F0502020204030204" pitchFamily="34" charset="0"/>
+                <a:cs typeface="Calibri" panose="020F0502020204030204" pitchFamily="34" charset="0"/>
+              </a:rPr>
+              <a:t>	</a:t>
+            </a:r>
+            <a:r>
+              <a:rPr lang="es-ES" sz="1400" i="1" dirty="0" err="1">
+                <a:latin typeface="Calibri" panose="020F0502020204030204" pitchFamily="34" charset="0"/>
+                <a:cs typeface="Calibri" panose="020F0502020204030204" pitchFamily="34" charset="0"/>
+              </a:rPr>
+              <a:t>alpha</a:t>
+            </a:r>
+            <a:r>
+              <a:rPr lang="es-ES" sz="1400" i="1" dirty="0">
+                <a:latin typeface="Calibri" panose="020F0502020204030204" pitchFamily="34" charset="0"/>
+                <a:cs typeface="Calibri" panose="020F0502020204030204" pitchFamily="34" charset="0"/>
+              </a:rPr>
+              <a:t>   delta		z-</a:t>
+            </a:r>
+            <a:r>
+              <a:rPr lang="es-ES" sz="1400" i="1" dirty="0" err="1">
+                <a:latin typeface="Calibri" panose="020F0502020204030204" pitchFamily="34" charset="0"/>
+                <a:cs typeface="Calibri" panose="020F0502020204030204" pitchFamily="34" charset="0"/>
+              </a:rPr>
+              <a:t>direction</a:t>
+            </a:r>
+            <a:r>
+              <a:rPr lang="es-ES" sz="1400" i="1" dirty="0">
+                <a:latin typeface="Calibri" panose="020F0502020204030204" pitchFamily="34" charset="0"/>
+                <a:cs typeface="Calibri" panose="020F0502020204030204" pitchFamily="34" charset="0"/>
+              </a:rPr>
+              <a:t> </a:t>
+            </a:r>
+            <a:r>
+              <a:rPr lang="es-ES" sz="1400" i="1" dirty="0" smtClean="0">
+                <a:latin typeface="Calibri" panose="020F0502020204030204" pitchFamily="34" charset="0"/>
+                <a:cs typeface="Calibri" panose="020F0502020204030204" pitchFamily="34" charset="0"/>
+              </a:rPr>
+              <a:t>(</a:t>
+            </a:r>
+            <a:r>
+              <a:rPr lang="es-ES" sz="1400" i="1" dirty="0">
+                <a:latin typeface="Calibri" panose="020F0502020204030204" pitchFamily="34" charset="0"/>
+                <a:cs typeface="Calibri" panose="020F0502020204030204" pitchFamily="34" charset="0"/>
+              </a:rPr>
+              <a:t>3D </a:t>
+            </a:r>
+            <a:r>
+              <a:rPr lang="es-ES" sz="1400" i="1" dirty="0" err="1">
+                <a:latin typeface="Calibri" panose="020F0502020204030204" pitchFamily="34" charset="0"/>
+                <a:cs typeface="Calibri" panose="020F0502020204030204" pitchFamily="34" charset="0"/>
+              </a:rPr>
+              <a:t>only</a:t>
+            </a:r>
+            <a:r>
+              <a:rPr lang="es-ES" sz="1400" i="1" dirty="0" smtClean="0">
+                <a:latin typeface="Calibri" panose="020F0502020204030204" pitchFamily="34" charset="0"/>
+                <a:cs typeface="Calibri" panose="020F0502020204030204" pitchFamily="34" charset="0"/>
+              </a:rPr>
+              <a:t>)   </a:t>
+            </a:r>
+            <a:r>
+              <a:rPr lang="es-ES" sz="1400" i="1" dirty="0" err="1">
+                <a:latin typeface="Calibri" panose="020F0502020204030204" pitchFamily="34" charset="0"/>
+                <a:cs typeface="Calibri" panose="020F0502020204030204" pitchFamily="34" charset="0"/>
+              </a:rPr>
+              <a:t>alpha</a:t>
+            </a:r>
+            <a:r>
+              <a:rPr lang="es-ES" sz="1400" i="1" dirty="0">
+                <a:latin typeface="Calibri" panose="020F0502020204030204" pitchFamily="34" charset="0"/>
+                <a:cs typeface="Calibri" panose="020F0502020204030204" pitchFamily="34" charset="0"/>
+              </a:rPr>
+              <a:t>  delta</a:t>
+            </a:r>
+          </a:p>
+          <a:p>
+            <a:r>
+              <a:rPr lang="es-ES" dirty="0">
+                <a:latin typeface="Calibri" panose="020F0502020204030204" pitchFamily="34" charset="0"/>
+                <a:cs typeface="Calibri" panose="020F0502020204030204" pitchFamily="34" charset="0"/>
+              </a:rPr>
+              <a:t>0	 0/1 	0         </a:t>
+            </a:r>
+            <a:r>
               <a:rPr lang="es-ES" dirty="0" smtClean="0">
                 <a:latin typeface="Calibri" panose="020F0502020204030204" pitchFamily="34" charset="0"/>
                 <a:cs typeface="Calibri" panose="020F0502020204030204" pitchFamily="34" charset="0"/>
               </a:rPr>
               <a:t>0</a:t>
             </a:r>
-          </a:p>
-          <a:p>
+            <a:r>
+              <a:rPr lang="es-ES" dirty="0">
+                <a:latin typeface="Calibri" panose="020F0502020204030204" pitchFamily="34" charset="0"/>
+                <a:cs typeface="Calibri" panose="020F0502020204030204" pitchFamily="34" charset="0"/>
+              </a:rPr>
+              <a:t>	</a:t>
+            </a:r>
             <a:r>
               <a:rPr lang="es-ES" dirty="0" smtClean="0">
                 <a:latin typeface="Calibri" panose="020F0502020204030204" pitchFamily="34" charset="0"/>
                 <a:cs typeface="Calibri" panose="020F0502020204030204" pitchFamily="34" charset="0"/>
               </a:rPr>
+              <a:t>	0/1</a:t>
+            </a:r>
+            <a:r>
+              <a:rPr lang="es-ES" dirty="0">
+                <a:latin typeface="Calibri" panose="020F0502020204030204" pitchFamily="34" charset="0"/>
+                <a:cs typeface="Calibri" panose="020F0502020204030204" pitchFamily="34" charset="0"/>
+              </a:rPr>
+              <a:t>	0         0		</a:t>
+            </a:r>
+            <a:r>
+              <a:rPr lang="es-ES" dirty="0" smtClean="0">
+                <a:latin typeface="Calibri" panose="020F0502020204030204" pitchFamily="34" charset="0"/>
+                <a:cs typeface="Calibri" panose="020F0502020204030204" pitchFamily="34" charset="0"/>
+              </a:rPr>
+              <a:t>0/1 </a:t>
+            </a:r>
+            <a:r>
+              <a:rPr lang="es-ES" dirty="0">
+                <a:latin typeface="Calibri" panose="020F0502020204030204" pitchFamily="34" charset="0"/>
+                <a:cs typeface="Calibri" panose="020F0502020204030204" pitchFamily="34" charset="0"/>
+              </a:rPr>
+              <a:t>	             0	     0</a:t>
+            </a:r>
+          </a:p>
+          <a:p>
+            <a:r>
+              <a:rPr lang="es-ES" dirty="0">
+                <a:latin typeface="Calibri" panose="020F0502020204030204" pitchFamily="34" charset="0"/>
+                <a:cs typeface="Calibri" panose="020F0502020204030204" pitchFamily="34" charset="0"/>
+              </a:rPr>
               <a:t>…</a:t>
+            </a:r>
+          </a:p>
+          <a:p>
+            <a:r>
+              <a:rPr lang="es-ES" dirty="0" smtClean="0">
+                <a:latin typeface="Calibri" panose="020F0502020204030204" pitchFamily="34" charset="0"/>
+                <a:cs typeface="Calibri" panose="020F0502020204030204" pitchFamily="34" charset="0"/>
+              </a:rPr>
+              <a:t>$$ABSORBING_BOUNDARY_POINT_GAS</a:t>
             </a:r>
             <a:endParaRPr lang="es-ES" dirty="0">
               <a:latin typeface="Calibri" panose="020F0502020204030204" pitchFamily="34" charset="0"/>
@@ -18707,83 +18513,25 @@
           </a:p>
           <a:p>
             <a:r>
-              <a:rPr lang="es-ES" dirty="0">
-                <a:latin typeface="Calibri" panose="020F0502020204030204" pitchFamily="34" charset="0"/>
-                <a:cs typeface="Calibri" panose="020F0502020204030204" pitchFamily="34" charset="0"/>
-              </a:rPr>
-              <a:t>$$</a:t>
-            </a:r>
-            <a:r>
-              <a:rPr lang="es-ES" dirty="0" smtClean="0">
-                <a:latin typeface="Calibri" panose="020F0502020204030204" pitchFamily="34" charset="0"/>
-                <a:cs typeface="Calibri" panose="020F0502020204030204" pitchFamily="34" charset="0"/>
-              </a:rPr>
-              <a:t>MOVING_MESH_CORNER_NODES</a:t>
-            </a:r>
-          </a:p>
-          <a:p>
+              <a:rPr lang="es-ES" sz="1400" i="1" dirty="0" err="1">
+                <a:latin typeface="Calibri" panose="020F0502020204030204" pitchFamily="34" charset="0"/>
+                <a:cs typeface="Calibri" panose="020F0502020204030204" pitchFamily="34" charset="0"/>
+              </a:rPr>
+              <a:t>Number</a:t>
+            </a:r>
+            <a:r>
+              <a:rPr lang="es-ES" sz="1400" i="1" dirty="0">
+                <a:latin typeface="Calibri" panose="020F0502020204030204" pitchFamily="34" charset="0"/>
+                <a:cs typeface="Calibri" panose="020F0502020204030204" pitchFamily="34" charset="0"/>
+              </a:rPr>
+              <a:t> of </a:t>
+            </a:r>
             <a:r>
               <a:rPr lang="es-ES" sz="1400" i="1" dirty="0" err="1" smtClean="0">
                 <a:latin typeface="Calibri" panose="020F0502020204030204" pitchFamily="34" charset="0"/>
                 <a:cs typeface="Calibri" panose="020F0502020204030204" pitchFamily="34" charset="0"/>
               </a:rPr>
-              <a:t>Moving</a:t>
-            </a:r>
-            <a:r>
-              <a:rPr lang="es-ES" sz="1400" i="1" dirty="0" smtClean="0">
-                <a:latin typeface="Calibri" panose="020F0502020204030204" pitchFamily="34" charset="0"/>
-                <a:cs typeface="Calibri" panose="020F0502020204030204" pitchFamily="34" charset="0"/>
-              </a:rPr>
-              <a:t> </a:t>
-            </a:r>
-            <a:r>
-              <a:rPr lang="es-ES" sz="1400" i="1" dirty="0" err="1">
-                <a:latin typeface="Calibri" panose="020F0502020204030204" pitchFamily="34" charset="0"/>
-                <a:cs typeface="Calibri" panose="020F0502020204030204" pitchFamily="34" charset="0"/>
-              </a:rPr>
-              <a:t>mesh</a:t>
-            </a:r>
-            <a:r>
-              <a:rPr lang="es-ES" sz="1400" i="1" dirty="0">
-                <a:latin typeface="Calibri" panose="020F0502020204030204" pitchFamily="34" charset="0"/>
-                <a:cs typeface="Calibri" panose="020F0502020204030204" pitchFamily="34" charset="0"/>
-              </a:rPr>
-              <a:t> </a:t>
-            </a:r>
-            <a:r>
-              <a:rPr lang="es-ES" sz="1400" i="1" dirty="0" err="1">
-                <a:latin typeface="Calibri" panose="020F0502020204030204" pitchFamily="34" charset="0"/>
-                <a:cs typeface="Calibri" panose="020F0502020204030204" pitchFamily="34" charset="0"/>
-              </a:rPr>
-              <a:t>corner</a:t>
-            </a:r>
-            <a:r>
-              <a:rPr lang="es-ES" sz="1400" i="1" dirty="0">
-                <a:latin typeface="Calibri" panose="020F0502020204030204" pitchFamily="34" charset="0"/>
-                <a:cs typeface="Calibri" panose="020F0502020204030204" pitchFamily="34" charset="0"/>
-              </a:rPr>
-              <a:t> </a:t>
-            </a:r>
-            <a:r>
-              <a:rPr lang="es-ES" sz="1400" i="1" dirty="0" err="1">
-                <a:latin typeface="Calibri" panose="020F0502020204030204" pitchFamily="34" charset="0"/>
-                <a:cs typeface="Calibri" panose="020F0502020204030204" pitchFamily="34" charset="0"/>
-              </a:rPr>
-              <a:t>nodes</a:t>
-            </a:r>
-            <a:r>
-              <a:rPr lang="es-ES" sz="1400" i="1" dirty="0">
-                <a:latin typeface="Calibri" panose="020F0502020204030204" pitchFamily="34" charset="0"/>
-                <a:cs typeface="Calibri" panose="020F0502020204030204" pitchFamily="34" charset="0"/>
-              </a:rPr>
-              <a:t> </a:t>
-            </a:r>
-            <a:r>
-              <a:rPr lang="es-ES" sz="1400" i="1" dirty="0" smtClean="0">
-                <a:latin typeface="Calibri" panose="020F0502020204030204" pitchFamily="34" charset="0"/>
-                <a:cs typeface="Calibri" panose="020F0502020204030204" pitchFamily="34" charset="0"/>
-              </a:rPr>
-              <a:t>ID</a:t>
+              <a:t>points</a:t>
             </a:r>
             <a:endParaRPr lang="es-ES" sz="1400" i="1" dirty="0">
               <a:latin typeface="Calibri" panose="020F0502020204030204" pitchFamily="34" charset="0"/>
@@ -18792,32 +18540,193 @@
           </a:p>
           <a:p>
             <a:r>
+              <a:rPr lang="es-ES" dirty="0">
+                <a:latin typeface="Calibri" panose="020F0502020204030204" pitchFamily="34" charset="0"/>
+                <a:cs typeface="Calibri" panose="020F0502020204030204" pitchFamily="34" charset="0"/>
+              </a:rPr>
+              <a:t>0</a:t>
+            </a:r>
+          </a:p>
+          <a:p>
+            <a:r>
+              <a:rPr lang="es-ES" sz="1400" i="1" dirty="0" smtClean="0">
+                <a:latin typeface="Calibri" panose="020F0502020204030204" pitchFamily="34" charset="0"/>
+                <a:cs typeface="Calibri" panose="020F0502020204030204" pitchFamily="34" charset="0"/>
+              </a:rPr>
+              <a:t>Point </a:t>
+            </a:r>
+            <a:r>
+              <a:rPr lang="es-ES" sz="1400" i="1" dirty="0">
+                <a:latin typeface="Calibri" panose="020F0502020204030204" pitchFamily="34" charset="0"/>
+                <a:cs typeface="Calibri" panose="020F0502020204030204" pitchFamily="34" charset="0"/>
+              </a:rPr>
+              <a:t>ID	x-</a:t>
+            </a:r>
+            <a:r>
+              <a:rPr lang="es-ES" sz="1400" i="1" dirty="0" err="1">
+                <a:latin typeface="Calibri" panose="020F0502020204030204" pitchFamily="34" charset="0"/>
+                <a:cs typeface="Calibri" panose="020F0502020204030204" pitchFamily="34" charset="0"/>
+              </a:rPr>
+              <a:t>direction</a:t>
+            </a:r>
+            <a:r>
+              <a:rPr lang="es-ES" sz="1400" i="1" dirty="0">
+                <a:latin typeface="Calibri" panose="020F0502020204030204" pitchFamily="34" charset="0"/>
+                <a:cs typeface="Calibri" panose="020F0502020204030204" pitchFamily="34" charset="0"/>
+              </a:rPr>
+              <a:t>	</a:t>
+            </a:r>
+            <a:r>
+              <a:rPr lang="es-ES" sz="1400" i="1" dirty="0" err="1">
+                <a:latin typeface="Calibri" panose="020F0502020204030204" pitchFamily="34" charset="0"/>
+                <a:cs typeface="Calibri" panose="020F0502020204030204" pitchFamily="34" charset="0"/>
+              </a:rPr>
+              <a:t>alpha</a:t>
+            </a:r>
+            <a:r>
+              <a:rPr lang="es-ES" sz="1400" i="1" dirty="0">
+                <a:latin typeface="Calibri" panose="020F0502020204030204" pitchFamily="34" charset="0"/>
+                <a:cs typeface="Calibri" panose="020F0502020204030204" pitchFamily="34" charset="0"/>
+              </a:rPr>
+              <a:t>    delta	y-</a:t>
+            </a:r>
+            <a:r>
+              <a:rPr lang="es-ES" sz="1400" i="1" dirty="0" err="1">
+                <a:latin typeface="Calibri" panose="020F0502020204030204" pitchFamily="34" charset="0"/>
+                <a:cs typeface="Calibri" panose="020F0502020204030204" pitchFamily="34" charset="0"/>
+              </a:rPr>
+              <a:t>direction</a:t>
+            </a:r>
+            <a:r>
+              <a:rPr lang="es-ES" sz="1400" i="1" dirty="0">
+                <a:latin typeface="Calibri" panose="020F0502020204030204" pitchFamily="34" charset="0"/>
+                <a:cs typeface="Calibri" panose="020F0502020204030204" pitchFamily="34" charset="0"/>
+              </a:rPr>
+              <a:t>	</a:t>
+            </a:r>
+            <a:r>
+              <a:rPr lang="es-ES" sz="1400" i="1" dirty="0" err="1">
+                <a:latin typeface="Calibri" panose="020F0502020204030204" pitchFamily="34" charset="0"/>
+                <a:cs typeface="Calibri" panose="020F0502020204030204" pitchFamily="34" charset="0"/>
+              </a:rPr>
+              <a:t>alpha</a:t>
+            </a:r>
+            <a:r>
+              <a:rPr lang="es-ES" sz="1400" i="1" dirty="0">
+                <a:latin typeface="Calibri" panose="020F0502020204030204" pitchFamily="34" charset="0"/>
+                <a:cs typeface="Calibri" panose="020F0502020204030204" pitchFamily="34" charset="0"/>
+              </a:rPr>
+              <a:t>   delta		z-</a:t>
+            </a:r>
+            <a:r>
+              <a:rPr lang="es-ES" sz="1400" i="1" dirty="0" err="1">
+                <a:latin typeface="Calibri" panose="020F0502020204030204" pitchFamily="34" charset="0"/>
+                <a:cs typeface="Calibri" panose="020F0502020204030204" pitchFamily="34" charset="0"/>
+              </a:rPr>
+              <a:t>direction</a:t>
+            </a:r>
+            <a:r>
+              <a:rPr lang="es-ES" sz="1400" i="1" dirty="0">
+                <a:latin typeface="Calibri" panose="020F0502020204030204" pitchFamily="34" charset="0"/>
+                <a:cs typeface="Calibri" panose="020F0502020204030204" pitchFamily="34" charset="0"/>
+              </a:rPr>
+              <a:t> </a:t>
+            </a:r>
+            <a:r>
+              <a:rPr lang="es-ES" sz="1400" i="1" dirty="0" smtClean="0">
+                <a:latin typeface="Calibri" panose="020F0502020204030204" pitchFamily="34" charset="0"/>
+                <a:cs typeface="Calibri" panose="020F0502020204030204" pitchFamily="34" charset="0"/>
+              </a:rPr>
+              <a:t>(</a:t>
+            </a:r>
+            <a:r>
+              <a:rPr lang="es-ES" sz="1400" i="1" dirty="0">
+                <a:latin typeface="Calibri" panose="020F0502020204030204" pitchFamily="34" charset="0"/>
+                <a:cs typeface="Calibri" panose="020F0502020204030204" pitchFamily="34" charset="0"/>
+              </a:rPr>
+              <a:t>3D </a:t>
+            </a:r>
+            <a:r>
+              <a:rPr lang="es-ES" sz="1400" i="1" dirty="0" err="1">
+                <a:latin typeface="Calibri" panose="020F0502020204030204" pitchFamily="34" charset="0"/>
+                <a:cs typeface="Calibri" panose="020F0502020204030204" pitchFamily="34" charset="0"/>
+              </a:rPr>
+              <a:t>only</a:t>
+            </a:r>
+            <a:r>
+              <a:rPr lang="es-ES" sz="1400" i="1" dirty="0" smtClean="0">
+                <a:latin typeface="Calibri" panose="020F0502020204030204" pitchFamily="34" charset="0"/>
+                <a:cs typeface="Calibri" panose="020F0502020204030204" pitchFamily="34" charset="0"/>
+              </a:rPr>
+              <a:t>)   </a:t>
+            </a:r>
+            <a:r>
+              <a:rPr lang="es-ES" sz="1400" i="1" dirty="0" err="1">
+                <a:latin typeface="Calibri" panose="020F0502020204030204" pitchFamily="34" charset="0"/>
+                <a:cs typeface="Calibri" panose="020F0502020204030204" pitchFamily="34" charset="0"/>
+              </a:rPr>
+              <a:t>alpha</a:t>
+            </a:r>
+            <a:r>
+              <a:rPr lang="es-ES" sz="1400" i="1" dirty="0">
+                <a:latin typeface="Calibri" panose="020F0502020204030204" pitchFamily="34" charset="0"/>
+                <a:cs typeface="Calibri" panose="020F0502020204030204" pitchFamily="34" charset="0"/>
+              </a:rPr>
+              <a:t>  delta</a:t>
+            </a:r>
+          </a:p>
+          <a:p>
+            <a:r>
+              <a:rPr lang="es-ES" dirty="0">
+                <a:latin typeface="Calibri" panose="020F0502020204030204" pitchFamily="34" charset="0"/>
+                <a:cs typeface="Calibri" panose="020F0502020204030204" pitchFamily="34" charset="0"/>
+              </a:rPr>
+              <a:t>0	 0/1 	0         0		</a:t>
+            </a:r>
+            <a:r>
               <a:rPr lang="es-ES" dirty="0" smtClean="0">
                 <a:latin typeface="Calibri" panose="020F0502020204030204" pitchFamily="34" charset="0"/>
                 <a:cs typeface="Calibri" panose="020F0502020204030204" pitchFamily="34" charset="0"/>
               </a:rPr>
-              <a:t>0</a:t>
-            </a:r>
-          </a:p>
-          <a:p>
+              <a:t>0/1 </a:t>
+            </a:r>
+            <a:r>
+              <a:rPr lang="es-ES" dirty="0">
+                <a:latin typeface="Calibri" panose="020F0502020204030204" pitchFamily="34" charset="0"/>
+                <a:cs typeface="Calibri" panose="020F0502020204030204" pitchFamily="34" charset="0"/>
+              </a:rPr>
+              <a:t>	0         0		</a:t>
+            </a:r>
             <a:r>
               <a:rPr lang="es-ES" dirty="0" smtClean="0">
                 <a:latin typeface="Calibri" panose="020F0502020204030204" pitchFamily="34" charset="0"/>
                 <a:cs typeface="Calibri" panose="020F0502020204030204" pitchFamily="34" charset="0"/>
               </a:rPr>
+              <a:t>0/1 </a:t>
+            </a:r>
+            <a:r>
+              <a:rPr lang="es-ES" dirty="0">
+                <a:latin typeface="Calibri" panose="020F0502020204030204" pitchFamily="34" charset="0"/>
+                <a:cs typeface="Calibri" panose="020F0502020204030204" pitchFamily="34" charset="0"/>
+              </a:rPr>
+              <a:t>	             0	     0</a:t>
+            </a:r>
+          </a:p>
+          <a:p>
+            <a:r>
+              <a:rPr lang="es-ES" dirty="0">
+                <a:latin typeface="Calibri" panose="020F0502020204030204" pitchFamily="34" charset="0"/>
+                <a:cs typeface="Calibri" panose="020F0502020204030204" pitchFamily="34" charset="0"/>
+              </a:rPr>
               <a:t>…</a:t>
             </a:r>
-            <a:endParaRPr lang="es-ES" dirty="0">
-              <a:latin typeface="Calibri" panose="020F0502020204030204" pitchFamily="34" charset="0"/>
-              <a:cs typeface="Calibri" panose="020F0502020204030204" pitchFamily="34" charset="0"/>
-            </a:endParaRPr>
           </a:p>
         </p:txBody>
       </p:sp>
     </p:spTree>
     <p:extLst>
       <p:ext uri="{BB962C8B-B14F-4D97-AF65-F5344CB8AC3E}">
-        <p14:creationId xmlns:p14="http://schemas.microsoft.com/office/powerpoint/2010/main" val="4221922760"/>
+        <p14:creationId xmlns:p14="http://schemas.microsoft.com/office/powerpoint/2010/main" val="911135038"/>
       </p:ext>
     </p:extLst>
   </p:cSld>
@@ -19479,8 +19388,8 @@
         </p:nvSpPr>
         <p:spPr>
           <a:xfrm>
-            <a:off x="129208" y="844902"/>
-            <a:ext cx="6096000" cy="2662267"/>
+            <a:off x="129208" y="844901"/>
+            <a:ext cx="6096000" cy="3231654"/>
           </a:xfrm>
           <a:prstGeom prst="rect">
             <a:avLst/>
@@ -19493,106 +19402,88 @@
           <a:lstStyle/>
           <a:p>
             <a:r>
+              <a:rPr lang="es-ES" dirty="0">
+                <a:latin typeface="Calibri" panose="020F0502020204030204" pitchFamily="34" charset="0"/>
+                <a:cs typeface="Calibri" panose="020F0502020204030204" pitchFamily="34" charset="0"/>
+              </a:rPr>
+              <a:t>$$EXTENDING_MESH_CORNER_NODES</a:t>
+            </a:r>
+          </a:p>
+          <a:p>
+            <a:r>
+              <a:rPr lang="es-ES" sz="1400" i="1" dirty="0" err="1" smtClean="0">
+                <a:latin typeface="Calibri" panose="020F0502020204030204" pitchFamily="34" charset="0"/>
+                <a:cs typeface="Calibri" panose="020F0502020204030204" pitchFamily="34" charset="0"/>
+              </a:rPr>
+              <a:t>Extending</a:t>
+            </a:r>
+            <a:r>
+              <a:rPr lang="es-ES" sz="1400" i="1" dirty="0" smtClean="0">
+                <a:latin typeface="Calibri" panose="020F0502020204030204" pitchFamily="34" charset="0"/>
+                <a:cs typeface="Calibri" panose="020F0502020204030204" pitchFamily="34" charset="0"/>
+              </a:rPr>
+              <a:t> </a:t>
+            </a:r>
+            <a:r>
+              <a:rPr lang="es-ES" sz="1400" i="1" dirty="0" err="1" smtClean="0">
+                <a:latin typeface="Calibri" panose="020F0502020204030204" pitchFamily="34" charset="0"/>
+                <a:cs typeface="Calibri" panose="020F0502020204030204" pitchFamily="34" charset="0"/>
+              </a:rPr>
+              <a:t>mesh</a:t>
+            </a:r>
+            <a:r>
+              <a:rPr lang="es-ES" sz="1400" i="1" dirty="0" smtClean="0">
+                <a:latin typeface="Calibri" panose="020F0502020204030204" pitchFamily="34" charset="0"/>
+                <a:cs typeface="Calibri" panose="020F0502020204030204" pitchFamily="34" charset="0"/>
+              </a:rPr>
+              <a:t> </a:t>
+            </a:r>
+            <a:r>
+              <a:rPr lang="es-ES" sz="1400" i="1" dirty="0" err="1" smtClean="0">
+                <a:latin typeface="Calibri" panose="020F0502020204030204" pitchFamily="34" charset="0"/>
+                <a:cs typeface="Calibri" panose="020F0502020204030204" pitchFamily="34" charset="0"/>
+              </a:rPr>
+              <a:t>corner</a:t>
+            </a:r>
+            <a:r>
+              <a:rPr lang="es-ES" sz="1400" i="1" dirty="0" smtClean="0">
+                <a:latin typeface="Calibri" panose="020F0502020204030204" pitchFamily="34" charset="0"/>
+                <a:cs typeface="Calibri" panose="020F0502020204030204" pitchFamily="34" charset="0"/>
+              </a:rPr>
+              <a:t> </a:t>
+            </a:r>
+            <a:r>
+              <a:rPr lang="es-ES" sz="1400" i="1" dirty="0" err="1" smtClean="0">
+                <a:latin typeface="Calibri" panose="020F0502020204030204" pitchFamily="34" charset="0"/>
+                <a:cs typeface="Calibri" panose="020F0502020204030204" pitchFamily="34" charset="0"/>
+              </a:rPr>
+              <a:t>nodes</a:t>
+            </a:r>
+            <a:r>
+              <a:rPr lang="es-ES" sz="1400" i="1" dirty="0" smtClean="0">
+                <a:latin typeface="Calibri" panose="020F0502020204030204" pitchFamily="34" charset="0"/>
+                <a:cs typeface="Calibri" panose="020F0502020204030204" pitchFamily="34" charset="0"/>
+              </a:rPr>
+              <a:t> ID</a:t>
+            </a:r>
+          </a:p>
+          <a:p>
+            <a:r>
               <a:rPr lang="es-ES" dirty="0" smtClean="0">
                 <a:latin typeface="Calibri" panose="020F0502020204030204" pitchFamily="34" charset="0"/>
                 <a:cs typeface="Calibri" panose="020F0502020204030204" pitchFamily="34" charset="0"/>
               </a:rPr>
-              <a:t>$$</a:t>
-            </a:r>
-            <a:r>
-              <a:rPr lang="es-ES" dirty="0">
-                <a:latin typeface="Calibri" panose="020F0502020204030204" pitchFamily="34" charset="0"/>
-                <a:cs typeface="Calibri" panose="020F0502020204030204" pitchFamily="34" charset="0"/>
-              </a:rPr>
-              <a:t>MOVING_MESH_DIRECTION</a:t>
-            </a:r>
-          </a:p>
-          <a:p>
-            <a:pPr marL="285750" indent="-285750">
-              <a:lnSpc>
-                <a:spcPct val="150000"/>
-              </a:lnSpc>
-              <a:buFont typeface="Calibri" panose="020F0502020204030204" pitchFamily="34" charset="0"/>
-              <a:buChar char="-"/>
-            </a:pPr>
+              <a:t>0</a:t>
+            </a:r>
+          </a:p>
+          <a:p>
             <a:r>
               <a:rPr lang="es-ES" dirty="0" smtClean="0">
                 <a:latin typeface="Calibri" panose="020F0502020204030204" pitchFamily="34" charset="0"/>
                 <a:cs typeface="Calibri" panose="020F0502020204030204" pitchFamily="34" charset="0"/>
               </a:rPr>
-              <a:t>x-</a:t>
-            </a:r>
-            <a:r>
-              <a:rPr lang="es-ES" dirty="0" err="1" smtClean="0">
-                <a:latin typeface="Calibri" panose="020F0502020204030204" pitchFamily="34" charset="0"/>
-                <a:cs typeface="Calibri" panose="020F0502020204030204" pitchFamily="34" charset="0"/>
-              </a:rPr>
-              <a:t>direction</a:t>
-            </a:r>
-            <a:endParaRPr lang="es-ES" dirty="0" smtClean="0">
-              <a:latin typeface="Calibri" panose="020F0502020204030204" pitchFamily="34" charset="0"/>
-              <a:cs typeface="Calibri" panose="020F0502020204030204" pitchFamily="34" charset="0"/>
-            </a:endParaRPr>
-          </a:p>
-          <a:p>
-            <a:pPr marL="285750" indent="-285750">
-              <a:lnSpc>
-                <a:spcPct val="150000"/>
-              </a:lnSpc>
-              <a:buFont typeface="Calibri" panose="020F0502020204030204" pitchFamily="34" charset="0"/>
-              <a:buChar char="-"/>
-            </a:pPr>
-            <a:r>
-              <a:rPr lang="es-ES" dirty="0" smtClean="0">
-                <a:latin typeface="Calibri" panose="020F0502020204030204" pitchFamily="34" charset="0"/>
-                <a:cs typeface="Calibri" panose="020F0502020204030204" pitchFamily="34" charset="0"/>
-              </a:rPr>
-              <a:t>y-</a:t>
-            </a:r>
-            <a:r>
-              <a:rPr lang="es-ES" dirty="0" err="1" smtClean="0">
-                <a:latin typeface="Calibri" panose="020F0502020204030204" pitchFamily="34" charset="0"/>
-                <a:cs typeface="Calibri" panose="020F0502020204030204" pitchFamily="34" charset="0"/>
-              </a:rPr>
-              <a:t>direction</a:t>
-            </a:r>
-            <a:endParaRPr lang="es-ES" dirty="0" smtClean="0">
-              <a:latin typeface="Calibri" panose="020F0502020204030204" pitchFamily="34" charset="0"/>
-              <a:cs typeface="Calibri" panose="020F0502020204030204" pitchFamily="34" charset="0"/>
-            </a:endParaRPr>
-          </a:p>
-          <a:p>
-            <a:pPr marL="285750" indent="-285750">
-              <a:lnSpc>
-                <a:spcPct val="150000"/>
-              </a:lnSpc>
-              <a:buFont typeface="Calibri" panose="020F0502020204030204" pitchFamily="34" charset="0"/>
-              <a:buChar char="-"/>
-            </a:pPr>
-            <a:r>
-              <a:rPr lang="es-ES" dirty="0" smtClean="0">
-                <a:latin typeface="Calibri" panose="020F0502020204030204" pitchFamily="34" charset="0"/>
-                <a:cs typeface="Calibri" panose="020F0502020204030204" pitchFamily="34" charset="0"/>
-              </a:rPr>
-              <a:t>z-</a:t>
-            </a:r>
-            <a:r>
-              <a:rPr lang="es-ES" dirty="0" err="1" smtClean="0">
-                <a:latin typeface="Calibri" panose="020F0502020204030204" pitchFamily="34" charset="0"/>
-                <a:cs typeface="Calibri" panose="020F0502020204030204" pitchFamily="34" charset="0"/>
-              </a:rPr>
-              <a:t>direction</a:t>
-            </a:r>
-            <a:endParaRPr lang="es-ES" dirty="0" smtClean="0">
-              <a:latin typeface="Calibri" panose="020F0502020204030204" pitchFamily="34" charset="0"/>
-              <a:cs typeface="Calibri" panose="020F0502020204030204" pitchFamily="34" charset="0"/>
-            </a:endParaRPr>
-          </a:p>
-          <a:p>
-            <a:pPr marL="285750" indent="-285750">
-              <a:buFont typeface="Calibri" panose="020F0502020204030204" pitchFamily="34" charset="0"/>
-              <a:buChar char="-"/>
-            </a:pPr>
+              <a:t>…</a:t>
+            </a:r>
             <a:endParaRPr lang="es-ES" dirty="0">
               <a:latin typeface="Calibri" panose="020F0502020204030204" pitchFamily="34" charset="0"/>
               <a:cs typeface="Calibri" panose="020F0502020204030204" pitchFamily="34" charset="0"/>
@@ -19600,27 +19491,76 @@
           </a:p>
           <a:p>
             <a:r>
-              <a:rPr lang="es-ES" dirty="0">
-                <a:latin typeface="Calibri" panose="020F0502020204030204" pitchFamily="34" charset="0"/>
-                <a:cs typeface="Calibri" panose="020F0502020204030204" pitchFamily="34" charset="0"/>
-              </a:rPr>
-              <a:t>$$</a:t>
-            </a:r>
-            <a:r>
               <a:rPr lang="es-ES" dirty="0" smtClean="0">
                 <a:latin typeface="Calibri" panose="020F0502020204030204" pitchFamily="34" charset="0"/>
                 <a:cs typeface="Calibri" panose="020F0502020204030204" pitchFamily="34" charset="0"/>
               </a:rPr>
-              <a:t>MOVING_MESH_REFERENCE_MATERIAL_INDEX</a:t>
-            </a:r>
-          </a:p>
-          <a:p>
-            <a:r>
-              <a:rPr lang="es-ES" sz="1400" i="1" dirty="0" smtClean="0">
-                <a:latin typeface="Calibri" panose="020F0502020204030204" pitchFamily="34" charset="0"/>
-                <a:cs typeface="Calibri" panose="020F0502020204030204" pitchFamily="34" charset="0"/>
-              </a:rPr>
-              <a:t>Reference material ID</a:t>
+              <a:t>$$COMPRESSING_MESH_CORNER_NODES</a:t>
+            </a:r>
+          </a:p>
+          <a:p>
+            <a:r>
+              <a:rPr lang="es-ES" sz="1400" i="1" dirty="0" err="1" smtClean="0">
+                <a:latin typeface="Calibri" panose="020F0502020204030204" pitchFamily="34" charset="0"/>
+                <a:cs typeface="Calibri" panose="020F0502020204030204" pitchFamily="34" charset="0"/>
+              </a:rPr>
+              <a:t>Compressing</a:t>
+            </a:r>
+            <a:r>
+              <a:rPr lang="es-ES" sz="1400" i="1" dirty="0" smtClean="0">
+                <a:latin typeface="Calibri" panose="020F0502020204030204" pitchFamily="34" charset="0"/>
+                <a:cs typeface="Calibri" panose="020F0502020204030204" pitchFamily="34" charset="0"/>
+              </a:rPr>
+              <a:t> </a:t>
+            </a:r>
+            <a:r>
+              <a:rPr lang="es-ES" sz="1400" i="1" dirty="0" err="1">
+                <a:latin typeface="Calibri" panose="020F0502020204030204" pitchFamily="34" charset="0"/>
+                <a:cs typeface="Calibri" panose="020F0502020204030204" pitchFamily="34" charset="0"/>
+              </a:rPr>
+              <a:t>mesh</a:t>
+            </a:r>
+            <a:r>
+              <a:rPr lang="es-ES" sz="1400" i="1" dirty="0">
+                <a:latin typeface="Calibri" panose="020F0502020204030204" pitchFamily="34" charset="0"/>
+                <a:cs typeface="Calibri" panose="020F0502020204030204" pitchFamily="34" charset="0"/>
+              </a:rPr>
+              <a:t> </a:t>
+            </a:r>
+            <a:r>
+              <a:rPr lang="es-ES" sz="1400" i="1" dirty="0" err="1">
+                <a:latin typeface="Calibri" panose="020F0502020204030204" pitchFamily="34" charset="0"/>
+                <a:cs typeface="Calibri" panose="020F0502020204030204" pitchFamily="34" charset="0"/>
+              </a:rPr>
+              <a:t>corner</a:t>
+            </a:r>
+            <a:r>
+              <a:rPr lang="es-ES" sz="1400" i="1" dirty="0">
+                <a:latin typeface="Calibri" panose="020F0502020204030204" pitchFamily="34" charset="0"/>
+                <a:cs typeface="Calibri" panose="020F0502020204030204" pitchFamily="34" charset="0"/>
+              </a:rPr>
+              <a:t> </a:t>
+            </a:r>
+            <a:r>
+              <a:rPr lang="es-ES" sz="1400" i="1" dirty="0" err="1">
+                <a:latin typeface="Calibri" panose="020F0502020204030204" pitchFamily="34" charset="0"/>
+                <a:cs typeface="Calibri" panose="020F0502020204030204" pitchFamily="34" charset="0"/>
+              </a:rPr>
+              <a:t>nodes</a:t>
+            </a:r>
+            <a:r>
+              <a:rPr lang="es-ES" sz="1400" i="1" dirty="0">
+                <a:latin typeface="Calibri" panose="020F0502020204030204" pitchFamily="34" charset="0"/>
+                <a:cs typeface="Calibri" panose="020F0502020204030204" pitchFamily="34" charset="0"/>
+              </a:rPr>
+              <a:t> </a:t>
+            </a:r>
+            <a:r>
+              <a:rPr lang="es-ES" sz="1400" i="1" dirty="0" smtClean="0">
+                <a:latin typeface="Calibri" panose="020F0502020204030204" pitchFamily="34" charset="0"/>
+                <a:cs typeface="Calibri" panose="020F0502020204030204" pitchFamily="34" charset="0"/>
+              </a:rPr>
+              <a:t>ID</a:t>
             </a:r>
             <a:endParaRPr lang="es-ES" sz="1400" i="1" dirty="0">
               <a:latin typeface="Calibri" panose="020F0502020204030204" pitchFamily="34" charset="0"/>
@@ -19634,6 +19574,122 @@
                 <a:cs typeface="Calibri" panose="020F0502020204030204" pitchFamily="34" charset="0"/>
               </a:rPr>
               <a:t>0</a:t>
+            </a:r>
+          </a:p>
+          <a:p>
+            <a:r>
+              <a:rPr lang="es-ES" dirty="0" smtClean="0">
+                <a:latin typeface="Calibri" panose="020F0502020204030204" pitchFamily="34" charset="0"/>
+                <a:cs typeface="Calibri" panose="020F0502020204030204" pitchFamily="34" charset="0"/>
+              </a:rPr>
+              <a:t>…</a:t>
+            </a:r>
+            <a:endParaRPr lang="es-ES" dirty="0">
+              <a:latin typeface="Calibri" panose="020F0502020204030204" pitchFamily="34" charset="0"/>
+              <a:cs typeface="Calibri" panose="020F0502020204030204" pitchFamily="34" charset="0"/>
+            </a:endParaRPr>
+          </a:p>
+          <a:p>
+            <a:r>
+              <a:rPr lang="es-ES" dirty="0">
+                <a:latin typeface="Calibri" panose="020F0502020204030204" pitchFamily="34" charset="0"/>
+                <a:cs typeface="Calibri" panose="020F0502020204030204" pitchFamily="34" charset="0"/>
+              </a:rPr>
+              <a:t>$$</a:t>
+            </a:r>
+            <a:r>
+              <a:rPr lang="es-ES" dirty="0" smtClean="0">
+                <a:latin typeface="Calibri" panose="020F0502020204030204" pitchFamily="34" charset="0"/>
+                <a:cs typeface="Calibri" panose="020F0502020204030204" pitchFamily="34" charset="0"/>
+              </a:rPr>
+              <a:t>MOVING_MESH_CORNER_NODES</a:t>
+            </a:r>
+          </a:p>
+          <a:p>
+            <a:r>
+              <a:rPr lang="es-ES" sz="1400" i="1" dirty="0" err="1" smtClean="0">
+                <a:latin typeface="Calibri" panose="020F0502020204030204" pitchFamily="34" charset="0"/>
+                <a:cs typeface="Calibri" panose="020F0502020204030204" pitchFamily="34" charset="0"/>
+              </a:rPr>
+              <a:t>Moving</a:t>
+            </a:r>
+            <a:r>
+              <a:rPr lang="es-ES" sz="1400" i="1" dirty="0" smtClean="0">
+                <a:latin typeface="Calibri" panose="020F0502020204030204" pitchFamily="34" charset="0"/>
+                <a:cs typeface="Calibri" panose="020F0502020204030204" pitchFamily="34" charset="0"/>
+              </a:rPr>
+              <a:t> </a:t>
+            </a:r>
+            <a:r>
+              <a:rPr lang="es-ES" sz="1400" i="1" dirty="0" err="1">
+                <a:latin typeface="Calibri" panose="020F0502020204030204" pitchFamily="34" charset="0"/>
+                <a:cs typeface="Calibri" panose="020F0502020204030204" pitchFamily="34" charset="0"/>
+              </a:rPr>
+              <a:t>mesh</a:t>
+            </a:r>
+            <a:r>
+              <a:rPr lang="es-ES" sz="1400" i="1" dirty="0">
+                <a:latin typeface="Calibri" panose="020F0502020204030204" pitchFamily="34" charset="0"/>
+                <a:cs typeface="Calibri" panose="020F0502020204030204" pitchFamily="34" charset="0"/>
+              </a:rPr>
+              <a:t> </a:t>
+            </a:r>
+            <a:r>
+              <a:rPr lang="es-ES" sz="1400" i="1" dirty="0" err="1">
+                <a:latin typeface="Calibri" panose="020F0502020204030204" pitchFamily="34" charset="0"/>
+                <a:cs typeface="Calibri" panose="020F0502020204030204" pitchFamily="34" charset="0"/>
+              </a:rPr>
+              <a:t>corner</a:t>
+            </a:r>
+            <a:r>
+              <a:rPr lang="es-ES" sz="1400" i="1" dirty="0">
+                <a:latin typeface="Calibri" panose="020F0502020204030204" pitchFamily="34" charset="0"/>
+                <a:cs typeface="Calibri" panose="020F0502020204030204" pitchFamily="34" charset="0"/>
+              </a:rPr>
+              <a:t> </a:t>
+            </a:r>
+            <a:r>
+              <a:rPr lang="es-ES" sz="1400" i="1" dirty="0" err="1">
+                <a:latin typeface="Calibri" panose="020F0502020204030204" pitchFamily="34" charset="0"/>
+                <a:cs typeface="Calibri" panose="020F0502020204030204" pitchFamily="34" charset="0"/>
+              </a:rPr>
+              <a:t>nodes</a:t>
+            </a:r>
+            <a:r>
+              <a:rPr lang="es-ES" sz="1400" i="1" dirty="0">
+                <a:latin typeface="Calibri" panose="020F0502020204030204" pitchFamily="34" charset="0"/>
+                <a:cs typeface="Calibri" panose="020F0502020204030204" pitchFamily="34" charset="0"/>
+              </a:rPr>
+              <a:t> </a:t>
+            </a:r>
+            <a:r>
+              <a:rPr lang="es-ES" sz="1400" i="1" dirty="0" smtClean="0">
+                <a:latin typeface="Calibri" panose="020F0502020204030204" pitchFamily="34" charset="0"/>
+                <a:cs typeface="Calibri" panose="020F0502020204030204" pitchFamily="34" charset="0"/>
+              </a:rPr>
+              <a:t>ID</a:t>
+            </a:r>
+            <a:endParaRPr lang="es-ES" sz="1400" i="1" dirty="0">
+              <a:latin typeface="Calibri" panose="020F0502020204030204" pitchFamily="34" charset="0"/>
+              <a:cs typeface="Calibri" panose="020F0502020204030204" pitchFamily="34" charset="0"/>
+            </a:endParaRPr>
+          </a:p>
+          <a:p>
+            <a:r>
+              <a:rPr lang="es-ES" dirty="0" smtClean="0">
+                <a:latin typeface="Calibri" panose="020F0502020204030204" pitchFamily="34" charset="0"/>
+                <a:cs typeface="Calibri" panose="020F0502020204030204" pitchFamily="34" charset="0"/>
+              </a:rPr>
+              <a:t>0</a:t>
+            </a:r>
+          </a:p>
+          <a:p>
+            <a:r>
+              <a:rPr lang="es-ES" dirty="0" smtClean="0">
+                <a:latin typeface="Calibri" panose="020F0502020204030204" pitchFamily="34" charset="0"/>
+                <a:cs typeface="Calibri" panose="020F0502020204030204" pitchFamily="34" charset="0"/>
+              </a:rPr>
+              <a:t>…</a:t>
             </a:r>
             <a:endParaRPr lang="es-ES" dirty="0">
               <a:latin typeface="Calibri" panose="020F0502020204030204" pitchFamily="34" charset="0"/>
@@ -19645,7 +19701,7 @@
     </p:spTree>
     <p:extLst>
       <p:ext uri="{BB962C8B-B14F-4D97-AF65-F5344CB8AC3E}">
-        <p14:creationId xmlns:p14="http://schemas.microsoft.com/office/powerpoint/2010/main" val="1715555674"/>
+        <p14:creationId xmlns:p14="http://schemas.microsoft.com/office/powerpoint/2010/main" val="4221922760"/>
       </p:ext>
     </p:extLst>
   </p:cSld>
@@ -19697,7 +19753,7 @@
             <a:pPr algn="ctr"/>
             <a:r>
               <a:rPr lang="en-US" dirty="0" smtClean="0"/>
-              <a:t>Reaction forces</a:t>
+              <a:t>Moving mesh</a:t>
             </a:r>
             <a:endParaRPr lang="es-ES" dirty="0"/>
           </a:p>
@@ -19705,30 +19761,137 @@
       </p:sp>
       <p:sp>
         <p:nvSpPr>
-          <p:cNvPr id="4" name="Rectangle 3"/>
+          <p:cNvPr id="5" name="Rectangle 4"/>
           <p:cNvSpPr/>
           <p:nvPr/>
         </p:nvSpPr>
         <p:spPr>
           <a:xfrm>
-            <a:off x="132521" y="849655"/>
-            <a:ext cx="8812696" cy="2954655"/>
+            <a:off x="129208" y="844902"/>
+            <a:ext cx="6096000" cy="2662267"/>
           </a:xfrm>
           <a:prstGeom prst="rect">
             <a:avLst/>
           </a:prstGeom>
         </p:spPr>
         <p:txBody>
-          <a:bodyPr wrap="square">
+          <a:bodyPr>
             <a:spAutoFit/>
           </a:bodyPr>
           <a:lstStyle/>
           <a:p>
             <a:r>
+              <a:rPr lang="es-ES" dirty="0" smtClean="0">
+                <a:latin typeface="Calibri" panose="020F0502020204030204" pitchFamily="34" charset="0"/>
+                <a:cs typeface="Calibri" panose="020F0502020204030204" pitchFamily="34" charset="0"/>
+              </a:rPr>
+              <a:t>$$</a:t>
+            </a:r>
+            <a:r>
               <a:rPr lang="es-ES" dirty="0">
                 <a:latin typeface="Calibri" panose="020F0502020204030204" pitchFamily="34" charset="0"/>
                 <a:cs typeface="Calibri" panose="020F0502020204030204" pitchFamily="34" charset="0"/>
               </a:rPr>
+              <a:t>MOVING_MESH_DIRECTION</a:t>
+            </a:r>
+          </a:p>
+          <a:p>
+            <a:pPr marL="285750" indent="-285750">
+              <a:lnSpc>
+                <a:spcPct val="150000"/>
+              </a:lnSpc>
+              <a:buFont typeface="Calibri" panose="020F0502020204030204" pitchFamily="34" charset="0"/>
+              <a:buChar char="-"/>
+            </a:pPr>
+            <a:r>
+              <a:rPr lang="es-ES" dirty="0" smtClean="0">
+                <a:latin typeface="Calibri" panose="020F0502020204030204" pitchFamily="34" charset="0"/>
+                <a:cs typeface="Calibri" panose="020F0502020204030204" pitchFamily="34" charset="0"/>
+              </a:rPr>
+              <a:t>x-</a:t>
+            </a:r>
+            <a:r>
+              <a:rPr lang="es-ES" dirty="0" err="1" smtClean="0">
+                <a:latin typeface="Calibri" panose="020F0502020204030204" pitchFamily="34" charset="0"/>
+                <a:cs typeface="Calibri" panose="020F0502020204030204" pitchFamily="34" charset="0"/>
+              </a:rPr>
+              <a:t>direction</a:t>
+            </a:r>
+            <a:endParaRPr lang="es-ES" dirty="0" smtClean="0">
+              <a:latin typeface="Calibri" panose="020F0502020204030204" pitchFamily="34" charset="0"/>
+              <a:cs typeface="Calibri" panose="020F0502020204030204" pitchFamily="34" charset="0"/>
+            </a:endParaRPr>
+          </a:p>
+          <a:p>
+            <a:pPr marL="285750" indent="-285750">
+              <a:lnSpc>
+                <a:spcPct val="150000"/>
+              </a:lnSpc>
+              <a:buFont typeface="Calibri" panose="020F0502020204030204" pitchFamily="34" charset="0"/>
+              <a:buChar char="-"/>
+            </a:pPr>
+            <a:r>
+              <a:rPr lang="es-ES" dirty="0" smtClean="0">
+                <a:latin typeface="Calibri" panose="020F0502020204030204" pitchFamily="34" charset="0"/>
+                <a:cs typeface="Calibri" panose="020F0502020204030204" pitchFamily="34" charset="0"/>
+              </a:rPr>
+              <a:t>y-</a:t>
+            </a:r>
+            <a:r>
+              <a:rPr lang="es-ES" dirty="0" err="1" smtClean="0">
+                <a:latin typeface="Calibri" panose="020F0502020204030204" pitchFamily="34" charset="0"/>
+                <a:cs typeface="Calibri" panose="020F0502020204030204" pitchFamily="34" charset="0"/>
+              </a:rPr>
+              <a:t>direction</a:t>
+            </a:r>
+            <a:endParaRPr lang="es-ES" dirty="0" smtClean="0">
+              <a:latin typeface="Calibri" panose="020F0502020204030204" pitchFamily="34" charset="0"/>
+              <a:cs typeface="Calibri" panose="020F0502020204030204" pitchFamily="34" charset="0"/>
+            </a:endParaRPr>
+          </a:p>
+          <a:p>
+            <a:pPr marL="285750" indent="-285750">
+              <a:lnSpc>
+                <a:spcPct val="150000"/>
+              </a:lnSpc>
+              <a:buFont typeface="Calibri" panose="020F0502020204030204" pitchFamily="34" charset="0"/>
+              <a:buChar char="-"/>
+            </a:pPr>
+            <a:r>
+              <a:rPr lang="es-ES" dirty="0" smtClean="0">
+                <a:latin typeface="Calibri" panose="020F0502020204030204" pitchFamily="34" charset="0"/>
+                <a:cs typeface="Calibri" panose="020F0502020204030204" pitchFamily="34" charset="0"/>
+              </a:rPr>
+              <a:t>z-</a:t>
+            </a:r>
+            <a:r>
+              <a:rPr lang="es-ES" dirty="0" err="1" smtClean="0">
+                <a:latin typeface="Calibri" panose="020F0502020204030204" pitchFamily="34" charset="0"/>
+                <a:cs typeface="Calibri" panose="020F0502020204030204" pitchFamily="34" charset="0"/>
+              </a:rPr>
+              <a:t>direction</a:t>
+            </a:r>
+            <a:endParaRPr lang="es-ES" dirty="0" smtClean="0">
+              <a:latin typeface="Calibri" panose="020F0502020204030204" pitchFamily="34" charset="0"/>
+              <a:cs typeface="Calibri" panose="020F0502020204030204" pitchFamily="34" charset="0"/>
+            </a:endParaRPr>
+          </a:p>
+          <a:p>
+            <a:pPr marL="285750" indent="-285750">
+              <a:buFont typeface="Calibri" panose="020F0502020204030204" pitchFamily="34" charset="0"/>
+              <a:buChar char="-"/>
+            </a:pPr>
+            <a:endParaRPr lang="es-ES" dirty="0">
+              <a:latin typeface="Calibri" panose="020F0502020204030204" pitchFamily="34" charset="0"/>
+              <a:cs typeface="Calibri" panose="020F0502020204030204" pitchFamily="34" charset="0"/>
+            </a:endParaRPr>
+          </a:p>
+          <a:p>
+            <a:r>
+              <a:rPr lang="es-ES" dirty="0">
+                <a:latin typeface="Calibri" panose="020F0502020204030204" pitchFamily="34" charset="0"/>
+                <a:cs typeface="Calibri" panose="020F0502020204030204" pitchFamily="34" charset="0"/>
+              </a:rPr>
               <a:t>$$</a:t>
             </a:r>
             <a:r>
@@ -19736,30 +19899,16 @@
                 <a:latin typeface="Calibri" panose="020F0502020204030204" pitchFamily="34" charset="0"/>
                 <a:cs typeface="Calibri" panose="020F0502020204030204" pitchFamily="34" charset="0"/>
               </a:rPr>
-              <a:t>START_OUTPUT_REACTION_FORCES</a:t>
-            </a:r>
-          </a:p>
-          <a:p>
-            <a:r>
-              <a:rPr lang="es-ES" sz="1400" i="1" dirty="0" err="1" smtClean="0">
-                <a:latin typeface="Calibri" panose="020F0502020204030204" pitchFamily="34" charset="0"/>
-                <a:cs typeface="Calibri" panose="020F0502020204030204" pitchFamily="34" charset="0"/>
-              </a:rPr>
-              <a:t>Number</a:t>
-            </a:r>
-            <a:r>
-              <a:rPr lang="es-ES" sz="1400" i="1" dirty="0" smtClean="0">
-                <a:latin typeface="Calibri" panose="020F0502020204030204" pitchFamily="34" charset="0"/>
-                <a:cs typeface="Calibri" panose="020F0502020204030204" pitchFamily="34" charset="0"/>
-              </a:rPr>
-              <a:t> of </a:t>
-            </a:r>
-            <a:r>
-              <a:rPr lang="es-ES" sz="1400" i="1" dirty="0" err="1" smtClean="0">
-                <a:latin typeface="Calibri" panose="020F0502020204030204" pitchFamily="34" charset="0"/>
-                <a:cs typeface="Calibri" panose="020F0502020204030204" pitchFamily="34" charset="0"/>
-              </a:rPr>
-              <a:t>surfaces</a:t>
+              <a:t>MOVING_MESH_REFERENCE_MATERIAL_INDEX</a:t>
+            </a:r>
+          </a:p>
+          <a:p>
+            <a:r>
+              <a:rPr lang="es-ES" sz="1400" i="1" dirty="0" smtClean="0">
+                <a:latin typeface="Calibri" panose="020F0502020204030204" pitchFamily="34" charset="0"/>
+                <a:cs typeface="Calibri" panose="020F0502020204030204" pitchFamily="34" charset="0"/>
+              </a:rPr>
+              <a:t>Reference material ID</a:t>
             </a:r>
             <a:endParaRPr lang="es-ES" sz="1400" i="1" dirty="0">
               <a:latin typeface="Calibri" panose="020F0502020204030204" pitchFamily="34" charset="0"/>
@@ -19774,315 +19923,17 @@
               </a:rPr>
               <a:t>0</a:t>
             </a:r>
-          </a:p>
-          <a:p>
-            <a:r>
-              <a:rPr lang="es-ES" i="1" dirty="0">
-                <a:solidFill>
-                  <a:srgbClr val="4197C9"/>
-                </a:solidFill>
-                <a:latin typeface="Calibri" panose="020F0502020204030204" pitchFamily="34" charset="0"/>
-                <a:cs typeface="Calibri" panose="020F0502020204030204" pitchFamily="34" charset="0"/>
-              </a:rPr>
-              <a:t>3D </a:t>
-            </a:r>
-            <a:r>
-              <a:rPr lang="es-ES" i="1" dirty="0" err="1" smtClean="0">
-                <a:solidFill>
-                  <a:srgbClr val="4197C9"/>
-                </a:solidFill>
-                <a:latin typeface="Calibri" panose="020F0502020204030204" pitchFamily="34" charset="0"/>
-                <a:cs typeface="Calibri" panose="020F0502020204030204" pitchFamily="34" charset="0"/>
-              </a:rPr>
-              <a:t>models</a:t>
-            </a:r>
-            <a:endParaRPr lang="es-ES" dirty="0" smtClean="0">
+            <a:endParaRPr lang="es-ES" dirty="0">
               <a:latin typeface="Calibri" panose="020F0502020204030204" pitchFamily="34" charset="0"/>
               <a:cs typeface="Calibri" panose="020F0502020204030204" pitchFamily="34" charset="0"/>
             </a:endParaRPr>
-          </a:p>
-          <a:p>
-            <a:r>
-              <a:rPr lang="es-ES" sz="1400" i="1" dirty="0" smtClean="0">
-                <a:latin typeface="Calibri" panose="020F0502020204030204" pitchFamily="34" charset="0"/>
-                <a:cs typeface="Calibri" panose="020F0502020204030204" pitchFamily="34" charset="0"/>
-              </a:rPr>
-              <a:t>Surface </a:t>
-            </a:r>
-            <a:r>
-              <a:rPr lang="es-ES" sz="1400" i="1" dirty="0" err="1" smtClean="0">
-                <a:latin typeface="Calibri" panose="020F0502020204030204" pitchFamily="34" charset="0"/>
-                <a:cs typeface="Calibri" panose="020F0502020204030204" pitchFamily="34" charset="0"/>
-              </a:rPr>
-              <a:t>identifier</a:t>
-            </a:r>
-            <a:r>
-              <a:rPr lang="es-ES" sz="1400" i="1" dirty="0">
-                <a:latin typeface="Calibri" panose="020F0502020204030204" pitchFamily="34" charset="0"/>
-                <a:cs typeface="Calibri" panose="020F0502020204030204" pitchFamily="34" charset="0"/>
-              </a:rPr>
-              <a:t>	</a:t>
-            </a:r>
-            <a:r>
-              <a:rPr lang="es-ES" sz="1400" i="1" dirty="0" err="1" smtClean="0">
-                <a:latin typeface="Calibri" panose="020F0502020204030204" pitchFamily="34" charset="0"/>
-                <a:cs typeface="Calibri" panose="020F0502020204030204" pitchFamily="34" charset="0"/>
-              </a:rPr>
-              <a:t>Element</a:t>
-            </a:r>
-            <a:r>
-              <a:rPr lang="es-ES" sz="1400" i="1" dirty="0" smtClean="0">
-                <a:latin typeface="Calibri" panose="020F0502020204030204" pitchFamily="34" charset="0"/>
-                <a:cs typeface="Calibri" panose="020F0502020204030204" pitchFamily="34" charset="0"/>
-              </a:rPr>
-              <a:t> ID		</a:t>
-            </a:r>
-            <a:r>
-              <a:rPr lang="es-ES" sz="1400" i="1" dirty="0" err="1" smtClean="0">
-                <a:latin typeface="Calibri" panose="020F0502020204030204" pitchFamily="34" charset="0"/>
-                <a:cs typeface="Calibri" panose="020F0502020204030204" pitchFamily="34" charset="0"/>
-              </a:rPr>
-              <a:t>Boundary</a:t>
-            </a:r>
-            <a:r>
-              <a:rPr lang="es-ES" sz="1400" i="1" dirty="0" smtClean="0">
-                <a:latin typeface="Calibri" panose="020F0502020204030204" pitchFamily="34" charset="0"/>
-                <a:cs typeface="Calibri" panose="020F0502020204030204" pitchFamily="34" charset="0"/>
-              </a:rPr>
-              <a:t> </a:t>
-            </a:r>
-            <a:r>
-              <a:rPr lang="es-ES" sz="1400" i="1" dirty="0" err="1">
-                <a:latin typeface="Calibri" panose="020F0502020204030204" pitchFamily="34" charset="0"/>
-                <a:cs typeface="Calibri" panose="020F0502020204030204" pitchFamily="34" charset="0"/>
-              </a:rPr>
-              <a:t>n</a:t>
-            </a:r>
-            <a:r>
-              <a:rPr lang="es-ES" sz="1400" i="1" dirty="0" err="1" smtClean="0">
-                <a:latin typeface="Calibri" panose="020F0502020204030204" pitchFamily="34" charset="0"/>
-                <a:cs typeface="Calibri" panose="020F0502020204030204" pitchFamily="34" charset="0"/>
-              </a:rPr>
-              <a:t>odes</a:t>
-            </a:r>
-            <a:r>
-              <a:rPr lang="es-ES" sz="1400" i="1" dirty="0" smtClean="0">
-                <a:latin typeface="Calibri" panose="020F0502020204030204" pitchFamily="34" charset="0"/>
-                <a:cs typeface="Calibri" panose="020F0502020204030204" pitchFamily="34" charset="0"/>
-              </a:rPr>
-              <a:t> ID (6 </a:t>
-            </a:r>
-            <a:r>
-              <a:rPr lang="es-ES" sz="1400" i="1" dirty="0" err="1" smtClean="0">
-                <a:latin typeface="Calibri" panose="020F0502020204030204" pitchFamily="34" charset="0"/>
-                <a:cs typeface="Calibri" panose="020F0502020204030204" pitchFamily="34" charset="0"/>
-              </a:rPr>
-              <a:t>for</a:t>
-            </a:r>
-            <a:r>
-              <a:rPr lang="es-ES" sz="1400" i="1" dirty="0" smtClean="0">
-                <a:latin typeface="Calibri" panose="020F0502020204030204" pitchFamily="34" charset="0"/>
-                <a:cs typeface="Calibri" panose="020F0502020204030204" pitchFamily="34" charset="0"/>
-              </a:rPr>
-              <a:t> 3D)</a:t>
-            </a:r>
-          </a:p>
-          <a:p>
-            <a:r>
-              <a:rPr lang="es-ES" dirty="0" smtClean="0">
-                <a:latin typeface="Calibri" panose="020F0502020204030204" pitchFamily="34" charset="0"/>
-                <a:cs typeface="Calibri" panose="020F0502020204030204" pitchFamily="34" charset="0"/>
-              </a:rPr>
-              <a:t>“….”		0		0	0	0	0	0	0</a:t>
-            </a:r>
-          </a:p>
-          <a:p>
-            <a:r>
-              <a:rPr lang="es-ES" dirty="0" smtClean="0">
-                <a:latin typeface="Calibri" panose="020F0502020204030204" pitchFamily="34" charset="0"/>
-                <a:cs typeface="Calibri" panose="020F0502020204030204" pitchFamily="34" charset="0"/>
-              </a:rPr>
-              <a:t>…</a:t>
-            </a:r>
-          </a:p>
-          <a:p>
-            <a:r>
-              <a:rPr lang="es-ES" i="1" dirty="0" smtClean="0">
-                <a:solidFill>
-                  <a:srgbClr val="4197C9"/>
-                </a:solidFill>
-                <a:latin typeface="Calibri" panose="020F0502020204030204" pitchFamily="34" charset="0"/>
-                <a:cs typeface="Calibri" panose="020F0502020204030204" pitchFamily="34" charset="0"/>
-              </a:rPr>
-              <a:t>2D </a:t>
-            </a:r>
-            <a:r>
-              <a:rPr lang="es-ES" i="1" dirty="0" err="1" smtClean="0">
-                <a:solidFill>
-                  <a:srgbClr val="4197C9"/>
-                </a:solidFill>
-                <a:latin typeface="Calibri" panose="020F0502020204030204" pitchFamily="34" charset="0"/>
-                <a:cs typeface="Calibri" panose="020F0502020204030204" pitchFamily="34" charset="0"/>
-              </a:rPr>
-              <a:t>models</a:t>
-            </a:r>
-            <a:endParaRPr lang="es-ES" dirty="0" smtClean="0">
-              <a:latin typeface="Calibri" panose="020F0502020204030204" pitchFamily="34" charset="0"/>
-              <a:cs typeface="Calibri" panose="020F0502020204030204" pitchFamily="34" charset="0"/>
-            </a:endParaRPr>
-          </a:p>
-          <a:p>
-            <a:r>
-              <a:rPr lang="es-ES" sz="1400" i="1" dirty="0">
-                <a:latin typeface="Calibri" panose="020F0502020204030204" pitchFamily="34" charset="0"/>
-                <a:cs typeface="Calibri" panose="020F0502020204030204" pitchFamily="34" charset="0"/>
-              </a:rPr>
-              <a:t>Surface </a:t>
-            </a:r>
-            <a:r>
-              <a:rPr lang="es-ES" sz="1400" i="1" dirty="0" err="1">
-                <a:latin typeface="Calibri" panose="020F0502020204030204" pitchFamily="34" charset="0"/>
-                <a:cs typeface="Calibri" panose="020F0502020204030204" pitchFamily="34" charset="0"/>
-              </a:rPr>
-              <a:t>identifier</a:t>
-            </a:r>
-            <a:r>
-              <a:rPr lang="es-ES" sz="1400" i="1" dirty="0">
-                <a:latin typeface="Calibri" panose="020F0502020204030204" pitchFamily="34" charset="0"/>
-                <a:cs typeface="Calibri" panose="020F0502020204030204" pitchFamily="34" charset="0"/>
-              </a:rPr>
-              <a:t>	</a:t>
-            </a:r>
-            <a:r>
-              <a:rPr lang="es-ES" sz="1400" i="1" dirty="0" err="1">
-                <a:latin typeface="Calibri" panose="020F0502020204030204" pitchFamily="34" charset="0"/>
-                <a:cs typeface="Calibri" panose="020F0502020204030204" pitchFamily="34" charset="0"/>
-              </a:rPr>
-              <a:t>Element</a:t>
-            </a:r>
-            <a:r>
-              <a:rPr lang="es-ES" sz="1400" i="1" dirty="0">
-                <a:latin typeface="Calibri" panose="020F0502020204030204" pitchFamily="34" charset="0"/>
-                <a:cs typeface="Calibri" panose="020F0502020204030204" pitchFamily="34" charset="0"/>
-              </a:rPr>
-              <a:t> ID	</a:t>
-            </a:r>
-            <a:r>
-              <a:rPr lang="es-ES" sz="1400" i="1" dirty="0" smtClean="0">
-                <a:latin typeface="Calibri" panose="020F0502020204030204" pitchFamily="34" charset="0"/>
-                <a:cs typeface="Calibri" panose="020F0502020204030204" pitchFamily="34" charset="0"/>
-              </a:rPr>
-              <a:t>	</a:t>
-            </a:r>
-            <a:r>
-              <a:rPr lang="es-ES" sz="1400" i="1" dirty="0" err="1" smtClean="0">
-                <a:latin typeface="Calibri" panose="020F0502020204030204" pitchFamily="34" charset="0"/>
-                <a:cs typeface="Calibri" panose="020F0502020204030204" pitchFamily="34" charset="0"/>
-              </a:rPr>
-              <a:t>Boundary</a:t>
-            </a:r>
-            <a:r>
-              <a:rPr lang="es-ES" sz="1400" i="1" dirty="0" smtClean="0">
-                <a:latin typeface="Calibri" panose="020F0502020204030204" pitchFamily="34" charset="0"/>
-                <a:cs typeface="Calibri" panose="020F0502020204030204" pitchFamily="34" charset="0"/>
-              </a:rPr>
-              <a:t> </a:t>
-            </a:r>
-            <a:r>
-              <a:rPr lang="es-ES" sz="1400" i="1" dirty="0" err="1" smtClean="0">
-                <a:latin typeface="Calibri" panose="020F0502020204030204" pitchFamily="34" charset="0"/>
-                <a:cs typeface="Calibri" panose="020F0502020204030204" pitchFamily="34" charset="0"/>
-              </a:rPr>
-              <a:t>nodes</a:t>
-            </a:r>
-            <a:r>
-              <a:rPr lang="es-ES" sz="1400" i="1" dirty="0" smtClean="0">
-                <a:latin typeface="Calibri" panose="020F0502020204030204" pitchFamily="34" charset="0"/>
-                <a:cs typeface="Calibri" panose="020F0502020204030204" pitchFamily="34" charset="0"/>
-              </a:rPr>
-              <a:t> ID (2 </a:t>
-            </a:r>
-            <a:r>
-              <a:rPr lang="es-ES" sz="1400" i="1" dirty="0" err="1">
-                <a:latin typeface="Calibri" panose="020F0502020204030204" pitchFamily="34" charset="0"/>
-                <a:cs typeface="Calibri" panose="020F0502020204030204" pitchFamily="34" charset="0"/>
-              </a:rPr>
-              <a:t>for</a:t>
-            </a:r>
-            <a:r>
-              <a:rPr lang="es-ES" sz="1400" i="1" dirty="0">
-                <a:latin typeface="Calibri" panose="020F0502020204030204" pitchFamily="34" charset="0"/>
-                <a:cs typeface="Calibri" panose="020F0502020204030204" pitchFamily="34" charset="0"/>
-              </a:rPr>
-              <a:t> </a:t>
-            </a:r>
-            <a:r>
-              <a:rPr lang="es-ES" sz="1400" i="1" dirty="0" smtClean="0">
-                <a:latin typeface="Calibri" panose="020F0502020204030204" pitchFamily="34" charset="0"/>
-                <a:cs typeface="Calibri" panose="020F0502020204030204" pitchFamily="34" charset="0"/>
-              </a:rPr>
-              <a:t>2D</a:t>
-            </a:r>
-            <a:r>
-              <a:rPr lang="es-ES" sz="1400" i="1" dirty="0">
-                <a:latin typeface="Calibri" panose="020F0502020204030204" pitchFamily="34" charset="0"/>
-                <a:cs typeface="Calibri" panose="020F0502020204030204" pitchFamily="34" charset="0"/>
-              </a:rPr>
-              <a:t>)</a:t>
-            </a:r>
-          </a:p>
-          <a:p>
-            <a:r>
-              <a:rPr lang="es-ES" dirty="0">
-                <a:latin typeface="Calibri" panose="020F0502020204030204" pitchFamily="34" charset="0"/>
-                <a:cs typeface="Calibri" panose="020F0502020204030204" pitchFamily="34" charset="0"/>
-              </a:rPr>
-              <a:t>“….”		0	</a:t>
-            </a:r>
-            <a:r>
-              <a:rPr lang="es-ES" dirty="0" smtClean="0">
-                <a:latin typeface="Calibri" panose="020F0502020204030204" pitchFamily="34" charset="0"/>
-                <a:cs typeface="Calibri" panose="020F0502020204030204" pitchFamily="34" charset="0"/>
-              </a:rPr>
-              <a:t>	0</a:t>
-            </a:r>
-            <a:r>
-              <a:rPr lang="es-ES" dirty="0">
-                <a:latin typeface="Calibri" panose="020F0502020204030204" pitchFamily="34" charset="0"/>
-                <a:cs typeface="Calibri" panose="020F0502020204030204" pitchFamily="34" charset="0"/>
-              </a:rPr>
-              <a:t>	</a:t>
-            </a:r>
-            <a:r>
-              <a:rPr lang="es-ES" dirty="0" smtClean="0">
-                <a:latin typeface="Calibri" panose="020F0502020204030204" pitchFamily="34" charset="0"/>
-                <a:cs typeface="Calibri" panose="020F0502020204030204" pitchFamily="34" charset="0"/>
-              </a:rPr>
-              <a:t>0</a:t>
-            </a:r>
-          </a:p>
-          <a:p>
-            <a:r>
-              <a:rPr lang="es-ES" dirty="0" smtClean="0">
-                <a:latin typeface="Calibri" panose="020F0502020204030204" pitchFamily="34" charset="0"/>
-                <a:cs typeface="Calibri" panose="020F0502020204030204" pitchFamily="34" charset="0"/>
-              </a:rPr>
-              <a:t>…</a:t>
-            </a:r>
-            <a:r>
-              <a:rPr lang="es-ES" dirty="0">
-                <a:latin typeface="Calibri" panose="020F0502020204030204" pitchFamily="34" charset="0"/>
-                <a:cs typeface="Calibri" panose="020F0502020204030204" pitchFamily="34" charset="0"/>
-              </a:rPr>
-              <a:t>	</a:t>
-            </a:r>
           </a:p>
         </p:txBody>
       </p:sp>
     </p:spTree>
     <p:extLst>
       <p:ext uri="{BB962C8B-B14F-4D97-AF65-F5344CB8AC3E}">
-        <p14:creationId xmlns:p14="http://schemas.microsoft.com/office/powerpoint/2010/main" val="3053534433"/>
+        <p14:creationId xmlns:p14="http://schemas.microsoft.com/office/powerpoint/2010/main" val="1715555674"/>
       </p:ext>
     </p:extLst>
   </p:cSld>
@@ -20134,7 +19985,7 @@
             <a:pPr algn="ctr"/>
             <a:r>
               <a:rPr lang="en-US" dirty="0" smtClean="0"/>
-              <a:t>Material properties</a:t>
+              <a:t>Reaction forces</a:t>
             </a:r>
             <a:endParaRPr lang="es-ES" dirty="0"/>
           </a:p>
@@ -20142,14 +19993,14 @@
       </p:sp>
       <p:sp>
         <p:nvSpPr>
-          <p:cNvPr id="3" name="Rectangle 2"/>
+          <p:cNvPr id="4" name="Rectangle 3"/>
           <p:cNvSpPr/>
           <p:nvPr/>
         </p:nvSpPr>
         <p:spPr>
           <a:xfrm>
-            <a:off x="131726" y="844831"/>
-            <a:ext cx="5742299" cy="5312352"/>
+            <a:off x="132521" y="849655"/>
+            <a:ext cx="8812696" cy="2954655"/>
           </a:xfrm>
           <a:prstGeom prst="rect">
             <a:avLst/>
@@ -20166,81 +20017,72 @@
                 <a:latin typeface="Calibri" panose="020F0502020204030204" pitchFamily="34" charset="0"/>
                 <a:cs typeface="Calibri" panose="020F0502020204030204" pitchFamily="34" charset="0"/>
               </a:rPr>
-              <a:t>$$NUMBER_OF_MATERIALS</a:t>
-            </a:r>
-          </a:p>
-          <a:p>
-            <a:r>
-              <a:rPr lang="es-ES" dirty="0">
-                <a:latin typeface="Calibri" panose="020F0502020204030204" pitchFamily="34" charset="0"/>
-                <a:cs typeface="Calibri" panose="020F0502020204030204" pitchFamily="34" charset="0"/>
-              </a:rPr>
-              <a:t>0</a:t>
-            </a:r>
-          </a:p>
-          <a:p>
-            <a:r>
-              <a:rPr lang="es-ES" dirty="0">
-                <a:latin typeface="Calibri" panose="020F0502020204030204" pitchFamily="34" charset="0"/>
-                <a:cs typeface="Calibri" panose="020F0502020204030204" pitchFamily="34" charset="0"/>
-              </a:rPr>
-              <a:t>$$MATERIAL_INDEX</a:t>
-            </a:r>
-          </a:p>
-          <a:p>
-            <a:r>
-              <a:rPr lang="es-ES" dirty="0">
-                <a:latin typeface="Calibri" panose="020F0502020204030204" pitchFamily="34" charset="0"/>
-                <a:cs typeface="Calibri" panose="020F0502020204030204" pitchFamily="34" charset="0"/>
-              </a:rPr>
-              <a:t>0</a:t>
-            </a:r>
-          </a:p>
-          <a:p>
-            <a:r>
-              <a:rPr lang="es-ES" dirty="0">
-                <a:latin typeface="Calibri" panose="020F0502020204030204" pitchFamily="34" charset="0"/>
-                <a:cs typeface="Calibri" panose="020F0502020204030204" pitchFamily="34" charset="0"/>
-              </a:rPr>
-              <a:t>$$MATERIAL_NAME</a:t>
-            </a:r>
-          </a:p>
-          <a:p>
-            <a:r>
-              <a:rPr lang="es-ES" dirty="0" err="1" smtClean="0">
-                <a:latin typeface="Calibri" panose="020F0502020204030204" pitchFamily="34" charset="0"/>
-                <a:cs typeface="Calibri" panose="020F0502020204030204" pitchFamily="34" charset="0"/>
-              </a:rPr>
-              <a:t>name_of_material</a:t>
-            </a:r>
-            <a:endParaRPr lang="es-ES" dirty="0">
+              <a:t>$$</a:t>
+            </a:r>
+            <a:r>
+              <a:rPr lang="es-ES" dirty="0" smtClean="0">
+                <a:latin typeface="Calibri" panose="020F0502020204030204" pitchFamily="34" charset="0"/>
+                <a:cs typeface="Calibri" panose="020F0502020204030204" pitchFamily="34" charset="0"/>
+              </a:rPr>
+              <a:t>START_OUTPUT_REACTION_FORCES</a:t>
+            </a:r>
+          </a:p>
+          <a:p>
+            <a:r>
+              <a:rPr lang="es-ES" sz="1400" i="1" dirty="0" err="1" smtClean="0">
+                <a:latin typeface="Calibri" panose="020F0502020204030204" pitchFamily="34" charset="0"/>
+                <a:cs typeface="Calibri" panose="020F0502020204030204" pitchFamily="34" charset="0"/>
+              </a:rPr>
+              <a:t>Number</a:t>
+            </a:r>
+            <a:r>
+              <a:rPr lang="es-ES" sz="1400" i="1" dirty="0" smtClean="0">
+                <a:latin typeface="Calibri" panose="020F0502020204030204" pitchFamily="34" charset="0"/>
+                <a:cs typeface="Calibri" panose="020F0502020204030204" pitchFamily="34" charset="0"/>
+              </a:rPr>
+              <a:t> of </a:t>
+            </a:r>
+            <a:r>
+              <a:rPr lang="es-ES" sz="1400" i="1" dirty="0" err="1" smtClean="0">
+                <a:latin typeface="Calibri" panose="020F0502020204030204" pitchFamily="34" charset="0"/>
+                <a:cs typeface="Calibri" panose="020F0502020204030204" pitchFamily="34" charset="0"/>
+              </a:rPr>
+              <a:t>surfaces</a:t>
+            </a:r>
+            <a:endParaRPr lang="es-ES" sz="1400" i="1" dirty="0">
               <a:latin typeface="Calibri" panose="020F0502020204030204" pitchFamily="34" charset="0"/>
               <a:cs typeface="Calibri" panose="020F0502020204030204" pitchFamily="34" charset="0"/>
             </a:endParaRPr>
           </a:p>
           <a:p>
             <a:r>
-              <a:rPr lang="es-ES" dirty="0">
-                <a:latin typeface="Calibri" panose="020F0502020204030204" pitchFamily="34" charset="0"/>
-                <a:cs typeface="Calibri" panose="020F0502020204030204" pitchFamily="34" charset="0"/>
-              </a:rPr>
-              <a:t>$$MATERIAL_TYPE</a:t>
-            </a:r>
-          </a:p>
-          <a:p>
-            <a:pPr marL="342900" indent="-342900">
-              <a:lnSpc>
-                <a:spcPct val="150000"/>
-              </a:lnSpc>
-              <a:buFont typeface="+mj-lt"/>
-              <a:buAutoNum type="arabicPeriod"/>
-            </a:pPr>
-            <a:r>
-              <a:rPr lang="es-ES" dirty="0" err="1" smtClean="0">
-                <a:latin typeface="Calibri" panose="020F0502020204030204" pitchFamily="34" charset="0"/>
-                <a:cs typeface="Calibri" panose="020F0502020204030204" pitchFamily="34" charset="0"/>
-              </a:rPr>
-              <a:t>dry_material</a:t>
+              <a:rPr lang="es-ES" dirty="0" smtClean="0">
+                <a:latin typeface="Calibri" panose="020F0502020204030204" pitchFamily="34" charset="0"/>
+                <a:cs typeface="Calibri" panose="020F0502020204030204" pitchFamily="34" charset="0"/>
+              </a:rPr>
+              <a:t>0</a:t>
+            </a:r>
+          </a:p>
+          <a:p>
+            <a:r>
+              <a:rPr lang="es-ES" i="1" dirty="0">
+                <a:solidFill>
+                  <a:srgbClr val="4197C9"/>
+                </a:solidFill>
+                <a:latin typeface="Calibri" panose="020F0502020204030204" pitchFamily="34" charset="0"/>
+                <a:cs typeface="Calibri" panose="020F0502020204030204" pitchFamily="34" charset="0"/>
+              </a:rPr>
+              <a:t>3D </a:t>
+            </a:r>
+            <a:r>
+              <a:rPr lang="es-ES" i="1" dirty="0" err="1" smtClean="0">
+                <a:solidFill>
+                  <a:srgbClr val="4197C9"/>
+                </a:solidFill>
+                <a:latin typeface="Calibri" panose="020F0502020204030204" pitchFamily="34" charset="0"/>
+                <a:cs typeface="Calibri" panose="020F0502020204030204" pitchFamily="34" charset="0"/>
+              </a:rPr>
+              <a:t>models</a:t>
             </a:r>
             <a:endParaRPr lang="es-ES" dirty="0" smtClean="0">
               <a:latin typeface="Calibri" panose="020F0502020204030204" pitchFamily="34" charset="0"/>
@@ -20248,19 +20090,129 @@
             </a:endParaRPr>
           </a:p>
           <a:p>
-            <a:pPr marL="342900" indent="-342900">
-              <a:lnSpc>
-                <a:spcPct val="150000"/>
-              </a:lnSpc>
-              <a:buFont typeface="+mj-lt"/>
-              <a:buAutoNum type="arabicPeriod"/>
-            </a:pPr>
-            <a:r>
-              <a:rPr lang="es-ES" dirty="0" err="1" smtClean="0">
-                <a:latin typeface="Calibri" panose="020F0502020204030204" pitchFamily="34" charset="0"/>
-                <a:cs typeface="Calibri" panose="020F0502020204030204" pitchFamily="34" charset="0"/>
-              </a:rPr>
-              <a:t>saturated_material_drained</a:t>
+            <a:r>
+              <a:rPr lang="es-ES" sz="1400" i="1" dirty="0" smtClean="0">
+                <a:latin typeface="Calibri" panose="020F0502020204030204" pitchFamily="34" charset="0"/>
+                <a:cs typeface="Calibri" panose="020F0502020204030204" pitchFamily="34" charset="0"/>
+              </a:rPr>
+              <a:t>Surface </a:t>
+            </a:r>
+            <a:r>
+              <a:rPr lang="es-ES" sz="1400" i="1" dirty="0" err="1" smtClean="0">
+                <a:latin typeface="Calibri" panose="020F0502020204030204" pitchFamily="34" charset="0"/>
+                <a:cs typeface="Calibri" panose="020F0502020204030204" pitchFamily="34" charset="0"/>
+              </a:rPr>
+              <a:t>identifier</a:t>
+            </a:r>
+            <a:r>
+              <a:rPr lang="es-ES" sz="1400" i="1" dirty="0">
+                <a:latin typeface="Calibri" panose="020F0502020204030204" pitchFamily="34" charset="0"/>
+                <a:cs typeface="Calibri" panose="020F0502020204030204" pitchFamily="34" charset="0"/>
+              </a:rPr>
+              <a:t>	</a:t>
+            </a:r>
+            <a:r>
+              <a:rPr lang="es-ES" sz="1400" i="1" dirty="0" err="1" smtClean="0">
+                <a:latin typeface="Calibri" panose="020F0502020204030204" pitchFamily="34" charset="0"/>
+                <a:cs typeface="Calibri" panose="020F0502020204030204" pitchFamily="34" charset="0"/>
+              </a:rPr>
+              <a:t>Element</a:t>
+            </a:r>
+            <a:r>
+              <a:rPr lang="es-ES" sz="1400" i="1" dirty="0" smtClean="0">
+                <a:latin typeface="Calibri" panose="020F0502020204030204" pitchFamily="34" charset="0"/>
+                <a:cs typeface="Calibri" panose="020F0502020204030204" pitchFamily="34" charset="0"/>
+              </a:rPr>
+              <a:t> ID		</a:t>
+            </a:r>
+            <a:r>
+              <a:rPr lang="es-ES" sz="1400" i="1" dirty="0" err="1" smtClean="0">
+                <a:latin typeface="Calibri" panose="020F0502020204030204" pitchFamily="34" charset="0"/>
+                <a:cs typeface="Calibri" panose="020F0502020204030204" pitchFamily="34" charset="0"/>
+              </a:rPr>
+              <a:t>Boundary</a:t>
+            </a:r>
+            <a:r>
+              <a:rPr lang="es-ES" sz="1400" i="1" dirty="0" smtClean="0">
+                <a:latin typeface="Calibri" panose="020F0502020204030204" pitchFamily="34" charset="0"/>
+                <a:cs typeface="Calibri" panose="020F0502020204030204" pitchFamily="34" charset="0"/>
+              </a:rPr>
+              <a:t> </a:t>
+            </a:r>
+            <a:r>
+              <a:rPr lang="es-ES" sz="1400" i="1" dirty="0" err="1">
+                <a:latin typeface="Calibri" panose="020F0502020204030204" pitchFamily="34" charset="0"/>
+                <a:cs typeface="Calibri" panose="020F0502020204030204" pitchFamily="34" charset="0"/>
+              </a:rPr>
+              <a:t>n</a:t>
+            </a:r>
+            <a:r>
+              <a:rPr lang="es-ES" sz="1400" i="1" dirty="0" err="1" smtClean="0">
+                <a:latin typeface="Calibri" panose="020F0502020204030204" pitchFamily="34" charset="0"/>
+                <a:cs typeface="Calibri" panose="020F0502020204030204" pitchFamily="34" charset="0"/>
+              </a:rPr>
+              <a:t>odes</a:t>
+            </a:r>
+            <a:r>
+              <a:rPr lang="es-ES" sz="1400" i="1" dirty="0" smtClean="0">
+                <a:latin typeface="Calibri" panose="020F0502020204030204" pitchFamily="34" charset="0"/>
+                <a:cs typeface="Calibri" panose="020F0502020204030204" pitchFamily="34" charset="0"/>
+              </a:rPr>
+              <a:t> ID (6 </a:t>
+            </a:r>
+            <a:r>
+              <a:rPr lang="es-ES" sz="1400" i="1" dirty="0" err="1" smtClean="0">
+                <a:latin typeface="Calibri" panose="020F0502020204030204" pitchFamily="34" charset="0"/>
+                <a:cs typeface="Calibri" panose="020F0502020204030204" pitchFamily="34" charset="0"/>
+              </a:rPr>
+              <a:t>for</a:t>
+            </a:r>
+            <a:r>
+              <a:rPr lang="es-ES" sz="1400" i="1" dirty="0" smtClean="0">
+                <a:latin typeface="Calibri" panose="020F0502020204030204" pitchFamily="34" charset="0"/>
+                <a:cs typeface="Calibri" panose="020F0502020204030204" pitchFamily="34" charset="0"/>
+              </a:rPr>
+              <a:t> 3D)</a:t>
+            </a:r>
+          </a:p>
+          <a:p>
+            <a:r>
+              <a:rPr lang="es-ES" dirty="0" smtClean="0">
+                <a:latin typeface="Calibri" panose="020F0502020204030204" pitchFamily="34" charset="0"/>
+                <a:cs typeface="Calibri" panose="020F0502020204030204" pitchFamily="34" charset="0"/>
+              </a:rPr>
+              <a:t>“….”		0		0	0	0	0	0	0</a:t>
+            </a:r>
+          </a:p>
+          <a:p>
+            <a:r>
+              <a:rPr lang="es-ES" dirty="0" smtClean="0">
+                <a:latin typeface="Calibri" panose="020F0502020204030204" pitchFamily="34" charset="0"/>
+                <a:cs typeface="Calibri" panose="020F0502020204030204" pitchFamily="34" charset="0"/>
+              </a:rPr>
+              <a:t>…</a:t>
+            </a:r>
+          </a:p>
+          <a:p>
+            <a:r>
+              <a:rPr lang="es-ES" i="1" dirty="0" smtClean="0">
+                <a:solidFill>
+                  <a:srgbClr val="4197C9"/>
+                </a:solidFill>
+                <a:latin typeface="Calibri" panose="020F0502020204030204" pitchFamily="34" charset="0"/>
+                <a:cs typeface="Calibri" panose="020F0502020204030204" pitchFamily="34" charset="0"/>
+              </a:rPr>
+              <a:t>2D </a:t>
+            </a:r>
+            <a:r>
+              <a:rPr lang="es-ES" i="1" dirty="0" err="1" smtClean="0">
+                <a:solidFill>
+                  <a:srgbClr val="4197C9"/>
+                </a:solidFill>
+                <a:latin typeface="Calibri" panose="020F0502020204030204" pitchFamily="34" charset="0"/>
+                <a:cs typeface="Calibri" panose="020F0502020204030204" pitchFamily="34" charset="0"/>
+              </a:rPr>
+              <a:t>models</a:t>
             </a:r>
             <a:endParaRPr lang="es-ES" dirty="0" smtClean="0">
               <a:latin typeface="Calibri" panose="020F0502020204030204" pitchFamily="34" charset="0"/>
@@ -20268,123 +20220,157 @@
             </a:endParaRPr>
           </a:p>
           <a:p>
-            <a:pPr marL="342900" indent="-342900">
-              <a:lnSpc>
-                <a:spcPct val="150000"/>
-              </a:lnSpc>
-              <a:buFont typeface="+mj-lt"/>
-              <a:buAutoNum type="arabicPeriod"/>
-            </a:pPr>
-            <a:r>
-              <a:rPr lang="es-ES" dirty="0" err="1" smtClean="0">
-                <a:latin typeface="Calibri" panose="020F0502020204030204" pitchFamily="34" charset="0"/>
-                <a:cs typeface="Calibri" panose="020F0502020204030204" pitchFamily="34" charset="0"/>
-              </a:rPr>
-              <a:t>saturated_material_undrained_effective</a:t>
-            </a:r>
-            <a:endParaRPr lang="es-ES" dirty="0" smtClean="0">
-              <a:latin typeface="Calibri" panose="020F0502020204030204" pitchFamily="34" charset="0"/>
-              <a:cs typeface="Calibri" panose="020F0502020204030204" pitchFamily="34" charset="0"/>
-            </a:endParaRPr>
-          </a:p>
-          <a:p>
-            <a:pPr marL="342900" indent="-342900">
-              <a:lnSpc>
-                <a:spcPct val="150000"/>
-              </a:lnSpc>
-              <a:buFont typeface="+mj-lt"/>
-              <a:buAutoNum type="arabicPeriod"/>
-            </a:pPr>
-            <a:r>
-              <a:rPr lang="es-ES" dirty="0" err="1" smtClean="0">
-                <a:latin typeface="Calibri" panose="020F0502020204030204" pitchFamily="34" charset="0"/>
-                <a:cs typeface="Calibri" panose="020F0502020204030204" pitchFamily="34" charset="0"/>
-              </a:rPr>
-              <a:t>saturated_material_undrained_total</a:t>
-            </a:r>
-            <a:endParaRPr lang="es-ES" dirty="0" smtClean="0">
-              <a:latin typeface="Calibri" panose="020F0502020204030204" pitchFamily="34" charset="0"/>
-              <a:cs typeface="Calibri" panose="020F0502020204030204" pitchFamily="34" charset="0"/>
-            </a:endParaRPr>
-          </a:p>
-          <a:p>
-            <a:pPr marL="342900" indent="-342900">
-              <a:lnSpc>
-                <a:spcPct val="150000"/>
-              </a:lnSpc>
-              <a:buFont typeface="+mj-lt"/>
-              <a:buAutoNum type="arabicPeriod"/>
-            </a:pPr>
-            <a:r>
-              <a:rPr lang="es-ES" dirty="0" err="1" smtClean="0">
-                <a:latin typeface="Calibri" panose="020F0502020204030204" pitchFamily="34" charset="0"/>
-                <a:cs typeface="Calibri" panose="020F0502020204030204" pitchFamily="34" charset="0"/>
-              </a:rPr>
-              <a:t>saturated_material_coupled</a:t>
-            </a:r>
-            <a:endParaRPr lang="es-ES" dirty="0" smtClean="0">
-              <a:latin typeface="Calibri" panose="020F0502020204030204" pitchFamily="34" charset="0"/>
-              <a:cs typeface="Calibri" panose="020F0502020204030204" pitchFamily="34" charset="0"/>
-            </a:endParaRPr>
-          </a:p>
-          <a:p>
-            <a:pPr marL="342900" indent="-342900">
-              <a:lnSpc>
-                <a:spcPct val="150000"/>
-              </a:lnSpc>
-              <a:buFont typeface="+mj-lt"/>
-              <a:buAutoNum type="arabicPeriod"/>
-            </a:pPr>
+            <a:r>
+              <a:rPr lang="es-ES" sz="1400" i="1" dirty="0">
+                <a:latin typeface="Calibri" panose="020F0502020204030204" pitchFamily="34" charset="0"/>
+                <a:cs typeface="Calibri" panose="020F0502020204030204" pitchFamily="34" charset="0"/>
+              </a:rPr>
+              <a:t>Surface </a:t>
+            </a:r>
+            <a:r>
+              <a:rPr lang="es-ES" sz="1400" i="1" dirty="0" err="1">
+                <a:latin typeface="Calibri" panose="020F0502020204030204" pitchFamily="34" charset="0"/>
+                <a:cs typeface="Calibri" panose="020F0502020204030204" pitchFamily="34" charset="0"/>
+              </a:rPr>
+              <a:t>identifier</a:t>
+            </a:r>
+            <a:r>
+              <a:rPr lang="es-ES" sz="1400" i="1" dirty="0">
+                <a:latin typeface="Calibri" panose="020F0502020204030204" pitchFamily="34" charset="0"/>
+                <a:cs typeface="Calibri" panose="020F0502020204030204" pitchFamily="34" charset="0"/>
+              </a:rPr>
+              <a:t>	</a:t>
+            </a:r>
+            <a:r>
+              <a:rPr lang="es-ES" sz="1400" i="1" dirty="0" err="1">
+                <a:latin typeface="Calibri" panose="020F0502020204030204" pitchFamily="34" charset="0"/>
+                <a:cs typeface="Calibri" panose="020F0502020204030204" pitchFamily="34" charset="0"/>
+              </a:rPr>
+              <a:t>Element</a:t>
+            </a:r>
+            <a:r>
+              <a:rPr lang="es-ES" sz="1400" i="1" dirty="0">
+                <a:latin typeface="Calibri" panose="020F0502020204030204" pitchFamily="34" charset="0"/>
+                <a:cs typeface="Calibri" panose="020F0502020204030204" pitchFamily="34" charset="0"/>
+              </a:rPr>
+              <a:t> ID	</a:t>
+            </a:r>
+            <a:r>
+              <a:rPr lang="es-ES" sz="1400" i="1" dirty="0" smtClean="0">
+                <a:latin typeface="Calibri" panose="020F0502020204030204" pitchFamily="34" charset="0"/>
+                <a:cs typeface="Calibri" panose="020F0502020204030204" pitchFamily="34" charset="0"/>
+              </a:rPr>
+              <a:t>	</a:t>
+            </a:r>
+            <a:r>
+              <a:rPr lang="es-ES" sz="1400" i="1" dirty="0" err="1" smtClean="0">
+                <a:latin typeface="Calibri" panose="020F0502020204030204" pitchFamily="34" charset="0"/>
+                <a:cs typeface="Calibri" panose="020F0502020204030204" pitchFamily="34" charset="0"/>
+              </a:rPr>
+              <a:t>Boundary</a:t>
+            </a:r>
+            <a:r>
+              <a:rPr lang="es-ES" sz="1400" i="1" dirty="0" smtClean="0">
+                <a:latin typeface="Calibri" panose="020F0502020204030204" pitchFamily="34" charset="0"/>
+                <a:cs typeface="Calibri" panose="020F0502020204030204" pitchFamily="34" charset="0"/>
+              </a:rPr>
+              <a:t> </a:t>
+            </a:r>
+            <a:r>
+              <a:rPr lang="es-ES" sz="1400" i="1" dirty="0" err="1" smtClean="0">
+                <a:latin typeface="Calibri" panose="020F0502020204030204" pitchFamily="34" charset="0"/>
+                <a:cs typeface="Calibri" panose="020F0502020204030204" pitchFamily="34" charset="0"/>
+              </a:rPr>
+              <a:t>nodes</a:t>
+            </a:r>
+            <a:r>
+              <a:rPr lang="es-ES" sz="1400" i="1" dirty="0" smtClean="0">
+                <a:latin typeface="Calibri" panose="020F0502020204030204" pitchFamily="34" charset="0"/>
+                <a:cs typeface="Calibri" panose="020F0502020204030204" pitchFamily="34" charset="0"/>
+              </a:rPr>
+              <a:t> ID (2 </a:t>
+            </a:r>
+            <a:r>
+              <a:rPr lang="es-ES" sz="1400" i="1" dirty="0" err="1">
+                <a:latin typeface="Calibri" panose="020F0502020204030204" pitchFamily="34" charset="0"/>
+                <a:cs typeface="Calibri" panose="020F0502020204030204" pitchFamily="34" charset="0"/>
+              </a:rPr>
+              <a:t>for</a:t>
+            </a:r>
+            <a:r>
+              <a:rPr lang="es-ES" sz="1400" i="1" dirty="0">
+                <a:latin typeface="Calibri" panose="020F0502020204030204" pitchFamily="34" charset="0"/>
+                <a:cs typeface="Calibri" panose="020F0502020204030204" pitchFamily="34" charset="0"/>
+              </a:rPr>
+              <a:t> </a:t>
+            </a:r>
+            <a:r>
+              <a:rPr lang="es-ES" sz="1400" i="1" dirty="0" smtClean="0">
+                <a:latin typeface="Calibri" panose="020F0502020204030204" pitchFamily="34" charset="0"/>
+                <a:cs typeface="Calibri" panose="020F0502020204030204" pitchFamily="34" charset="0"/>
+              </a:rPr>
+              <a:t>2D</a:t>
+            </a:r>
+            <a:r>
+              <a:rPr lang="es-ES" sz="1400" i="1" dirty="0">
+                <a:latin typeface="Calibri" panose="020F0502020204030204" pitchFamily="34" charset="0"/>
+                <a:cs typeface="Calibri" panose="020F0502020204030204" pitchFamily="34" charset="0"/>
+              </a:rPr>
+              <a:t>)</a:t>
+            </a:r>
+          </a:p>
+          <a:p>
+            <a:r>
+              <a:rPr lang="es-ES" dirty="0">
+                <a:latin typeface="Calibri" panose="020F0502020204030204" pitchFamily="34" charset="0"/>
+                <a:cs typeface="Calibri" panose="020F0502020204030204" pitchFamily="34" charset="0"/>
+              </a:rPr>
+              <a:t>“….”		0	</a:t>
+            </a:r>
             <a:r>
               <a:rPr lang="es-ES" dirty="0" smtClean="0">
                 <a:latin typeface="Calibri" panose="020F0502020204030204" pitchFamily="34" charset="0"/>
                 <a:cs typeface="Calibri" panose="020F0502020204030204" pitchFamily="34" charset="0"/>
               </a:rPr>
-              <a:t>unsaturated_material_2phase_suction</a:t>
-            </a:r>
-          </a:p>
-          <a:p>
-            <a:pPr marL="342900" indent="-342900">
-              <a:lnSpc>
-                <a:spcPct val="150000"/>
-              </a:lnSpc>
-              <a:buFont typeface="+mj-lt"/>
-              <a:buAutoNum type="arabicPeriod"/>
-            </a:pPr>
+              <a:t>	0</a:t>
+            </a:r>
+            <a:r>
+              <a:rPr lang="es-ES" dirty="0">
+                <a:latin typeface="Calibri" panose="020F0502020204030204" pitchFamily="34" charset="0"/>
+                <a:cs typeface="Calibri" panose="020F0502020204030204" pitchFamily="34" charset="0"/>
+              </a:rPr>
+              <a:t>	</a:t>
+            </a:r>
             <a:r>
               <a:rPr lang="es-ES" dirty="0" smtClean="0">
                 <a:latin typeface="Calibri" panose="020F0502020204030204" pitchFamily="34" charset="0"/>
                 <a:cs typeface="Calibri" panose="020F0502020204030204" pitchFamily="34" charset="0"/>
               </a:rPr>
-              <a:t>unsaturated_material_3phase_coupled</a:t>
-            </a:r>
-          </a:p>
-          <a:p>
-            <a:pPr marL="342900" indent="-342900">
-              <a:lnSpc>
-                <a:spcPct val="150000"/>
-              </a:lnSpc>
-              <a:buFont typeface="+mj-lt"/>
-              <a:buAutoNum type="arabicPeriod"/>
-            </a:pPr>
-            <a:r>
-              <a:rPr lang="es-ES" dirty="0" err="1" smtClean="0">
-                <a:latin typeface="Calibri" panose="020F0502020204030204" pitchFamily="34" charset="0"/>
-                <a:cs typeface="Calibri" panose="020F0502020204030204" pitchFamily="34" charset="0"/>
-              </a:rPr>
-              <a:t>Liquid</a:t>
-            </a:r>
-            <a:endParaRPr lang="es-ES" dirty="0">
-              <a:latin typeface="Calibri" panose="020F0502020204030204" pitchFamily="34" charset="0"/>
-              <a:cs typeface="Calibri" panose="020F0502020204030204" pitchFamily="34" charset="0"/>
-            </a:endParaRPr>
+              <a:t>0</a:t>
+            </a:r>
+          </a:p>
+          <a:p>
+            <a:r>
+              <a:rPr lang="es-ES" dirty="0" smtClean="0">
+                <a:latin typeface="Calibri" panose="020F0502020204030204" pitchFamily="34" charset="0"/>
+                <a:cs typeface="Calibri" panose="020F0502020204030204" pitchFamily="34" charset="0"/>
+              </a:rPr>
+              <a:t>…</a:t>
+            </a:r>
+            <a:r>
+              <a:rPr lang="es-ES" dirty="0">
+                <a:latin typeface="Calibri" panose="020F0502020204030204" pitchFamily="34" charset="0"/>
+                <a:cs typeface="Calibri" panose="020F0502020204030204" pitchFamily="34" charset="0"/>
+              </a:rPr>
+              <a:t>	</a:t>
+            </a:r>
           </a:p>
         </p:txBody>
       </p:sp>
     </p:spTree>
     <p:extLst>
       <p:ext uri="{BB962C8B-B14F-4D97-AF65-F5344CB8AC3E}">
-        <p14:creationId xmlns:p14="http://schemas.microsoft.com/office/powerpoint/2010/main" val="1659223403"/>
+        <p14:creationId xmlns:p14="http://schemas.microsoft.com/office/powerpoint/2010/main" val="3053534433"/>
       </p:ext>
     </p:extLst>
   </p:cSld>
@@ -20436,7 +20422,7 @@
             <a:pPr algn="ctr"/>
             <a:r>
               <a:rPr lang="en-US" dirty="0" smtClean="0"/>
-              <a:t>Material types</a:t>
+              <a:t>Material properties</a:t>
             </a:r>
             <a:endParaRPr lang="es-ES" dirty="0"/>
           </a:p>
@@ -20450,8 +20436,8 @@
         </p:nvSpPr>
         <p:spPr>
           <a:xfrm>
-            <a:off x="320576" y="983978"/>
-            <a:ext cx="3297273" cy="5170646"/>
+            <a:off x="131726" y="844831"/>
+            <a:ext cx="5742299" cy="5312352"/>
           </a:xfrm>
           <a:prstGeom prst="rect">
             <a:avLst/>
@@ -20463,535 +20449,220 @@
           </a:bodyPr>
           <a:lstStyle/>
           <a:p>
+            <a:r>
+              <a:rPr lang="es-ES" dirty="0">
+                <a:latin typeface="Calibri" panose="020F0502020204030204" pitchFamily="34" charset="0"/>
+                <a:cs typeface="Calibri" panose="020F0502020204030204" pitchFamily="34" charset="0"/>
+              </a:rPr>
+              <a:t>$$NUMBER_OF_MATERIALS</a:t>
+            </a:r>
+          </a:p>
+          <a:p>
+            <a:r>
+              <a:rPr lang="es-ES" dirty="0">
+                <a:latin typeface="Calibri" panose="020F0502020204030204" pitchFamily="34" charset="0"/>
+                <a:cs typeface="Calibri" panose="020F0502020204030204" pitchFamily="34" charset="0"/>
+              </a:rPr>
+              <a:t>0</a:t>
+            </a:r>
+          </a:p>
+          <a:p>
+            <a:r>
+              <a:rPr lang="es-ES" dirty="0">
+                <a:latin typeface="Calibri" panose="020F0502020204030204" pitchFamily="34" charset="0"/>
+                <a:cs typeface="Calibri" panose="020F0502020204030204" pitchFamily="34" charset="0"/>
+              </a:rPr>
+              <a:t>$$MATERIAL_INDEX</a:t>
+            </a:r>
+          </a:p>
+          <a:p>
+            <a:r>
+              <a:rPr lang="es-ES" dirty="0">
+                <a:latin typeface="Calibri" panose="020F0502020204030204" pitchFamily="34" charset="0"/>
+                <a:cs typeface="Calibri" panose="020F0502020204030204" pitchFamily="34" charset="0"/>
+              </a:rPr>
+              <a:t>0</a:t>
+            </a:r>
+          </a:p>
+          <a:p>
+            <a:r>
+              <a:rPr lang="es-ES" dirty="0">
+                <a:latin typeface="Calibri" panose="020F0502020204030204" pitchFamily="34" charset="0"/>
+                <a:cs typeface="Calibri" panose="020F0502020204030204" pitchFamily="34" charset="0"/>
+              </a:rPr>
+              <a:t>$$MATERIAL_NAME</a:t>
+            </a:r>
+          </a:p>
+          <a:p>
+            <a:r>
+              <a:rPr lang="es-ES" dirty="0" err="1" smtClean="0">
+                <a:latin typeface="Calibri" panose="020F0502020204030204" pitchFamily="34" charset="0"/>
+                <a:cs typeface="Calibri" panose="020F0502020204030204" pitchFamily="34" charset="0"/>
+              </a:rPr>
+              <a:t>name_of_material</a:t>
+            </a:r>
+            <a:endParaRPr lang="es-ES" dirty="0">
+              <a:latin typeface="Calibri" panose="020F0502020204030204" pitchFamily="34" charset="0"/>
+              <a:cs typeface="Calibri" panose="020F0502020204030204" pitchFamily="34" charset="0"/>
+            </a:endParaRPr>
+          </a:p>
+          <a:p>
+            <a:r>
+              <a:rPr lang="es-ES" dirty="0">
+                <a:latin typeface="Calibri" panose="020F0502020204030204" pitchFamily="34" charset="0"/>
+                <a:cs typeface="Calibri" panose="020F0502020204030204" pitchFamily="34" charset="0"/>
+              </a:rPr>
+              <a:t>$$MATERIAL_TYPE</a:t>
+            </a:r>
+          </a:p>
+          <a:p>
             <a:pPr marL="342900" indent="-342900">
+              <a:lnSpc>
+                <a:spcPct val="150000"/>
+              </a:lnSpc>
               <a:buFont typeface="+mj-lt"/>
               <a:buAutoNum type="arabicPeriod"/>
             </a:pPr>
             <a:r>
-              <a:rPr lang="es-ES" sz="1600" dirty="0" smtClean="0">
-                <a:latin typeface="Calibri" panose="020F0502020204030204" pitchFamily="34" charset="0"/>
-                <a:cs typeface="Calibri" panose="020F0502020204030204" pitchFamily="34" charset="0"/>
-              </a:rPr>
-              <a:t>$$</a:t>
-            </a:r>
-            <a:r>
-              <a:rPr lang="es-ES" sz="1600" dirty="0">
-                <a:latin typeface="Calibri" panose="020F0502020204030204" pitchFamily="34" charset="0"/>
-                <a:cs typeface="Calibri" panose="020F0502020204030204" pitchFamily="34" charset="0"/>
-              </a:rPr>
-              <a:t>MATERIAL_TYPE</a:t>
-            </a:r>
-          </a:p>
-          <a:p>
-            <a:pPr indent="357188"/>
-            <a:r>
-              <a:rPr lang="es-ES" sz="1600" dirty="0" err="1" smtClean="0">
+              <a:rPr lang="es-ES" dirty="0" err="1" smtClean="0">
                 <a:latin typeface="Calibri" panose="020F0502020204030204" pitchFamily="34" charset="0"/>
                 <a:cs typeface="Calibri" panose="020F0502020204030204" pitchFamily="34" charset="0"/>
               </a:rPr>
               <a:t>dry_material</a:t>
             </a:r>
-            <a:endParaRPr lang="es-ES" sz="1600" dirty="0" smtClean="0">
+            <a:endParaRPr lang="es-ES" dirty="0" smtClean="0">
               <a:latin typeface="Calibri" panose="020F0502020204030204" pitchFamily="34" charset="0"/>
               <a:cs typeface="Calibri" panose="020F0502020204030204" pitchFamily="34" charset="0"/>
             </a:endParaRPr>
           </a:p>
           <a:p>
-            <a:pPr indent="357188"/>
-            <a:r>
-              <a:rPr lang="es-ES" sz="1600" dirty="0">
-                <a:latin typeface="Calibri" panose="020F0502020204030204" pitchFamily="34" charset="0"/>
-                <a:cs typeface="Calibri" panose="020F0502020204030204" pitchFamily="34" charset="0"/>
-              </a:rPr>
-              <a:t>$$</a:t>
-            </a:r>
-            <a:r>
-              <a:rPr lang="es-ES" sz="1600" dirty="0" smtClean="0">
-                <a:latin typeface="Calibri" panose="020F0502020204030204" pitchFamily="34" charset="0"/>
-                <a:cs typeface="Calibri" panose="020F0502020204030204" pitchFamily="34" charset="0"/>
-              </a:rPr>
-              <a:t>POROSITY_SOLID</a:t>
-            </a:r>
-          </a:p>
-          <a:p>
-            <a:pPr indent="357188"/>
-            <a:r>
-              <a:rPr lang="es-ES" sz="1600" dirty="0">
-                <a:latin typeface="Calibri" panose="020F0502020204030204" pitchFamily="34" charset="0"/>
-                <a:cs typeface="Calibri" panose="020F0502020204030204" pitchFamily="34" charset="0"/>
-              </a:rPr>
-              <a:t>0</a:t>
-            </a:r>
-          </a:p>
-          <a:p>
-            <a:pPr indent="357188"/>
-            <a:r>
-              <a:rPr lang="es-ES" sz="1600" dirty="0">
-                <a:latin typeface="Calibri" panose="020F0502020204030204" pitchFamily="34" charset="0"/>
-                <a:cs typeface="Calibri" panose="020F0502020204030204" pitchFamily="34" charset="0"/>
-              </a:rPr>
-              <a:t>$$</a:t>
-            </a:r>
-            <a:r>
-              <a:rPr lang="es-ES" sz="1600" dirty="0" smtClean="0">
-                <a:latin typeface="Calibri" panose="020F0502020204030204" pitchFamily="34" charset="0"/>
-                <a:cs typeface="Calibri" panose="020F0502020204030204" pitchFamily="34" charset="0"/>
-              </a:rPr>
-              <a:t>DENSITY_SOLID</a:t>
-            </a:r>
-          </a:p>
-          <a:p>
-            <a:pPr indent="357188"/>
-            <a:r>
-              <a:rPr lang="es-ES" sz="1600" dirty="0">
-                <a:latin typeface="Calibri" panose="020F0502020204030204" pitchFamily="34" charset="0"/>
-                <a:cs typeface="Calibri" panose="020F0502020204030204" pitchFamily="34" charset="0"/>
-              </a:rPr>
-              <a:t>0</a:t>
-            </a:r>
-          </a:p>
-          <a:p>
-            <a:pPr indent="357188"/>
-            <a:r>
-              <a:rPr lang="es-ES" sz="1600" dirty="0">
-                <a:latin typeface="Calibri" panose="020F0502020204030204" pitchFamily="34" charset="0"/>
-                <a:cs typeface="Calibri" panose="020F0502020204030204" pitchFamily="34" charset="0"/>
-              </a:rPr>
-              <a:t>$$</a:t>
-            </a:r>
-            <a:r>
-              <a:rPr lang="es-ES" sz="1600" dirty="0" smtClean="0">
-                <a:latin typeface="Calibri" panose="020F0502020204030204" pitchFamily="34" charset="0"/>
-                <a:cs typeface="Calibri" panose="020F0502020204030204" pitchFamily="34" charset="0"/>
-              </a:rPr>
-              <a:t>K0_VALUE_SOLID</a:t>
-            </a:r>
-          </a:p>
-          <a:p>
-            <a:pPr indent="357188"/>
-            <a:r>
-              <a:rPr lang="es-ES" sz="1600" dirty="0" smtClean="0">
-                <a:latin typeface="Calibri" panose="020F0502020204030204" pitchFamily="34" charset="0"/>
-                <a:cs typeface="Calibri" panose="020F0502020204030204" pitchFamily="34" charset="0"/>
-              </a:rPr>
-              <a:t>0</a:t>
-            </a:r>
-          </a:p>
-          <a:p>
-            <a:pPr indent="357188"/>
-            <a:endParaRPr lang="es-ES" sz="1600" dirty="0">
+            <a:pPr marL="342900" indent="-342900">
+              <a:lnSpc>
+                <a:spcPct val="150000"/>
+              </a:lnSpc>
+              <a:buFont typeface="+mj-lt"/>
+              <a:buAutoNum type="arabicPeriod"/>
+            </a:pPr>
+            <a:r>
+              <a:rPr lang="es-ES" dirty="0" err="1" smtClean="0">
+                <a:latin typeface="Calibri" panose="020F0502020204030204" pitchFamily="34" charset="0"/>
+                <a:cs typeface="Calibri" panose="020F0502020204030204" pitchFamily="34" charset="0"/>
+              </a:rPr>
+              <a:t>saturated_material_drained</a:t>
+            </a:r>
+            <a:endParaRPr lang="es-ES" dirty="0" smtClean="0">
               <a:latin typeface="Calibri" panose="020F0502020204030204" pitchFamily="34" charset="0"/>
               <a:cs typeface="Calibri" panose="020F0502020204030204" pitchFamily="34" charset="0"/>
             </a:endParaRPr>
           </a:p>
           <a:p>
-            <a:r>
-              <a:rPr lang="es-ES" sz="1600" dirty="0" smtClean="0">
-                <a:latin typeface="Calibri" panose="020F0502020204030204" pitchFamily="34" charset="0"/>
-                <a:cs typeface="Calibri" panose="020F0502020204030204" pitchFamily="34" charset="0"/>
-              </a:rPr>
-              <a:t>2.   $$</a:t>
-            </a:r>
-            <a:r>
-              <a:rPr lang="es-ES" sz="1600" dirty="0">
-                <a:latin typeface="Calibri" panose="020F0502020204030204" pitchFamily="34" charset="0"/>
-                <a:cs typeface="Calibri" panose="020F0502020204030204" pitchFamily="34" charset="0"/>
-              </a:rPr>
-              <a:t>MATERIAL_TYPE</a:t>
-            </a:r>
-          </a:p>
-          <a:p>
-            <a:pPr indent="357188"/>
-            <a:r>
-              <a:rPr lang="es-ES" sz="1600" dirty="0" err="1">
-                <a:latin typeface="Calibri" panose="020F0502020204030204" pitchFamily="34" charset="0"/>
-                <a:cs typeface="Calibri" panose="020F0502020204030204" pitchFamily="34" charset="0"/>
-              </a:rPr>
-              <a:t>saturated_material_drained</a:t>
-            </a:r>
-            <a:endParaRPr lang="es-ES" sz="1600" dirty="0">
+            <a:pPr marL="342900" indent="-342900">
+              <a:lnSpc>
+                <a:spcPct val="150000"/>
+              </a:lnSpc>
+              <a:buFont typeface="+mj-lt"/>
+              <a:buAutoNum type="arabicPeriod"/>
+            </a:pPr>
+            <a:r>
+              <a:rPr lang="es-ES" dirty="0" err="1" smtClean="0">
+                <a:latin typeface="Calibri" panose="020F0502020204030204" pitchFamily="34" charset="0"/>
+                <a:cs typeface="Calibri" panose="020F0502020204030204" pitchFamily="34" charset="0"/>
+              </a:rPr>
+              <a:t>saturated_material_undrained_effective</a:t>
+            </a:r>
+            <a:endParaRPr lang="es-ES" dirty="0" smtClean="0">
               <a:latin typeface="Calibri" panose="020F0502020204030204" pitchFamily="34" charset="0"/>
               <a:cs typeface="Calibri" panose="020F0502020204030204" pitchFamily="34" charset="0"/>
             </a:endParaRPr>
           </a:p>
           <a:p>
-            <a:pPr indent="357188"/>
-            <a:r>
-              <a:rPr lang="es-ES" sz="1600" dirty="0">
-                <a:latin typeface="Calibri" panose="020F0502020204030204" pitchFamily="34" charset="0"/>
-                <a:cs typeface="Calibri" panose="020F0502020204030204" pitchFamily="34" charset="0"/>
-              </a:rPr>
-              <a:t>$$POROSITY_SOLID</a:t>
-            </a:r>
-          </a:p>
-          <a:p>
-            <a:pPr indent="357188"/>
-            <a:r>
-              <a:rPr lang="es-ES" sz="1600" dirty="0">
-                <a:latin typeface="Calibri" panose="020F0502020204030204" pitchFamily="34" charset="0"/>
-                <a:cs typeface="Calibri" panose="020F0502020204030204" pitchFamily="34" charset="0"/>
-              </a:rPr>
-              <a:t>0</a:t>
-            </a:r>
-          </a:p>
-          <a:p>
-            <a:pPr indent="357188"/>
-            <a:r>
-              <a:rPr lang="es-ES" sz="1600" dirty="0">
-                <a:latin typeface="Calibri" panose="020F0502020204030204" pitchFamily="34" charset="0"/>
-                <a:cs typeface="Calibri" panose="020F0502020204030204" pitchFamily="34" charset="0"/>
-              </a:rPr>
-              <a:t>$$DENSITY_SOLID</a:t>
-            </a:r>
-          </a:p>
-          <a:p>
-            <a:pPr indent="357188"/>
-            <a:r>
-              <a:rPr lang="es-ES" sz="1600" dirty="0">
-                <a:latin typeface="Calibri" panose="020F0502020204030204" pitchFamily="34" charset="0"/>
-                <a:cs typeface="Calibri" panose="020F0502020204030204" pitchFamily="34" charset="0"/>
-              </a:rPr>
-              <a:t>0</a:t>
-            </a:r>
-          </a:p>
-          <a:p>
-            <a:pPr indent="357188"/>
-            <a:r>
-              <a:rPr lang="es-ES" sz="1600" dirty="0">
-                <a:latin typeface="Calibri" panose="020F0502020204030204" pitchFamily="34" charset="0"/>
-                <a:cs typeface="Calibri" panose="020F0502020204030204" pitchFamily="34" charset="0"/>
-              </a:rPr>
-              <a:t>$$DENSITY_LIQUID</a:t>
-            </a:r>
-          </a:p>
-          <a:p>
-            <a:pPr indent="357188"/>
-            <a:r>
-              <a:rPr lang="es-ES" sz="1600" dirty="0">
-                <a:latin typeface="Calibri" panose="020F0502020204030204" pitchFamily="34" charset="0"/>
-                <a:cs typeface="Calibri" panose="020F0502020204030204" pitchFamily="34" charset="0"/>
-              </a:rPr>
-              <a:t>0</a:t>
-            </a:r>
-          </a:p>
-          <a:p>
-            <a:pPr indent="357188"/>
-            <a:r>
-              <a:rPr lang="es-ES" sz="1600" dirty="0">
-                <a:latin typeface="Calibri" panose="020F0502020204030204" pitchFamily="34" charset="0"/>
-                <a:cs typeface="Calibri" panose="020F0502020204030204" pitchFamily="34" charset="0"/>
-              </a:rPr>
-              <a:t>$$K0_VALUE_SOLID</a:t>
-            </a:r>
-          </a:p>
-          <a:p>
-            <a:pPr indent="357188"/>
-            <a:r>
-              <a:rPr lang="es-ES" sz="1600" dirty="0">
-                <a:latin typeface="Calibri" panose="020F0502020204030204" pitchFamily="34" charset="0"/>
-                <a:cs typeface="Calibri" panose="020F0502020204030204" pitchFamily="34" charset="0"/>
-              </a:rPr>
-              <a:t>0</a:t>
-            </a:r>
-          </a:p>
-          <a:p>
-            <a:pPr indent="357188"/>
-            <a:endParaRPr lang="es-ES" sz="1600" dirty="0">
+            <a:pPr marL="342900" indent="-342900">
+              <a:lnSpc>
+                <a:spcPct val="150000"/>
+              </a:lnSpc>
+              <a:buFont typeface="+mj-lt"/>
+              <a:buAutoNum type="arabicPeriod"/>
+            </a:pPr>
+            <a:r>
+              <a:rPr lang="es-ES" dirty="0" err="1" smtClean="0">
+                <a:latin typeface="Calibri" panose="020F0502020204030204" pitchFamily="34" charset="0"/>
+                <a:cs typeface="Calibri" panose="020F0502020204030204" pitchFamily="34" charset="0"/>
+              </a:rPr>
+              <a:t>saturated_material_undrained_total</a:t>
+            </a:r>
+            <a:endParaRPr lang="es-ES" dirty="0" smtClean="0">
               <a:latin typeface="Calibri" panose="020F0502020204030204" pitchFamily="34" charset="0"/>
               <a:cs typeface="Calibri" panose="020F0502020204030204" pitchFamily="34" charset="0"/>
             </a:endParaRPr>
           </a:p>
-        </p:txBody>
-      </p:sp>
-      <p:sp>
-        <p:nvSpPr>
-          <p:cNvPr id="4" name="Rectangle 3"/>
-          <p:cNvSpPr/>
-          <p:nvPr/>
-        </p:nvSpPr>
-        <p:spPr>
-          <a:xfrm>
-            <a:off x="4482548" y="989743"/>
-            <a:ext cx="3973135" cy="5386090"/>
-          </a:xfrm>
-          <a:prstGeom prst="rect">
-            <a:avLst/>
-          </a:prstGeom>
-        </p:spPr>
-        <p:txBody>
-          <a:bodyPr wrap="square">
-            <a:spAutoFit/>
-          </a:bodyPr>
-          <a:lstStyle/>
-          <a:p>
-            <a:r>
-              <a:rPr lang="es-ES" sz="1600" dirty="0" smtClean="0">
-                <a:latin typeface="Calibri" panose="020F0502020204030204" pitchFamily="34" charset="0"/>
-                <a:cs typeface="Calibri" panose="020F0502020204030204" pitchFamily="34" charset="0"/>
-              </a:rPr>
-              <a:t>3.   $$</a:t>
-            </a:r>
-            <a:r>
-              <a:rPr lang="es-ES" sz="1600" dirty="0">
-                <a:latin typeface="Calibri" panose="020F0502020204030204" pitchFamily="34" charset="0"/>
-                <a:cs typeface="Calibri" panose="020F0502020204030204" pitchFamily="34" charset="0"/>
-              </a:rPr>
-              <a:t>MATERIAL_TYPE</a:t>
-            </a:r>
-          </a:p>
-          <a:p>
-            <a:pPr indent="357188"/>
-            <a:r>
-              <a:rPr lang="es-ES" sz="1600" dirty="0" err="1">
-                <a:latin typeface="Calibri" panose="020F0502020204030204" pitchFamily="34" charset="0"/>
-                <a:cs typeface="Calibri" panose="020F0502020204030204" pitchFamily="34" charset="0"/>
-              </a:rPr>
-              <a:t>saturated_material_undrained_effective</a:t>
-            </a:r>
-            <a:endParaRPr lang="es-ES" sz="1600" dirty="0">
+          <a:p>
+            <a:pPr marL="342900" indent="-342900">
+              <a:lnSpc>
+                <a:spcPct val="150000"/>
+              </a:lnSpc>
+              <a:buFont typeface="+mj-lt"/>
+              <a:buAutoNum type="arabicPeriod"/>
+            </a:pPr>
+            <a:r>
+              <a:rPr lang="es-ES" dirty="0" err="1" smtClean="0">
+                <a:latin typeface="Calibri" panose="020F0502020204030204" pitchFamily="34" charset="0"/>
+                <a:cs typeface="Calibri" panose="020F0502020204030204" pitchFamily="34" charset="0"/>
+              </a:rPr>
+              <a:t>saturated_material_coupled</a:t>
+            </a:r>
+            <a:endParaRPr lang="es-ES" dirty="0" smtClean="0">
               <a:latin typeface="Calibri" panose="020F0502020204030204" pitchFamily="34" charset="0"/>
               <a:cs typeface="Calibri" panose="020F0502020204030204" pitchFamily="34" charset="0"/>
             </a:endParaRPr>
           </a:p>
           <a:p>
-            <a:pPr indent="357188"/>
-            <a:r>
-              <a:rPr lang="es-ES" sz="1600" dirty="0">
-                <a:latin typeface="Calibri" panose="020F0502020204030204" pitchFamily="34" charset="0"/>
-                <a:cs typeface="Calibri" panose="020F0502020204030204" pitchFamily="34" charset="0"/>
-              </a:rPr>
-              <a:t>$$</a:t>
-            </a:r>
-            <a:r>
-              <a:rPr lang="es-ES" sz="1600" dirty="0" smtClean="0">
-                <a:latin typeface="Calibri" panose="020F0502020204030204" pitchFamily="34" charset="0"/>
-                <a:cs typeface="Calibri" panose="020F0502020204030204" pitchFamily="34" charset="0"/>
-              </a:rPr>
-              <a:t>POROSITY_SOLID</a:t>
-            </a:r>
-          </a:p>
-          <a:p>
-            <a:pPr indent="357188"/>
-            <a:r>
-              <a:rPr lang="es-ES" sz="1600" dirty="0">
-                <a:latin typeface="Calibri" panose="020F0502020204030204" pitchFamily="34" charset="0"/>
-                <a:cs typeface="Calibri" panose="020F0502020204030204" pitchFamily="34" charset="0"/>
-              </a:rPr>
-              <a:t>0</a:t>
-            </a:r>
-          </a:p>
-          <a:p>
-            <a:pPr indent="357188"/>
-            <a:r>
-              <a:rPr lang="es-ES" sz="1600" dirty="0">
-                <a:latin typeface="Calibri" panose="020F0502020204030204" pitchFamily="34" charset="0"/>
-                <a:cs typeface="Calibri" panose="020F0502020204030204" pitchFamily="34" charset="0"/>
-              </a:rPr>
-              <a:t>$$</a:t>
-            </a:r>
-            <a:r>
-              <a:rPr lang="es-ES" sz="1600" dirty="0" smtClean="0">
-                <a:latin typeface="Calibri" panose="020F0502020204030204" pitchFamily="34" charset="0"/>
-                <a:cs typeface="Calibri" panose="020F0502020204030204" pitchFamily="34" charset="0"/>
-              </a:rPr>
-              <a:t>DENSITY_SOLID</a:t>
-            </a:r>
-          </a:p>
-          <a:p>
-            <a:pPr indent="357188"/>
-            <a:r>
-              <a:rPr lang="es-ES" sz="1600" dirty="0">
-                <a:latin typeface="Calibri" panose="020F0502020204030204" pitchFamily="34" charset="0"/>
-                <a:cs typeface="Calibri" panose="020F0502020204030204" pitchFamily="34" charset="0"/>
-              </a:rPr>
-              <a:t>0</a:t>
-            </a:r>
-          </a:p>
-          <a:p>
-            <a:pPr indent="357188"/>
-            <a:r>
-              <a:rPr lang="es-ES" sz="1600" dirty="0">
-                <a:latin typeface="Calibri" panose="020F0502020204030204" pitchFamily="34" charset="0"/>
-                <a:cs typeface="Calibri" panose="020F0502020204030204" pitchFamily="34" charset="0"/>
-              </a:rPr>
-              <a:t>$$</a:t>
-            </a:r>
-            <a:r>
-              <a:rPr lang="es-ES" sz="1600" dirty="0" smtClean="0">
-                <a:latin typeface="Calibri" panose="020F0502020204030204" pitchFamily="34" charset="0"/>
-                <a:cs typeface="Calibri" panose="020F0502020204030204" pitchFamily="34" charset="0"/>
-              </a:rPr>
-              <a:t>DENSITY_LIQUID</a:t>
-            </a:r>
-          </a:p>
-          <a:p>
-            <a:pPr indent="357188"/>
-            <a:r>
-              <a:rPr lang="es-ES" sz="1600" dirty="0">
-                <a:latin typeface="Calibri" panose="020F0502020204030204" pitchFamily="34" charset="0"/>
-                <a:cs typeface="Calibri" panose="020F0502020204030204" pitchFamily="34" charset="0"/>
-              </a:rPr>
-              <a:t>0</a:t>
-            </a:r>
-          </a:p>
-          <a:p>
-            <a:pPr indent="357188"/>
-            <a:r>
-              <a:rPr lang="es-ES" sz="1600" dirty="0">
-                <a:latin typeface="Calibri" panose="020F0502020204030204" pitchFamily="34" charset="0"/>
-                <a:cs typeface="Calibri" panose="020F0502020204030204" pitchFamily="34" charset="0"/>
-              </a:rPr>
-              <a:t>$$</a:t>
-            </a:r>
-            <a:r>
-              <a:rPr lang="es-ES" sz="1600" dirty="0" smtClean="0">
-                <a:latin typeface="Calibri" panose="020F0502020204030204" pitchFamily="34" charset="0"/>
-                <a:cs typeface="Calibri" panose="020F0502020204030204" pitchFamily="34" charset="0"/>
-              </a:rPr>
-              <a:t>K0_VALUE_SOLID</a:t>
-            </a:r>
-          </a:p>
-          <a:p>
-            <a:pPr indent="357188"/>
-            <a:r>
-              <a:rPr lang="es-ES" sz="1600" dirty="0" smtClean="0">
-                <a:latin typeface="Calibri" panose="020F0502020204030204" pitchFamily="34" charset="0"/>
-                <a:cs typeface="Calibri" panose="020F0502020204030204" pitchFamily="34" charset="0"/>
-              </a:rPr>
-              <a:t>0</a:t>
-            </a:r>
-          </a:p>
-          <a:p>
-            <a:pPr indent="357188"/>
-            <a:endParaRPr lang="es-ES" sz="1600" dirty="0">
-              <a:latin typeface="Calibri" panose="020F0502020204030204" pitchFamily="34" charset="0"/>
-              <a:cs typeface="Calibri" panose="020F0502020204030204" pitchFamily="34" charset="0"/>
-            </a:endParaRPr>
-          </a:p>
-          <a:p>
-            <a:r>
-              <a:rPr lang="es-ES" sz="1600" dirty="0" smtClean="0">
-                <a:latin typeface="Calibri" panose="020F0502020204030204" pitchFamily="34" charset="0"/>
-                <a:cs typeface="Calibri" panose="020F0502020204030204" pitchFamily="34" charset="0"/>
-              </a:rPr>
-              <a:t>4</a:t>
-            </a:r>
-            <a:r>
-              <a:rPr lang="es-ES" sz="1600" dirty="0">
-                <a:latin typeface="Calibri" panose="020F0502020204030204" pitchFamily="34" charset="0"/>
-                <a:cs typeface="Calibri" panose="020F0502020204030204" pitchFamily="34" charset="0"/>
-              </a:rPr>
-              <a:t>. </a:t>
-            </a:r>
-            <a:r>
-              <a:rPr lang="es-ES" sz="1600" dirty="0" smtClean="0">
-                <a:latin typeface="Calibri" panose="020F0502020204030204" pitchFamily="34" charset="0"/>
-                <a:cs typeface="Calibri" panose="020F0502020204030204" pitchFamily="34" charset="0"/>
-              </a:rPr>
-              <a:t>  $$</a:t>
-            </a:r>
-            <a:r>
-              <a:rPr lang="es-ES" sz="1600" dirty="0">
-                <a:latin typeface="Calibri" panose="020F0502020204030204" pitchFamily="34" charset="0"/>
-                <a:cs typeface="Calibri" panose="020F0502020204030204" pitchFamily="34" charset="0"/>
-              </a:rPr>
-              <a:t>MATERIAL_TYPE</a:t>
-            </a:r>
-          </a:p>
-          <a:p>
-            <a:pPr indent="357188"/>
-            <a:r>
-              <a:rPr lang="es-ES" sz="1600" dirty="0" err="1">
-                <a:latin typeface="Calibri" panose="020F0502020204030204" pitchFamily="34" charset="0"/>
-                <a:cs typeface="Calibri" panose="020F0502020204030204" pitchFamily="34" charset="0"/>
-              </a:rPr>
-              <a:t>saturated_material_undrained_total</a:t>
-            </a:r>
-            <a:endParaRPr lang="es-ES" sz="1600" dirty="0">
-              <a:latin typeface="Calibri" panose="020F0502020204030204" pitchFamily="34" charset="0"/>
-              <a:cs typeface="Calibri" panose="020F0502020204030204" pitchFamily="34" charset="0"/>
-            </a:endParaRPr>
-          </a:p>
-          <a:p>
-            <a:pPr indent="357188"/>
-            <a:r>
-              <a:rPr lang="es-ES" sz="1600" dirty="0">
-                <a:latin typeface="Calibri" panose="020F0502020204030204" pitchFamily="34" charset="0"/>
-                <a:cs typeface="Calibri" panose="020F0502020204030204" pitchFamily="34" charset="0"/>
-              </a:rPr>
-              <a:t>$$POROSITY_SOLID</a:t>
-            </a:r>
-          </a:p>
-          <a:p>
-            <a:pPr indent="357188"/>
-            <a:r>
-              <a:rPr lang="es-ES" sz="1600" dirty="0">
-                <a:latin typeface="Calibri" panose="020F0502020204030204" pitchFamily="34" charset="0"/>
-                <a:cs typeface="Calibri" panose="020F0502020204030204" pitchFamily="34" charset="0"/>
-              </a:rPr>
-              <a:t>0</a:t>
-            </a:r>
-          </a:p>
-          <a:p>
-            <a:pPr indent="357188"/>
-            <a:r>
-              <a:rPr lang="es-ES" sz="1600" dirty="0">
-                <a:latin typeface="Calibri" panose="020F0502020204030204" pitchFamily="34" charset="0"/>
-                <a:cs typeface="Calibri" panose="020F0502020204030204" pitchFamily="34" charset="0"/>
-              </a:rPr>
-              <a:t>$$DENSITY_SOLID</a:t>
-            </a:r>
-          </a:p>
-          <a:p>
-            <a:pPr indent="357188"/>
-            <a:r>
-              <a:rPr lang="es-ES" sz="1600" dirty="0">
-                <a:latin typeface="Calibri" panose="020F0502020204030204" pitchFamily="34" charset="0"/>
-                <a:cs typeface="Calibri" panose="020F0502020204030204" pitchFamily="34" charset="0"/>
-              </a:rPr>
-              <a:t>0</a:t>
-            </a:r>
-          </a:p>
-          <a:p>
-            <a:pPr indent="357188"/>
-            <a:r>
-              <a:rPr lang="es-ES" sz="1600" dirty="0">
-                <a:latin typeface="Calibri" panose="020F0502020204030204" pitchFamily="34" charset="0"/>
-                <a:cs typeface="Calibri" panose="020F0502020204030204" pitchFamily="34" charset="0"/>
-              </a:rPr>
-              <a:t>$$DENSITY_LIQUID</a:t>
-            </a:r>
-          </a:p>
-          <a:p>
-            <a:pPr indent="357188"/>
-            <a:r>
-              <a:rPr lang="es-ES" sz="1600" dirty="0">
-                <a:latin typeface="Calibri" panose="020F0502020204030204" pitchFamily="34" charset="0"/>
-                <a:cs typeface="Calibri" panose="020F0502020204030204" pitchFamily="34" charset="0"/>
-              </a:rPr>
-              <a:t>0</a:t>
-            </a:r>
-          </a:p>
-          <a:p>
-            <a:pPr indent="357188"/>
-            <a:r>
-              <a:rPr lang="es-ES" sz="1600" dirty="0">
-                <a:latin typeface="Calibri" panose="020F0502020204030204" pitchFamily="34" charset="0"/>
-                <a:cs typeface="Calibri" panose="020F0502020204030204" pitchFamily="34" charset="0"/>
-              </a:rPr>
-              <a:t>$$K0_VALUE_SOLID</a:t>
-            </a:r>
-          </a:p>
-          <a:p>
-            <a:pPr indent="357188"/>
-            <a:r>
-              <a:rPr lang="es-ES" sz="1600" dirty="0" smtClean="0">
-                <a:latin typeface="Calibri" panose="020F0502020204030204" pitchFamily="34" charset="0"/>
-                <a:cs typeface="Calibri" panose="020F0502020204030204" pitchFamily="34" charset="0"/>
-              </a:rPr>
-              <a:t>0</a:t>
-            </a:r>
-            <a:endParaRPr lang="es-ES" sz="1600" dirty="0">
+            <a:pPr marL="342900" indent="-342900">
+              <a:lnSpc>
+                <a:spcPct val="150000"/>
+              </a:lnSpc>
+              <a:buFont typeface="+mj-lt"/>
+              <a:buAutoNum type="arabicPeriod"/>
+            </a:pPr>
+            <a:r>
+              <a:rPr lang="es-ES" dirty="0" smtClean="0">
+                <a:latin typeface="Calibri" panose="020F0502020204030204" pitchFamily="34" charset="0"/>
+                <a:cs typeface="Calibri" panose="020F0502020204030204" pitchFamily="34" charset="0"/>
+              </a:rPr>
+              <a:t>unsaturated_material_2phase_suction</a:t>
+            </a:r>
+          </a:p>
+          <a:p>
+            <a:pPr marL="342900" indent="-342900">
+              <a:lnSpc>
+                <a:spcPct val="150000"/>
+              </a:lnSpc>
+              <a:buFont typeface="+mj-lt"/>
+              <a:buAutoNum type="arabicPeriod"/>
+            </a:pPr>
+            <a:r>
+              <a:rPr lang="es-ES" dirty="0" smtClean="0">
+                <a:latin typeface="Calibri" panose="020F0502020204030204" pitchFamily="34" charset="0"/>
+                <a:cs typeface="Calibri" panose="020F0502020204030204" pitchFamily="34" charset="0"/>
+              </a:rPr>
+              <a:t>unsaturated_material_3phase_coupled</a:t>
+            </a:r>
+          </a:p>
+          <a:p>
+            <a:pPr marL="342900" indent="-342900">
+              <a:lnSpc>
+                <a:spcPct val="150000"/>
+              </a:lnSpc>
+              <a:buFont typeface="+mj-lt"/>
+              <a:buAutoNum type="arabicPeriod"/>
+            </a:pPr>
+            <a:r>
+              <a:rPr lang="es-ES" dirty="0" err="1" smtClean="0">
+                <a:latin typeface="Calibri" panose="020F0502020204030204" pitchFamily="34" charset="0"/>
+                <a:cs typeface="Calibri" panose="020F0502020204030204" pitchFamily="34" charset="0"/>
+              </a:rPr>
+              <a:t>Liquid</a:t>
+            </a:r>
+            <a:endParaRPr lang="es-ES" dirty="0">
               <a:latin typeface="Calibri" panose="020F0502020204030204" pitchFamily="34" charset="0"/>
               <a:cs typeface="Calibri" panose="020F0502020204030204" pitchFamily="34" charset="0"/>
             </a:endParaRPr>
@@ -21001,7 +20672,7 @@
     </p:spTree>
     <p:extLst>
       <p:ext uri="{BB962C8B-B14F-4D97-AF65-F5344CB8AC3E}">
-        <p14:creationId xmlns:p14="http://schemas.microsoft.com/office/powerpoint/2010/main" val="547195375"/>
+        <p14:creationId xmlns:p14="http://schemas.microsoft.com/office/powerpoint/2010/main" val="1659223403"/>
       </p:ext>
     </p:extLst>
   </p:cSld>
@@ -21037,247 +20708,6 @@
       </p:grpSpPr>
       <p:sp>
         <p:nvSpPr>
-          <p:cNvPr id="3" name="Rectangle 2"/>
-          <p:cNvSpPr/>
-          <p:nvPr/>
-        </p:nvSpPr>
-        <p:spPr>
-          <a:xfrm>
-            <a:off x="340449" y="983978"/>
-            <a:ext cx="3505995" cy="4031873"/>
-          </a:xfrm>
-          <a:prstGeom prst="rect">
-            <a:avLst/>
-          </a:prstGeom>
-        </p:spPr>
-        <p:txBody>
-          <a:bodyPr wrap="square">
-            <a:spAutoFit/>
-          </a:bodyPr>
-          <a:lstStyle/>
-          <a:p>
-            <a:r>
-              <a:rPr lang="es-ES" sz="1600" dirty="0" smtClean="0">
-                <a:latin typeface="Calibri" panose="020F0502020204030204" pitchFamily="34" charset="0"/>
-                <a:cs typeface="Calibri" panose="020F0502020204030204" pitchFamily="34" charset="0"/>
-              </a:rPr>
-              <a:t>5.   $$</a:t>
-            </a:r>
-            <a:r>
-              <a:rPr lang="es-ES" sz="1600" dirty="0">
-                <a:latin typeface="Calibri" panose="020F0502020204030204" pitchFamily="34" charset="0"/>
-                <a:cs typeface="Calibri" panose="020F0502020204030204" pitchFamily="34" charset="0"/>
-              </a:rPr>
-              <a:t>MATERIAL_TYPE</a:t>
-            </a:r>
-          </a:p>
-          <a:p>
-            <a:pPr indent="357188"/>
-            <a:r>
-              <a:rPr lang="es-ES" sz="1600" dirty="0" err="1">
-                <a:latin typeface="Calibri" panose="020F0502020204030204" pitchFamily="34" charset="0"/>
-                <a:cs typeface="Calibri" panose="020F0502020204030204" pitchFamily="34" charset="0"/>
-              </a:rPr>
-              <a:t>saturated_material_coupled</a:t>
-            </a:r>
-            <a:endParaRPr lang="es-ES" sz="1600" dirty="0">
-              <a:latin typeface="Calibri" panose="020F0502020204030204" pitchFamily="34" charset="0"/>
-              <a:cs typeface="Calibri" panose="020F0502020204030204" pitchFamily="34" charset="0"/>
-            </a:endParaRPr>
-          </a:p>
-          <a:p>
-            <a:pPr indent="357188"/>
-            <a:r>
-              <a:rPr lang="es-ES" sz="1600" dirty="0">
-                <a:latin typeface="Calibri" panose="020F0502020204030204" pitchFamily="34" charset="0"/>
-                <a:cs typeface="Calibri" panose="020F0502020204030204" pitchFamily="34" charset="0"/>
-              </a:rPr>
-              <a:t>$$</a:t>
-            </a:r>
-            <a:r>
-              <a:rPr lang="es-ES" sz="1600" dirty="0" smtClean="0">
-                <a:latin typeface="Calibri" panose="020F0502020204030204" pitchFamily="34" charset="0"/>
-                <a:cs typeface="Calibri" panose="020F0502020204030204" pitchFamily="34" charset="0"/>
-              </a:rPr>
-              <a:t>POROSITY_SOLID</a:t>
-            </a:r>
-          </a:p>
-          <a:p>
-            <a:pPr indent="357188"/>
-            <a:r>
-              <a:rPr lang="es-ES" sz="1600" dirty="0">
-                <a:latin typeface="Calibri" panose="020F0502020204030204" pitchFamily="34" charset="0"/>
-                <a:cs typeface="Calibri" panose="020F0502020204030204" pitchFamily="34" charset="0"/>
-              </a:rPr>
-              <a:t>0</a:t>
-            </a:r>
-          </a:p>
-          <a:p>
-            <a:pPr indent="357188"/>
-            <a:r>
-              <a:rPr lang="es-ES" sz="1600" dirty="0">
-                <a:latin typeface="Calibri" panose="020F0502020204030204" pitchFamily="34" charset="0"/>
-                <a:cs typeface="Calibri" panose="020F0502020204030204" pitchFamily="34" charset="0"/>
-              </a:rPr>
-              <a:t>$$</a:t>
-            </a:r>
-            <a:r>
-              <a:rPr lang="es-ES" sz="1600" dirty="0" smtClean="0">
-                <a:latin typeface="Calibri" panose="020F0502020204030204" pitchFamily="34" charset="0"/>
-                <a:cs typeface="Calibri" panose="020F0502020204030204" pitchFamily="34" charset="0"/>
-              </a:rPr>
-              <a:t>DENSITY_SOLID</a:t>
-            </a:r>
-          </a:p>
-          <a:p>
-            <a:pPr indent="357188"/>
-            <a:r>
-              <a:rPr lang="es-ES" sz="1600" dirty="0">
-                <a:latin typeface="Calibri" panose="020F0502020204030204" pitchFamily="34" charset="0"/>
-                <a:cs typeface="Calibri" panose="020F0502020204030204" pitchFamily="34" charset="0"/>
-              </a:rPr>
-              <a:t>0</a:t>
-            </a:r>
-          </a:p>
-          <a:p>
-            <a:pPr indent="357188"/>
-            <a:r>
-              <a:rPr lang="es-ES" sz="1600" dirty="0">
-                <a:latin typeface="Calibri" panose="020F0502020204030204" pitchFamily="34" charset="0"/>
-                <a:cs typeface="Calibri" panose="020F0502020204030204" pitchFamily="34" charset="0"/>
-              </a:rPr>
-              <a:t>$$</a:t>
-            </a:r>
-            <a:r>
-              <a:rPr lang="es-ES" sz="1600" dirty="0" smtClean="0">
-                <a:latin typeface="Calibri" panose="020F0502020204030204" pitchFamily="34" charset="0"/>
-                <a:cs typeface="Calibri" panose="020F0502020204030204" pitchFamily="34" charset="0"/>
-              </a:rPr>
-              <a:t>DENSITY_LIQUID</a:t>
-            </a:r>
-          </a:p>
-          <a:p>
-            <a:pPr indent="357188"/>
-            <a:r>
-              <a:rPr lang="es-ES" sz="1600" dirty="0">
-                <a:latin typeface="Calibri" panose="020F0502020204030204" pitchFamily="34" charset="0"/>
-                <a:cs typeface="Calibri" panose="020F0502020204030204" pitchFamily="34" charset="0"/>
-              </a:rPr>
-              <a:t>0</a:t>
-            </a:r>
-          </a:p>
-          <a:p>
-            <a:pPr indent="357188"/>
-            <a:r>
-              <a:rPr lang="es-ES" sz="1600" dirty="0">
-                <a:latin typeface="Calibri" panose="020F0502020204030204" pitchFamily="34" charset="0"/>
-                <a:cs typeface="Calibri" panose="020F0502020204030204" pitchFamily="34" charset="0"/>
-              </a:rPr>
-              <a:t>$$</a:t>
-            </a:r>
-            <a:r>
-              <a:rPr lang="es-ES" sz="1600" dirty="0" smtClean="0">
-                <a:latin typeface="Calibri" panose="020F0502020204030204" pitchFamily="34" charset="0"/>
-                <a:cs typeface="Calibri" panose="020F0502020204030204" pitchFamily="34" charset="0"/>
-              </a:rPr>
-              <a:t>INTRINSIC_PERMEABILITY_LIQUD</a:t>
-            </a:r>
-          </a:p>
-          <a:p>
-            <a:pPr indent="357188"/>
-            <a:r>
-              <a:rPr lang="es-ES" sz="1600" dirty="0">
-                <a:latin typeface="Calibri" panose="020F0502020204030204" pitchFamily="34" charset="0"/>
-                <a:cs typeface="Calibri" panose="020F0502020204030204" pitchFamily="34" charset="0"/>
-              </a:rPr>
-              <a:t>0</a:t>
-            </a:r>
-          </a:p>
-          <a:p>
-            <a:pPr indent="357188"/>
-            <a:r>
-              <a:rPr lang="es-ES" sz="1600" dirty="0">
-                <a:latin typeface="Calibri" panose="020F0502020204030204" pitchFamily="34" charset="0"/>
-                <a:cs typeface="Calibri" panose="020F0502020204030204" pitchFamily="34" charset="0"/>
-              </a:rPr>
-              <a:t>$$</a:t>
-            </a:r>
-            <a:r>
-              <a:rPr lang="es-ES" sz="1600" dirty="0" smtClean="0">
-                <a:latin typeface="Calibri" panose="020F0502020204030204" pitchFamily="34" charset="0"/>
-                <a:cs typeface="Calibri" panose="020F0502020204030204" pitchFamily="34" charset="0"/>
-              </a:rPr>
-              <a:t>BULK_MODULUS_LIQUID</a:t>
-            </a:r>
-          </a:p>
-          <a:p>
-            <a:pPr indent="357188"/>
-            <a:r>
-              <a:rPr lang="es-ES" sz="1600" dirty="0">
-                <a:latin typeface="Calibri" panose="020F0502020204030204" pitchFamily="34" charset="0"/>
-                <a:cs typeface="Calibri" panose="020F0502020204030204" pitchFamily="34" charset="0"/>
-              </a:rPr>
-              <a:t>0</a:t>
-            </a:r>
-          </a:p>
-          <a:p>
-            <a:pPr indent="357188"/>
-            <a:r>
-              <a:rPr lang="es-ES" sz="1600" dirty="0">
-                <a:latin typeface="Calibri" panose="020F0502020204030204" pitchFamily="34" charset="0"/>
-                <a:cs typeface="Calibri" panose="020F0502020204030204" pitchFamily="34" charset="0"/>
-              </a:rPr>
-              <a:t>$$</a:t>
-            </a:r>
-            <a:r>
-              <a:rPr lang="es-ES" sz="1600" dirty="0" smtClean="0">
-                <a:latin typeface="Calibri" panose="020F0502020204030204" pitchFamily="34" charset="0"/>
-                <a:cs typeface="Calibri" panose="020F0502020204030204" pitchFamily="34" charset="0"/>
-              </a:rPr>
-              <a:t>DYNAMIC_VISCOSITY_LIQUID</a:t>
-            </a:r>
-          </a:p>
-          <a:p>
-            <a:pPr indent="357188"/>
-            <a:r>
-              <a:rPr lang="es-ES" sz="1600" dirty="0">
-                <a:latin typeface="Calibri" panose="020F0502020204030204" pitchFamily="34" charset="0"/>
-                <a:cs typeface="Calibri" panose="020F0502020204030204" pitchFamily="34" charset="0"/>
-              </a:rPr>
-              <a:t>0</a:t>
-            </a:r>
-          </a:p>
-          <a:p>
-            <a:pPr indent="357188"/>
-            <a:r>
-              <a:rPr lang="es-ES" sz="1600" dirty="0">
-                <a:latin typeface="Calibri" panose="020F0502020204030204" pitchFamily="34" charset="0"/>
-                <a:cs typeface="Calibri" panose="020F0502020204030204" pitchFamily="34" charset="0"/>
-              </a:rPr>
-              <a:t>$$</a:t>
-            </a:r>
-            <a:r>
-              <a:rPr lang="es-ES" sz="1600" dirty="0" smtClean="0">
-                <a:latin typeface="Calibri" panose="020F0502020204030204" pitchFamily="34" charset="0"/>
-                <a:cs typeface="Calibri" panose="020F0502020204030204" pitchFamily="34" charset="0"/>
-              </a:rPr>
-              <a:t>K0_VALUE_SOLID</a:t>
-            </a:r>
-          </a:p>
-          <a:p>
-            <a:pPr indent="357188"/>
-            <a:r>
-              <a:rPr lang="es-ES" sz="1600" dirty="0">
-                <a:latin typeface="Calibri" panose="020F0502020204030204" pitchFamily="34" charset="0"/>
-                <a:cs typeface="Calibri" panose="020F0502020204030204" pitchFamily="34" charset="0"/>
-              </a:rPr>
-              <a:t>0</a:t>
-            </a:r>
-          </a:p>
-        </p:txBody>
-      </p:sp>
-      <p:sp>
-        <p:nvSpPr>
           <p:cNvPr id="2" name="Title 1"/>
           <p:cNvSpPr>
             <a:spLocks noGrp="1"/>
@@ -21300,10 +20730,566 @@
           </a:p>
         </p:txBody>
       </p:sp>
+      <p:sp>
+        <p:nvSpPr>
+          <p:cNvPr id="3" name="Rectangle 2"/>
+          <p:cNvSpPr/>
+          <p:nvPr/>
+        </p:nvSpPr>
+        <p:spPr>
+          <a:xfrm>
+            <a:off x="320576" y="983978"/>
+            <a:ext cx="3297273" cy="5170646"/>
+          </a:xfrm>
+          <a:prstGeom prst="rect">
+            <a:avLst/>
+          </a:prstGeom>
+        </p:spPr>
+        <p:txBody>
+          <a:bodyPr wrap="square">
+            <a:spAutoFit/>
+          </a:bodyPr>
+          <a:lstStyle/>
+          <a:p>
+            <a:pPr marL="342900" indent="-342900">
+              <a:buFont typeface="+mj-lt"/>
+              <a:buAutoNum type="arabicPeriod"/>
+            </a:pPr>
+            <a:r>
+              <a:rPr lang="es-ES" sz="1600" dirty="0" smtClean="0">
+                <a:latin typeface="Calibri" panose="020F0502020204030204" pitchFamily="34" charset="0"/>
+                <a:cs typeface="Calibri" panose="020F0502020204030204" pitchFamily="34" charset="0"/>
+              </a:rPr>
+              <a:t>$$</a:t>
+            </a:r>
+            <a:r>
+              <a:rPr lang="es-ES" sz="1600" dirty="0">
+                <a:latin typeface="Calibri" panose="020F0502020204030204" pitchFamily="34" charset="0"/>
+                <a:cs typeface="Calibri" panose="020F0502020204030204" pitchFamily="34" charset="0"/>
+              </a:rPr>
+              <a:t>MATERIAL_TYPE</a:t>
+            </a:r>
+          </a:p>
+          <a:p>
+            <a:pPr indent="357188"/>
+            <a:r>
+              <a:rPr lang="es-ES" sz="1600" dirty="0" err="1" smtClean="0">
+                <a:latin typeface="Calibri" panose="020F0502020204030204" pitchFamily="34" charset="0"/>
+                <a:cs typeface="Calibri" panose="020F0502020204030204" pitchFamily="34" charset="0"/>
+              </a:rPr>
+              <a:t>dry_material</a:t>
+            </a:r>
+            <a:endParaRPr lang="es-ES" sz="1600" dirty="0" smtClean="0">
+              <a:latin typeface="Calibri" panose="020F0502020204030204" pitchFamily="34" charset="0"/>
+              <a:cs typeface="Calibri" panose="020F0502020204030204" pitchFamily="34" charset="0"/>
+            </a:endParaRPr>
+          </a:p>
+          <a:p>
+            <a:pPr indent="357188"/>
+            <a:r>
+              <a:rPr lang="es-ES" sz="1600" dirty="0">
+                <a:latin typeface="Calibri" panose="020F0502020204030204" pitchFamily="34" charset="0"/>
+                <a:cs typeface="Calibri" panose="020F0502020204030204" pitchFamily="34" charset="0"/>
+              </a:rPr>
+              <a:t>$$</a:t>
+            </a:r>
+            <a:r>
+              <a:rPr lang="es-ES" sz="1600" dirty="0" smtClean="0">
+                <a:latin typeface="Calibri" panose="020F0502020204030204" pitchFamily="34" charset="0"/>
+                <a:cs typeface="Calibri" panose="020F0502020204030204" pitchFamily="34" charset="0"/>
+              </a:rPr>
+              <a:t>POROSITY_SOLID</a:t>
+            </a:r>
+          </a:p>
+          <a:p>
+            <a:pPr indent="357188"/>
+            <a:r>
+              <a:rPr lang="es-ES" sz="1600" dirty="0">
+                <a:latin typeface="Calibri" panose="020F0502020204030204" pitchFamily="34" charset="0"/>
+                <a:cs typeface="Calibri" panose="020F0502020204030204" pitchFamily="34" charset="0"/>
+              </a:rPr>
+              <a:t>0</a:t>
+            </a:r>
+          </a:p>
+          <a:p>
+            <a:pPr indent="357188"/>
+            <a:r>
+              <a:rPr lang="es-ES" sz="1600" dirty="0">
+                <a:latin typeface="Calibri" panose="020F0502020204030204" pitchFamily="34" charset="0"/>
+                <a:cs typeface="Calibri" panose="020F0502020204030204" pitchFamily="34" charset="0"/>
+              </a:rPr>
+              <a:t>$$</a:t>
+            </a:r>
+            <a:r>
+              <a:rPr lang="es-ES" sz="1600" dirty="0" smtClean="0">
+                <a:latin typeface="Calibri" panose="020F0502020204030204" pitchFamily="34" charset="0"/>
+                <a:cs typeface="Calibri" panose="020F0502020204030204" pitchFamily="34" charset="0"/>
+              </a:rPr>
+              <a:t>DENSITY_SOLID</a:t>
+            </a:r>
+          </a:p>
+          <a:p>
+            <a:pPr indent="357188"/>
+            <a:r>
+              <a:rPr lang="es-ES" sz="1600" dirty="0">
+                <a:latin typeface="Calibri" panose="020F0502020204030204" pitchFamily="34" charset="0"/>
+                <a:cs typeface="Calibri" panose="020F0502020204030204" pitchFamily="34" charset="0"/>
+              </a:rPr>
+              <a:t>0</a:t>
+            </a:r>
+          </a:p>
+          <a:p>
+            <a:pPr indent="357188"/>
+            <a:r>
+              <a:rPr lang="es-ES" sz="1600" dirty="0">
+                <a:latin typeface="Calibri" panose="020F0502020204030204" pitchFamily="34" charset="0"/>
+                <a:cs typeface="Calibri" panose="020F0502020204030204" pitchFamily="34" charset="0"/>
+              </a:rPr>
+              <a:t>$$</a:t>
+            </a:r>
+            <a:r>
+              <a:rPr lang="es-ES" sz="1600" dirty="0" smtClean="0">
+                <a:latin typeface="Calibri" panose="020F0502020204030204" pitchFamily="34" charset="0"/>
+                <a:cs typeface="Calibri" panose="020F0502020204030204" pitchFamily="34" charset="0"/>
+              </a:rPr>
+              <a:t>K0_VALUE_SOLID</a:t>
+            </a:r>
+          </a:p>
+          <a:p>
+            <a:pPr indent="357188"/>
+            <a:r>
+              <a:rPr lang="es-ES" sz="1600" dirty="0" smtClean="0">
+                <a:latin typeface="Calibri" panose="020F0502020204030204" pitchFamily="34" charset="0"/>
+                <a:cs typeface="Calibri" panose="020F0502020204030204" pitchFamily="34" charset="0"/>
+              </a:rPr>
+              <a:t>0</a:t>
+            </a:r>
+          </a:p>
+          <a:p>
+            <a:pPr indent="357188"/>
+            <a:endParaRPr lang="es-ES" sz="1600" dirty="0">
+              <a:latin typeface="Calibri" panose="020F0502020204030204" pitchFamily="34" charset="0"/>
+              <a:cs typeface="Calibri" panose="020F0502020204030204" pitchFamily="34" charset="0"/>
+            </a:endParaRPr>
+          </a:p>
+          <a:p>
+            <a:r>
+              <a:rPr lang="es-ES" sz="1600" dirty="0" smtClean="0">
+                <a:latin typeface="Calibri" panose="020F0502020204030204" pitchFamily="34" charset="0"/>
+                <a:cs typeface="Calibri" panose="020F0502020204030204" pitchFamily="34" charset="0"/>
+              </a:rPr>
+              <a:t>2.   $$</a:t>
+            </a:r>
+            <a:r>
+              <a:rPr lang="es-ES" sz="1600" dirty="0">
+                <a:latin typeface="Calibri" panose="020F0502020204030204" pitchFamily="34" charset="0"/>
+                <a:cs typeface="Calibri" panose="020F0502020204030204" pitchFamily="34" charset="0"/>
+              </a:rPr>
+              <a:t>MATERIAL_TYPE</a:t>
+            </a:r>
+          </a:p>
+          <a:p>
+            <a:pPr indent="357188"/>
+            <a:r>
+              <a:rPr lang="es-ES" sz="1600" dirty="0" err="1">
+                <a:latin typeface="Calibri" panose="020F0502020204030204" pitchFamily="34" charset="0"/>
+                <a:cs typeface="Calibri" panose="020F0502020204030204" pitchFamily="34" charset="0"/>
+              </a:rPr>
+              <a:t>saturated_material_drained</a:t>
+            </a:r>
+            <a:endParaRPr lang="es-ES" sz="1600" dirty="0">
+              <a:latin typeface="Calibri" panose="020F0502020204030204" pitchFamily="34" charset="0"/>
+              <a:cs typeface="Calibri" panose="020F0502020204030204" pitchFamily="34" charset="0"/>
+            </a:endParaRPr>
+          </a:p>
+          <a:p>
+            <a:pPr indent="357188"/>
+            <a:r>
+              <a:rPr lang="es-ES" sz="1600" dirty="0">
+                <a:latin typeface="Calibri" panose="020F0502020204030204" pitchFamily="34" charset="0"/>
+                <a:cs typeface="Calibri" panose="020F0502020204030204" pitchFamily="34" charset="0"/>
+              </a:rPr>
+              <a:t>$$POROSITY_SOLID</a:t>
+            </a:r>
+          </a:p>
+          <a:p>
+            <a:pPr indent="357188"/>
+            <a:r>
+              <a:rPr lang="es-ES" sz="1600" dirty="0">
+                <a:latin typeface="Calibri" panose="020F0502020204030204" pitchFamily="34" charset="0"/>
+                <a:cs typeface="Calibri" panose="020F0502020204030204" pitchFamily="34" charset="0"/>
+              </a:rPr>
+              <a:t>0</a:t>
+            </a:r>
+          </a:p>
+          <a:p>
+            <a:pPr indent="357188"/>
+            <a:r>
+              <a:rPr lang="es-ES" sz="1600" dirty="0">
+                <a:latin typeface="Calibri" panose="020F0502020204030204" pitchFamily="34" charset="0"/>
+                <a:cs typeface="Calibri" panose="020F0502020204030204" pitchFamily="34" charset="0"/>
+              </a:rPr>
+              <a:t>$$DENSITY_SOLID</a:t>
+            </a:r>
+          </a:p>
+          <a:p>
+            <a:pPr indent="357188"/>
+            <a:r>
+              <a:rPr lang="es-ES" sz="1600" dirty="0">
+                <a:latin typeface="Calibri" panose="020F0502020204030204" pitchFamily="34" charset="0"/>
+                <a:cs typeface="Calibri" panose="020F0502020204030204" pitchFamily="34" charset="0"/>
+              </a:rPr>
+              <a:t>0</a:t>
+            </a:r>
+          </a:p>
+          <a:p>
+            <a:pPr indent="357188"/>
+            <a:r>
+              <a:rPr lang="es-ES" sz="1600" dirty="0">
+                <a:latin typeface="Calibri" panose="020F0502020204030204" pitchFamily="34" charset="0"/>
+                <a:cs typeface="Calibri" panose="020F0502020204030204" pitchFamily="34" charset="0"/>
+              </a:rPr>
+              <a:t>$$DENSITY_LIQUID</a:t>
+            </a:r>
+          </a:p>
+          <a:p>
+            <a:pPr indent="357188"/>
+            <a:r>
+              <a:rPr lang="es-ES" sz="1600" dirty="0">
+                <a:latin typeface="Calibri" panose="020F0502020204030204" pitchFamily="34" charset="0"/>
+                <a:cs typeface="Calibri" panose="020F0502020204030204" pitchFamily="34" charset="0"/>
+              </a:rPr>
+              <a:t>0</a:t>
+            </a:r>
+          </a:p>
+          <a:p>
+            <a:pPr indent="357188"/>
+            <a:r>
+              <a:rPr lang="es-ES" sz="1600" dirty="0">
+                <a:latin typeface="Calibri" panose="020F0502020204030204" pitchFamily="34" charset="0"/>
+                <a:cs typeface="Calibri" panose="020F0502020204030204" pitchFamily="34" charset="0"/>
+              </a:rPr>
+              <a:t>$$K0_VALUE_SOLID</a:t>
+            </a:r>
+          </a:p>
+          <a:p>
+            <a:pPr indent="357188"/>
+            <a:r>
+              <a:rPr lang="es-ES" sz="1600" dirty="0">
+                <a:latin typeface="Calibri" panose="020F0502020204030204" pitchFamily="34" charset="0"/>
+                <a:cs typeface="Calibri" panose="020F0502020204030204" pitchFamily="34" charset="0"/>
+              </a:rPr>
+              <a:t>0</a:t>
+            </a:r>
+          </a:p>
+          <a:p>
+            <a:pPr indent="357188"/>
+            <a:endParaRPr lang="es-ES" sz="1600" dirty="0">
+              <a:latin typeface="Calibri" panose="020F0502020204030204" pitchFamily="34" charset="0"/>
+              <a:cs typeface="Calibri" panose="020F0502020204030204" pitchFamily="34" charset="0"/>
+            </a:endParaRPr>
+          </a:p>
+        </p:txBody>
+      </p:sp>
+      <p:sp>
+        <p:nvSpPr>
+          <p:cNvPr id="4" name="Rectangle 3"/>
+          <p:cNvSpPr/>
+          <p:nvPr/>
+        </p:nvSpPr>
+        <p:spPr>
+          <a:xfrm>
+            <a:off x="4482548" y="989743"/>
+            <a:ext cx="3973135" cy="5386090"/>
+          </a:xfrm>
+          <a:prstGeom prst="rect">
+            <a:avLst/>
+          </a:prstGeom>
+        </p:spPr>
+        <p:txBody>
+          <a:bodyPr wrap="square">
+            <a:spAutoFit/>
+          </a:bodyPr>
+          <a:lstStyle/>
+          <a:p>
+            <a:r>
+              <a:rPr lang="es-ES" sz="1600" dirty="0" smtClean="0">
+                <a:latin typeface="Calibri" panose="020F0502020204030204" pitchFamily="34" charset="0"/>
+                <a:cs typeface="Calibri" panose="020F0502020204030204" pitchFamily="34" charset="0"/>
+              </a:rPr>
+              <a:t>3.   $$</a:t>
+            </a:r>
+            <a:r>
+              <a:rPr lang="es-ES" sz="1600" dirty="0">
+                <a:latin typeface="Calibri" panose="020F0502020204030204" pitchFamily="34" charset="0"/>
+                <a:cs typeface="Calibri" panose="020F0502020204030204" pitchFamily="34" charset="0"/>
+              </a:rPr>
+              <a:t>MATERIAL_TYPE</a:t>
+            </a:r>
+          </a:p>
+          <a:p>
+            <a:pPr indent="357188"/>
+            <a:r>
+              <a:rPr lang="es-ES" sz="1600" dirty="0" err="1">
+                <a:latin typeface="Calibri" panose="020F0502020204030204" pitchFamily="34" charset="0"/>
+                <a:cs typeface="Calibri" panose="020F0502020204030204" pitchFamily="34" charset="0"/>
+              </a:rPr>
+              <a:t>saturated_material_undrained_effective</a:t>
+            </a:r>
+            <a:endParaRPr lang="es-ES" sz="1600" dirty="0">
+              <a:latin typeface="Calibri" panose="020F0502020204030204" pitchFamily="34" charset="0"/>
+              <a:cs typeface="Calibri" panose="020F0502020204030204" pitchFamily="34" charset="0"/>
+            </a:endParaRPr>
+          </a:p>
+          <a:p>
+            <a:pPr indent="357188"/>
+            <a:r>
+              <a:rPr lang="es-ES" sz="1600" dirty="0">
+                <a:latin typeface="Calibri" panose="020F0502020204030204" pitchFamily="34" charset="0"/>
+                <a:cs typeface="Calibri" panose="020F0502020204030204" pitchFamily="34" charset="0"/>
+              </a:rPr>
+              <a:t>$$</a:t>
+            </a:r>
+            <a:r>
+              <a:rPr lang="es-ES" sz="1600" dirty="0" smtClean="0">
+                <a:latin typeface="Calibri" panose="020F0502020204030204" pitchFamily="34" charset="0"/>
+                <a:cs typeface="Calibri" panose="020F0502020204030204" pitchFamily="34" charset="0"/>
+              </a:rPr>
+              <a:t>POROSITY_SOLID</a:t>
+            </a:r>
+          </a:p>
+          <a:p>
+            <a:pPr indent="357188"/>
+            <a:r>
+              <a:rPr lang="es-ES" sz="1600" dirty="0">
+                <a:latin typeface="Calibri" panose="020F0502020204030204" pitchFamily="34" charset="0"/>
+                <a:cs typeface="Calibri" panose="020F0502020204030204" pitchFamily="34" charset="0"/>
+              </a:rPr>
+              <a:t>0</a:t>
+            </a:r>
+          </a:p>
+          <a:p>
+            <a:pPr indent="357188"/>
+            <a:r>
+              <a:rPr lang="es-ES" sz="1600" dirty="0">
+                <a:latin typeface="Calibri" panose="020F0502020204030204" pitchFamily="34" charset="0"/>
+                <a:cs typeface="Calibri" panose="020F0502020204030204" pitchFamily="34" charset="0"/>
+              </a:rPr>
+              <a:t>$$</a:t>
+            </a:r>
+            <a:r>
+              <a:rPr lang="es-ES" sz="1600" dirty="0" smtClean="0">
+                <a:latin typeface="Calibri" panose="020F0502020204030204" pitchFamily="34" charset="0"/>
+                <a:cs typeface="Calibri" panose="020F0502020204030204" pitchFamily="34" charset="0"/>
+              </a:rPr>
+              <a:t>DENSITY_SOLID</a:t>
+            </a:r>
+          </a:p>
+          <a:p>
+            <a:pPr indent="357188"/>
+            <a:r>
+              <a:rPr lang="es-ES" sz="1600" dirty="0">
+                <a:latin typeface="Calibri" panose="020F0502020204030204" pitchFamily="34" charset="0"/>
+                <a:cs typeface="Calibri" panose="020F0502020204030204" pitchFamily="34" charset="0"/>
+              </a:rPr>
+              <a:t>0</a:t>
+            </a:r>
+          </a:p>
+          <a:p>
+            <a:pPr indent="357188"/>
+            <a:r>
+              <a:rPr lang="es-ES" sz="1600" dirty="0">
+                <a:latin typeface="Calibri" panose="020F0502020204030204" pitchFamily="34" charset="0"/>
+                <a:cs typeface="Calibri" panose="020F0502020204030204" pitchFamily="34" charset="0"/>
+              </a:rPr>
+              <a:t>$$</a:t>
+            </a:r>
+            <a:r>
+              <a:rPr lang="es-ES" sz="1600" dirty="0" smtClean="0">
+                <a:latin typeface="Calibri" panose="020F0502020204030204" pitchFamily="34" charset="0"/>
+                <a:cs typeface="Calibri" panose="020F0502020204030204" pitchFamily="34" charset="0"/>
+              </a:rPr>
+              <a:t>DENSITY_LIQUID</a:t>
+            </a:r>
+          </a:p>
+          <a:p>
+            <a:pPr indent="357188"/>
+            <a:r>
+              <a:rPr lang="es-ES" sz="1600" dirty="0">
+                <a:latin typeface="Calibri" panose="020F0502020204030204" pitchFamily="34" charset="0"/>
+                <a:cs typeface="Calibri" panose="020F0502020204030204" pitchFamily="34" charset="0"/>
+              </a:rPr>
+              <a:t>0</a:t>
+            </a:r>
+          </a:p>
+          <a:p>
+            <a:pPr indent="357188"/>
+            <a:r>
+              <a:rPr lang="es-ES" sz="1600" dirty="0">
+                <a:latin typeface="Calibri" panose="020F0502020204030204" pitchFamily="34" charset="0"/>
+                <a:cs typeface="Calibri" panose="020F0502020204030204" pitchFamily="34" charset="0"/>
+              </a:rPr>
+              <a:t>$$</a:t>
+            </a:r>
+            <a:r>
+              <a:rPr lang="es-ES" sz="1600" dirty="0" smtClean="0">
+                <a:latin typeface="Calibri" panose="020F0502020204030204" pitchFamily="34" charset="0"/>
+                <a:cs typeface="Calibri" panose="020F0502020204030204" pitchFamily="34" charset="0"/>
+              </a:rPr>
+              <a:t>K0_VALUE_SOLID</a:t>
+            </a:r>
+          </a:p>
+          <a:p>
+            <a:pPr indent="357188"/>
+            <a:r>
+              <a:rPr lang="es-ES" sz="1600" dirty="0" smtClean="0">
+                <a:latin typeface="Calibri" panose="020F0502020204030204" pitchFamily="34" charset="0"/>
+                <a:cs typeface="Calibri" panose="020F0502020204030204" pitchFamily="34" charset="0"/>
+              </a:rPr>
+              <a:t>0</a:t>
+            </a:r>
+          </a:p>
+          <a:p>
+            <a:pPr indent="357188"/>
+            <a:endParaRPr lang="es-ES" sz="1600" dirty="0">
+              <a:latin typeface="Calibri" panose="020F0502020204030204" pitchFamily="34" charset="0"/>
+              <a:cs typeface="Calibri" panose="020F0502020204030204" pitchFamily="34" charset="0"/>
+            </a:endParaRPr>
+          </a:p>
+          <a:p>
+            <a:r>
+              <a:rPr lang="es-ES" sz="1600" dirty="0" smtClean="0">
+                <a:latin typeface="Calibri" panose="020F0502020204030204" pitchFamily="34" charset="0"/>
+                <a:cs typeface="Calibri" panose="020F0502020204030204" pitchFamily="34" charset="0"/>
+              </a:rPr>
+              <a:t>4</a:t>
+            </a:r>
+            <a:r>
+              <a:rPr lang="es-ES" sz="1600" dirty="0">
+                <a:latin typeface="Calibri" panose="020F0502020204030204" pitchFamily="34" charset="0"/>
+                <a:cs typeface="Calibri" panose="020F0502020204030204" pitchFamily="34" charset="0"/>
+              </a:rPr>
+              <a:t>. </a:t>
+            </a:r>
+            <a:r>
+              <a:rPr lang="es-ES" sz="1600" dirty="0" smtClean="0">
+                <a:latin typeface="Calibri" panose="020F0502020204030204" pitchFamily="34" charset="0"/>
+                <a:cs typeface="Calibri" panose="020F0502020204030204" pitchFamily="34" charset="0"/>
+              </a:rPr>
+              <a:t>  $$</a:t>
+            </a:r>
+            <a:r>
+              <a:rPr lang="es-ES" sz="1600" dirty="0">
+                <a:latin typeface="Calibri" panose="020F0502020204030204" pitchFamily="34" charset="0"/>
+                <a:cs typeface="Calibri" panose="020F0502020204030204" pitchFamily="34" charset="0"/>
+              </a:rPr>
+              <a:t>MATERIAL_TYPE</a:t>
+            </a:r>
+          </a:p>
+          <a:p>
+            <a:pPr indent="357188"/>
+            <a:r>
+              <a:rPr lang="es-ES" sz="1600" dirty="0" err="1">
+                <a:latin typeface="Calibri" panose="020F0502020204030204" pitchFamily="34" charset="0"/>
+                <a:cs typeface="Calibri" panose="020F0502020204030204" pitchFamily="34" charset="0"/>
+              </a:rPr>
+              <a:t>saturated_material_undrained_total</a:t>
+            </a:r>
+            <a:endParaRPr lang="es-ES" sz="1600" dirty="0">
+              <a:latin typeface="Calibri" panose="020F0502020204030204" pitchFamily="34" charset="0"/>
+              <a:cs typeface="Calibri" panose="020F0502020204030204" pitchFamily="34" charset="0"/>
+            </a:endParaRPr>
+          </a:p>
+          <a:p>
+            <a:pPr indent="357188"/>
+            <a:r>
+              <a:rPr lang="es-ES" sz="1600" dirty="0">
+                <a:latin typeface="Calibri" panose="020F0502020204030204" pitchFamily="34" charset="0"/>
+                <a:cs typeface="Calibri" panose="020F0502020204030204" pitchFamily="34" charset="0"/>
+              </a:rPr>
+              <a:t>$$POROSITY_SOLID</a:t>
+            </a:r>
+          </a:p>
+          <a:p>
+            <a:pPr indent="357188"/>
+            <a:r>
+              <a:rPr lang="es-ES" sz="1600" dirty="0">
+                <a:latin typeface="Calibri" panose="020F0502020204030204" pitchFamily="34" charset="0"/>
+                <a:cs typeface="Calibri" panose="020F0502020204030204" pitchFamily="34" charset="0"/>
+              </a:rPr>
+              <a:t>0</a:t>
+            </a:r>
+          </a:p>
+          <a:p>
+            <a:pPr indent="357188"/>
+            <a:r>
+              <a:rPr lang="es-ES" sz="1600" dirty="0">
+                <a:latin typeface="Calibri" panose="020F0502020204030204" pitchFamily="34" charset="0"/>
+                <a:cs typeface="Calibri" panose="020F0502020204030204" pitchFamily="34" charset="0"/>
+              </a:rPr>
+              <a:t>$$DENSITY_SOLID</a:t>
+            </a:r>
+          </a:p>
+          <a:p>
+            <a:pPr indent="357188"/>
+            <a:r>
+              <a:rPr lang="es-ES" sz="1600" dirty="0">
+                <a:latin typeface="Calibri" panose="020F0502020204030204" pitchFamily="34" charset="0"/>
+                <a:cs typeface="Calibri" panose="020F0502020204030204" pitchFamily="34" charset="0"/>
+              </a:rPr>
+              <a:t>0</a:t>
+            </a:r>
+          </a:p>
+          <a:p>
+            <a:pPr indent="357188"/>
+            <a:r>
+              <a:rPr lang="es-ES" sz="1600" dirty="0">
+                <a:latin typeface="Calibri" panose="020F0502020204030204" pitchFamily="34" charset="0"/>
+                <a:cs typeface="Calibri" panose="020F0502020204030204" pitchFamily="34" charset="0"/>
+              </a:rPr>
+              <a:t>$$DENSITY_LIQUID</a:t>
+            </a:r>
+          </a:p>
+          <a:p>
+            <a:pPr indent="357188"/>
+            <a:r>
+              <a:rPr lang="es-ES" sz="1600" dirty="0">
+                <a:latin typeface="Calibri" panose="020F0502020204030204" pitchFamily="34" charset="0"/>
+                <a:cs typeface="Calibri" panose="020F0502020204030204" pitchFamily="34" charset="0"/>
+              </a:rPr>
+              <a:t>0</a:t>
+            </a:r>
+          </a:p>
+          <a:p>
+            <a:pPr indent="357188"/>
+            <a:r>
+              <a:rPr lang="es-ES" sz="1600" dirty="0">
+                <a:latin typeface="Calibri" panose="020F0502020204030204" pitchFamily="34" charset="0"/>
+                <a:cs typeface="Calibri" panose="020F0502020204030204" pitchFamily="34" charset="0"/>
+              </a:rPr>
+              <a:t>$$K0_VALUE_SOLID</a:t>
+            </a:r>
+          </a:p>
+          <a:p>
+            <a:pPr indent="357188"/>
+            <a:r>
+              <a:rPr lang="es-ES" sz="1600" dirty="0" smtClean="0">
+                <a:latin typeface="Calibri" panose="020F0502020204030204" pitchFamily="34" charset="0"/>
+                <a:cs typeface="Calibri" panose="020F0502020204030204" pitchFamily="34" charset="0"/>
+              </a:rPr>
+              <a:t>0</a:t>
+            </a:r>
+            <a:endParaRPr lang="es-ES" sz="1600" dirty="0">
+              <a:latin typeface="Calibri" panose="020F0502020204030204" pitchFamily="34" charset="0"/>
+              <a:cs typeface="Calibri" panose="020F0502020204030204" pitchFamily="34" charset="0"/>
+            </a:endParaRPr>
+          </a:p>
+        </p:txBody>
+      </p:sp>
     </p:spTree>
     <p:extLst>
       <p:ext uri="{BB962C8B-B14F-4D97-AF65-F5344CB8AC3E}">
-        <p14:creationId xmlns:p14="http://schemas.microsoft.com/office/powerpoint/2010/main" val="1780527497"/>
+        <p14:creationId xmlns:p14="http://schemas.microsoft.com/office/powerpoint/2010/main" val="547195375"/>
       </p:ext>
     </p:extLst>
   </p:cSld>
@@ -21345,8 +21331,8 @@
         </p:nvSpPr>
         <p:spPr>
           <a:xfrm>
-            <a:off x="370265" y="834893"/>
-            <a:ext cx="5742299" cy="4154984"/>
+            <a:off x="340449" y="983978"/>
+            <a:ext cx="3505995" cy="4031873"/>
           </a:xfrm>
           <a:prstGeom prst="rect">
             <a:avLst/>
@@ -21363,7 +21349,7 @@
                 <a:latin typeface="Calibri" panose="020F0502020204030204" pitchFamily="34" charset="0"/>
                 <a:cs typeface="Calibri" panose="020F0502020204030204" pitchFamily="34" charset="0"/>
               </a:rPr>
-              <a:t>6.   $$</a:t>
+              <a:t>5.   $$</a:t>
             </a:r>
             <a:r>
               <a:rPr lang="es-ES" sz="1600" dirty="0">
@@ -21374,267 +21360,80 @@
             </a:r>
           </a:p>
           <a:p>
-            <a:pPr indent="268288"/>
-            <a:r>
-              <a:rPr lang="es-ES" sz="1600" dirty="0">
-                <a:latin typeface="Calibri" panose="020F0502020204030204" pitchFamily="34" charset="0"/>
-                <a:cs typeface="Calibri" panose="020F0502020204030204" pitchFamily="34" charset="0"/>
-              </a:rPr>
-              <a:t>unsaturated_material_2phase_suction</a:t>
-            </a:r>
-          </a:p>
-          <a:p>
-            <a:pPr indent="268288"/>
-            <a:r>
-              <a:rPr lang="es-ES" sz="1600" dirty="0">
-                <a:latin typeface="Calibri" panose="020F0502020204030204" pitchFamily="34" charset="0"/>
-                <a:cs typeface="Calibri" panose="020F0502020204030204" pitchFamily="34" charset="0"/>
-              </a:rPr>
-              <a:t>$$</a:t>
-            </a:r>
-            <a:r>
-              <a:rPr lang="es-ES" sz="1600" dirty="0" smtClean="0">
-                <a:latin typeface="Calibri" panose="020F0502020204030204" pitchFamily="34" charset="0"/>
-                <a:cs typeface="Calibri" panose="020F0502020204030204" pitchFamily="34" charset="0"/>
-              </a:rPr>
-              <a:t>POROSITY_SOLID</a:t>
-            </a:r>
-          </a:p>
-          <a:p>
-            <a:pPr indent="268288"/>
-            <a:r>
-              <a:rPr lang="es-ES" sz="1600" dirty="0">
-                <a:latin typeface="Calibri" panose="020F0502020204030204" pitchFamily="34" charset="0"/>
-                <a:cs typeface="Calibri" panose="020F0502020204030204" pitchFamily="34" charset="0"/>
-              </a:rPr>
-              <a:t>0</a:t>
-            </a:r>
-          </a:p>
-          <a:p>
-            <a:pPr indent="268288"/>
-            <a:r>
-              <a:rPr lang="es-ES" sz="1600" dirty="0">
-                <a:latin typeface="Calibri" panose="020F0502020204030204" pitchFamily="34" charset="0"/>
-                <a:cs typeface="Calibri" panose="020F0502020204030204" pitchFamily="34" charset="0"/>
-              </a:rPr>
-              <a:t>$$</a:t>
-            </a:r>
-            <a:r>
-              <a:rPr lang="es-ES" sz="1600" dirty="0" smtClean="0">
-                <a:latin typeface="Calibri" panose="020F0502020204030204" pitchFamily="34" charset="0"/>
-                <a:cs typeface="Calibri" panose="020F0502020204030204" pitchFamily="34" charset="0"/>
-              </a:rPr>
-              <a:t>DENSITY_SOLID</a:t>
-            </a:r>
-          </a:p>
-          <a:p>
-            <a:pPr indent="268288"/>
-            <a:r>
-              <a:rPr lang="es-ES" sz="1600" dirty="0">
-                <a:latin typeface="Calibri" panose="020F0502020204030204" pitchFamily="34" charset="0"/>
-                <a:cs typeface="Calibri" panose="020F0502020204030204" pitchFamily="34" charset="0"/>
-              </a:rPr>
-              <a:t>0</a:t>
-            </a:r>
-          </a:p>
-          <a:p>
-            <a:pPr indent="268288"/>
-            <a:r>
-              <a:rPr lang="es-ES" sz="1600" dirty="0">
-                <a:latin typeface="Calibri" panose="020F0502020204030204" pitchFamily="34" charset="0"/>
-                <a:cs typeface="Calibri" panose="020F0502020204030204" pitchFamily="34" charset="0"/>
-              </a:rPr>
-              <a:t>$$</a:t>
-            </a:r>
-            <a:r>
-              <a:rPr lang="es-ES" sz="1600" dirty="0" smtClean="0">
-                <a:latin typeface="Calibri" panose="020F0502020204030204" pitchFamily="34" charset="0"/>
-                <a:cs typeface="Calibri" panose="020F0502020204030204" pitchFamily="34" charset="0"/>
-              </a:rPr>
-              <a:t>DENSITY_LIQUID</a:t>
-            </a:r>
-          </a:p>
-          <a:p>
-            <a:pPr indent="268288"/>
-            <a:r>
-              <a:rPr lang="es-ES" sz="1600" dirty="0">
-                <a:latin typeface="Calibri" panose="020F0502020204030204" pitchFamily="34" charset="0"/>
-                <a:cs typeface="Calibri" panose="020F0502020204030204" pitchFamily="34" charset="0"/>
-              </a:rPr>
-              <a:t>0</a:t>
-            </a:r>
-          </a:p>
-          <a:p>
-            <a:pPr indent="268288"/>
-            <a:r>
-              <a:rPr lang="es-ES" sz="1600" dirty="0">
-                <a:latin typeface="Calibri" panose="020F0502020204030204" pitchFamily="34" charset="0"/>
-                <a:cs typeface="Calibri" panose="020F0502020204030204" pitchFamily="34" charset="0"/>
-              </a:rPr>
-              <a:t>$$</a:t>
-            </a:r>
-            <a:r>
-              <a:rPr lang="es-ES" sz="1600" dirty="0" smtClean="0">
-                <a:latin typeface="Calibri" panose="020F0502020204030204" pitchFamily="34" charset="0"/>
-                <a:cs typeface="Calibri" panose="020F0502020204030204" pitchFamily="34" charset="0"/>
-              </a:rPr>
-              <a:t>INTRINSIC_PERMEABILITY_LIQUID</a:t>
-            </a:r>
-          </a:p>
-          <a:p>
-            <a:pPr indent="268288"/>
-            <a:r>
-              <a:rPr lang="es-ES" sz="1600" dirty="0">
-                <a:latin typeface="Calibri" panose="020F0502020204030204" pitchFamily="34" charset="0"/>
-                <a:cs typeface="Calibri" panose="020F0502020204030204" pitchFamily="34" charset="0"/>
-              </a:rPr>
-              <a:t>0</a:t>
-            </a:r>
-          </a:p>
-          <a:p>
-            <a:pPr indent="268288"/>
-            <a:r>
-              <a:rPr lang="es-ES" sz="1600" dirty="0">
-                <a:latin typeface="Calibri" panose="020F0502020204030204" pitchFamily="34" charset="0"/>
-                <a:cs typeface="Calibri" panose="020F0502020204030204" pitchFamily="34" charset="0"/>
-              </a:rPr>
-              <a:t>$$</a:t>
-            </a:r>
-            <a:r>
-              <a:rPr lang="es-ES" sz="1600" dirty="0" smtClean="0">
-                <a:latin typeface="Calibri" panose="020F0502020204030204" pitchFamily="34" charset="0"/>
-                <a:cs typeface="Calibri" panose="020F0502020204030204" pitchFamily="34" charset="0"/>
-              </a:rPr>
-              <a:t>BULK_MODULUS_LIQUID</a:t>
-            </a:r>
-          </a:p>
-          <a:p>
-            <a:pPr indent="268288"/>
-            <a:r>
-              <a:rPr lang="es-ES" sz="1600" dirty="0">
-                <a:latin typeface="Calibri" panose="020F0502020204030204" pitchFamily="34" charset="0"/>
-                <a:cs typeface="Calibri" panose="020F0502020204030204" pitchFamily="34" charset="0"/>
-              </a:rPr>
-              <a:t>0</a:t>
-            </a:r>
-          </a:p>
-          <a:p>
-            <a:pPr indent="268288"/>
-            <a:r>
-              <a:rPr lang="es-ES" sz="1600" dirty="0">
-                <a:latin typeface="Calibri" panose="020F0502020204030204" pitchFamily="34" charset="0"/>
-                <a:cs typeface="Calibri" panose="020F0502020204030204" pitchFamily="34" charset="0"/>
-              </a:rPr>
-              <a:t>$$</a:t>
-            </a:r>
-            <a:r>
-              <a:rPr lang="es-ES" sz="1600" dirty="0" smtClean="0">
-                <a:latin typeface="Calibri" panose="020F0502020204030204" pitchFamily="34" charset="0"/>
-                <a:cs typeface="Calibri" panose="020F0502020204030204" pitchFamily="34" charset="0"/>
-              </a:rPr>
-              <a:t>DYNAMIC_VISCOSITY_LIQUID</a:t>
-            </a:r>
-          </a:p>
-          <a:p>
-            <a:pPr indent="268288"/>
-            <a:r>
-              <a:rPr lang="es-ES" sz="1600" dirty="0">
-                <a:latin typeface="Calibri" panose="020F0502020204030204" pitchFamily="34" charset="0"/>
-                <a:cs typeface="Calibri" panose="020F0502020204030204" pitchFamily="34" charset="0"/>
-              </a:rPr>
-              <a:t>0</a:t>
-            </a:r>
-          </a:p>
-          <a:p>
-            <a:pPr indent="268288"/>
-            <a:r>
-              <a:rPr lang="es-ES" sz="1600" dirty="0">
-                <a:latin typeface="Calibri" panose="020F0502020204030204" pitchFamily="34" charset="0"/>
-                <a:cs typeface="Calibri" panose="020F0502020204030204" pitchFamily="34" charset="0"/>
-              </a:rPr>
-              <a:t>$$</a:t>
-            </a:r>
-            <a:r>
-              <a:rPr lang="es-ES" sz="1600" dirty="0" smtClean="0">
-                <a:latin typeface="Calibri" panose="020F0502020204030204" pitchFamily="34" charset="0"/>
-                <a:cs typeface="Calibri" panose="020F0502020204030204" pitchFamily="34" charset="0"/>
-              </a:rPr>
-              <a:t>K0_VALUE_SOLID</a:t>
-            </a:r>
-          </a:p>
-          <a:p>
-            <a:pPr indent="268288"/>
-            <a:r>
-              <a:rPr lang="es-ES" sz="1600" dirty="0" smtClean="0">
-                <a:latin typeface="Calibri" panose="020F0502020204030204" pitchFamily="34" charset="0"/>
-                <a:cs typeface="Calibri" panose="020F0502020204030204" pitchFamily="34" charset="0"/>
-              </a:rPr>
-              <a:t>0</a:t>
+            <a:pPr indent="357188"/>
+            <a:r>
+              <a:rPr lang="es-ES" sz="1600" dirty="0" err="1">
+                <a:latin typeface="Calibri" panose="020F0502020204030204" pitchFamily="34" charset="0"/>
+                <a:cs typeface="Calibri" panose="020F0502020204030204" pitchFamily="34" charset="0"/>
+              </a:rPr>
+              <a:t>saturated_material_coupled</a:t>
             </a:r>
             <a:endParaRPr lang="es-ES" sz="1600" dirty="0">
               <a:latin typeface="Calibri" panose="020F0502020204030204" pitchFamily="34" charset="0"/>
               <a:cs typeface="Calibri" panose="020F0502020204030204" pitchFamily="34" charset="0"/>
             </a:endParaRPr>
           </a:p>
-        </p:txBody>
-      </p:sp>
-      <p:sp>
-        <p:nvSpPr>
-          <p:cNvPr id="4" name="Rectangle 3"/>
-          <p:cNvSpPr/>
-          <p:nvPr/>
-        </p:nvSpPr>
-        <p:spPr>
-          <a:xfrm>
-            <a:off x="4482548" y="836481"/>
-            <a:ext cx="3846443" cy="6001643"/>
-          </a:xfrm>
-          <a:prstGeom prst="rect">
-            <a:avLst/>
-          </a:prstGeom>
-        </p:spPr>
-        <p:txBody>
-          <a:bodyPr wrap="square">
-            <a:spAutoFit/>
-          </a:bodyPr>
-          <a:lstStyle/>
-          <a:p>
+          <a:p>
+            <a:pPr indent="357188"/>
+            <a:r>
+              <a:rPr lang="es-ES" sz="1600" dirty="0">
+                <a:latin typeface="Calibri" panose="020F0502020204030204" pitchFamily="34" charset="0"/>
+                <a:cs typeface="Calibri" panose="020F0502020204030204" pitchFamily="34" charset="0"/>
+              </a:rPr>
+              <a:t>$$</a:t>
+            </a:r>
             <a:r>
               <a:rPr lang="es-ES" sz="1600" dirty="0" smtClean="0">
                 <a:latin typeface="Calibri" panose="020F0502020204030204" pitchFamily="34" charset="0"/>
                 <a:cs typeface="Calibri" panose="020F0502020204030204" pitchFamily="34" charset="0"/>
               </a:rPr>
-              <a:t>7.   $$</a:t>
-            </a:r>
+              <a:t>POROSITY_SOLID</a:t>
+            </a:r>
+          </a:p>
+          <a:p>
+            <a:pPr indent="357188"/>
             <a:r>
               <a:rPr lang="es-ES" sz="1600" dirty="0">
                 <a:latin typeface="Calibri" panose="020F0502020204030204" pitchFamily="34" charset="0"/>
                 <a:cs typeface="Calibri" panose="020F0502020204030204" pitchFamily="34" charset="0"/>
               </a:rPr>
-              <a:t>MATERIAL_TYPE</a:t>
-            </a:r>
-          </a:p>
-          <a:p>
-            <a:pPr indent="268288"/>
+              <a:t>0</a:t>
+            </a:r>
+          </a:p>
+          <a:p>
+            <a:pPr indent="357188"/>
+            <a:r>
+              <a:rPr lang="es-ES" sz="1600" dirty="0">
+                <a:latin typeface="Calibri" panose="020F0502020204030204" pitchFamily="34" charset="0"/>
+                <a:cs typeface="Calibri" panose="020F0502020204030204" pitchFamily="34" charset="0"/>
+              </a:rPr>
+              <a:t>$$</a:t>
+            </a:r>
             <a:r>
               <a:rPr lang="es-ES" sz="1600" dirty="0" smtClean="0">
                 <a:latin typeface="Calibri" panose="020F0502020204030204" pitchFamily="34" charset="0"/>
                 <a:cs typeface="Calibri" panose="020F0502020204030204" pitchFamily="34" charset="0"/>
               </a:rPr>
-              <a:t>unsaturated_material_3phase_coupled</a:t>
-            </a:r>
-            <a:endParaRPr lang="es-ES" sz="1600" dirty="0">
-              <a:latin typeface="Calibri" panose="020F0502020204030204" pitchFamily="34" charset="0"/>
-              <a:cs typeface="Calibri" panose="020F0502020204030204" pitchFamily="34" charset="0"/>
-            </a:endParaRPr>
-          </a:p>
-          <a:p>
-            <a:pPr indent="268288"/>
+              <a:t>DENSITY_SOLID</a:t>
+            </a:r>
+          </a:p>
+          <a:p>
+            <a:pPr indent="357188"/>
             <a:r>
               <a:rPr lang="es-ES" sz="1600" dirty="0">
                 <a:latin typeface="Calibri" panose="020F0502020204030204" pitchFamily="34" charset="0"/>
                 <a:cs typeface="Calibri" panose="020F0502020204030204" pitchFamily="34" charset="0"/>
               </a:rPr>
+              <a:t>0</a:t>
+            </a:r>
+          </a:p>
+          <a:p>
+            <a:pPr indent="357188"/>
+            <a:r>
+              <a:rPr lang="es-ES" sz="1600" dirty="0">
+                <a:latin typeface="Calibri" panose="020F0502020204030204" pitchFamily="34" charset="0"/>
+                <a:cs typeface="Calibri" panose="020F0502020204030204" pitchFamily="34" charset="0"/>
+              </a:rPr>
               <a:t>$$</a:t>
             </a:r>
             <a:r>
@@ -21642,11 +21441,11 @@
                 <a:latin typeface="Calibri" panose="020F0502020204030204" pitchFamily="34" charset="0"/>
                 <a:cs typeface="Calibri" panose="020F0502020204030204" pitchFamily="34" charset="0"/>
               </a:rPr>
-              <a:t>POROSITY_SOLID</a:t>
-            </a:r>
-          </a:p>
-          <a:p>
-            <a:pPr indent="268288"/>
+              <a:t>DENSITY_LIQUID</a:t>
+            </a:r>
+          </a:p>
+          <a:p>
+            <a:pPr indent="357188"/>
             <a:r>
               <a:rPr lang="es-ES" sz="1600" dirty="0">
                 <a:latin typeface="Calibri" panose="020F0502020204030204" pitchFamily="34" charset="0"/>
@@ -21656,7 +21455,7 @@
             </a:r>
           </a:p>
           <a:p>
-            <a:pPr indent="268288"/>
+            <a:pPr indent="357188"/>
             <a:r>
               <a:rPr lang="es-ES" sz="1600" dirty="0">
                 <a:latin typeface="Calibri" panose="020F0502020204030204" pitchFamily="34" charset="0"/>
@@ -21669,11 +21468,11 @@
                 <a:latin typeface="Calibri" panose="020F0502020204030204" pitchFamily="34" charset="0"/>
                 <a:cs typeface="Calibri" panose="020F0502020204030204" pitchFamily="34" charset="0"/>
               </a:rPr>
-              <a:t>DENSITY_SOLID</a:t>
-            </a:r>
-          </a:p>
-          <a:p>
-            <a:pPr indent="268288"/>
+              <a:t>INTRINSIC_PERMEABILITY_LIQUD</a:t>
+            </a:r>
+          </a:p>
+          <a:p>
+            <a:pPr indent="357188"/>
             <a:r>
               <a:rPr lang="es-ES" sz="1600" dirty="0">
                 <a:latin typeface="Calibri" panose="020F0502020204030204" pitchFamily="34" charset="0"/>
@@ -21683,7 +21482,7 @@
             </a:r>
           </a:p>
           <a:p>
-            <a:pPr indent="268288"/>
+            <a:pPr indent="357188"/>
             <a:r>
               <a:rPr lang="es-ES" sz="1600" dirty="0">
                 <a:latin typeface="Calibri" panose="020F0502020204030204" pitchFamily="34" charset="0"/>
@@ -21696,11 +21495,11 @@
                 <a:latin typeface="Calibri" panose="020F0502020204030204" pitchFamily="34" charset="0"/>
                 <a:cs typeface="Calibri" panose="020F0502020204030204" pitchFamily="34" charset="0"/>
               </a:rPr>
-              <a:t>DENSITY_LIQUID</a:t>
-            </a:r>
-          </a:p>
-          <a:p>
-            <a:pPr indent="268288"/>
+              <a:t>BULK_MODULUS_LIQUID</a:t>
+            </a:r>
+          </a:p>
+          <a:p>
+            <a:pPr indent="357188"/>
             <a:r>
               <a:rPr lang="es-ES" sz="1600" dirty="0">
                 <a:latin typeface="Calibri" panose="020F0502020204030204" pitchFamily="34" charset="0"/>
@@ -21710,7 +21509,7 @@
             </a:r>
           </a:p>
           <a:p>
-            <a:pPr indent="268288"/>
+            <a:pPr indent="357188"/>
             <a:r>
               <a:rPr lang="es-ES" sz="1600" dirty="0">
                 <a:latin typeface="Calibri" panose="020F0502020204030204" pitchFamily="34" charset="0"/>
@@ -21723,11 +21522,11 @@
                 <a:latin typeface="Calibri" panose="020F0502020204030204" pitchFamily="34" charset="0"/>
                 <a:cs typeface="Calibri" panose="020F0502020204030204" pitchFamily="34" charset="0"/>
               </a:rPr>
-              <a:t>DENSITY_GAS</a:t>
-            </a:r>
-          </a:p>
-          <a:p>
-            <a:pPr indent="268288"/>
+              <a:t>DYNAMIC_VISCOSITY_LIQUID</a:t>
+            </a:r>
+          </a:p>
+          <a:p>
+            <a:pPr indent="357188"/>
             <a:r>
               <a:rPr lang="es-ES" sz="1600" dirty="0">
                 <a:latin typeface="Calibri" panose="020F0502020204030204" pitchFamily="34" charset="0"/>
@@ -21737,7 +21536,7 @@
             </a:r>
           </a:p>
           <a:p>
-            <a:pPr indent="268288"/>
+            <a:pPr indent="357188"/>
             <a:r>
               <a:rPr lang="es-ES" sz="1600" dirty="0">
                 <a:latin typeface="Calibri" panose="020F0502020204030204" pitchFamily="34" charset="0"/>
@@ -21750,173 +21549,11 @@
                 <a:latin typeface="Calibri" panose="020F0502020204030204" pitchFamily="34" charset="0"/>
                 <a:cs typeface="Calibri" panose="020F0502020204030204" pitchFamily="34" charset="0"/>
               </a:rPr>
-              <a:t>INTRINSIC_PERMEABILITY_LIQUID</a:t>
-            </a:r>
-          </a:p>
-          <a:p>
-            <a:pPr indent="268288"/>
-            <a:r>
-              <a:rPr lang="es-ES" sz="1600" dirty="0">
-                <a:latin typeface="Calibri" panose="020F0502020204030204" pitchFamily="34" charset="0"/>
-                <a:cs typeface="Calibri" panose="020F0502020204030204" pitchFamily="34" charset="0"/>
-              </a:rPr>
-              <a:t>0</a:t>
-            </a:r>
-          </a:p>
-          <a:p>
-            <a:pPr indent="268288"/>
-            <a:r>
-              <a:rPr lang="es-ES" sz="1600" dirty="0">
-                <a:latin typeface="Calibri" panose="020F0502020204030204" pitchFamily="34" charset="0"/>
-                <a:cs typeface="Calibri" panose="020F0502020204030204" pitchFamily="34" charset="0"/>
-              </a:rPr>
-              <a:t>$$</a:t>
-            </a:r>
-            <a:r>
-              <a:rPr lang="es-ES" sz="1600" dirty="0" smtClean="0">
-                <a:latin typeface="Calibri" panose="020F0502020204030204" pitchFamily="34" charset="0"/>
-                <a:cs typeface="Calibri" panose="020F0502020204030204" pitchFamily="34" charset="0"/>
-              </a:rPr>
-              <a:t>INTRINSIC_PERMEABILITY_GAS</a:t>
-            </a:r>
-          </a:p>
-          <a:p>
-            <a:pPr indent="268288"/>
-            <a:r>
-              <a:rPr lang="es-ES" sz="1600" dirty="0">
-                <a:latin typeface="Calibri" panose="020F0502020204030204" pitchFamily="34" charset="0"/>
-                <a:cs typeface="Calibri" panose="020F0502020204030204" pitchFamily="34" charset="0"/>
-              </a:rPr>
-              <a:t>0</a:t>
-            </a:r>
-          </a:p>
-          <a:p>
-            <a:pPr indent="268288"/>
-            <a:r>
-              <a:rPr lang="es-ES" sz="1600" dirty="0">
-                <a:latin typeface="Calibri" panose="020F0502020204030204" pitchFamily="34" charset="0"/>
-                <a:cs typeface="Calibri" panose="020F0502020204030204" pitchFamily="34" charset="0"/>
-              </a:rPr>
-              <a:t>$$</a:t>
-            </a:r>
-            <a:r>
-              <a:rPr lang="es-ES" sz="1600" dirty="0" smtClean="0">
-                <a:latin typeface="Calibri" panose="020F0502020204030204" pitchFamily="34" charset="0"/>
-                <a:cs typeface="Calibri" panose="020F0502020204030204" pitchFamily="34" charset="0"/>
-              </a:rPr>
-              <a:t>BULK_MODULUS_LIQUID</a:t>
-            </a:r>
-          </a:p>
-          <a:p>
-            <a:pPr indent="268288"/>
-            <a:r>
-              <a:rPr lang="es-ES" sz="1600" dirty="0">
-                <a:latin typeface="Calibri" panose="020F0502020204030204" pitchFamily="34" charset="0"/>
-                <a:cs typeface="Calibri" panose="020F0502020204030204" pitchFamily="34" charset="0"/>
-              </a:rPr>
-              <a:t>0</a:t>
-            </a:r>
-          </a:p>
-          <a:p>
-            <a:pPr indent="268288"/>
-            <a:r>
-              <a:rPr lang="es-ES" sz="1600" dirty="0">
-                <a:latin typeface="Calibri" panose="020F0502020204030204" pitchFamily="34" charset="0"/>
-                <a:cs typeface="Calibri" panose="020F0502020204030204" pitchFamily="34" charset="0"/>
-              </a:rPr>
-              <a:t>$$</a:t>
-            </a:r>
-            <a:r>
-              <a:rPr lang="es-ES" sz="1600" dirty="0" smtClean="0">
-                <a:latin typeface="Calibri" panose="020F0502020204030204" pitchFamily="34" charset="0"/>
-                <a:cs typeface="Calibri" panose="020F0502020204030204" pitchFamily="34" charset="0"/>
-              </a:rPr>
-              <a:t>BULK_MODULUS_GAS</a:t>
-            </a:r>
-          </a:p>
-          <a:p>
-            <a:pPr indent="268288"/>
-            <a:r>
-              <a:rPr lang="es-ES" sz="1600" dirty="0">
-                <a:latin typeface="Calibri" panose="020F0502020204030204" pitchFamily="34" charset="0"/>
-                <a:cs typeface="Calibri" panose="020F0502020204030204" pitchFamily="34" charset="0"/>
-              </a:rPr>
-              <a:t>0</a:t>
-            </a:r>
-          </a:p>
-          <a:p>
-            <a:pPr indent="268288"/>
-            <a:r>
-              <a:rPr lang="es-ES" sz="1600" dirty="0">
-                <a:latin typeface="Calibri" panose="020F0502020204030204" pitchFamily="34" charset="0"/>
-                <a:cs typeface="Calibri" panose="020F0502020204030204" pitchFamily="34" charset="0"/>
-              </a:rPr>
-              <a:t>$$</a:t>
-            </a:r>
-            <a:r>
-              <a:rPr lang="es-ES" sz="1600" dirty="0" smtClean="0">
-                <a:latin typeface="Calibri" panose="020F0502020204030204" pitchFamily="34" charset="0"/>
-                <a:cs typeface="Calibri" panose="020F0502020204030204" pitchFamily="34" charset="0"/>
-              </a:rPr>
-              <a:t>DYNAMIC_VISCOSITY_LIQUID</a:t>
-            </a:r>
-          </a:p>
-          <a:p>
-            <a:pPr indent="268288"/>
-            <a:r>
-              <a:rPr lang="es-ES" sz="1600" dirty="0">
-                <a:latin typeface="Calibri" panose="020F0502020204030204" pitchFamily="34" charset="0"/>
-                <a:cs typeface="Calibri" panose="020F0502020204030204" pitchFamily="34" charset="0"/>
-              </a:rPr>
-              <a:t>0</a:t>
-            </a:r>
-          </a:p>
-          <a:p>
-            <a:pPr indent="268288"/>
-            <a:r>
-              <a:rPr lang="es-ES" sz="1600" dirty="0">
-                <a:latin typeface="Calibri" panose="020F0502020204030204" pitchFamily="34" charset="0"/>
-                <a:cs typeface="Calibri" panose="020F0502020204030204" pitchFamily="34" charset="0"/>
-              </a:rPr>
-              <a:t>$$</a:t>
-            </a:r>
-            <a:r>
-              <a:rPr lang="es-ES" sz="1600" dirty="0" smtClean="0">
-                <a:latin typeface="Calibri" panose="020F0502020204030204" pitchFamily="34" charset="0"/>
-                <a:cs typeface="Calibri" panose="020F0502020204030204" pitchFamily="34" charset="0"/>
-              </a:rPr>
-              <a:t>DYNAMIC_VISCOSITY_GAS</a:t>
-            </a:r>
-          </a:p>
-          <a:p>
-            <a:pPr indent="268288"/>
-            <a:r>
-              <a:rPr lang="es-ES" sz="1600" dirty="0">
-                <a:latin typeface="Calibri" panose="020F0502020204030204" pitchFamily="34" charset="0"/>
-                <a:cs typeface="Calibri" panose="020F0502020204030204" pitchFamily="34" charset="0"/>
-              </a:rPr>
-              <a:t>0</a:t>
-            </a:r>
-          </a:p>
-          <a:p>
-            <a:pPr indent="268288"/>
-            <a:r>
-              <a:rPr lang="es-ES" sz="1600" dirty="0">
-                <a:latin typeface="Calibri" panose="020F0502020204030204" pitchFamily="34" charset="0"/>
-                <a:cs typeface="Calibri" panose="020F0502020204030204" pitchFamily="34" charset="0"/>
-              </a:rPr>
-              <a:t>$$</a:t>
-            </a:r>
-            <a:r>
-              <a:rPr lang="es-ES" sz="1600" dirty="0" smtClean="0">
-                <a:latin typeface="Calibri" panose="020F0502020204030204" pitchFamily="34" charset="0"/>
-                <a:cs typeface="Calibri" panose="020F0502020204030204" pitchFamily="34" charset="0"/>
-              </a:rPr>
               <a:t>K0_VALUE_SOLID</a:t>
             </a:r>
           </a:p>
           <a:p>
-            <a:pPr indent="268288"/>
+            <a:pPr indent="357188"/>
             <a:r>
               <a:rPr lang="es-ES" sz="1600" dirty="0">
                 <a:latin typeface="Calibri" panose="020F0502020204030204" pitchFamily="34" charset="0"/>
@@ -21954,7 +21591,7 @@
     </p:spTree>
     <p:extLst>
       <p:ext uri="{BB962C8B-B14F-4D97-AF65-F5344CB8AC3E}">
-        <p14:creationId xmlns:p14="http://schemas.microsoft.com/office/powerpoint/2010/main" val="4165928069"/>
+        <p14:creationId xmlns:p14="http://schemas.microsoft.com/office/powerpoint/2010/main" val="1780527497"/>
       </p:ext>
     </p:extLst>
   </p:cSld>
@@ -21990,6 +21627,596 @@
       </p:grpSpPr>
       <p:sp>
         <p:nvSpPr>
+          <p:cNvPr id="3" name="Rectangle 2"/>
+          <p:cNvSpPr/>
+          <p:nvPr/>
+        </p:nvSpPr>
+        <p:spPr>
+          <a:xfrm>
+            <a:off x="370265" y="834893"/>
+            <a:ext cx="5742299" cy="4154984"/>
+          </a:xfrm>
+          <a:prstGeom prst="rect">
+            <a:avLst/>
+          </a:prstGeom>
+        </p:spPr>
+        <p:txBody>
+          <a:bodyPr wrap="square">
+            <a:spAutoFit/>
+          </a:bodyPr>
+          <a:lstStyle/>
+          <a:p>
+            <a:r>
+              <a:rPr lang="es-ES" sz="1600" dirty="0" smtClean="0">
+                <a:latin typeface="Calibri" panose="020F0502020204030204" pitchFamily="34" charset="0"/>
+                <a:cs typeface="Calibri" panose="020F0502020204030204" pitchFamily="34" charset="0"/>
+              </a:rPr>
+              <a:t>6.   $$</a:t>
+            </a:r>
+            <a:r>
+              <a:rPr lang="es-ES" sz="1600" dirty="0">
+                <a:latin typeface="Calibri" panose="020F0502020204030204" pitchFamily="34" charset="0"/>
+                <a:cs typeface="Calibri" panose="020F0502020204030204" pitchFamily="34" charset="0"/>
+              </a:rPr>
+              <a:t>MATERIAL_TYPE</a:t>
+            </a:r>
+          </a:p>
+          <a:p>
+            <a:pPr indent="268288"/>
+            <a:r>
+              <a:rPr lang="es-ES" sz="1600" dirty="0">
+                <a:latin typeface="Calibri" panose="020F0502020204030204" pitchFamily="34" charset="0"/>
+                <a:cs typeface="Calibri" panose="020F0502020204030204" pitchFamily="34" charset="0"/>
+              </a:rPr>
+              <a:t>unsaturated_material_2phase_suction</a:t>
+            </a:r>
+          </a:p>
+          <a:p>
+            <a:pPr indent="268288"/>
+            <a:r>
+              <a:rPr lang="es-ES" sz="1600" dirty="0">
+                <a:latin typeface="Calibri" panose="020F0502020204030204" pitchFamily="34" charset="0"/>
+                <a:cs typeface="Calibri" panose="020F0502020204030204" pitchFamily="34" charset="0"/>
+              </a:rPr>
+              <a:t>$$</a:t>
+            </a:r>
+            <a:r>
+              <a:rPr lang="es-ES" sz="1600" dirty="0" smtClean="0">
+                <a:latin typeface="Calibri" panose="020F0502020204030204" pitchFamily="34" charset="0"/>
+                <a:cs typeface="Calibri" panose="020F0502020204030204" pitchFamily="34" charset="0"/>
+              </a:rPr>
+              <a:t>POROSITY_SOLID</a:t>
+            </a:r>
+          </a:p>
+          <a:p>
+            <a:pPr indent="268288"/>
+            <a:r>
+              <a:rPr lang="es-ES" sz="1600" dirty="0">
+                <a:latin typeface="Calibri" panose="020F0502020204030204" pitchFamily="34" charset="0"/>
+                <a:cs typeface="Calibri" panose="020F0502020204030204" pitchFamily="34" charset="0"/>
+              </a:rPr>
+              <a:t>0</a:t>
+            </a:r>
+          </a:p>
+          <a:p>
+            <a:pPr indent="268288"/>
+            <a:r>
+              <a:rPr lang="es-ES" sz="1600" dirty="0">
+                <a:latin typeface="Calibri" panose="020F0502020204030204" pitchFamily="34" charset="0"/>
+                <a:cs typeface="Calibri" panose="020F0502020204030204" pitchFamily="34" charset="0"/>
+              </a:rPr>
+              <a:t>$$</a:t>
+            </a:r>
+            <a:r>
+              <a:rPr lang="es-ES" sz="1600" dirty="0" smtClean="0">
+                <a:latin typeface="Calibri" panose="020F0502020204030204" pitchFamily="34" charset="0"/>
+                <a:cs typeface="Calibri" panose="020F0502020204030204" pitchFamily="34" charset="0"/>
+              </a:rPr>
+              <a:t>DENSITY_SOLID</a:t>
+            </a:r>
+          </a:p>
+          <a:p>
+            <a:pPr indent="268288"/>
+            <a:r>
+              <a:rPr lang="es-ES" sz="1600" dirty="0">
+                <a:latin typeface="Calibri" panose="020F0502020204030204" pitchFamily="34" charset="0"/>
+                <a:cs typeface="Calibri" panose="020F0502020204030204" pitchFamily="34" charset="0"/>
+              </a:rPr>
+              <a:t>0</a:t>
+            </a:r>
+          </a:p>
+          <a:p>
+            <a:pPr indent="268288"/>
+            <a:r>
+              <a:rPr lang="es-ES" sz="1600" dirty="0">
+                <a:latin typeface="Calibri" panose="020F0502020204030204" pitchFamily="34" charset="0"/>
+                <a:cs typeface="Calibri" panose="020F0502020204030204" pitchFamily="34" charset="0"/>
+              </a:rPr>
+              <a:t>$$</a:t>
+            </a:r>
+            <a:r>
+              <a:rPr lang="es-ES" sz="1600" dirty="0" smtClean="0">
+                <a:latin typeface="Calibri" panose="020F0502020204030204" pitchFamily="34" charset="0"/>
+                <a:cs typeface="Calibri" panose="020F0502020204030204" pitchFamily="34" charset="0"/>
+              </a:rPr>
+              <a:t>DENSITY_LIQUID</a:t>
+            </a:r>
+          </a:p>
+          <a:p>
+            <a:pPr indent="268288"/>
+            <a:r>
+              <a:rPr lang="es-ES" sz="1600" dirty="0">
+                <a:latin typeface="Calibri" panose="020F0502020204030204" pitchFamily="34" charset="0"/>
+                <a:cs typeface="Calibri" panose="020F0502020204030204" pitchFamily="34" charset="0"/>
+              </a:rPr>
+              <a:t>0</a:t>
+            </a:r>
+          </a:p>
+          <a:p>
+            <a:pPr indent="268288"/>
+            <a:r>
+              <a:rPr lang="es-ES" sz="1600" dirty="0">
+                <a:latin typeface="Calibri" panose="020F0502020204030204" pitchFamily="34" charset="0"/>
+                <a:cs typeface="Calibri" panose="020F0502020204030204" pitchFamily="34" charset="0"/>
+              </a:rPr>
+              <a:t>$$</a:t>
+            </a:r>
+            <a:r>
+              <a:rPr lang="es-ES" sz="1600" dirty="0" smtClean="0">
+                <a:latin typeface="Calibri" panose="020F0502020204030204" pitchFamily="34" charset="0"/>
+                <a:cs typeface="Calibri" panose="020F0502020204030204" pitchFamily="34" charset="0"/>
+              </a:rPr>
+              <a:t>INTRINSIC_PERMEABILITY_LIQUID</a:t>
+            </a:r>
+          </a:p>
+          <a:p>
+            <a:pPr indent="268288"/>
+            <a:r>
+              <a:rPr lang="es-ES" sz="1600" dirty="0">
+                <a:latin typeface="Calibri" panose="020F0502020204030204" pitchFamily="34" charset="0"/>
+                <a:cs typeface="Calibri" panose="020F0502020204030204" pitchFamily="34" charset="0"/>
+              </a:rPr>
+              <a:t>0</a:t>
+            </a:r>
+          </a:p>
+          <a:p>
+            <a:pPr indent="268288"/>
+            <a:r>
+              <a:rPr lang="es-ES" sz="1600" dirty="0">
+                <a:latin typeface="Calibri" panose="020F0502020204030204" pitchFamily="34" charset="0"/>
+                <a:cs typeface="Calibri" panose="020F0502020204030204" pitchFamily="34" charset="0"/>
+              </a:rPr>
+              <a:t>$$</a:t>
+            </a:r>
+            <a:r>
+              <a:rPr lang="es-ES" sz="1600" dirty="0" smtClean="0">
+                <a:latin typeface="Calibri" panose="020F0502020204030204" pitchFamily="34" charset="0"/>
+                <a:cs typeface="Calibri" panose="020F0502020204030204" pitchFamily="34" charset="0"/>
+              </a:rPr>
+              <a:t>BULK_MODULUS_LIQUID</a:t>
+            </a:r>
+          </a:p>
+          <a:p>
+            <a:pPr indent="268288"/>
+            <a:r>
+              <a:rPr lang="es-ES" sz="1600" dirty="0">
+                <a:latin typeface="Calibri" panose="020F0502020204030204" pitchFamily="34" charset="0"/>
+                <a:cs typeface="Calibri" panose="020F0502020204030204" pitchFamily="34" charset="0"/>
+              </a:rPr>
+              <a:t>0</a:t>
+            </a:r>
+          </a:p>
+          <a:p>
+            <a:pPr indent="268288"/>
+            <a:r>
+              <a:rPr lang="es-ES" sz="1600" dirty="0">
+                <a:latin typeface="Calibri" panose="020F0502020204030204" pitchFamily="34" charset="0"/>
+                <a:cs typeface="Calibri" panose="020F0502020204030204" pitchFamily="34" charset="0"/>
+              </a:rPr>
+              <a:t>$$</a:t>
+            </a:r>
+            <a:r>
+              <a:rPr lang="es-ES" sz="1600" dirty="0" smtClean="0">
+                <a:latin typeface="Calibri" panose="020F0502020204030204" pitchFamily="34" charset="0"/>
+                <a:cs typeface="Calibri" panose="020F0502020204030204" pitchFamily="34" charset="0"/>
+              </a:rPr>
+              <a:t>DYNAMIC_VISCOSITY_LIQUID</a:t>
+            </a:r>
+          </a:p>
+          <a:p>
+            <a:pPr indent="268288"/>
+            <a:r>
+              <a:rPr lang="es-ES" sz="1600" dirty="0">
+                <a:latin typeface="Calibri" panose="020F0502020204030204" pitchFamily="34" charset="0"/>
+                <a:cs typeface="Calibri" panose="020F0502020204030204" pitchFamily="34" charset="0"/>
+              </a:rPr>
+              <a:t>0</a:t>
+            </a:r>
+          </a:p>
+          <a:p>
+            <a:pPr indent="268288"/>
+            <a:r>
+              <a:rPr lang="es-ES" sz="1600" dirty="0">
+                <a:latin typeface="Calibri" panose="020F0502020204030204" pitchFamily="34" charset="0"/>
+                <a:cs typeface="Calibri" panose="020F0502020204030204" pitchFamily="34" charset="0"/>
+              </a:rPr>
+              <a:t>$$</a:t>
+            </a:r>
+            <a:r>
+              <a:rPr lang="es-ES" sz="1600" dirty="0" smtClean="0">
+                <a:latin typeface="Calibri" panose="020F0502020204030204" pitchFamily="34" charset="0"/>
+                <a:cs typeface="Calibri" panose="020F0502020204030204" pitchFamily="34" charset="0"/>
+              </a:rPr>
+              <a:t>K0_VALUE_SOLID</a:t>
+            </a:r>
+          </a:p>
+          <a:p>
+            <a:pPr indent="268288"/>
+            <a:r>
+              <a:rPr lang="es-ES" sz="1600" dirty="0" smtClean="0">
+                <a:latin typeface="Calibri" panose="020F0502020204030204" pitchFamily="34" charset="0"/>
+                <a:cs typeface="Calibri" panose="020F0502020204030204" pitchFamily="34" charset="0"/>
+              </a:rPr>
+              <a:t>0</a:t>
+            </a:r>
+            <a:endParaRPr lang="es-ES" sz="1600" dirty="0">
+              <a:latin typeface="Calibri" panose="020F0502020204030204" pitchFamily="34" charset="0"/>
+              <a:cs typeface="Calibri" panose="020F0502020204030204" pitchFamily="34" charset="0"/>
+            </a:endParaRPr>
+          </a:p>
+        </p:txBody>
+      </p:sp>
+      <p:sp>
+        <p:nvSpPr>
+          <p:cNvPr id="4" name="Rectangle 3"/>
+          <p:cNvSpPr/>
+          <p:nvPr/>
+        </p:nvSpPr>
+        <p:spPr>
+          <a:xfrm>
+            <a:off x="4482548" y="836481"/>
+            <a:ext cx="3846443" cy="6001643"/>
+          </a:xfrm>
+          <a:prstGeom prst="rect">
+            <a:avLst/>
+          </a:prstGeom>
+        </p:spPr>
+        <p:txBody>
+          <a:bodyPr wrap="square">
+            <a:spAutoFit/>
+          </a:bodyPr>
+          <a:lstStyle/>
+          <a:p>
+            <a:r>
+              <a:rPr lang="es-ES" sz="1600" dirty="0" smtClean="0">
+                <a:latin typeface="Calibri" panose="020F0502020204030204" pitchFamily="34" charset="0"/>
+                <a:cs typeface="Calibri" panose="020F0502020204030204" pitchFamily="34" charset="0"/>
+              </a:rPr>
+              <a:t>7.   $$</a:t>
+            </a:r>
+            <a:r>
+              <a:rPr lang="es-ES" sz="1600" dirty="0">
+                <a:latin typeface="Calibri" panose="020F0502020204030204" pitchFamily="34" charset="0"/>
+                <a:cs typeface="Calibri" panose="020F0502020204030204" pitchFamily="34" charset="0"/>
+              </a:rPr>
+              <a:t>MATERIAL_TYPE</a:t>
+            </a:r>
+          </a:p>
+          <a:p>
+            <a:pPr indent="268288"/>
+            <a:r>
+              <a:rPr lang="es-ES" sz="1600" dirty="0" smtClean="0">
+                <a:latin typeface="Calibri" panose="020F0502020204030204" pitchFamily="34" charset="0"/>
+                <a:cs typeface="Calibri" panose="020F0502020204030204" pitchFamily="34" charset="0"/>
+              </a:rPr>
+              <a:t>unsaturated_material_3phase_coupled</a:t>
+            </a:r>
+            <a:endParaRPr lang="es-ES" sz="1600" dirty="0">
+              <a:latin typeface="Calibri" panose="020F0502020204030204" pitchFamily="34" charset="0"/>
+              <a:cs typeface="Calibri" panose="020F0502020204030204" pitchFamily="34" charset="0"/>
+            </a:endParaRPr>
+          </a:p>
+          <a:p>
+            <a:pPr indent="268288"/>
+            <a:r>
+              <a:rPr lang="es-ES" sz="1600" dirty="0">
+                <a:latin typeface="Calibri" panose="020F0502020204030204" pitchFamily="34" charset="0"/>
+                <a:cs typeface="Calibri" panose="020F0502020204030204" pitchFamily="34" charset="0"/>
+              </a:rPr>
+              <a:t>$$</a:t>
+            </a:r>
+            <a:r>
+              <a:rPr lang="es-ES" sz="1600" dirty="0" smtClean="0">
+                <a:latin typeface="Calibri" panose="020F0502020204030204" pitchFamily="34" charset="0"/>
+                <a:cs typeface="Calibri" panose="020F0502020204030204" pitchFamily="34" charset="0"/>
+              </a:rPr>
+              <a:t>POROSITY_SOLID</a:t>
+            </a:r>
+          </a:p>
+          <a:p>
+            <a:pPr indent="268288"/>
+            <a:r>
+              <a:rPr lang="es-ES" sz="1600" dirty="0">
+                <a:latin typeface="Calibri" panose="020F0502020204030204" pitchFamily="34" charset="0"/>
+                <a:cs typeface="Calibri" panose="020F0502020204030204" pitchFamily="34" charset="0"/>
+              </a:rPr>
+              <a:t>0</a:t>
+            </a:r>
+          </a:p>
+          <a:p>
+            <a:pPr indent="268288"/>
+            <a:r>
+              <a:rPr lang="es-ES" sz="1600" dirty="0">
+                <a:latin typeface="Calibri" panose="020F0502020204030204" pitchFamily="34" charset="0"/>
+                <a:cs typeface="Calibri" panose="020F0502020204030204" pitchFamily="34" charset="0"/>
+              </a:rPr>
+              <a:t>$$</a:t>
+            </a:r>
+            <a:r>
+              <a:rPr lang="es-ES" sz="1600" dirty="0" smtClean="0">
+                <a:latin typeface="Calibri" panose="020F0502020204030204" pitchFamily="34" charset="0"/>
+                <a:cs typeface="Calibri" panose="020F0502020204030204" pitchFamily="34" charset="0"/>
+              </a:rPr>
+              <a:t>DENSITY_SOLID</a:t>
+            </a:r>
+          </a:p>
+          <a:p>
+            <a:pPr indent="268288"/>
+            <a:r>
+              <a:rPr lang="es-ES" sz="1600" dirty="0">
+                <a:latin typeface="Calibri" panose="020F0502020204030204" pitchFamily="34" charset="0"/>
+                <a:cs typeface="Calibri" panose="020F0502020204030204" pitchFamily="34" charset="0"/>
+              </a:rPr>
+              <a:t>0</a:t>
+            </a:r>
+          </a:p>
+          <a:p>
+            <a:pPr indent="268288"/>
+            <a:r>
+              <a:rPr lang="es-ES" sz="1600" dirty="0">
+                <a:latin typeface="Calibri" panose="020F0502020204030204" pitchFamily="34" charset="0"/>
+                <a:cs typeface="Calibri" panose="020F0502020204030204" pitchFamily="34" charset="0"/>
+              </a:rPr>
+              <a:t>$$</a:t>
+            </a:r>
+            <a:r>
+              <a:rPr lang="es-ES" sz="1600" dirty="0" smtClean="0">
+                <a:latin typeface="Calibri" panose="020F0502020204030204" pitchFamily="34" charset="0"/>
+                <a:cs typeface="Calibri" panose="020F0502020204030204" pitchFamily="34" charset="0"/>
+              </a:rPr>
+              <a:t>DENSITY_LIQUID</a:t>
+            </a:r>
+          </a:p>
+          <a:p>
+            <a:pPr indent="268288"/>
+            <a:r>
+              <a:rPr lang="es-ES" sz="1600" dirty="0">
+                <a:latin typeface="Calibri" panose="020F0502020204030204" pitchFamily="34" charset="0"/>
+                <a:cs typeface="Calibri" panose="020F0502020204030204" pitchFamily="34" charset="0"/>
+              </a:rPr>
+              <a:t>0</a:t>
+            </a:r>
+          </a:p>
+          <a:p>
+            <a:pPr indent="268288"/>
+            <a:r>
+              <a:rPr lang="es-ES" sz="1600" dirty="0">
+                <a:latin typeface="Calibri" panose="020F0502020204030204" pitchFamily="34" charset="0"/>
+                <a:cs typeface="Calibri" panose="020F0502020204030204" pitchFamily="34" charset="0"/>
+              </a:rPr>
+              <a:t>$$</a:t>
+            </a:r>
+            <a:r>
+              <a:rPr lang="es-ES" sz="1600" dirty="0" smtClean="0">
+                <a:latin typeface="Calibri" panose="020F0502020204030204" pitchFamily="34" charset="0"/>
+                <a:cs typeface="Calibri" panose="020F0502020204030204" pitchFamily="34" charset="0"/>
+              </a:rPr>
+              <a:t>DENSITY_GAS</a:t>
+            </a:r>
+          </a:p>
+          <a:p>
+            <a:pPr indent="268288"/>
+            <a:r>
+              <a:rPr lang="es-ES" sz="1600" dirty="0">
+                <a:latin typeface="Calibri" panose="020F0502020204030204" pitchFamily="34" charset="0"/>
+                <a:cs typeface="Calibri" panose="020F0502020204030204" pitchFamily="34" charset="0"/>
+              </a:rPr>
+              <a:t>0</a:t>
+            </a:r>
+          </a:p>
+          <a:p>
+            <a:pPr indent="268288"/>
+            <a:r>
+              <a:rPr lang="es-ES" sz="1600" dirty="0">
+                <a:latin typeface="Calibri" panose="020F0502020204030204" pitchFamily="34" charset="0"/>
+                <a:cs typeface="Calibri" panose="020F0502020204030204" pitchFamily="34" charset="0"/>
+              </a:rPr>
+              <a:t>$$</a:t>
+            </a:r>
+            <a:r>
+              <a:rPr lang="es-ES" sz="1600" dirty="0" smtClean="0">
+                <a:latin typeface="Calibri" panose="020F0502020204030204" pitchFamily="34" charset="0"/>
+                <a:cs typeface="Calibri" panose="020F0502020204030204" pitchFamily="34" charset="0"/>
+              </a:rPr>
+              <a:t>INTRINSIC_PERMEABILITY_LIQUID</a:t>
+            </a:r>
+          </a:p>
+          <a:p>
+            <a:pPr indent="268288"/>
+            <a:r>
+              <a:rPr lang="es-ES" sz="1600" dirty="0">
+                <a:latin typeface="Calibri" panose="020F0502020204030204" pitchFamily="34" charset="0"/>
+                <a:cs typeface="Calibri" panose="020F0502020204030204" pitchFamily="34" charset="0"/>
+              </a:rPr>
+              <a:t>0</a:t>
+            </a:r>
+          </a:p>
+          <a:p>
+            <a:pPr indent="268288"/>
+            <a:r>
+              <a:rPr lang="es-ES" sz="1600" dirty="0">
+                <a:latin typeface="Calibri" panose="020F0502020204030204" pitchFamily="34" charset="0"/>
+                <a:cs typeface="Calibri" panose="020F0502020204030204" pitchFamily="34" charset="0"/>
+              </a:rPr>
+              <a:t>$$</a:t>
+            </a:r>
+            <a:r>
+              <a:rPr lang="es-ES" sz="1600" dirty="0" smtClean="0">
+                <a:latin typeface="Calibri" panose="020F0502020204030204" pitchFamily="34" charset="0"/>
+                <a:cs typeface="Calibri" panose="020F0502020204030204" pitchFamily="34" charset="0"/>
+              </a:rPr>
+              <a:t>INTRINSIC_PERMEABILITY_GAS</a:t>
+            </a:r>
+          </a:p>
+          <a:p>
+            <a:pPr indent="268288"/>
+            <a:r>
+              <a:rPr lang="es-ES" sz="1600" dirty="0">
+                <a:latin typeface="Calibri" panose="020F0502020204030204" pitchFamily="34" charset="0"/>
+                <a:cs typeface="Calibri" panose="020F0502020204030204" pitchFamily="34" charset="0"/>
+              </a:rPr>
+              <a:t>0</a:t>
+            </a:r>
+          </a:p>
+          <a:p>
+            <a:pPr indent="268288"/>
+            <a:r>
+              <a:rPr lang="es-ES" sz="1600" dirty="0">
+                <a:latin typeface="Calibri" panose="020F0502020204030204" pitchFamily="34" charset="0"/>
+                <a:cs typeface="Calibri" panose="020F0502020204030204" pitchFamily="34" charset="0"/>
+              </a:rPr>
+              <a:t>$$</a:t>
+            </a:r>
+            <a:r>
+              <a:rPr lang="es-ES" sz="1600" dirty="0" smtClean="0">
+                <a:latin typeface="Calibri" panose="020F0502020204030204" pitchFamily="34" charset="0"/>
+                <a:cs typeface="Calibri" panose="020F0502020204030204" pitchFamily="34" charset="0"/>
+              </a:rPr>
+              <a:t>BULK_MODULUS_LIQUID</a:t>
+            </a:r>
+          </a:p>
+          <a:p>
+            <a:pPr indent="268288"/>
+            <a:r>
+              <a:rPr lang="es-ES" sz="1600" dirty="0">
+                <a:latin typeface="Calibri" panose="020F0502020204030204" pitchFamily="34" charset="0"/>
+                <a:cs typeface="Calibri" panose="020F0502020204030204" pitchFamily="34" charset="0"/>
+              </a:rPr>
+              <a:t>0</a:t>
+            </a:r>
+          </a:p>
+          <a:p>
+            <a:pPr indent="268288"/>
+            <a:r>
+              <a:rPr lang="es-ES" sz="1600" dirty="0">
+                <a:latin typeface="Calibri" panose="020F0502020204030204" pitchFamily="34" charset="0"/>
+                <a:cs typeface="Calibri" panose="020F0502020204030204" pitchFamily="34" charset="0"/>
+              </a:rPr>
+              <a:t>$$</a:t>
+            </a:r>
+            <a:r>
+              <a:rPr lang="es-ES" sz="1600" dirty="0" smtClean="0">
+                <a:latin typeface="Calibri" panose="020F0502020204030204" pitchFamily="34" charset="0"/>
+                <a:cs typeface="Calibri" panose="020F0502020204030204" pitchFamily="34" charset="0"/>
+              </a:rPr>
+              <a:t>BULK_MODULUS_GAS</a:t>
+            </a:r>
+          </a:p>
+          <a:p>
+            <a:pPr indent="268288"/>
+            <a:r>
+              <a:rPr lang="es-ES" sz="1600" dirty="0">
+                <a:latin typeface="Calibri" panose="020F0502020204030204" pitchFamily="34" charset="0"/>
+                <a:cs typeface="Calibri" panose="020F0502020204030204" pitchFamily="34" charset="0"/>
+              </a:rPr>
+              <a:t>0</a:t>
+            </a:r>
+          </a:p>
+          <a:p>
+            <a:pPr indent="268288"/>
+            <a:r>
+              <a:rPr lang="es-ES" sz="1600" dirty="0">
+                <a:latin typeface="Calibri" panose="020F0502020204030204" pitchFamily="34" charset="0"/>
+                <a:cs typeface="Calibri" panose="020F0502020204030204" pitchFamily="34" charset="0"/>
+              </a:rPr>
+              <a:t>$$</a:t>
+            </a:r>
+            <a:r>
+              <a:rPr lang="es-ES" sz="1600" dirty="0" smtClean="0">
+                <a:latin typeface="Calibri" panose="020F0502020204030204" pitchFamily="34" charset="0"/>
+                <a:cs typeface="Calibri" panose="020F0502020204030204" pitchFamily="34" charset="0"/>
+              </a:rPr>
+              <a:t>DYNAMIC_VISCOSITY_LIQUID</a:t>
+            </a:r>
+          </a:p>
+          <a:p>
+            <a:pPr indent="268288"/>
+            <a:r>
+              <a:rPr lang="es-ES" sz="1600" dirty="0">
+                <a:latin typeface="Calibri" panose="020F0502020204030204" pitchFamily="34" charset="0"/>
+                <a:cs typeface="Calibri" panose="020F0502020204030204" pitchFamily="34" charset="0"/>
+              </a:rPr>
+              <a:t>0</a:t>
+            </a:r>
+          </a:p>
+          <a:p>
+            <a:pPr indent="268288"/>
+            <a:r>
+              <a:rPr lang="es-ES" sz="1600" dirty="0">
+                <a:latin typeface="Calibri" panose="020F0502020204030204" pitchFamily="34" charset="0"/>
+                <a:cs typeface="Calibri" panose="020F0502020204030204" pitchFamily="34" charset="0"/>
+              </a:rPr>
+              <a:t>$$</a:t>
+            </a:r>
+            <a:r>
+              <a:rPr lang="es-ES" sz="1600" dirty="0" smtClean="0">
+                <a:latin typeface="Calibri" panose="020F0502020204030204" pitchFamily="34" charset="0"/>
+                <a:cs typeface="Calibri" panose="020F0502020204030204" pitchFamily="34" charset="0"/>
+              </a:rPr>
+              <a:t>DYNAMIC_VISCOSITY_GAS</a:t>
+            </a:r>
+          </a:p>
+          <a:p>
+            <a:pPr indent="268288"/>
+            <a:r>
+              <a:rPr lang="es-ES" sz="1600" dirty="0">
+                <a:latin typeface="Calibri" panose="020F0502020204030204" pitchFamily="34" charset="0"/>
+                <a:cs typeface="Calibri" panose="020F0502020204030204" pitchFamily="34" charset="0"/>
+              </a:rPr>
+              <a:t>0</a:t>
+            </a:r>
+          </a:p>
+          <a:p>
+            <a:pPr indent="268288"/>
+            <a:r>
+              <a:rPr lang="es-ES" sz="1600" dirty="0">
+                <a:latin typeface="Calibri" panose="020F0502020204030204" pitchFamily="34" charset="0"/>
+                <a:cs typeface="Calibri" panose="020F0502020204030204" pitchFamily="34" charset="0"/>
+              </a:rPr>
+              <a:t>$$</a:t>
+            </a:r>
+            <a:r>
+              <a:rPr lang="es-ES" sz="1600" dirty="0" smtClean="0">
+                <a:latin typeface="Calibri" panose="020F0502020204030204" pitchFamily="34" charset="0"/>
+                <a:cs typeface="Calibri" panose="020F0502020204030204" pitchFamily="34" charset="0"/>
+              </a:rPr>
+              <a:t>K0_VALUE_SOLID</a:t>
+            </a:r>
+          </a:p>
+          <a:p>
+            <a:pPr indent="268288"/>
+            <a:r>
+              <a:rPr lang="es-ES" sz="1600" dirty="0">
+                <a:latin typeface="Calibri" panose="020F0502020204030204" pitchFamily="34" charset="0"/>
+                <a:cs typeface="Calibri" panose="020F0502020204030204" pitchFamily="34" charset="0"/>
+              </a:rPr>
+              <a:t>0</a:t>
+            </a:r>
+          </a:p>
+        </p:txBody>
+      </p:sp>
+      <p:sp>
+        <p:nvSpPr>
           <p:cNvPr id="2" name="Title 1"/>
           <p:cNvSpPr>
             <a:spLocks noGrp="1"/>
@@ -22006,275 +22233,16 @@
             <a:pPr algn="ctr"/>
             <a:r>
               <a:rPr lang="en-US" dirty="0" smtClean="0"/>
-              <a:t>Unsaturated material water retention curve </a:t>
+              <a:t>Material types</a:t>
             </a:r>
             <a:endParaRPr lang="es-ES" dirty="0"/>
-          </a:p>
-        </p:txBody>
-      </p:sp>
-      <p:sp>
-        <p:nvSpPr>
-          <p:cNvPr id="4" name="Rectangle 3"/>
-          <p:cNvSpPr/>
-          <p:nvPr/>
-        </p:nvSpPr>
-        <p:spPr>
-          <a:xfrm>
-            <a:off x="218661" y="1071533"/>
-            <a:ext cx="4562060" cy="4154984"/>
-          </a:xfrm>
-          <a:prstGeom prst="rect">
-            <a:avLst/>
-          </a:prstGeom>
-        </p:spPr>
-        <p:txBody>
-          <a:bodyPr wrap="square">
-            <a:spAutoFit/>
-          </a:bodyPr>
-          <a:lstStyle/>
-          <a:p>
-            <a:r>
-              <a:rPr lang="es-ES" sz="1600" dirty="0">
-                <a:latin typeface="Calibri" panose="020F0502020204030204" pitchFamily="34" charset="0"/>
-                <a:cs typeface="Calibri" panose="020F0502020204030204" pitchFamily="34" charset="0"/>
-              </a:rPr>
-              <a:t>I</a:t>
-            </a:r>
-            <a:r>
-              <a:rPr lang="es-ES" sz="1600" dirty="0" smtClean="0">
-                <a:latin typeface="Calibri" panose="020F0502020204030204" pitchFamily="34" charset="0"/>
-                <a:cs typeface="Calibri" panose="020F0502020204030204" pitchFamily="34" charset="0"/>
-              </a:rPr>
-              <a:t>.	$$</a:t>
-            </a:r>
-            <a:r>
-              <a:rPr lang="es-ES" sz="1600" dirty="0">
-                <a:latin typeface="Calibri" panose="020F0502020204030204" pitchFamily="34" charset="0"/>
-                <a:cs typeface="Calibri" panose="020F0502020204030204" pitchFamily="34" charset="0"/>
-              </a:rPr>
-              <a:t>WATER_RETENTION_CURVE</a:t>
-            </a:r>
-          </a:p>
-          <a:p>
-            <a:r>
-              <a:rPr lang="es-ES" sz="1600" dirty="0" smtClean="0">
-                <a:latin typeface="Calibri" panose="020F0502020204030204" pitchFamily="34" charset="0"/>
-                <a:cs typeface="Calibri" panose="020F0502020204030204" pitchFamily="34" charset="0"/>
-              </a:rPr>
-              <a:t>	linear</a:t>
-            </a:r>
-            <a:endParaRPr lang="es-ES" sz="1600" dirty="0">
-              <a:latin typeface="Calibri" panose="020F0502020204030204" pitchFamily="34" charset="0"/>
-              <a:cs typeface="Calibri" panose="020F0502020204030204" pitchFamily="34" charset="0"/>
-            </a:endParaRPr>
-          </a:p>
-          <a:p>
-            <a:r>
-              <a:rPr lang="es-ES" sz="1600" dirty="0" smtClean="0">
-                <a:latin typeface="Calibri" panose="020F0502020204030204" pitchFamily="34" charset="0"/>
-                <a:cs typeface="Calibri" panose="020F0502020204030204" pitchFamily="34" charset="0"/>
-              </a:rPr>
-              <a:t>	$$</a:t>
-            </a:r>
-            <a:r>
-              <a:rPr lang="es-ES" sz="1600" dirty="0" err="1">
-                <a:latin typeface="Calibri" panose="020F0502020204030204" pitchFamily="34" charset="0"/>
-                <a:cs typeface="Calibri" panose="020F0502020204030204" pitchFamily="34" charset="0"/>
-              </a:rPr>
-              <a:t>av</a:t>
-            </a:r>
-            <a:endParaRPr lang="es-ES" sz="1600" dirty="0">
-              <a:latin typeface="Calibri" panose="020F0502020204030204" pitchFamily="34" charset="0"/>
-              <a:cs typeface="Calibri" panose="020F0502020204030204" pitchFamily="34" charset="0"/>
-            </a:endParaRPr>
-          </a:p>
-          <a:p>
-            <a:r>
-              <a:rPr lang="es-ES" sz="1600" dirty="0" smtClean="0">
-                <a:latin typeface="Calibri" panose="020F0502020204030204" pitchFamily="34" charset="0"/>
-                <a:cs typeface="Calibri" panose="020F0502020204030204" pitchFamily="34" charset="0"/>
-              </a:rPr>
-              <a:t>	0</a:t>
-            </a:r>
-          </a:p>
-          <a:p>
-            <a:endParaRPr lang="es-ES" sz="1600" dirty="0">
-              <a:latin typeface="Calibri" panose="020F0502020204030204" pitchFamily="34" charset="0"/>
-              <a:cs typeface="Calibri" panose="020F0502020204030204" pitchFamily="34" charset="0"/>
-            </a:endParaRPr>
-          </a:p>
-          <a:p>
-            <a:r>
-              <a:rPr lang="es-ES" sz="1600" dirty="0" smtClean="0">
-                <a:latin typeface="Calibri" panose="020F0502020204030204" pitchFamily="34" charset="0"/>
-                <a:cs typeface="Calibri" panose="020F0502020204030204" pitchFamily="34" charset="0"/>
-              </a:rPr>
-              <a:t>II.	</a:t>
-            </a:r>
-            <a:r>
-              <a:rPr lang="es-ES" sz="1600" dirty="0">
-                <a:latin typeface="Calibri" panose="020F0502020204030204" pitchFamily="34" charset="0"/>
-                <a:cs typeface="Calibri" panose="020F0502020204030204" pitchFamily="34" charset="0"/>
-              </a:rPr>
-              <a:t>$$WATER_RETENTION_CURVE</a:t>
-            </a:r>
-          </a:p>
-          <a:p>
-            <a:r>
-              <a:rPr lang="es-ES" sz="1600" dirty="0" smtClean="0">
-                <a:latin typeface="Calibri" panose="020F0502020204030204" pitchFamily="34" charset="0"/>
-                <a:cs typeface="Calibri" panose="020F0502020204030204" pitchFamily="34" charset="0"/>
-              </a:rPr>
-              <a:t>	</a:t>
-            </a:r>
-            <a:r>
-              <a:rPr lang="es-ES" sz="1600" dirty="0" err="1" smtClean="0">
-                <a:latin typeface="Calibri" panose="020F0502020204030204" pitchFamily="34" charset="0"/>
-                <a:cs typeface="Calibri" panose="020F0502020204030204" pitchFamily="34" charset="0"/>
-              </a:rPr>
-              <a:t>van_genuchten</a:t>
-            </a:r>
-            <a:endParaRPr lang="es-ES" sz="1600" dirty="0">
-              <a:latin typeface="Calibri" panose="020F0502020204030204" pitchFamily="34" charset="0"/>
-              <a:cs typeface="Calibri" panose="020F0502020204030204" pitchFamily="34" charset="0"/>
-            </a:endParaRPr>
-          </a:p>
-          <a:p>
-            <a:r>
-              <a:rPr lang="es-ES" sz="1600" dirty="0" smtClean="0">
-                <a:latin typeface="Calibri" panose="020F0502020204030204" pitchFamily="34" charset="0"/>
-                <a:cs typeface="Calibri" panose="020F0502020204030204" pitchFamily="34" charset="0"/>
-              </a:rPr>
-              <a:t>	$$</a:t>
-            </a:r>
-            <a:r>
-              <a:rPr lang="es-ES" sz="1600" dirty="0" err="1">
-                <a:latin typeface="Calibri" panose="020F0502020204030204" pitchFamily="34" charset="0"/>
-                <a:cs typeface="Calibri" panose="020F0502020204030204" pitchFamily="34" charset="0"/>
-              </a:rPr>
-              <a:t>Smin</a:t>
-            </a:r>
-            <a:endParaRPr lang="es-ES" sz="1600" dirty="0">
-              <a:latin typeface="Calibri" panose="020F0502020204030204" pitchFamily="34" charset="0"/>
-              <a:cs typeface="Calibri" panose="020F0502020204030204" pitchFamily="34" charset="0"/>
-            </a:endParaRPr>
-          </a:p>
-          <a:p>
-            <a:r>
-              <a:rPr lang="es-ES" sz="1600" dirty="0" smtClean="0">
-                <a:latin typeface="Calibri" panose="020F0502020204030204" pitchFamily="34" charset="0"/>
-                <a:cs typeface="Calibri" panose="020F0502020204030204" pitchFamily="34" charset="0"/>
-              </a:rPr>
-              <a:t>	0</a:t>
-            </a:r>
-            <a:endParaRPr lang="es-ES" sz="1600" dirty="0">
-              <a:latin typeface="Calibri" panose="020F0502020204030204" pitchFamily="34" charset="0"/>
-              <a:cs typeface="Calibri" panose="020F0502020204030204" pitchFamily="34" charset="0"/>
-            </a:endParaRPr>
-          </a:p>
-          <a:p>
-            <a:r>
-              <a:rPr lang="en-US" sz="1600" dirty="0" smtClean="0">
-                <a:latin typeface="Calibri" panose="020F0502020204030204" pitchFamily="34" charset="0"/>
-                <a:cs typeface="Calibri" panose="020F0502020204030204" pitchFamily="34" charset="0"/>
-              </a:rPr>
-              <a:t>	$$</a:t>
-            </a:r>
-            <a:r>
-              <a:rPr lang="en-US" sz="1600" dirty="0" err="1">
-                <a:latin typeface="Calibri" panose="020F0502020204030204" pitchFamily="34" charset="0"/>
-                <a:cs typeface="Calibri" panose="020F0502020204030204" pitchFamily="34" charset="0"/>
-              </a:rPr>
-              <a:t>Smax</a:t>
-            </a:r>
-            <a:endParaRPr lang="en-US" sz="1600" dirty="0">
-              <a:latin typeface="Calibri" panose="020F0502020204030204" pitchFamily="34" charset="0"/>
-              <a:cs typeface="Calibri" panose="020F0502020204030204" pitchFamily="34" charset="0"/>
-            </a:endParaRPr>
-          </a:p>
-          <a:p>
-            <a:r>
-              <a:rPr lang="en-US" sz="1600" dirty="0" smtClean="0">
-                <a:latin typeface="Calibri" panose="020F0502020204030204" pitchFamily="34" charset="0"/>
-                <a:cs typeface="Calibri" panose="020F0502020204030204" pitchFamily="34" charset="0"/>
-              </a:rPr>
-              <a:t>	0</a:t>
-            </a:r>
-            <a:endParaRPr lang="en-US" sz="1600" dirty="0">
-              <a:latin typeface="Calibri" panose="020F0502020204030204" pitchFamily="34" charset="0"/>
-              <a:cs typeface="Calibri" panose="020F0502020204030204" pitchFamily="34" charset="0"/>
-            </a:endParaRPr>
-          </a:p>
-          <a:p>
-            <a:r>
-              <a:rPr lang="en-US" sz="1600" dirty="0" smtClean="0">
-                <a:latin typeface="Calibri" panose="020F0502020204030204" pitchFamily="34" charset="0"/>
-                <a:cs typeface="Calibri" panose="020F0502020204030204" pitchFamily="34" charset="0"/>
-              </a:rPr>
-              <a:t>	$$</a:t>
-            </a:r>
-            <a:r>
-              <a:rPr lang="en-US" sz="1600" dirty="0">
-                <a:latin typeface="Calibri" panose="020F0502020204030204" pitchFamily="34" charset="0"/>
-                <a:cs typeface="Calibri" panose="020F0502020204030204" pitchFamily="34" charset="0"/>
-              </a:rPr>
-              <a:t>P0</a:t>
-            </a:r>
-          </a:p>
-          <a:p>
-            <a:r>
-              <a:rPr lang="en-US" sz="1600" dirty="0" smtClean="0">
-                <a:latin typeface="Calibri" panose="020F0502020204030204" pitchFamily="34" charset="0"/>
-                <a:cs typeface="Calibri" panose="020F0502020204030204" pitchFamily="34" charset="0"/>
-              </a:rPr>
-              <a:t>	0</a:t>
-            </a:r>
-            <a:endParaRPr lang="en-US" sz="1600" dirty="0">
-              <a:latin typeface="Calibri" panose="020F0502020204030204" pitchFamily="34" charset="0"/>
-              <a:cs typeface="Calibri" panose="020F0502020204030204" pitchFamily="34" charset="0"/>
-            </a:endParaRPr>
-          </a:p>
-          <a:p>
-            <a:r>
-              <a:rPr lang="en-US" sz="1600" dirty="0" smtClean="0">
-                <a:latin typeface="Calibri" panose="020F0502020204030204" pitchFamily="34" charset="0"/>
-                <a:cs typeface="Calibri" panose="020F0502020204030204" pitchFamily="34" charset="0"/>
-              </a:rPr>
-              <a:t>	$$</a:t>
-            </a:r>
-            <a:r>
-              <a:rPr lang="en-US" sz="1600" dirty="0">
-                <a:latin typeface="Calibri" panose="020F0502020204030204" pitchFamily="34" charset="0"/>
-                <a:cs typeface="Calibri" panose="020F0502020204030204" pitchFamily="34" charset="0"/>
-              </a:rPr>
-              <a:t>L</a:t>
-            </a:r>
-          </a:p>
-          <a:p>
-            <a:r>
-              <a:rPr lang="en-US" sz="1600" dirty="0" smtClean="0">
-                <a:latin typeface="Calibri" panose="020F0502020204030204" pitchFamily="34" charset="0"/>
-                <a:cs typeface="Calibri" panose="020F0502020204030204" pitchFamily="34" charset="0"/>
-              </a:rPr>
-              <a:t>	0</a:t>
-            </a:r>
-            <a:endParaRPr lang="es-ES" sz="1600" dirty="0">
-              <a:latin typeface="Calibri" panose="020F0502020204030204" pitchFamily="34" charset="0"/>
-              <a:cs typeface="Calibri" panose="020F0502020204030204" pitchFamily="34" charset="0"/>
-            </a:endParaRPr>
-          </a:p>
-          <a:p>
-            <a:endParaRPr lang="es-ES" sz="1600" dirty="0">
-              <a:latin typeface="Calibri" panose="020F0502020204030204" pitchFamily="34" charset="0"/>
-              <a:cs typeface="Calibri" panose="020F0502020204030204" pitchFamily="34" charset="0"/>
-            </a:endParaRPr>
           </a:p>
         </p:txBody>
       </p:sp>
     </p:spTree>
     <p:extLst>
       <p:ext uri="{BB962C8B-B14F-4D97-AF65-F5344CB8AC3E}">
-        <p14:creationId xmlns:p14="http://schemas.microsoft.com/office/powerpoint/2010/main" val="2772855239"/>
+        <p14:creationId xmlns:p14="http://schemas.microsoft.com/office/powerpoint/2010/main" val="4165928069"/>
       </p:ext>
     </p:extLst>
   </p:cSld>
@@ -22326,7 +22294,7 @@
             <a:pPr algn="ctr"/>
             <a:r>
               <a:rPr lang="en-US" dirty="0" smtClean="0"/>
-              <a:t>Unsaturated material hydraulic conductivity curve </a:t>
+              <a:t>Unsaturated material water retention curve </a:t>
             </a:r>
             <a:endParaRPr lang="es-ES" dirty="0"/>
           </a:p>
@@ -22334,38 +22302,45 @@
       </p:sp>
       <p:sp>
         <p:nvSpPr>
-          <p:cNvPr id="6" name="Rectangle 5"/>
+          <p:cNvPr id="4" name="Rectangle 3"/>
           <p:cNvSpPr/>
           <p:nvPr/>
         </p:nvSpPr>
         <p:spPr>
           <a:xfrm>
-            <a:off x="178904" y="1009975"/>
-            <a:ext cx="4572000" cy="5170646"/>
+            <a:off x="218661" y="1071533"/>
+            <a:ext cx="4562060" cy="4154984"/>
           </a:xfrm>
           <a:prstGeom prst="rect">
             <a:avLst/>
           </a:prstGeom>
         </p:spPr>
         <p:txBody>
-          <a:bodyPr>
+          <a:bodyPr wrap="square">
             <a:spAutoFit/>
           </a:bodyPr>
           <a:lstStyle/>
           <a:p>
             <a:r>
+              <a:rPr lang="es-ES" sz="1600" dirty="0">
+                <a:latin typeface="Calibri" panose="020F0502020204030204" pitchFamily="34" charset="0"/>
+                <a:cs typeface="Calibri" panose="020F0502020204030204" pitchFamily="34" charset="0"/>
+              </a:rPr>
+              <a:t>I</a:t>
+            </a:r>
+            <a:r>
               <a:rPr lang="es-ES" sz="1600" dirty="0" smtClean="0">
                 <a:latin typeface="Calibri" panose="020F0502020204030204" pitchFamily="34" charset="0"/>
                 <a:cs typeface="Calibri" panose="020F0502020204030204" pitchFamily="34" charset="0"/>
               </a:rPr>
-              <a:t>I.	$$</a:t>
+              <a:t>.	$$</a:t>
             </a:r>
             <a:r>
               <a:rPr lang="es-ES" sz="1600" dirty="0">
                 <a:latin typeface="Calibri" panose="020F0502020204030204" pitchFamily="34" charset="0"/>
                 <a:cs typeface="Calibri" panose="020F0502020204030204" pitchFamily="34" charset="0"/>
               </a:rPr>
-              <a:t>HYDR_CONDUCTIVITY_CURVE</a:t>
+              <a:t>WATER_RETENTION_CURVE</a:t>
             </a:r>
           </a:p>
           <a:p>
@@ -22374,21 +22349,8 @@
                 <a:latin typeface="Calibri" panose="020F0502020204030204" pitchFamily="34" charset="0"/>
                 <a:cs typeface="Calibri" panose="020F0502020204030204" pitchFamily="34" charset="0"/>
               </a:rPr>
-              <a:t>	</a:t>
-            </a:r>
-            <a:r>
-              <a:rPr lang="es-ES" sz="1600" dirty="0" err="1" smtClean="0">
-                <a:latin typeface="Calibri" panose="020F0502020204030204" pitchFamily="34" charset="0"/>
-                <a:cs typeface="Calibri" panose="020F0502020204030204" pitchFamily="34" charset="0"/>
-              </a:rPr>
-              <a:t>constant</a:t>
-            </a:r>
-            <a:endParaRPr lang="es-ES" sz="1600" dirty="0" smtClean="0">
-              <a:latin typeface="Calibri" panose="020F0502020204030204" pitchFamily="34" charset="0"/>
-              <a:cs typeface="Calibri" panose="020F0502020204030204" pitchFamily="34" charset="0"/>
-            </a:endParaRPr>
-          </a:p>
-          <a:p>
+              <a:t>	linear</a:t>
+            </a:r>
             <a:endParaRPr lang="es-ES" sz="1600" dirty="0">
               <a:latin typeface="Calibri" panose="020F0502020204030204" pitchFamily="34" charset="0"/>
               <a:cs typeface="Calibri" panose="020F0502020204030204" pitchFamily="34" charset="0"/>
@@ -22400,30 +22362,14 @@
                 <a:latin typeface="Calibri" panose="020F0502020204030204" pitchFamily="34" charset="0"/>
                 <a:cs typeface="Calibri" panose="020F0502020204030204" pitchFamily="34" charset="0"/>
               </a:rPr>
-              <a:t>II.</a:t>
-            </a:r>
-            <a:r>
-              <a:rPr lang="es-ES" sz="1600" dirty="0">
-                <a:latin typeface="Calibri" panose="020F0502020204030204" pitchFamily="34" charset="0"/>
-                <a:cs typeface="Calibri" panose="020F0502020204030204" pitchFamily="34" charset="0"/>
-              </a:rPr>
-              <a:t>	$$HYDR_CONDUCTIVITY_CURVE</a:t>
-            </a:r>
-          </a:p>
-          <a:p>
-            <a:r>
-              <a:rPr lang="es-ES" sz="1600" dirty="0">
-                <a:latin typeface="Calibri" panose="020F0502020204030204" pitchFamily="34" charset="0"/>
-                <a:cs typeface="Calibri" panose="020F0502020204030204" pitchFamily="34" charset="0"/>
-              </a:rPr>
-              <a:t>	</a:t>
+              <a:t>	$$</a:t>
             </a:r>
             <a:r>
               <a:rPr lang="es-ES" sz="1600" dirty="0" err="1">
                 <a:latin typeface="Calibri" panose="020F0502020204030204" pitchFamily="34" charset="0"/>
                 <a:cs typeface="Calibri" panose="020F0502020204030204" pitchFamily="34" charset="0"/>
               </a:rPr>
-              <a:t>Hillel</a:t>
+              <a:t>av</a:t>
             </a:r>
             <a:endParaRPr lang="es-ES" sz="1600" dirty="0">
               <a:latin typeface="Calibri" panose="020F0502020204030204" pitchFamily="34" charset="0"/>
@@ -22432,27 +22378,11 @@
           </a:p>
           <a:p>
             <a:r>
-              <a:rPr lang="es-ES" sz="1600" dirty="0">
-                <a:latin typeface="Calibri" panose="020F0502020204030204" pitchFamily="34" charset="0"/>
-                <a:cs typeface="Calibri" panose="020F0502020204030204" pitchFamily="34" charset="0"/>
-              </a:rPr>
-              <a:t>	$$r</a:t>
-            </a:r>
-          </a:p>
-          <a:p>
-            <a:r>
-              <a:rPr lang="es-ES" sz="1600" dirty="0">
-                <a:latin typeface="Calibri" panose="020F0502020204030204" pitchFamily="34" charset="0"/>
-                <a:cs typeface="Calibri" panose="020F0502020204030204" pitchFamily="34" charset="0"/>
-              </a:rPr>
-              <a:t>	</a:t>
-            </a:r>
-            <a:r>
               <a:rPr lang="es-ES" sz="1600" dirty="0" smtClean="0">
                 <a:latin typeface="Calibri" panose="020F0502020204030204" pitchFamily="34" charset="0"/>
                 <a:cs typeface="Calibri" panose="020F0502020204030204" pitchFamily="34" charset="0"/>
               </a:rPr>
-              <a:t>0</a:t>
+              <a:t>	0</a:t>
             </a:r>
           </a:p>
           <a:p>
@@ -22467,14 +22397,14 @@
                 <a:latin typeface="Calibri" panose="020F0502020204030204" pitchFamily="34" charset="0"/>
                 <a:cs typeface="Calibri" panose="020F0502020204030204" pitchFamily="34" charset="0"/>
               </a:rPr>
-              <a:t>III.	</a:t>
+              <a:t>II.	</a:t>
             </a:r>
             <a:r>
               <a:rPr lang="es-ES" sz="1600" dirty="0">
                 <a:latin typeface="Calibri" panose="020F0502020204030204" pitchFamily="34" charset="0"/>
                 <a:cs typeface="Calibri" panose="020F0502020204030204" pitchFamily="34" charset="0"/>
               </a:rPr>
-              <a:t>$$HYDR_CONDUCTIVITY_CURVE</a:t>
+              <a:t>$$WATER_RETENTION_CURVE</a:t>
             </a:r>
           </a:p>
           <a:p>
@@ -22490,7 +22420,7 @@
                 <a:latin typeface="Calibri" panose="020F0502020204030204" pitchFamily="34" charset="0"/>
                 <a:cs typeface="Calibri" panose="020F0502020204030204" pitchFamily="34" charset="0"/>
               </a:rPr>
-              <a:t>mualem</a:t>
+              <a:t>van_genuchten</a:t>
             </a:r>
             <a:endParaRPr lang="es-ES" sz="1600" dirty="0">
               <a:latin typeface="Calibri" panose="020F0502020204030204" pitchFamily="34" charset="0"/>
@@ -22532,47 +22462,47 @@
           </a:p>
           <a:p>
             <a:r>
-              <a:rPr lang="es-ES" sz="1600" dirty="0" smtClean="0">
+              <a:rPr lang="en-US" sz="1600" dirty="0" smtClean="0">
                 <a:latin typeface="Calibri" panose="020F0502020204030204" pitchFamily="34" charset="0"/>
                 <a:cs typeface="Calibri" panose="020F0502020204030204" pitchFamily="34" charset="0"/>
               </a:rPr>
               <a:t>	$$</a:t>
             </a:r>
             <a:r>
-              <a:rPr lang="es-ES" sz="1600" dirty="0" err="1">
+              <a:rPr lang="en-US" sz="1600" dirty="0" err="1">
                 <a:latin typeface="Calibri" panose="020F0502020204030204" pitchFamily="34" charset="0"/>
                 <a:cs typeface="Calibri" panose="020F0502020204030204" pitchFamily="34" charset="0"/>
               </a:rPr>
               <a:t>Smax</a:t>
             </a:r>
-            <a:endParaRPr lang="es-ES" sz="1600" dirty="0">
+            <a:endParaRPr lang="en-US" sz="1600" dirty="0">
               <a:latin typeface="Calibri" panose="020F0502020204030204" pitchFamily="34" charset="0"/>
               <a:cs typeface="Calibri" panose="020F0502020204030204" pitchFamily="34" charset="0"/>
             </a:endParaRPr>
           </a:p>
           <a:p>
             <a:r>
-              <a:rPr lang="es-ES" sz="1600" dirty="0" smtClean="0">
+              <a:rPr lang="en-US" sz="1600" dirty="0" smtClean="0">
                 <a:latin typeface="Calibri" panose="020F0502020204030204" pitchFamily="34" charset="0"/>
                 <a:cs typeface="Calibri" panose="020F0502020204030204" pitchFamily="34" charset="0"/>
               </a:rPr>
               <a:t>	0</a:t>
             </a:r>
-            <a:endParaRPr lang="es-ES" sz="1600" dirty="0">
+            <a:endParaRPr lang="en-US" sz="1600" dirty="0">
               <a:latin typeface="Calibri" panose="020F0502020204030204" pitchFamily="34" charset="0"/>
               <a:cs typeface="Calibri" panose="020F0502020204030204" pitchFamily="34" charset="0"/>
             </a:endParaRPr>
           </a:p>
           <a:p>
             <a:r>
-              <a:rPr lang="es-ES" sz="1600" dirty="0" smtClean="0">
+              <a:rPr lang="en-US" sz="1600" dirty="0" smtClean="0">
                 <a:latin typeface="Calibri" panose="020F0502020204030204" pitchFamily="34" charset="0"/>
                 <a:cs typeface="Calibri" panose="020F0502020204030204" pitchFamily="34" charset="0"/>
               </a:rPr>
               <a:t>	$$</a:t>
             </a:r>
             <a:r>
-              <a:rPr lang="es-ES" sz="1600" dirty="0">
+              <a:rPr lang="en-US" sz="1600" dirty="0">
                 <a:latin typeface="Calibri" panose="020F0502020204030204" pitchFamily="34" charset="0"/>
                 <a:cs typeface="Calibri" panose="020F0502020204030204" pitchFamily="34" charset="0"/>
               </a:rPr>
@@ -22581,27 +22511,27 @@
           </a:p>
           <a:p>
             <a:r>
-              <a:rPr lang="es-ES" sz="1600" dirty="0" smtClean="0">
+              <a:rPr lang="en-US" sz="1600" dirty="0" smtClean="0">
                 <a:latin typeface="Calibri" panose="020F0502020204030204" pitchFamily="34" charset="0"/>
                 <a:cs typeface="Calibri" panose="020F0502020204030204" pitchFamily="34" charset="0"/>
               </a:rPr>
               <a:t>	0</a:t>
             </a:r>
-            <a:endParaRPr lang="es-ES" sz="1600" dirty="0">
+            <a:endParaRPr lang="en-US" sz="1600" dirty="0">
               <a:latin typeface="Calibri" panose="020F0502020204030204" pitchFamily="34" charset="0"/>
               <a:cs typeface="Calibri" panose="020F0502020204030204" pitchFamily="34" charset="0"/>
             </a:endParaRPr>
           </a:p>
           <a:p>
             <a:r>
-              <a:rPr lang="es-ES" sz="1600" dirty="0" smtClean="0">
+              <a:rPr lang="en-US" sz="1600" dirty="0" smtClean="0">
                 <a:latin typeface="Calibri" panose="020F0502020204030204" pitchFamily="34" charset="0"/>
                 <a:cs typeface="Calibri" panose="020F0502020204030204" pitchFamily="34" charset="0"/>
               </a:rPr>
               <a:t>	$$</a:t>
             </a:r>
             <a:r>
-              <a:rPr lang="es-ES" sz="1600" dirty="0">
+              <a:rPr lang="en-US" sz="1600" dirty="0">
                 <a:latin typeface="Calibri" panose="020F0502020204030204" pitchFamily="34" charset="0"/>
                 <a:cs typeface="Calibri" panose="020F0502020204030204" pitchFamily="34" charset="0"/>
               </a:rPr>
@@ -22610,18 +22540,12 @@
           </a:p>
           <a:p>
             <a:r>
-              <a:rPr lang="es-ES" sz="1600" dirty="0" smtClean="0">
+              <a:rPr lang="en-US" sz="1600" dirty="0" smtClean="0">
                 <a:latin typeface="Calibri" panose="020F0502020204030204" pitchFamily="34" charset="0"/>
                 <a:cs typeface="Calibri" panose="020F0502020204030204" pitchFamily="34" charset="0"/>
               </a:rPr>
               <a:t>	0</a:t>
             </a:r>
-            <a:endParaRPr lang="es-ES" sz="1600" dirty="0">
-              <a:latin typeface="Calibri" panose="020F0502020204030204" pitchFamily="34" charset="0"/>
-              <a:cs typeface="Calibri" panose="020F0502020204030204" pitchFamily="34" charset="0"/>
-            </a:endParaRPr>
-          </a:p>
-          <a:p>
             <a:endParaRPr lang="es-ES" sz="1600" dirty="0">
               <a:latin typeface="Calibri" panose="020F0502020204030204" pitchFamily="34" charset="0"/>
               <a:cs typeface="Calibri" panose="020F0502020204030204" pitchFamily="34" charset="0"/>
@@ -22638,7 +22562,7 @@
     </p:spTree>
     <p:extLst>
       <p:ext uri="{BB962C8B-B14F-4D97-AF65-F5344CB8AC3E}">
-        <p14:creationId xmlns:p14="http://schemas.microsoft.com/office/powerpoint/2010/main" val="848474507"/>
+        <p14:creationId xmlns:p14="http://schemas.microsoft.com/office/powerpoint/2010/main" val="2772855239"/>
       </p:ext>
     </p:extLst>
   </p:cSld>
@@ -22690,7 +22614,7 @@
             <a:pPr algn="ctr"/>
             <a:r>
               <a:rPr lang="en-US" dirty="0" smtClean="0"/>
-              <a:t>Material types</a:t>
+              <a:t>Unsaturated material hydraulic conductivity curve </a:t>
             </a:r>
             <a:endParaRPr lang="es-ES" dirty="0"/>
           </a:p>
@@ -22698,21 +22622,21 @@
       </p:sp>
       <p:sp>
         <p:nvSpPr>
-          <p:cNvPr id="3" name="Rectangle 2"/>
+          <p:cNvPr id="6" name="Rectangle 5"/>
           <p:cNvSpPr/>
           <p:nvPr/>
         </p:nvSpPr>
         <p:spPr>
           <a:xfrm>
-            <a:off x="370265" y="834894"/>
-            <a:ext cx="5742299" cy="3108543"/>
+            <a:off x="178904" y="1009975"/>
+            <a:ext cx="4572000" cy="5170646"/>
           </a:xfrm>
           <a:prstGeom prst="rect">
             <a:avLst/>
           </a:prstGeom>
         </p:spPr>
         <p:txBody>
-          <a:bodyPr wrap="square">
+          <a:bodyPr>
             <a:spAutoFit/>
           </a:bodyPr>
           <a:lstStyle/>
@@ -22722,24 +22646,30 @@
                 <a:latin typeface="Calibri" panose="020F0502020204030204" pitchFamily="34" charset="0"/>
                 <a:cs typeface="Calibri" panose="020F0502020204030204" pitchFamily="34" charset="0"/>
               </a:rPr>
-              <a:t>8.   $$</a:t>
+              <a:t>I.	$$</a:t>
             </a:r>
             <a:r>
               <a:rPr lang="es-ES" sz="1600" dirty="0">
                 <a:latin typeface="Calibri" panose="020F0502020204030204" pitchFamily="34" charset="0"/>
                 <a:cs typeface="Calibri" panose="020F0502020204030204" pitchFamily="34" charset="0"/>
               </a:rPr>
-              <a:t>MATERIAL_TYPE</a:t>
-            </a:r>
-          </a:p>
-          <a:p>
-            <a:pPr indent="357188"/>
+              <a:t>HYDR_CONDUCTIVITY_CURVE</a:t>
+            </a:r>
+          </a:p>
+          <a:p>
+            <a:r>
+              <a:rPr lang="es-ES" sz="1600" dirty="0" smtClean="0">
+                <a:latin typeface="Calibri" panose="020F0502020204030204" pitchFamily="34" charset="0"/>
+                <a:cs typeface="Calibri" panose="020F0502020204030204" pitchFamily="34" charset="0"/>
+              </a:rPr>
+              <a:t>	</a:t>
+            </a:r>
             <a:r>
               <a:rPr lang="es-ES" sz="1600" dirty="0" err="1" smtClean="0">
                 <a:latin typeface="Calibri" panose="020F0502020204030204" pitchFamily="34" charset="0"/>
                 <a:cs typeface="Calibri" panose="020F0502020204030204" pitchFamily="34" charset="0"/>
               </a:rPr>
-              <a:t>Liquid</a:t>
+              <a:t>constant</a:t>
             </a:r>
             <a:endParaRPr lang="es-ES" sz="1600" dirty="0" smtClean="0">
               <a:latin typeface="Calibri" panose="020F0502020204030204" pitchFamily="34" charset="0"/>
@@ -22747,146 +22677,256 @@
             </a:endParaRPr>
           </a:p>
           <a:p>
-            <a:pPr indent="357188"/>
+            <a:endParaRPr lang="es-ES" sz="1600" dirty="0">
+              <a:latin typeface="Calibri" panose="020F0502020204030204" pitchFamily="34" charset="0"/>
+              <a:cs typeface="Calibri" panose="020F0502020204030204" pitchFamily="34" charset="0"/>
+            </a:endParaRPr>
+          </a:p>
+          <a:p>
+            <a:r>
+              <a:rPr lang="es-ES" sz="1600" dirty="0" smtClean="0">
+                <a:latin typeface="Calibri" panose="020F0502020204030204" pitchFamily="34" charset="0"/>
+                <a:cs typeface="Calibri" panose="020F0502020204030204" pitchFamily="34" charset="0"/>
+              </a:rPr>
+              <a:t>II.</a:t>
+            </a:r>
             <a:r>
               <a:rPr lang="es-ES" sz="1600" dirty="0">
                 <a:latin typeface="Calibri" panose="020F0502020204030204" pitchFamily="34" charset="0"/>
                 <a:cs typeface="Calibri" panose="020F0502020204030204" pitchFamily="34" charset="0"/>
               </a:rPr>
-              <a:t>$$</a:t>
+              <a:t>	$$HYDR_CONDUCTIVITY_CURVE</a:t>
+            </a:r>
+          </a:p>
+          <a:p>
+            <a:r>
+              <a:rPr lang="es-ES" sz="1600" dirty="0">
+                <a:latin typeface="Calibri" panose="020F0502020204030204" pitchFamily="34" charset="0"/>
+                <a:cs typeface="Calibri" panose="020F0502020204030204" pitchFamily="34" charset="0"/>
+              </a:rPr>
+              <a:t>	</a:t>
+            </a:r>
+            <a:r>
+              <a:rPr lang="es-ES" sz="1600" dirty="0" err="1">
+                <a:latin typeface="Calibri" panose="020F0502020204030204" pitchFamily="34" charset="0"/>
+                <a:cs typeface="Calibri" panose="020F0502020204030204" pitchFamily="34" charset="0"/>
+              </a:rPr>
+              <a:t>Hillel</a:t>
+            </a:r>
+            <a:endParaRPr lang="es-ES" sz="1600" dirty="0">
+              <a:latin typeface="Calibri" panose="020F0502020204030204" pitchFamily="34" charset="0"/>
+              <a:cs typeface="Calibri" panose="020F0502020204030204" pitchFamily="34" charset="0"/>
+            </a:endParaRPr>
+          </a:p>
+          <a:p>
+            <a:r>
+              <a:rPr lang="es-ES" sz="1600" dirty="0">
+                <a:latin typeface="Calibri" panose="020F0502020204030204" pitchFamily="34" charset="0"/>
+                <a:cs typeface="Calibri" panose="020F0502020204030204" pitchFamily="34" charset="0"/>
+              </a:rPr>
+              <a:t>	$$r</a:t>
+            </a:r>
+          </a:p>
+          <a:p>
+            <a:r>
+              <a:rPr lang="es-ES" sz="1600" dirty="0">
+                <a:latin typeface="Calibri" panose="020F0502020204030204" pitchFamily="34" charset="0"/>
+                <a:cs typeface="Calibri" panose="020F0502020204030204" pitchFamily="34" charset="0"/>
+              </a:rPr>
+              <a:t>	</a:t>
             </a:r>
             <a:r>
               <a:rPr lang="es-ES" sz="1600" dirty="0" smtClean="0">
                 <a:latin typeface="Calibri" panose="020F0502020204030204" pitchFamily="34" charset="0"/>
                 <a:cs typeface="Calibri" panose="020F0502020204030204" pitchFamily="34" charset="0"/>
               </a:rPr>
-              <a:t>DENSITY_LIQUID</a:t>
-            </a:r>
-          </a:p>
-          <a:p>
-            <a:pPr indent="357188"/>
+              <a:t>0</a:t>
+            </a:r>
+          </a:p>
+          <a:p>
+            <a:endParaRPr lang="es-ES" sz="1600" dirty="0">
+              <a:latin typeface="Calibri" panose="020F0502020204030204" pitchFamily="34" charset="0"/>
+              <a:cs typeface="Calibri" panose="020F0502020204030204" pitchFamily="34" charset="0"/>
+            </a:endParaRPr>
+          </a:p>
+          <a:p>
+            <a:r>
+              <a:rPr lang="es-ES" sz="1600" dirty="0" smtClean="0">
+                <a:latin typeface="Calibri" panose="020F0502020204030204" pitchFamily="34" charset="0"/>
+                <a:cs typeface="Calibri" panose="020F0502020204030204" pitchFamily="34" charset="0"/>
+              </a:rPr>
+              <a:t>III.	</a:t>
+            </a:r>
             <a:r>
               <a:rPr lang="es-ES" sz="1600" dirty="0">
                 <a:latin typeface="Calibri" panose="020F0502020204030204" pitchFamily="34" charset="0"/>
                 <a:cs typeface="Calibri" panose="020F0502020204030204" pitchFamily="34" charset="0"/>
               </a:rPr>
-              <a:t>0</a:t>
-            </a:r>
-          </a:p>
-          <a:p>
-            <a:pPr indent="357188"/>
+              <a:t>$$HYDR_CONDUCTIVITY_CURVE</a:t>
+            </a:r>
+          </a:p>
+          <a:p>
+            <a:r>
+              <a:rPr lang="es-ES" sz="1600" dirty="0" smtClean="0">
+                <a:latin typeface="Calibri" panose="020F0502020204030204" pitchFamily="34" charset="0"/>
+                <a:cs typeface="Calibri" panose="020F0502020204030204" pitchFamily="34" charset="0"/>
+              </a:rPr>
+              <a:t>	</a:t>
+            </a:r>
+            <a:r>
+              <a:rPr lang="es-ES" sz="1600" dirty="0" err="1" smtClean="0">
+                <a:latin typeface="Calibri" panose="020F0502020204030204" pitchFamily="34" charset="0"/>
+                <a:cs typeface="Calibri" panose="020F0502020204030204" pitchFamily="34" charset="0"/>
+              </a:rPr>
+              <a:t>mualem</a:t>
+            </a:r>
+            <a:endParaRPr lang="es-ES" sz="1600" dirty="0">
+              <a:latin typeface="Calibri" panose="020F0502020204030204" pitchFamily="34" charset="0"/>
+              <a:cs typeface="Calibri" panose="020F0502020204030204" pitchFamily="34" charset="0"/>
+            </a:endParaRPr>
+          </a:p>
+          <a:p>
+            <a:r>
+              <a:rPr lang="es-ES" sz="1600" dirty="0" smtClean="0">
+                <a:latin typeface="Calibri" panose="020F0502020204030204" pitchFamily="34" charset="0"/>
+                <a:cs typeface="Calibri" panose="020F0502020204030204" pitchFamily="34" charset="0"/>
+              </a:rPr>
+              <a:t>	$$</a:t>
+            </a:r>
+            <a:r>
+              <a:rPr lang="es-ES" sz="1600" dirty="0" err="1">
+                <a:latin typeface="Calibri" panose="020F0502020204030204" pitchFamily="34" charset="0"/>
+                <a:cs typeface="Calibri" panose="020F0502020204030204" pitchFamily="34" charset="0"/>
+              </a:rPr>
+              <a:t>Smin</a:t>
+            </a:r>
+            <a:endParaRPr lang="es-ES" sz="1600" dirty="0">
+              <a:latin typeface="Calibri" panose="020F0502020204030204" pitchFamily="34" charset="0"/>
+              <a:cs typeface="Calibri" panose="020F0502020204030204" pitchFamily="34" charset="0"/>
+            </a:endParaRPr>
+          </a:p>
+          <a:p>
+            <a:r>
+              <a:rPr lang="es-ES" sz="1600" dirty="0" smtClean="0">
+                <a:latin typeface="Calibri" panose="020F0502020204030204" pitchFamily="34" charset="0"/>
+                <a:cs typeface="Calibri" panose="020F0502020204030204" pitchFamily="34" charset="0"/>
+              </a:rPr>
+              <a:t>	0</a:t>
+            </a:r>
+            <a:endParaRPr lang="es-ES" sz="1600" dirty="0">
+              <a:latin typeface="Calibri" panose="020F0502020204030204" pitchFamily="34" charset="0"/>
+              <a:cs typeface="Calibri" panose="020F0502020204030204" pitchFamily="34" charset="0"/>
+            </a:endParaRPr>
+          </a:p>
+          <a:p>
+            <a:r>
+              <a:rPr lang="es-ES" sz="1600" dirty="0" smtClean="0">
+                <a:latin typeface="Calibri" panose="020F0502020204030204" pitchFamily="34" charset="0"/>
+                <a:cs typeface="Calibri" panose="020F0502020204030204" pitchFamily="34" charset="0"/>
+              </a:rPr>
+              <a:t>	$$</a:t>
+            </a:r>
+            <a:r>
+              <a:rPr lang="es-ES" sz="1600" dirty="0" err="1">
+                <a:latin typeface="Calibri" panose="020F0502020204030204" pitchFamily="34" charset="0"/>
+                <a:cs typeface="Calibri" panose="020F0502020204030204" pitchFamily="34" charset="0"/>
+              </a:rPr>
+              <a:t>Smax</a:t>
+            </a:r>
+            <a:endParaRPr lang="es-ES" sz="1600" dirty="0">
+              <a:latin typeface="Calibri" panose="020F0502020204030204" pitchFamily="34" charset="0"/>
+              <a:cs typeface="Calibri" panose="020F0502020204030204" pitchFamily="34" charset="0"/>
+            </a:endParaRPr>
+          </a:p>
+          <a:p>
+            <a:r>
+              <a:rPr lang="es-ES" sz="1600" dirty="0" smtClean="0">
+                <a:latin typeface="Calibri" panose="020F0502020204030204" pitchFamily="34" charset="0"/>
+                <a:cs typeface="Calibri" panose="020F0502020204030204" pitchFamily="34" charset="0"/>
+              </a:rPr>
+              <a:t>	0</a:t>
+            </a:r>
+            <a:endParaRPr lang="es-ES" sz="1600" dirty="0">
+              <a:latin typeface="Calibri" panose="020F0502020204030204" pitchFamily="34" charset="0"/>
+              <a:cs typeface="Calibri" panose="020F0502020204030204" pitchFamily="34" charset="0"/>
+            </a:endParaRPr>
+          </a:p>
+          <a:p>
+            <a:r>
+              <a:rPr lang="es-ES" sz="1600" dirty="0" smtClean="0">
+                <a:latin typeface="Calibri" panose="020F0502020204030204" pitchFamily="34" charset="0"/>
+                <a:cs typeface="Calibri" panose="020F0502020204030204" pitchFamily="34" charset="0"/>
+              </a:rPr>
+              <a:t>	$$</a:t>
+            </a:r>
             <a:r>
               <a:rPr lang="es-ES" sz="1600" dirty="0">
                 <a:latin typeface="Calibri" panose="020F0502020204030204" pitchFamily="34" charset="0"/>
                 <a:cs typeface="Calibri" panose="020F0502020204030204" pitchFamily="34" charset="0"/>
               </a:rPr>
-              <a:t>$$</a:t>
-            </a:r>
+              <a:t>P0</a:t>
+            </a:r>
+          </a:p>
+          <a:p>
             <a:r>
               <a:rPr lang="es-ES" sz="1600" dirty="0" smtClean="0">
                 <a:latin typeface="Calibri" panose="020F0502020204030204" pitchFamily="34" charset="0"/>
                 <a:cs typeface="Calibri" panose="020F0502020204030204" pitchFamily="34" charset="0"/>
               </a:rPr>
-              <a:t>BULK_MODULUS_LIQUID</a:t>
-            </a:r>
-          </a:p>
-          <a:p>
-            <a:pPr indent="357188"/>
+              <a:t>	0</a:t>
+            </a:r>
+            <a:endParaRPr lang="es-ES" sz="1600" dirty="0">
+              <a:latin typeface="Calibri" panose="020F0502020204030204" pitchFamily="34" charset="0"/>
+              <a:cs typeface="Calibri" panose="020F0502020204030204" pitchFamily="34" charset="0"/>
+            </a:endParaRPr>
+          </a:p>
+          <a:p>
+            <a:r>
+              <a:rPr lang="es-ES" sz="1600" dirty="0" smtClean="0">
+                <a:latin typeface="Calibri" panose="020F0502020204030204" pitchFamily="34" charset="0"/>
+                <a:cs typeface="Calibri" panose="020F0502020204030204" pitchFamily="34" charset="0"/>
+              </a:rPr>
+              <a:t>	$$</a:t>
+            </a:r>
             <a:r>
               <a:rPr lang="es-ES" sz="1600" dirty="0">
                 <a:latin typeface="Calibri" panose="020F0502020204030204" pitchFamily="34" charset="0"/>
                 <a:cs typeface="Calibri" panose="020F0502020204030204" pitchFamily="34" charset="0"/>
               </a:rPr>
-              <a:t>0</a:t>
-            </a:r>
-          </a:p>
-          <a:p>
-            <a:pPr indent="357188"/>
-            <a:r>
-              <a:rPr lang="es-ES" sz="1600" dirty="0">
-                <a:latin typeface="Calibri" panose="020F0502020204030204" pitchFamily="34" charset="0"/>
-                <a:cs typeface="Calibri" panose="020F0502020204030204" pitchFamily="34" charset="0"/>
-              </a:rPr>
-              <a:t>$$</a:t>
-            </a:r>
+              <a:t>L</a:t>
+            </a:r>
+          </a:p>
+          <a:p>
             <a:r>
               <a:rPr lang="es-ES" sz="1600" dirty="0" smtClean="0">
                 <a:latin typeface="Calibri" panose="020F0502020204030204" pitchFamily="34" charset="0"/>
                 <a:cs typeface="Calibri" panose="020F0502020204030204" pitchFamily="34" charset="0"/>
               </a:rPr>
-              <a:t>DYNAMIC_VISCOSITY_LIQUID</a:t>
-            </a:r>
-          </a:p>
-          <a:p>
-            <a:pPr indent="357188"/>
-            <a:r>
-              <a:rPr lang="es-ES" sz="1600" dirty="0">
-                <a:latin typeface="Calibri" panose="020F0502020204030204" pitchFamily="34" charset="0"/>
-                <a:cs typeface="Calibri" panose="020F0502020204030204" pitchFamily="34" charset="0"/>
-              </a:rPr>
-              <a:t>0</a:t>
-            </a:r>
-          </a:p>
-          <a:p>
-            <a:pPr indent="357188"/>
-            <a:r>
-              <a:rPr lang="es-ES" sz="1600" dirty="0">
-                <a:latin typeface="Calibri" panose="020F0502020204030204" pitchFamily="34" charset="0"/>
-                <a:cs typeface="Calibri" panose="020F0502020204030204" pitchFamily="34" charset="0"/>
-              </a:rPr>
-              <a:t>$$</a:t>
-            </a:r>
-            <a:r>
-              <a:rPr lang="es-ES" sz="1600" dirty="0" smtClean="0">
-                <a:latin typeface="Calibri" panose="020F0502020204030204" pitchFamily="34" charset="0"/>
-                <a:cs typeface="Calibri" panose="020F0502020204030204" pitchFamily="34" charset="0"/>
-              </a:rPr>
-              <a:t>LIQUID_CAVITATION</a:t>
-            </a:r>
-          </a:p>
-          <a:p>
-            <a:pPr indent="357188"/>
-            <a:r>
-              <a:rPr lang="es-ES" sz="1600" dirty="0">
-                <a:latin typeface="Calibri" panose="020F0502020204030204" pitchFamily="34" charset="0"/>
-                <a:cs typeface="Calibri" panose="020F0502020204030204" pitchFamily="34" charset="0"/>
-              </a:rPr>
-              <a:t>0</a:t>
-            </a:r>
-          </a:p>
-          <a:p>
-            <a:pPr indent="357188"/>
-            <a:r>
-              <a:rPr lang="es-ES" sz="1600" dirty="0">
-                <a:latin typeface="Calibri" panose="020F0502020204030204" pitchFamily="34" charset="0"/>
-                <a:cs typeface="Calibri" panose="020F0502020204030204" pitchFamily="34" charset="0"/>
-              </a:rPr>
-              <a:t>$$</a:t>
-            </a:r>
-            <a:r>
-              <a:rPr lang="es-ES" sz="1600" dirty="0" smtClean="0">
-                <a:latin typeface="Calibri" panose="020F0502020204030204" pitchFamily="34" charset="0"/>
-                <a:cs typeface="Calibri" panose="020F0502020204030204" pitchFamily="34" charset="0"/>
-              </a:rPr>
-              <a:t>APPLY_DETECT_LIQUID_SURFACE</a:t>
-            </a:r>
-          </a:p>
-          <a:p>
-            <a:pPr indent="357188"/>
-            <a:r>
-              <a:rPr lang="es-ES" sz="1600" dirty="0">
-                <a:latin typeface="Calibri" panose="020F0502020204030204" pitchFamily="34" charset="0"/>
-                <a:cs typeface="Calibri" panose="020F0502020204030204" pitchFamily="34" charset="0"/>
-              </a:rPr>
-              <a:t>0</a:t>
-            </a:r>
+              <a:t>	0</a:t>
+            </a:r>
+            <a:endParaRPr lang="es-ES" sz="1600" dirty="0">
+              <a:latin typeface="Calibri" panose="020F0502020204030204" pitchFamily="34" charset="0"/>
+              <a:cs typeface="Calibri" panose="020F0502020204030204" pitchFamily="34" charset="0"/>
+            </a:endParaRPr>
+          </a:p>
+          <a:p>
+            <a:endParaRPr lang="es-ES" sz="1600" dirty="0">
+              <a:latin typeface="Calibri" panose="020F0502020204030204" pitchFamily="34" charset="0"/>
+              <a:cs typeface="Calibri" panose="020F0502020204030204" pitchFamily="34" charset="0"/>
+            </a:endParaRPr>
+          </a:p>
+          <a:p>
+            <a:endParaRPr lang="es-ES" sz="1600" dirty="0">
+              <a:latin typeface="Calibri" panose="020F0502020204030204" pitchFamily="34" charset="0"/>
+              <a:cs typeface="Calibri" panose="020F0502020204030204" pitchFamily="34" charset="0"/>
+            </a:endParaRPr>
           </a:p>
         </p:txBody>
       </p:sp>
     </p:spTree>
     <p:extLst>
       <p:ext uri="{BB962C8B-B14F-4D97-AF65-F5344CB8AC3E}">
-        <p14:creationId xmlns:p14="http://schemas.microsoft.com/office/powerpoint/2010/main" val="1685348446"/>
+        <p14:creationId xmlns:p14="http://schemas.microsoft.com/office/powerpoint/2010/main" val="848474507"/>
       </p:ext>
     </p:extLst>
   </p:cSld>
@@ -22922,270 +22962,6 @@
       </p:grpSpPr>
       <p:sp>
         <p:nvSpPr>
-          <p:cNvPr id="3" name="Rectangle 2"/>
-          <p:cNvSpPr/>
-          <p:nvPr/>
-        </p:nvSpPr>
-        <p:spPr>
-          <a:xfrm>
-            <a:off x="370265" y="834888"/>
-            <a:ext cx="5742299" cy="5416868"/>
-          </a:xfrm>
-          <a:prstGeom prst="rect">
-            <a:avLst/>
-          </a:prstGeom>
-        </p:spPr>
-        <p:txBody>
-          <a:bodyPr wrap="square">
-            <a:spAutoFit/>
-          </a:bodyPr>
-          <a:lstStyle/>
-          <a:p>
-            <a:r>
-              <a:rPr lang="es-ES" sz="1600" dirty="0" smtClean="0">
-                <a:latin typeface="Calibri" panose="020F0502020204030204" pitchFamily="34" charset="0"/>
-                <a:cs typeface="Calibri" panose="020F0502020204030204" pitchFamily="34" charset="0"/>
-              </a:rPr>
-              <a:t>1.    $$</a:t>
-            </a:r>
-            <a:r>
-              <a:rPr lang="es-ES" sz="1600" dirty="0">
-                <a:latin typeface="Calibri" panose="020F0502020204030204" pitchFamily="34" charset="0"/>
-                <a:cs typeface="Calibri" panose="020F0502020204030204" pitchFamily="34" charset="0"/>
-              </a:rPr>
-              <a:t>MATERIAL_MODEL_SOLID</a:t>
-            </a:r>
-          </a:p>
-          <a:p>
-            <a:pPr indent="357188"/>
-            <a:r>
-              <a:rPr lang="es-ES" sz="1600" dirty="0" err="1" smtClean="0">
-                <a:latin typeface="Calibri" panose="020F0502020204030204" pitchFamily="34" charset="0"/>
-                <a:cs typeface="Calibri" panose="020F0502020204030204" pitchFamily="34" charset="0"/>
-              </a:rPr>
-              <a:t>linear_elasticity</a:t>
-            </a:r>
-            <a:endParaRPr lang="es-ES" sz="1600" dirty="0" smtClean="0">
-              <a:latin typeface="Calibri" panose="020F0502020204030204" pitchFamily="34" charset="0"/>
-              <a:cs typeface="Calibri" panose="020F0502020204030204" pitchFamily="34" charset="0"/>
-            </a:endParaRPr>
-          </a:p>
-          <a:p>
-            <a:pPr indent="357188"/>
-            <a:r>
-              <a:rPr lang="es-ES" sz="1600" dirty="0" smtClean="0">
-                <a:latin typeface="Calibri" panose="020F0502020204030204" pitchFamily="34" charset="0"/>
-                <a:cs typeface="Calibri" panose="020F0502020204030204" pitchFamily="34" charset="0"/>
-              </a:rPr>
-              <a:t>$$YOUNG_MODULUS</a:t>
-            </a:r>
-          </a:p>
-          <a:p>
-            <a:pPr indent="357188"/>
-            <a:r>
-              <a:rPr lang="es-ES" sz="1600" dirty="0">
-                <a:latin typeface="Calibri" panose="020F0502020204030204" pitchFamily="34" charset="0"/>
-                <a:cs typeface="Calibri" panose="020F0502020204030204" pitchFamily="34" charset="0"/>
-              </a:rPr>
-              <a:t>0</a:t>
-            </a:r>
-            <a:endParaRPr lang="es-ES" sz="1600" dirty="0" smtClean="0">
-              <a:latin typeface="Calibri" panose="020F0502020204030204" pitchFamily="34" charset="0"/>
-              <a:cs typeface="Calibri" panose="020F0502020204030204" pitchFamily="34" charset="0"/>
-            </a:endParaRPr>
-          </a:p>
-          <a:p>
-            <a:pPr indent="357188"/>
-            <a:r>
-              <a:rPr lang="es-ES" sz="1600" dirty="0">
-                <a:latin typeface="Calibri" panose="020F0502020204030204" pitchFamily="34" charset="0"/>
-                <a:cs typeface="Calibri" panose="020F0502020204030204" pitchFamily="34" charset="0"/>
-              </a:rPr>
-              <a:t>$$</a:t>
-            </a:r>
-            <a:r>
-              <a:rPr lang="es-ES" sz="1600" dirty="0" smtClean="0">
-                <a:latin typeface="Calibri" panose="020F0502020204030204" pitchFamily="34" charset="0"/>
-                <a:cs typeface="Calibri" panose="020F0502020204030204" pitchFamily="34" charset="0"/>
-              </a:rPr>
-              <a:t>POISSON_RATIO</a:t>
-            </a:r>
-          </a:p>
-          <a:p>
-            <a:pPr indent="357188"/>
-            <a:r>
-              <a:rPr lang="es-ES" sz="1600" dirty="0" smtClean="0">
-                <a:latin typeface="Calibri" panose="020F0502020204030204" pitchFamily="34" charset="0"/>
-                <a:cs typeface="Calibri" panose="020F0502020204030204" pitchFamily="34" charset="0"/>
-              </a:rPr>
-              <a:t>0</a:t>
-            </a:r>
-          </a:p>
-          <a:p>
-            <a:pPr indent="357188"/>
-            <a:endParaRPr lang="es-ES" sz="1600" dirty="0">
-              <a:latin typeface="Calibri" panose="020F0502020204030204" pitchFamily="34" charset="0"/>
-              <a:cs typeface="Calibri" panose="020F0502020204030204" pitchFamily="34" charset="0"/>
-            </a:endParaRPr>
-          </a:p>
-          <a:p>
-            <a:r>
-              <a:rPr lang="es-ES" sz="1600" dirty="0" smtClean="0">
-                <a:latin typeface="Calibri" panose="020F0502020204030204" pitchFamily="34" charset="0"/>
-                <a:cs typeface="Calibri" panose="020F0502020204030204" pitchFamily="34" charset="0"/>
-              </a:rPr>
-              <a:t>2.   $$</a:t>
-            </a:r>
-            <a:r>
-              <a:rPr lang="es-ES" sz="1600" dirty="0">
-                <a:latin typeface="Calibri" panose="020F0502020204030204" pitchFamily="34" charset="0"/>
-                <a:cs typeface="Calibri" panose="020F0502020204030204" pitchFamily="34" charset="0"/>
-              </a:rPr>
-              <a:t>MATERIAL_MODEL_SOLID</a:t>
-            </a:r>
-          </a:p>
-          <a:p>
-            <a:pPr indent="357188"/>
-            <a:r>
-              <a:rPr lang="es-ES" sz="1600" dirty="0" err="1">
-                <a:latin typeface="Calibri" panose="020F0502020204030204" pitchFamily="34" charset="0"/>
-                <a:cs typeface="Calibri" panose="020F0502020204030204" pitchFamily="34" charset="0"/>
-              </a:rPr>
-              <a:t>mohr_coulomb</a:t>
-            </a:r>
-            <a:endParaRPr lang="es-ES" sz="1600" dirty="0">
-              <a:latin typeface="Calibri" panose="020F0502020204030204" pitchFamily="34" charset="0"/>
-              <a:cs typeface="Calibri" panose="020F0502020204030204" pitchFamily="34" charset="0"/>
-            </a:endParaRPr>
-          </a:p>
-          <a:p>
-            <a:pPr indent="357188"/>
-            <a:r>
-              <a:rPr lang="es-ES" sz="1600" dirty="0">
-                <a:latin typeface="Calibri" panose="020F0502020204030204" pitchFamily="34" charset="0"/>
-                <a:cs typeface="Calibri" panose="020F0502020204030204" pitchFamily="34" charset="0"/>
-              </a:rPr>
-              <a:t>$$YOUNG_MODULUS</a:t>
-            </a:r>
-          </a:p>
-          <a:p>
-            <a:pPr indent="357188"/>
-            <a:r>
-              <a:rPr lang="es-ES" sz="1600" dirty="0">
-                <a:latin typeface="Calibri" panose="020F0502020204030204" pitchFamily="34" charset="0"/>
-                <a:cs typeface="Calibri" panose="020F0502020204030204" pitchFamily="34" charset="0"/>
-              </a:rPr>
-              <a:t>0</a:t>
-            </a:r>
-          </a:p>
-          <a:p>
-            <a:pPr indent="357188"/>
-            <a:r>
-              <a:rPr lang="es-ES" sz="1600" dirty="0">
-                <a:latin typeface="Calibri" panose="020F0502020204030204" pitchFamily="34" charset="0"/>
-                <a:cs typeface="Calibri" panose="020F0502020204030204" pitchFamily="34" charset="0"/>
-              </a:rPr>
-              <a:t>$$POISSON_RATIO</a:t>
-            </a:r>
-          </a:p>
-          <a:p>
-            <a:pPr indent="357188"/>
-            <a:r>
-              <a:rPr lang="es-ES" sz="1600" dirty="0">
-                <a:latin typeface="Calibri" panose="020F0502020204030204" pitchFamily="34" charset="0"/>
-                <a:cs typeface="Calibri" panose="020F0502020204030204" pitchFamily="34" charset="0"/>
-              </a:rPr>
-              <a:t>0</a:t>
-            </a:r>
-          </a:p>
-          <a:p>
-            <a:pPr indent="357188"/>
-            <a:r>
-              <a:rPr lang="es-ES" sz="1600" dirty="0">
-                <a:latin typeface="Calibri" panose="020F0502020204030204" pitchFamily="34" charset="0"/>
-                <a:cs typeface="Calibri" panose="020F0502020204030204" pitchFamily="34" charset="0"/>
-              </a:rPr>
-              <a:t>$$FRICTION_ANGLE</a:t>
-            </a:r>
-          </a:p>
-          <a:p>
-            <a:pPr indent="357188"/>
-            <a:r>
-              <a:rPr lang="es-ES" sz="1600" dirty="0">
-                <a:latin typeface="Calibri" panose="020F0502020204030204" pitchFamily="34" charset="0"/>
-                <a:cs typeface="Calibri" panose="020F0502020204030204" pitchFamily="34" charset="0"/>
-              </a:rPr>
-              <a:t>0</a:t>
-            </a:r>
-          </a:p>
-          <a:p>
-            <a:pPr indent="357188"/>
-            <a:r>
-              <a:rPr lang="es-ES" sz="1600" dirty="0">
-                <a:latin typeface="Calibri" panose="020F0502020204030204" pitchFamily="34" charset="0"/>
-                <a:cs typeface="Calibri" panose="020F0502020204030204" pitchFamily="34" charset="0"/>
-              </a:rPr>
-              <a:t>$$COHESION</a:t>
-            </a:r>
-          </a:p>
-          <a:p>
-            <a:pPr indent="357188"/>
-            <a:r>
-              <a:rPr lang="es-ES" sz="1600" dirty="0">
-                <a:latin typeface="Calibri" panose="020F0502020204030204" pitchFamily="34" charset="0"/>
-                <a:cs typeface="Calibri" panose="020F0502020204030204" pitchFamily="34" charset="0"/>
-              </a:rPr>
-              <a:t>0</a:t>
-            </a:r>
-          </a:p>
-          <a:p>
-            <a:pPr indent="357188"/>
-            <a:r>
-              <a:rPr lang="es-ES" sz="1600" dirty="0">
-                <a:latin typeface="Calibri" panose="020F0502020204030204" pitchFamily="34" charset="0"/>
-                <a:cs typeface="Calibri" panose="020F0502020204030204" pitchFamily="34" charset="0"/>
-              </a:rPr>
-              <a:t>$$DILATANCY_ANGLE</a:t>
-            </a:r>
-          </a:p>
-          <a:p>
-            <a:pPr indent="357188"/>
-            <a:r>
-              <a:rPr lang="es-ES" sz="1600" dirty="0">
-                <a:latin typeface="Calibri" panose="020F0502020204030204" pitchFamily="34" charset="0"/>
-                <a:cs typeface="Calibri" panose="020F0502020204030204" pitchFamily="34" charset="0"/>
-              </a:rPr>
-              <a:t>0</a:t>
-            </a:r>
-          </a:p>
-          <a:p>
-            <a:pPr indent="357188"/>
-            <a:r>
-              <a:rPr lang="es-ES" sz="1600" dirty="0">
-                <a:latin typeface="Calibri" panose="020F0502020204030204" pitchFamily="34" charset="0"/>
-                <a:cs typeface="Calibri" panose="020F0502020204030204" pitchFamily="34" charset="0"/>
-              </a:rPr>
-              <a:t>$$TENSILE_STRENGTH</a:t>
-            </a:r>
-          </a:p>
-          <a:p>
-            <a:pPr indent="357188"/>
-            <a:r>
-              <a:rPr lang="es-ES" sz="1600" dirty="0" smtClean="0">
-                <a:latin typeface="Calibri" panose="020F0502020204030204" pitchFamily="34" charset="0"/>
-                <a:cs typeface="Calibri" panose="020F0502020204030204" pitchFamily="34" charset="0"/>
-              </a:rPr>
-              <a:t>0</a:t>
-            </a:r>
-            <a:endParaRPr lang="es-ES" sz="1600" dirty="0">
-              <a:latin typeface="Calibri" panose="020F0502020204030204" pitchFamily="34" charset="0"/>
-              <a:cs typeface="Calibri" panose="020F0502020204030204" pitchFamily="34" charset="0"/>
-            </a:endParaRPr>
-          </a:p>
-        </p:txBody>
-      </p:sp>
-      <p:sp>
-        <p:nvSpPr>
           <p:cNvPr id="2" name="Title 1"/>
           <p:cNvSpPr>
             <a:spLocks noGrp="1"/>
@@ -23202,7 +22978,7 @@
             <a:pPr algn="ctr"/>
             <a:r>
               <a:rPr lang="en-US" dirty="0" smtClean="0"/>
-              <a:t>Material model solid</a:t>
+              <a:t>Material types</a:t>
             </a:r>
             <a:endParaRPr lang="es-ES" dirty="0"/>
           </a:p>
@@ -23210,14 +22986,14 @@
       </p:sp>
       <p:sp>
         <p:nvSpPr>
-          <p:cNvPr id="4" name="Rectangle 3"/>
+          <p:cNvPr id="3" name="Rectangle 2"/>
           <p:cNvSpPr/>
           <p:nvPr/>
         </p:nvSpPr>
         <p:spPr>
           <a:xfrm>
-            <a:off x="4435371" y="824946"/>
-            <a:ext cx="3525875" cy="2616101"/>
+            <a:off x="370265" y="834894"/>
+            <a:ext cx="5742299" cy="3108543"/>
           </a:xfrm>
           <a:prstGeom prst="rect">
             <a:avLst/>
@@ -23234,14 +23010,14 @@
                 <a:latin typeface="Calibri" panose="020F0502020204030204" pitchFamily="34" charset="0"/>
                 <a:cs typeface="Calibri" panose="020F0502020204030204" pitchFamily="34" charset="0"/>
               </a:rPr>
-              <a:t>3.    $$</a:t>
+              <a:t>8.   $$</a:t>
             </a:r>
             <a:r>
               <a:rPr lang="es-ES" sz="1600" dirty="0">
                 <a:latin typeface="Calibri" panose="020F0502020204030204" pitchFamily="34" charset="0"/>
                 <a:cs typeface="Calibri" panose="020F0502020204030204" pitchFamily="34" charset="0"/>
               </a:rPr>
-              <a:t>MATERIAL_MODEL_SOLID</a:t>
+              <a:t>MATERIAL_TYPE</a:t>
             </a:r>
           </a:p>
           <a:p>
@@ -23251,7 +23027,7 @@
                 <a:latin typeface="Calibri" panose="020F0502020204030204" pitchFamily="34" charset="0"/>
                 <a:cs typeface="Calibri" panose="020F0502020204030204" pitchFamily="34" charset="0"/>
               </a:rPr>
-              <a:t>rigid_body</a:t>
+              <a:t>Liquid</a:t>
             </a:r>
             <a:endParaRPr lang="es-ES" sz="1600" dirty="0" smtClean="0">
               <a:latin typeface="Calibri" panose="020F0502020204030204" pitchFamily="34" charset="0"/>
@@ -23268,48 +23044,47 @@
               <a:t>$$</a:t>
             </a:r>
             <a:r>
-              <a:rPr lang="es-ES" sz="1600" dirty="0" err="1" smtClean="0">
-                <a:latin typeface="Calibri" panose="020F0502020204030204" pitchFamily="34" charset="0"/>
-                <a:cs typeface="Calibri" panose="020F0502020204030204" pitchFamily="34" charset="0"/>
-              </a:rPr>
-              <a:t>constraint_XDISPLACEMENT</a:t>
-            </a:r>
-            <a:endParaRPr lang="es-ES" sz="1600" dirty="0" smtClean="0">
-              <a:latin typeface="Calibri" panose="020F0502020204030204" pitchFamily="34" charset="0"/>
-              <a:cs typeface="Calibri" panose="020F0502020204030204" pitchFamily="34" charset="0"/>
-            </a:endParaRPr>
+              <a:rPr lang="es-ES" sz="1600" dirty="0" smtClean="0">
+                <a:latin typeface="Calibri" panose="020F0502020204030204" pitchFamily="34" charset="0"/>
+                <a:cs typeface="Calibri" panose="020F0502020204030204" pitchFamily="34" charset="0"/>
+              </a:rPr>
+              <a:t>DENSITY_LIQUID</a:t>
+            </a:r>
           </a:p>
           <a:p>
             <a:pPr indent="357188"/>
             <a:r>
-              <a:rPr lang="es-ES" sz="1200" i="1" dirty="0">
-                <a:latin typeface="Calibri" panose="020F0502020204030204" pitchFamily="34" charset="0"/>
-                <a:cs typeface="Calibri" panose="020F0502020204030204" pitchFamily="34" charset="0"/>
-              </a:rPr>
-              <a:t>(0 free ; 1 </a:t>
-            </a:r>
-            <a:r>
-              <a:rPr lang="es-ES" sz="1200" i="1" dirty="0" err="1">
-                <a:latin typeface="Calibri" panose="020F0502020204030204" pitchFamily="34" charset="0"/>
-                <a:cs typeface="Calibri" panose="020F0502020204030204" pitchFamily="34" charset="0"/>
-              </a:rPr>
-              <a:t>fixed</a:t>
-            </a:r>
-            <a:r>
-              <a:rPr lang="es-ES" sz="1200" i="1" dirty="0">
-                <a:latin typeface="Calibri" panose="020F0502020204030204" pitchFamily="34" charset="0"/>
-                <a:cs typeface="Calibri" panose="020F0502020204030204" pitchFamily="34" charset="0"/>
-              </a:rPr>
-              <a:t>)</a:t>
+              <a:rPr lang="es-ES" sz="1600" dirty="0">
+                <a:latin typeface="Calibri" panose="020F0502020204030204" pitchFamily="34" charset="0"/>
+                <a:cs typeface="Calibri" panose="020F0502020204030204" pitchFamily="34" charset="0"/>
+              </a:rPr>
+              <a:t>0</a:t>
             </a:r>
           </a:p>
           <a:p>
             <a:pPr indent="357188"/>
             <a:r>
+              <a:rPr lang="es-ES" sz="1600" dirty="0">
+                <a:latin typeface="Calibri" panose="020F0502020204030204" pitchFamily="34" charset="0"/>
+                <a:cs typeface="Calibri" panose="020F0502020204030204" pitchFamily="34" charset="0"/>
+              </a:rPr>
+              <a:t>$$</a:t>
+            </a:r>
+            <a:r>
               <a:rPr lang="es-ES" sz="1600" dirty="0" smtClean="0">
                 <a:latin typeface="Calibri" panose="020F0502020204030204" pitchFamily="34" charset="0"/>
                 <a:cs typeface="Calibri" panose="020F0502020204030204" pitchFamily="34" charset="0"/>
               </a:rPr>
+              <a:t>BULK_MODULUS_LIQUID</a:t>
+            </a:r>
+          </a:p>
+          <a:p>
+            <a:pPr indent="357188"/>
+            <a:r>
+              <a:rPr lang="es-ES" sz="1600" dirty="0">
+                <a:latin typeface="Calibri" panose="020F0502020204030204" pitchFamily="34" charset="0"/>
+                <a:cs typeface="Calibri" panose="020F0502020204030204" pitchFamily="34" charset="0"/>
+              </a:rPr>
               <a:t>0</a:t>
             </a:r>
           </a:p>
@@ -23323,44 +23098,22 @@
               <a:t>$$</a:t>
             </a:r>
             <a:r>
-              <a:rPr lang="es-ES" sz="1600" dirty="0" err="1" smtClean="0">
-                <a:latin typeface="Calibri" panose="020F0502020204030204" pitchFamily="34" charset="0"/>
-                <a:cs typeface="Calibri" panose="020F0502020204030204" pitchFamily="34" charset="0"/>
-              </a:rPr>
-              <a:t>constraint_YDISPLACEMENT</a:t>
-            </a:r>
-            <a:endParaRPr lang="es-ES" sz="1600" dirty="0" smtClean="0">
-              <a:latin typeface="Calibri" panose="020F0502020204030204" pitchFamily="34" charset="0"/>
-              <a:cs typeface="Calibri" panose="020F0502020204030204" pitchFamily="34" charset="0"/>
-            </a:endParaRPr>
+              <a:rPr lang="es-ES" sz="1600" dirty="0" smtClean="0">
+                <a:latin typeface="Calibri" panose="020F0502020204030204" pitchFamily="34" charset="0"/>
+                <a:cs typeface="Calibri" panose="020F0502020204030204" pitchFamily="34" charset="0"/>
+              </a:rPr>
+              <a:t>DYNAMIC_VISCOSITY_LIQUID</a:t>
+            </a:r>
           </a:p>
           <a:p>
             <a:pPr indent="357188"/>
             <a:r>
-              <a:rPr lang="es-ES" sz="1200" i="1" dirty="0">
-                <a:latin typeface="Calibri" panose="020F0502020204030204" pitchFamily="34" charset="0"/>
-                <a:cs typeface="Calibri" panose="020F0502020204030204" pitchFamily="34" charset="0"/>
-              </a:rPr>
-              <a:t>(0 free ; 1 </a:t>
-            </a:r>
-            <a:r>
-              <a:rPr lang="es-ES" sz="1200" i="1" dirty="0" err="1">
-                <a:latin typeface="Calibri" panose="020F0502020204030204" pitchFamily="34" charset="0"/>
-                <a:cs typeface="Calibri" panose="020F0502020204030204" pitchFamily="34" charset="0"/>
-              </a:rPr>
-              <a:t>fixed</a:t>
-            </a:r>
-            <a:r>
-              <a:rPr lang="es-ES" sz="1200" i="1" dirty="0" smtClean="0">
-                <a:latin typeface="Calibri" panose="020F0502020204030204" pitchFamily="34" charset="0"/>
-                <a:cs typeface="Calibri" panose="020F0502020204030204" pitchFamily="34" charset="0"/>
-              </a:rPr>
-              <a:t>)</a:t>
-            </a:r>
-            <a:endParaRPr lang="es-ES" sz="1200" dirty="0" smtClean="0">
-              <a:latin typeface="Calibri" panose="020F0502020204030204" pitchFamily="34" charset="0"/>
-              <a:cs typeface="Calibri" panose="020F0502020204030204" pitchFamily="34" charset="0"/>
-            </a:endParaRPr>
+              <a:rPr lang="es-ES" sz="1600" dirty="0">
+                <a:latin typeface="Calibri" panose="020F0502020204030204" pitchFamily="34" charset="0"/>
+                <a:cs typeface="Calibri" panose="020F0502020204030204" pitchFamily="34" charset="0"/>
+              </a:rPr>
+              <a:t>0</a:t>
+            </a:r>
           </a:p>
           <a:p>
             <a:pPr indent="357188"/>
@@ -23369,12 +23122,25 @@
                 <a:latin typeface="Calibri" panose="020F0502020204030204" pitchFamily="34" charset="0"/>
                 <a:cs typeface="Calibri" panose="020F0502020204030204" pitchFamily="34" charset="0"/>
               </a:rPr>
+              <a:t>$$</a:t>
+            </a:r>
+            <a:r>
+              <a:rPr lang="es-ES" sz="1600" dirty="0" smtClean="0">
+                <a:latin typeface="Calibri" panose="020F0502020204030204" pitchFamily="34" charset="0"/>
+                <a:cs typeface="Calibri" panose="020F0502020204030204" pitchFamily="34" charset="0"/>
+              </a:rPr>
+              <a:t>LIQUID_CAVITATION</a:t>
+            </a:r>
+          </a:p>
+          <a:p>
+            <a:pPr indent="357188"/>
+            <a:r>
+              <a:rPr lang="es-ES" sz="1600" dirty="0">
+                <a:latin typeface="Calibri" panose="020F0502020204030204" pitchFamily="34" charset="0"/>
+                <a:cs typeface="Calibri" panose="020F0502020204030204" pitchFamily="34" charset="0"/>
+              </a:rPr>
               <a:t>0</a:t>
             </a:r>
-            <a:endParaRPr lang="es-ES" sz="1600" dirty="0" smtClean="0">
-              <a:latin typeface="Calibri" panose="020F0502020204030204" pitchFamily="34" charset="0"/>
-              <a:cs typeface="Calibri" panose="020F0502020204030204" pitchFamily="34" charset="0"/>
-            </a:endParaRPr>
           </a:p>
           <a:p>
             <a:pPr indent="357188"/>
@@ -23386,65 +23152,29 @@
               <a:t>$$</a:t>
             </a:r>
             <a:r>
-              <a:rPr lang="es-ES" sz="1600" dirty="0" err="1" smtClean="0">
-                <a:latin typeface="Calibri" panose="020F0502020204030204" pitchFamily="34" charset="0"/>
-                <a:cs typeface="Calibri" panose="020F0502020204030204" pitchFamily="34" charset="0"/>
-              </a:rPr>
-              <a:t>constraint_ZDISPLACEMENT</a:t>
-            </a:r>
-            <a:endParaRPr lang="es-ES" sz="1600" dirty="0" smtClean="0">
-              <a:latin typeface="Calibri" panose="020F0502020204030204" pitchFamily="34" charset="0"/>
-              <a:cs typeface="Calibri" panose="020F0502020204030204" pitchFamily="34" charset="0"/>
-            </a:endParaRPr>
+              <a:rPr lang="es-ES" sz="1600" dirty="0" smtClean="0">
+                <a:latin typeface="Calibri" panose="020F0502020204030204" pitchFamily="34" charset="0"/>
+                <a:cs typeface="Calibri" panose="020F0502020204030204" pitchFamily="34" charset="0"/>
+              </a:rPr>
+              <a:t>APPLY_DETECT_LIQUID_SURFACE</a:t>
+            </a:r>
           </a:p>
           <a:p>
             <a:pPr indent="357188"/>
             <a:r>
-              <a:rPr lang="es-ES" sz="1200" i="1" dirty="0">
-                <a:latin typeface="Calibri" panose="020F0502020204030204" pitchFamily="34" charset="0"/>
-                <a:cs typeface="Calibri" panose="020F0502020204030204" pitchFamily="34" charset="0"/>
-              </a:rPr>
-              <a:t>(0 free ; 1 </a:t>
-            </a:r>
-            <a:r>
-              <a:rPr lang="es-ES" sz="1200" i="1" dirty="0" err="1">
-                <a:latin typeface="Calibri" panose="020F0502020204030204" pitchFamily="34" charset="0"/>
-                <a:cs typeface="Calibri" panose="020F0502020204030204" pitchFamily="34" charset="0"/>
-              </a:rPr>
-              <a:t>fixed</a:t>
-            </a:r>
-            <a:r>
-              <a:rPr lang="es-ES" sz="1200" i="1" dirty="0" smtClean="0">
-                <a:latin typeface="Calibri" panose="020F0502020204030204" pitchFamily="34" charset="0"/>
-                <a:cs typeface="Calibri" panose="020F0502020204030204" pitchFamily="34" charset="0"/>
-              </a:rPr>
-              <a:t>)</a:t>
-            </a:r>
-            <a:endParaRPr lang="es-ES" sz="1200" dirty="0" smtClean="0">
-              <a:latin typeface="Calibri" panose="020F0502020204030204" pitchFamily="34" charset="0"/>
-              <a:cs typeface="Calibri" panose="020F0502020204030204" pitchFamily="34" charset="0"/>
-            </a:endParaRPr>
-          </a:p>
-          <a:p>
-            <a:pPr indent="357188"/>
-            <a:r>
               <a:rPr lang="es-ES" sz="1600" dirty="0">
                 <a:latin typeface="Calibri" panose="020F0502020204030204" pitchFamily="34" charset="0"/>
                 <a:cs typeface="Calibri" panose="020F0502020204030204" pitchFamily="34" charset="0"/>
               </a:rPr>
               <a:t>0</a:t>
             </a:r>
-            <a:endParaRPr lang="es-ES" sz="1600" dirty="0" smtClean="0">
-              <a:latin typeface="Calibri" panose="020F0502020204030204" pitchFamily="34" charset="0"/>
-              <a:cs typeface="Calibri" panose="020F0502020204030204" pitchFamily="34" charset="0"/>
-            </a:endParaRPr>
           </a:p>
         </p:txBody>
       </p:sp>
     </p:spTree>
     <p:extLst>
       <p:ext uri="{BB962C8B-B14F-4D97-AF65-F5344CB8AC3E}">
-        <p14:creationId xmlns:p14="http://schemas.microsoft.com/office/powerpoint/2010/main" val="628482544"/>
+        <p14:creationId xmlns:p14="http://schemas.microsoft.com/office/powerpoint/2010/main" val="1685348446"/>
       </p:ext>
     </p:extLst>
   </p:cSld>
@@ -24540,6 +24270,564 @@
         </p:nvSpPr>
         <p:spPr>
           <a:xfrm>
+            <a:off x="370265" y="834888"/>
+            <a:ext cx="5742299" cy="5416868"/>
+          </a:xfrm>
+          <a:prstGeom prst="rect">
+            <a:avLst/>
+          </a:prstGeom>
+        </p:spPr>
+        <p:txBody>
+          <a:bodyPr wrap="square">
+            <a:spAutoFit/>
+          </a:bodyPr>
+          <a:lstStyle/>
+          <a:p>
+            <a:r>
+              <a:rPr lang="es-ES" sz="1600" dirty="0" smtClean="0">
+                <a:latin typeface="Calibri" panose="020F0502020204030204" pitchFamily="34" charset="0"/>
+                <a:cs typeface="Calibri" panose="020F0502020204030204" pitchFamily="34" charset="0"/>
+              </a:rPr>
+              <a:t>1.    $$</a:t>
+            </a:r>
+            <a:r>
+              <a:rPr lang="es-ES" sz="1600" dirty="0">
+                <a:latin typeface="Calibri" panose="020F0502020204030204" pitchFamily="34" charset="0"/>
+                <a:cs typeface="Calibri" panose="020F0502020204030204" pitchFamily="34" charset="0"/>
+              </a:rPr>
+              <a:t>MATERIAL_MODEL_SOLID</a:t>
+            </a:r>
+          </a:p>
+          <a:p>
+            <a:pPr indent="357188"/>
+            <a:r>
+              <a:rPr lang="es-ES" sz="1600" dirty="0" err="1" smtClean="0">
+                <a:latin typeface="Calibri" panose="020F0502020204030204" pitchFamily="34" charset="0"/>
+                <a:cs typeface="Calibri" panose="020F0502020204030204" pitchFamily="34" charset="0"/>
+              </a:rPr>
+              <a:t>linear_elasticity</a:t>
+            </a:r>
+            <a:endParaRPr lang="es-ES" sz="1600" dirty="0" smtClean="0">
+              <a:latin typeface="Calibri" panose="020F0502020204030204" pitchFamily="34" charset="0"/>
+              <a:cs typeface="Calibri" panose="020F0502020204030204" pitchFamily="34" charset="0"/>
+            </a:endParaRPr>
+          </a:p>
+          <a:p>
+            <a:pPr indent="357188"/>
+            <a:r>
+              <a:rPr lang="es-ES" sz="1600" dirty="0" smtClean="0">
+                <a:latin typeface="Calibri" panose="020F0502020204030204" pitchFamily="34" charset="0"/>
+                <a:cs typeface="Calibri" panose="020F0502020204030204" pitchFamily="34" charset="0"/>
+              </a:rPr>
+              <a:t>$$YOUNG_MODULUS</a:t>
+            </a:r>
+          </a:p>
+          <a:p>
+            <a:pPr indent="357188"/>
+            <a:r>
+              <a:rPr lang="es-ES" sz="1600" dirty="0">
+                <a:latin typeface="Calibri" panose="020F0502020204030204" pitchFamily="34" charset="0"/>
+                <a:cs typeface="Calibri" panose="020F0502020204030204" pitchFamily="34" charset="0"/>
+              </a:rPr>
+              <a:t>0</a:t>
+            </a:r>
+            <a:endParaRPr lang="es-ES" sz="1600" dirty="0" smtClean="0">
+              <a:latin typeface="Calibri" panose="020F0502020204030204" pitchFamily="34" charset="0"/>
+              <a:cs typeface="Calibri" panose="020F0502020204030204" pitchFamily="34" charset="0"/>
+            </a:endParaRPr>
+          </a:p>
+          <a:p>
+            <a:pPr indent="357188"/>
+            <a:r>
+              <a:rPr lang="es-ES" sz="1600" dirty="0">
+                <a:latin typeface="Calibri" panose="020F0502020204030204" pitchFamily="34" charset="0"/>
+                <a:cs typeface="Calibri" panose="020F0502020204030204" pitchFamily="34" charset="0"/>
+              </a:rPr>
+              <a:t>$$</a:t>
+            </a:r>
+            <a:r>
+              <a:rPr lang="es-ES" sz="1600" dirty="0" smtClean="0">
+                <a:latin typeface="Calibri" panose="020F0502020204030204" pitchFamily="34" charset="0"/>
+                <a:cs typeface="Calibri" panose="020F0502020204030204" pitchFamily="34" charset="0"/>
+              </a:rPr>
+              <a:t>POISSON_RATIO</a:t>
+            </a:r>
+          </a:p>
+          <a:p>
+            <a:pPr indent="357188"/>
+            <a:r>
+              <a:rPr lang="es-ES" sz="1600" dirty="0" smtClean="0">
+                <a:latin typeface="Calibri" panose="020F0502020204030204" pitchFamily="34" charset="0"/>
+                <a:cs typeface="Calibri" panose="020F0502020204030204" pitchFamily="34" charset="0"/>
+              </a:rPr>
+              <a:t>0</a:t>
+            </a:r>
+          </a:p>
+          <a:p>
+            <a:pPr indent="357188"/>
+            <a:endParaRPr lang="es-ES" sz="1600" dirty="0">
+              <a:latin typeface="Calibri" panose="020F0502020204030204" pitchFamily="34" charset="0"/>
+              <a:cs typeface="Calibri" panose="020F0502020204030204" pitchFamily="34" charset="0"/>
+            </a:endParaRPr>
+          </a:p>
+          <a:p>
+            <a:r>
+              <a:rPr lang="es-ES" sz="1600" dirty="0" smtClean="0">
+                <a:latin typeface="Calibri" panose="020F0502020204030204" pitchFamily="34" charset="0"/>
+                <a:cs typeface="Calibri" panose="020F0502020204030204" pitchFamily="34" charset="0"/>
+              </a:rPr>
+              <a:t>2.   $$</a:t>
+            </a:r>
+            <a:r>
+              <a:rPr lang="es-ES" sz="1600" dirty="0">
+                <a:latin typeface="Calibri" panose="020F0502020204030204" pitchFamily="34" charset="0"/>
+                <a:cs typeface="Calibri" panose="020F0502020204030204" pitchFamily="34" charset="0"/>
+              </a:rPr>
+              <a:t>MATERIAL_MODEL_SOLID</a:t>
+            </a:r>
+          </a:p>
+          <a:p>
+            <a:pPr indent="357188"/>
+            <a:r>
+              <a:rPr lang="es-ES" sz="1600" dirty="0" err="1">
+                <a:latin typeface="Calibri" panose="020F0502020204030204" pitchFamily="34" charset="0"/>
+                <a:cs typeface="Calibri" panose="020F0502020204030204" pitchFamily="34" charset="0"/>
+              </a:rPr>
+              <a:t>mohr_coulomb</a:t>
+            </a:r>
+            <a:endParaRPr lang="es-ES" sz="1600" dirty="0">
+              <a:latin typeface="Calibri" panose="020F0502020204030204" pitchFamily="34" charset="0"/>
+              <a:cs typeface="Calibri" panose="020F0502020204030204" pitchFamily="34" charset="0"/>
+            </a:endParaRPr>
+          </a:p>
+          <a:p>
+            <a:pPr indent="357188"/>
+            <a:r>
+              <a:rPr lang="es-ES" sz="1600" dirty="0">
+                <a:latin typeface="Calibri" panose="020F0502020204030204" pitchFamily="34" charset="0"/>
+                <a:cs typeface="Calibri" panose="020F0502020204030204" pitchFamily="34" charset="0"/>
+              </a:rPr>
+              <a:t>$$YOUNG_MODULUS</a:t>
+            </a:r>
+          </a:p>
+          <a:p>
+            <a:pPr indent="357188"/>
+            <a:r>
+              <a:rPr lang="es-ES" sz="1600" dirty="0">
+                <a:latin typeface="Calibri" panose="020F0502020204030204" pitchFamily="34" charset="0"/>
+                <a:cs typeface="Calibri" panose="020F0502020204030204" pitchFamily="34" charset="0"/>
+              </a:rPr>
+              <a:t>0</a:t>
+            </a:r>
+          </a:p>
+          <a:p>
+            <a:pPr indent="357188"/>
+            <a:r>
+              <a:rPr lang="es-ES" sz="1600" dirty="0">
+                <a:latin typeface="Calibri" panose="020F0502020204030204" pitchFamily="34" charset="0"/>
+                <a:cs typeface="Calibri" panose="020F0502020204030204" pitchFamily="34" charset="0"/>
+              </a:rPr>
+              <a:t>$$POISSON_RATIO</a:t>
+            </a:r>
+          </a:p>
+          <a:p>
+            <a:pPr indent="357188"/>
+            <a:r>
+              <a:rPr lang="es-ES" sz="1600" dirty="0">
+                <a:latin typeface="Calibri" panose="020F0502020204030204" pitchFamily="34" charset="0"/>
+                <a:cs typeface="Calibri" panose="020F0502020204030204" pitchFamily="34" charset="0"/>
+              </a:rPr>
+              <a:t>0</a:t>
+            </a:r>
+          </a:p>
+          <a:p>
+            <a:pPr indent="357188"/>
+            <a:r>
+              <a:rPr lang="es-ES" sz="1600" dirty="0">
+                <a:latin typeface="Calibri" panose="020F0502020204030204" pitchFamily="34" charset="0"/>
+                <a:cs typeface="Calibri" panose="020F0502020204030204" pitchFamily="34" charset="0"/>
+              </a:rPr>
+              <a:t>$$FRICTION_ANGLE</a:t>
+            </a:r>
+          </a:p>
+          <a:p>
+            <a:pPr indent="357188"/>
+            <a:r>
+              <a:rPr lang="es-ES" sz="1600" dirty="0">
+                <a:latin typeface="Calibri" panose="020F0502020204030204" pitchFamily="34" charset="0"/>
+                <a:cs typeface="Calibri" panose="020F0502020204030204" pitchFamily="34" charset="0"/>
+              </a:rPr>
+              <a:t>0</a:t>
+            </a:r>
+          </a:p>
+          <a:p>
+            <a:pPr indent="357188"/>
+            <a:r>
+              <a:rPr lang="es-ES" sz="1600" dirty="0">
+                <a:latin typeface="Calibri" panose="020F0502020204030204" pitchFamily="34" charset="0"/>
+                <a:cs typeface="Calibri" panose="020F0502020204030204" pitchFamily="34" charset="0"/>
+              </a:rPr>
+              <a:t>$$COHESION</a:t>
+            </a:r>
+          </a:p>
+          <a:p>
+            <a:pPr indent="357188"/>
+            <a:r>
+              <a:rPr lang="es-ES" sz="1600" dirty="0">
+                <a:latin typeface="Calibri" panose="020F0502020204030204" pitchFamily="34" charset="0"/>
+                <a:cs typeface="Calibri" panose="020F0502020204030204" pitchFamily="34" charset="0"/>
+              </a:rPr>
+              <a:t>0</a:t>
+            </a:r>
+          </a:p>
+          <a:p>
+            <a:pPr indent="357188"/>
+            <a:r>
+              <a:rPr lang="es-ES" sz="1600" dirty="0">
+                <a:latin typeface="Calibri" panose="020F0502020204030204" pitchFamily="34" charset="0"/>
+                <a:cs typeface="Calibri" panose="020F0502020204030204" pitchFamily="34" charset="0"/>
+              </a:rPr>
+              <a:t>$$DILATANCY_ANGLE</a:t>
+            </a:r>
+          </a:p>
+          <a:p>
+            <a:pPr indent="357188"/>
+            <a:r>
+              <a:rPr lang="es-ES" sz="1600" dirty="0">
+                <a:latin typeface="Calibri" panose="020F0502020204030204" pitchFamily="34" charset="0"/>
+                <a:cs typeface="Calibri" panose="020F0502020204030204" pitchFamily="34" charset="0"/>
+              </a:rPr>
+              <a:t>0</a:t>
+            </a:r>
+          </a:p>
+          <a:p>
+            <a:pPr indent="357188"/>
+            <a:r>
+              <a:rPr lang="es-ES" sz="1600" dirty="0">
+                <a:latin typeface="Calibri" panose="020F0502020204030204" pitchFamily="34" charset="0"/>
+                <a:cs typeface="Calibri" panose="020F0502020204030204" pitchFamily="34" charset="0"/>
+              </a:rPr>
+              <a:t>$$TENSILE_STRENGTH</a:t>
+            </a:r>
+          </a:p>
+          <a:p>
+            <a:pPr indent="357188"/>
+            <a:r>
+              <a:rPr lang="es-ES" sz="1600" dirty="0" smtClean="0">
+                <a:latin typeface="Calibri" panose="020F0502020204030204" pitchFamily="34" charset="0"/>
+                <a:cs typeface="Calibri" panose="020F0502020204030204" pitchFamily="34" charset="0"/>
+              </a:rPr>
+              <a:t>0</a:t>
+            </a:r>
+            <a:endParaRPr lang="es-ES" sz="1600" dirty="0">
+              <a:latin typeface="Calibri" panose="020F0502020204030204" pitchFamily="34" charset="0"/>
+              <a:cs typeface="Calibri" panose="020F0502020204030204" pitchFamily="34" charset="0"/>
+            </a:endParaRPr>
+          </a:p>
+        </p:txBody>
+      </p:sp>
+      <p:sp>
+        <p:nvSpPr>
+          <p:cNvPr id="2" name="Title 1"/>
+          <p:cNvSpPr>
+            <a:spLocks noGrp="1"/>
+          </p:cNvSpPr>
+          <p:nvPr>
+            <p:ph type="title"/>
+          </p:nvPr>
+        </p:nvSpPr>
+        <p:spPr/>
+        <p:txBody>
+          <a:bodyPr/>
+          <a:lstStyle/>
+          <a:p>
+            <a:pPr algn="ctr"/>
+            <a:r>
+              <a:rPr lang="en-US" dirty="0" smtClean="0"/>
+              <a:t>Material model solid</a:t>
+            </a:r>
+            <a:endParaRPr lang="es-ES" dirty="0"/>
+          </a:p>
+        </p:txBody>
+      </p:sp>
+      <p:sp>
+        <p:nvSpPr>
+          <p:cNvPr id="4" name="Rectangle 3"/>
+          <p:cNvSpPr/>
+          <p:nvPr/>
+        </p:nvSpPr>
+        <p:spPr>
+          <a:xfrm>
+            <a:off x="4435371" y="824946"/>
+            <a:ext cx="3525875" cy="2616101"/>
+          </a:xfrm>
+          <a:prstGeom prst="rect">
+            <a:avLst/>
+          </a:prstGeom>
+        </p:spPr>
+        <p:txBody>
+          <a:bodyPr wrap="square">
+            <a:spAutoFit/>
+          </a:bodyPr>
+          <a:lstStyle/>
+          <a:p>
+            <a:r>
+              <a:rPr lang="es-ES" sz="1600" dirty="0" smtClean="0">
+                <a:latin typeface="Calibri" panose="020F0502020204030204" pitchFamily="34" charset="0"/>
+                <a:cs typeface="Calibri" panose="020F0502020204030204" pitchFamily="34" charset="0"/>
+              </a:rPr>
+              <a:t>3.    $$</a:t>
+            </a:r>
+            <a:r>
+              <a:rPr lang="es-ES" sz="1600" dirty="0">
+                <a:latin typeface="Calibri" panose="020F0502020204030204" pitchFamily="34" charset="0"/>
+                <a:cs typeface="Calibri" panose="020F0502020204030204" pitchFamily="34" charset="0"/>
+              </a:rPr>
+              <a:t>MATERIAL_MODEL_SOLID</a:t>
+            </a:r>
+          </a:p>
+          <a:p>
+            <a:pPr indent="357188"/>
+            <a:r>
+              <a:rPr lang="es-ES" sz="1600" dirty="0" err="1" smtClean="0">
+                <a:latin typeface="Calibri" panose="020F0502020204030204" pitchFamily="34" charset="0"/>
+                <a:cs typeface="Calibri" panose="020F0502020204030204" pitchFamily="34" charset="0"/>
+              </a:rPr>
+              <a:t>rigid_body</a:t>
+            </a:r>
+            <a:endParaRPr lang="es-ES" sz="1600" dirty="0" smtClean="0">
+              <a:latin typeface="Calibri" panose="020F0502020204030204" pitchFamily="34" charset="0"/>
+              <a:cs typeface="Calibri" panose="020F0502020204030204" pitchFamily="34" charset="0"/>
+            </a:endParaRPr>
+          </a:p>
+          <a:p>
+            <a:pPr indent="357188"/>
+            <a:r>
+              <a:rPr lang="es-ES" sz="1600" dirty="0">
+                <a:latin typeface="Calibri" panose="020F0502020204030204" pitchFamily="34" charset="0"/>
+                <a:cs typeface="Calibri" panose="020F0502020204030204" pitchFamily="34" charset="0"/>
+              </a:rPr>
+              <a:t>$$</a:t>
+            </a:r>
+            <a:r>
+              <a:rPr lang="es-ES" sz="1600" dirty="0" err="1" smtClean="0">
+                <a:latin typeface="Calibri" panose="020F0502020204030204" pitchFamily="34" charset="0"/>
+                <a:cs typeface="Calibri" panose="020F0502020204030204" pitchFamily="34" charset="0"/>
+              </a:rPr>
+              <a:t>constraint_XDISPLACEMENT</a:t>
+            </a:r>
+            <a:endParaRPr lang="es-ES" sz="1600" dirty="0" smtClean="0">
+              <a:latin typeface="Calibri" panose="020F0502020204030204" pitchFamily="34" charset="0"/>
+              <a:cs typeface="Calibri" panose="020F0502020204030204" pitchFamily="34" charset="0"/>
+            </a:endParaRPr>
+          </a:p>
+          <a:p>
+            <a:pPr indent="357188"/>
+            <a:r>
+              <a:rPr lang="es-ES" sz="1200" i="1" dirty="0">
+                <a:latin typeface="Calibri" panose="020F0502020204030204" pitchFamily="34" charset="0"/>
+                <a:cs typeface="Calibri" panose="020F0502020204030204" pitchFamily="34" charset="0"/>
+              </a:rPr>
+              <a:t>(0 free ; 1 </a:t>
+            </a:r>
+            <a:r>
+              <a:rPr lang="es-ES" sz="1200" i="1" dirty="0" err="1">
+                <a:latin typeface="Calibri" panose="020F0502020204030204" pitchFamily="34" charset="0"/>
+                <a:cs typeface="Calibri" panose="020F0502020204030204" pitchFamily="34" charset="0"/>
+              </a:rPr>
+              <a:t>fixed</a:t>
+            </a:r>
+            <a:r>
+              <a:rPr lang="es-ES" sz="1200" i="1" dirty="0">
+                <a:latin typeface="Calibri" panose="020F0502020204030204" pitchFamily="34" charset="0"/>
+                <a:cs typeface="Calibri" panose="020F0502020204030204" pitchFamily="34" charset="0"/>
+              </a:rPr>
+              <a:t>)</a:t>
+            </a:r>
+          </a:p>
+          <a:p>
+            <a:pPr indent="357188"/>
+            <a:r>
+              <a:rPr lang="es-ES" sz="1600" dirty="0" smtClean="0">
+                <a:latin typeface="Calibri" panose="020F0502020204030204" pitchFamily="34" charset="0"/>
+                <a:cs typeface="Calibri" panose="020F0502020204030204" pitchFamily="34" charset="0"/>
+              </a:rPr>
+              <a:t>0</a:t>
+            </a:r>
+          </a:p>
+          <a:p>
+            <a:pPr indent="357188"/>
+            <a:r>
+              <a:rPr lang="es-ES" sz="1600" dirty="0">
+                <a:latin typeface="Calibri" panose="020F0502020204030204" pitchFamily="34" charset="0"/>
+                <a:cs typeface="Calibri" panose="020F0502020204030204" pitchFamily="34" charset="0"/>
+              </a:rPr>
+              <a:t>$$</a:t>
+            </a:r>
+            <a:r>
+              <a:rPr lang="es-ES" sz="1600" dirty="0" err="1" smtClean="0">
+                <a:latin typeface="Calibri" panose="020F0502020204030204" pitchFamily="34" charset="0"/>
+                <a:cs typeface="Calibri" panose="020F0502020204030204" pitchFamily="34" charset="0"/>
+              </a:rPr>
+              <a:t>constraint_YDISPLACEMENT</a:t>
+            </a:r>
+            <a:endParaRPr lang="es-ES" sz="1600" dirty="0" smtClean="0">
+              <a:latin typeface="Calibri" panose="020F0502020204030204" pitchFamily="34" charset="0"/>
+              <a:cs typeface="Calibri" panose="020F0502020204030204" pitchFamily="34" charset="0"/>
+            </a:endParaRPr>
+          </a:p>
+          <a:p>
+            <a:pPr indent="357188"/>
+            <a:r>
+              <a:rPr lang="es-ES" sz="1200" i="1" dirty="0">
+                <a:latin typeface="Calibri" panose="020F0502020204030204" pitchFamily="34" charset="0"/>
+                <a:cs typeface="Calibri" panose="020F0502020204030204" pitchFamily="34" charset="0"/>
+              </a:rPr>
+              <a:t>(0 free ; 1 </a:t>
+            </a:r>
+            <a:r>
+              <a:rPr lang="es-ES" sz="1200" i="1" dirty="0" err="1">
+                <a:latin typeface="Calibri" panose="020F0502020204030204" pitchFamily="34" charset="0"/>
+                <a:cs typeface="Calibri" panose="020F0502020204030204" pitchFamily="34" charset="0"/>
+              </a:rPr>
+              <a:t>fixed</a:t>
+            </a:r>
+            <a:r>
+              <a:rPr lang="es-ES" sz="1200" i="1" dirty="0" smtClean="0">
+                <a:latin typeface="Calibri" panose="020F0502020204030204" pitchFamily="34" charset="0"/>
+                <a:cs typeface="Calibri" panose="020F0502020204030204" pitchFamily="34" charset="0"/>
+              </a:rPr>
+              <a:t>)</a:t>
+            </a:r>
+            <a:endParaRPr lang="es-ES" sz="1200" dirty="0" smtClean="0">
+              <a:latin typeface="Calibri" panose="020F0502020204030204" pitchFamily="34" charset="0"/>
+              <a:cs typeface="Calibri" panose="020F0502020204030204" pitchFamily="34" charset="0"/>
+            </a:endParaRPr>
+          </a:p>
+          <a:p>
+            <a:pPr indent="357188"/>
+            <a:r>
+              <a:rPr lang="es-ES" sz="1600" dirty="0">
+                <a:latin typeface="Calibri" panose="020F0502020204030204" pitchFamily="34" charset="0"/>
+                <a:cs typeface="Calibri" panose="020F0502020204030204" pitchFamily="34" charset="0"/>
+              </a:rPr>
+              <a:t>0</a:t>
+            </a:r>
+            <a:endParaRPr lang="es-ES" sz="1600" dirty="0" smtClean="0">
+              <a:latin typeface="Calibri" panose="020F0502020204030204" pitchFamily="34" charset="0"/>
+              <a:cs typeface="Calibri" panose="020F0502020204030204" pitchFamily="34" charset="0"/>
+            </a:endParaRPr>
+          </a:p>
+          <a:p>
+            <a:pPr indent="357188"/>
+            <a:r>
+              <a:rPr lang="es-ES" sz="1600" dirty="0">
+                <a:latin typeface="Calibri" panose="020F0502020204030204" pitchFamily="34" charset="0"/>
+                <a:cs typeface="Calibri" panose="020F0502020204030204" pitchFamily="34" charset="0"/>
+              </a:rPr>
+              <a:t>$$</a:t>
+            </a:r>
+            <a:r>
+              <a:rPr lang="es-ES" sz="1600" dirty="0" err="1" smtClean="0">
+                <a:latin typeface="Calibri" panose="020F0502020204030204" pitchFamily="34" charset="0"/>
+                <a:cs typeface="Calibri" panose="020F0502020204030204" pitchFamily="34" charset="0"/>
+              </a:rPr>
+              <a:t>constraint_ZDISPLACEMENT</a:t>
+            </a:r>
+            <a:endParaRPr lang="es-ES" sz="1600" dirty="0" smtClean="0">
+              <a:latin typeface="Calibri" panose="020F0502020204030204" pitchFamily="34" charset="0"/>
+              <a:cs typeface="Calibri" panose="020F0502020204030204" pitchFamily="34" charset="0"/>
+            </a:endParaRPr>
+          </a:p>
+          <a:p>
+            <a:pPr indent="357188"/>
+            <a:r>
+              <a:rPr lang="es-ES" sz="1200" i="1" dirty="0">
+                <a:latin typeface="Calibri" panose="020F0502020204030204" pitchFamily="34" charset="0"/>
+                <a:cs typeface="Calibri" panose="020F0502020204030204" pitchFamily="34" charset="0"/>
+              </a:rPr>
+              <a:t>(0 free ; 1 </a:t>
+            </a:r>
+            <a:r>
+              <a:rPr lang="es-ES" sz="1200" i="1" dirty="0" err="1">
+                <a:latin typeface="Calibri" panose="020F0502020204030204" pitchFamily="34" charset="0"/>
+                <a:cs typeface="Calibri" panose="020F0502020204030204" pitchFamily="34" charset="0"/>
+              </a:rPr>
+              <a:t>fixed</a:t>
+            </a:r>
+            <a:r>
+              <a:rPr lang="es-ES" sz="1200" i="1" dirty="0" smtClean="0">
+                <a:latin typeface="Calibri" panose="020F0502020204030204" pitchFamily="34" charset="0"/>
+                <a:cs typeface="Calibri" panose="020F0502020204030204" pitchFamily="34" charset="0"/>
+              </a:rPr>
+              <a:t>)</a:t>
+            </a:r>
+            <a:endParaRPr lang="es-ES" sz="1200" dirty="0" smtClean="0">
+              <a:latin typeface="Calibri" panose="020F0502020204030204" pitchFamily="34" charset="0"/>
+              <a:cs typeface="Calibri" panose="020F0502020204030204" pitchFamily="34" charset="0"/>
+            </a:endParaRPr>
+          </a:p>
+          <a:p>
+            <a:pPr indent="357188"/>
+            <a:r>
+              <a:rPr lang="es-ES" sz="1600" dirty="0">
+                <a:latin typeface="Calibri" panose="020F0502020204030204" pitchFamily="34" charset="0"/>
+                <a:cs typeface="Calibri" panose="020F0502020204030204" pitchFamily="34" charset="0"/>
+              </a:rPr>
+              <a:t>0</a:t>
+            </a:r>
+            <a:endParaRPr lang="es-ES" sz="1600" dirty="0" smtClean="0">
+              <a:latin typeface="Calibri" panose="020F0502020204030204" pitchFamily="34" charset="0"/>
+              <a:cs typeface="Calibri" panose="020F0502020204030204" pitchFamily="34" charset="0"/>
+            </a:endParaRPr>
+          </a:p>
+        </p:txBody>
+      </p:sp>
+    </p:spTree>
+    <p:extLst>
+      <p:ext uri="{BB962C8B-B14F-4D97-AF65-F5344CB8AC3E}">
+        <p14:creationId xmlns:p14="http://schemas.microsoft.com/office/powerpoint/2010/main" val="628482544"/>
+      </p:ext>
+    </p:extLst>
+  </p:cSld>
+  <p:clrMapOvr>
+    <a:masterClrMapping/>
+  </p:clrMapOvr>
+  <p:timing>
+    <p:tnLst>
+      <p:par>
+        <p:cTn id="1" dur="indefinite" restart="never" nodeType="tmRoot"/>
+      </p:par>
+    </p:tnLst>
+  </p:timing>
+</p:sld>
+</file>
+
+<file path=ppt/slides/slide41.xml><?xml version="1.0" encoding="utf-8"?>
+<p:sld xmlns:a="http://schemas.openxmlformats.org/drawingml/2006/main" xmlns:r="http://schemas.openxmlformats.org/officeDocument/2006/relationships" xmlns:p="http://schemas.openxmlformats.org/presentationml/2006/main">
+  <p:cSld>
+    <p:spTree>
+      <p:nvGrpSpPr>
+        <p:cNvPr id="1" name=""/>
+        <p:cNvGrpSpPr/>
+        <p:nvPr/>
+      </p:nvGrpSpPr>
+      <p:grpSpPr>
+        <a:xfrm>
+          <a:off x="0" y="0"/>
+          <a:ext cx="0" cy="0"/>
+          <a:chOff x="0" y="0"/>
+          <a:chExt cx="0" cy="0"/>
+        </a:xfrm>
+      </p:grpSpPr>
+      <p:sp>
+        <p:nvSpPr>
+          <p:cNvPr id="3" name="Rectangle 2"/>
+          <p:cNvSpPr/>
+          <p:nvPr/>
+        </p:nvSpPr>
+        <p:spPr>
+          <a:xfrm>
             <a:off x="330507" y="834889"/>
             <a:ext cx="5742299" cy="4431983"/>
           </a:xfrm>
@@ -25068,7 +25356,7 @@
 </p:sld>
 </file>
 
-<file path=ppt/slides/slide41.xml><?xml version="1.0" encoding="utf-8"?>
+<file path=ppt/slides/slide42.xml><?xml version="1.0" encoding="utf-8"?>
 <p:sld xmlns:a="http://schemas.openxmlformats.org/drawingml/2006/main" xmlns:r="http://schemas.openxmlformats.org/officeDocument/2006/relationships" xmlns:p="http://schemas.openxmlformats.org/presentationml/2006/main">
   <p:cSld>
     <p:spTree>
@@ -25360,7 +25648,7 @@
 </p:sld>
 </file>
 
-<file path=ppt/slides/slide42.xml><?xml version="1.0" encoding="utf-8"?>
+<file path=ppt/slides/slide43.xml><?xml version="1.0" encoding="utf-8"?>
 <p:sld xmlns:a="http://schemas.openxmlformats.org/drawingml/2006/main" xmlns:r="http://schemas.openxmlformats.org/officeDocument/2006/relationships" xmlns:p="http://schemas.openxmlformats.org/presentationml/2006/main">
   <p:cSld>
     <p:spTree>
